--- a/asset/Learn/ITA-Conductor_practice_en.pptx
+++ b/asset/Learn/ITA-Conductor_practice_en.pptx
@@ -330,7 +330,7 @@
               <a:rPr kumimoji="1" lang="ja-JP" altLang="en-US" smtClean="0">
                 <a:ea typeface="メイリオ" panose="020B0604030504040204" pitchFamily="50" charset="-128"/>
               </a:rPr>
-              <a:t>2020/11/11</a:t>
+              <a:t>2021/6/17</a:t>
             </a:fld>
             <a:endParaRPr kumimoji="1" lang="ja-JP" altLang="en-US" dirty="0">
               <a:ea typeface="メイリオ" panose="020B0604030504040204" pitchFamily="50" charset="-128"/>
@@ -476,7 +476,7 @@
             <a:fld id="{4B26993D-C081-44EB-B0F5-A9F467792B62}" type="datetimeFigureOut">
               <a:rPr lang="ja-JP" altLang="en-US" smtClean="0"/>
               <a:pPr/>
-              <a:t>2020/11/11</a:t>
+              <a:t>2021/6/17</a:t>
             </a:fld>
             <a:endParaRPr lang="ja-JP" altLang="en-US" dirty="0"/>
           </a:p>
@@ -4377,7 +4377,7 @@
           <a:p>
             <a:fld id="{56F9016B-CCA6-43BE-8BEE-59565A35F4F7}" type="datetimeFigureOut">
               <a:rPr kumimoji="1" lang="ja-JP" altLang="en-US" smtClean="0"/>
-              <a:t>2020/11/11</a:t>
+              <a:t>2021/6/17</a:t>
             </a:fld>
             <a:endParaRPr kumimoji="1" lang="ja-JP" altLang="en-US"/>
           </a:p>
@@ -4579,7 +4579,7 @@
           <a:p>
             <a:fld id="{56F9016B-CCA6-43BE-8BEE-59565A35F4F7}" type="datetimeFigureOut">
               <a:rPr kumimoji="1" lang="ja-JP" altLang="en-US" smtClean="0"/>
-              <a:t>2020/11/11</a:t>
+              <a:t>2021/6/17</a:t>
             </a:fld>
             <a:endParaRPr kumimoji="1" lang="ja-JP" altLang="en-US"/>
           </a:p>
@@ -4825,7 +4825,7 @@
           <a:p>
             <a:fld id="{56F9016B-CCA6-43BE-8BEE-59565A35F4F7}" type="datetimeFigureOut">
               <a:rPr kumimoji="1" lang="ja-JP" altLang="en-US" smtClean="0"/>
-              <a:t>2020/11/11</a:t>
+              <a:t>2021/6/17</a:t>
             </a:fld>
             <a:endParaRPr kumimoji="1" lang="ja-JP" altLang="en-US"/>
           </a:p>
@@ -5121,7 +5121,7 @@
           <a:p>
             <a:fld id="{56F9016B-CCA6-43BE-8BEE-59565A35F4F7}" type="datetimeFigureOut">
               <a:rPr kumimoji="1" lang="ja-JP" altLang="en-US" smtClean="0"/>
-              <a:t>2020/11/11</a:t>
+              <a:t>2021/6/17</a:t>
             </a:fld>
             <a:endParaRPr kumimoji="1" lang="ja-JP" altLang="en-US"/>
           </a:p>
@@ -5552,7 +5552,7 @@
           <a:p>
             <a:fld id="{56F9016B-CCA6-43BE-8BEE-59565A35F4F7}" type="datetimeFigureOut">
               <a:rPr kumimoji="1" lang="ja-JP" altLang="en-US" smtClean="0"/>
-              <a:t>2020/11/11</a:t>
+              <a:t>2021/6/17</a:t>
             </a:fld>
             <a:endParaRPr kumimoji="1" lang="ja-JP" altLang="en-US"/>
           </a:p>
@@ -5670,7 +5670,7 @@
           <a:p>
             <a:fld id="{56F9016B-CCA6-43BE-8BEE-59565A35F4F7}" type="datetimeFigureOut">
               <a:rPr kumimoji="1" lang="ja-JP" altLang="en-US" smtClean="0"/>
-              <a:t>2020/11/11</a:t>
+              <a:t>2021/6/17</a:t>
             </a:fld>
             <a:endParaRPr kumimoji="1" lang="ja-JP" altLang="en-US"/>
           </a:p>
@@ -5765,7 +5765,7 @@
           <a:p>
             <a:fld id="{56F9016B-CCA6-43BE-8BEE-59565A35F4F7}" type="datetimeFigureOut">
               <a:rPr kumimoji="1" lang="ja-JP" altLang="en-US" smtClean="0"/>
-              <a:t>2020/11/11</a:t>
+              <a:t>2021/6/17</a:t>
             </a:fld>
             <a:endParaRPr kumimoji="1" lang="ja-JP" altLang="en-US"/>
           </a:p>
@@ -6074,7 +6074,7 @@
           <a:p>
             <a:fld id="{56F9016B-CCA6-43BE-8BEE-59565A35F4F7}" type="datetimeFigureOut">
               <a:rPr kumimoji="1" lang="ja-JP" altLang="en-US" smtClean="0"/>
-              <a:t>2020/11/11</a:t>
+              <a:t>2021/6/17</a:t>
             </a:fld>
             <a:endParaRPr kumimoji="1" lang="ja-JP" altLang="en-US"/>
           </a:p>
@@ -6327,7 +6327,7 @@
           <a:p>
             <a:fld id="{56F9016B-CCA6-43BE-8BEE-59565A35F4F7}" type="datetimeFigureOut">
               <a:rPr kumimoji="1" lang="ja-JP" altLang="en-US" smtClean="0"/>
-              <a:t>2020/11/11</a:t>
+              <a:t>2021/6/17</a:t>
             </a:fld>
             <a:endParaRPr kumimoji="1" lang="ja-JP" altLang="en-US"/>
           </a:p>
@@ -6604,7 +6604,7 @@
           <a:p>
             <a:fld id="{56F9016B-CCA6-43BE-8BEE-59565A35F4F7}" type="datetimeFigureOut">
               <a:rPr kumimoji="1" lang="ja-JP" altLang="en-US" smtClean="0"/>
-              <a:t>2020/11/11</a:t>
+              <a:t>2021/6/17</a:t>
             </a:fld>
             <a:endParaRPr kumimoji="1" lang="ja-JP" altLang="en-US"/>
           </a:p>
@@ -6816,7 +6816,7 @@
           <a:p>
             <a:fld id="{56F9016B-CCA6-43BE-8BEE-59565A35F4F7}" type="datetimeFigureOut">
               <a:rPr kumimoji="1" lang="ja-JP" altLang="en-US" smtClean="0"/>
-              <a:t>2020/11/11</a:t>
+              <a:t>2021/6/17</a:t>
             </a:fld>
             <a:endParaRPr kumimoji="1" lang="ja-JP" altLang="en-US"/>
           </a:p>
@@ -9875,7 +9875,7 @@
           <a:p>
             <a:fld id="{56F9016B-CCA6-43BE-8BEE-59565A35F4F7}" type="datetimeFigureOut">
               <a:rPr kumimoji="1" lang="ja-JP" altLang="en-US" smtClean="0"/>
-              <a:t>2020/11/11</a:t>
+              <a:t>2021/6/17</a:t>
             </a:fld>
             <a:endParaRPr kumimoji="1" lang="ja-JP" altLang="en-US"/>
           </a:p>
@@ -10309,8 +10309,9 @@
           <a:p>
             <a:r>
               <a:rPr lang="en-US" altLang="ja-JP" dirty="0" smtClean="0"/>
-              <a:t>Version1.5</a:t>
-            </a:r>
+              <a:t>Exastro IT Automation Version 1.7.1</a:t>
+            </a:r>
+            <a:endParaRPr lang="en-US" altLang="ja-JP" dirty="0" smtClean="0"/>
           </a:p>
           <a:p>
             <a:r>
@@ -10826,7 +10827,7 @@
             </a:r>
             <a:r>
               <a:rPr lang="en-US" altLang="ja-JP" dirty="0" smtClean="0"/>
-              <a:t>Practice</a:t>
+              <a:t>Operation</a:t>
             </a:r>
             <a:endParaRPr kumimoji="1" lang="ja-JP" altLang="en-US" dirty="0"/>
           </a:p>
@@ -12354,7 +12355,19 @@
                           <a:ea typeface="+mn-ea"/>
                           <a:cs typeface="+mn-cs"/>
                         </a:rPr>
-                        <a:t>(Optional value)</a:t>
+                        <a:t>(Free </a:t>
+                      </a:r>
+                      <a:r>
+                        <a:rPr kumimoji="1" lang="en-US" altLang="ja-JP" sz="900" b="0" i="0" kern="1200" dirty="0" smtClean="0">
+                          <a:solidFill>
+                            <a:schemeClr val="tx1"/>
+                          </a:solidFill>
+                          <a:effectLst/>
+                          <a:latin typeface="+mn-lt"/>
+                          <a:ea typeface="+mn-ea"/>
+                          <a:cs typeface="+mn-cs"/>
+                        </a:rPr>
+                        <a:t>value)</a:t>
                       </a:r>
                       <a:endParaRPr lang="en-US" altLang="ja-JP" sz="900" dirty="0" smtClean="0">
                         <a:solidFill>
@@ -12571,7 +12584,19 @@
                           <a:ea typeface="+mn-ea"/>
                           <a:cs typeface="+mn-cs"/>
                         </a:rPr>
-                        <a:t>Optional value</a:t>
+                        <a:t>Free </a:t>
+                      </a:r>
+                      <a:r>
+                        <a:rPr kumimoji="1" lang="en-US" altLang="ja-JP" sz="900" b="0" i="0" kern="1200" dirty="0" smtClean="0">
+                          <a:solidFill>
+                            <a:schemeClr val="dk1"/>
+                          </a:solidFill>
+                          <a:effectLst/>
+                          <a:latin typeface="+mn-lt"/>
+                          <a:ea typeface="+mn-ea"/>
+                          <a:cs typeface="+mn-cs"/>
+                        </a:rPr>
+                        <a:t>value</a:t>
                       </a:r>
                       <a:r>
                         <a:rPr kumimoji="1" lang="en-US" altLang="ja-JP" sz="900" b="0" i="0" kern="1200" dirty="0" smtClean="0">
@@ -12968,7 +12993,7 @@
                           </a:solidFill>
                           <a:latin typeface="+mn-lt"/>
                         </a:rPr>
-                        <a:t>(Optional</a:t>
+                        <a:t>(Free</a:t>
                       </a:r>
                       <a:r>
                         <a:rPr lang="en-US" altLang="ja-JP" sz="900" baseline="0" dirty="0" smtClean="0">
@@ -12977,7 +13002,16 @@
                           </a:solidFill>
                           <a:latin typeface="+mn-lt"/>
                         </a:rPr>
-                        <a:t> value)</a:t>
+                        <a:t> </a:t>
+                      </a:r>
+                      <a:r>
+                        <a:rPr lang="en-US" altLang="ja-JP" sz="900" baseline="0" dirty="0" smtClean="0">
+                          <a:solidFill>
+                            <a:schemeClr val="tx1"/>
+                          </a:solidFill>
+                          <a:latin typeface="+mn-lt"/>
+                        </a:rPr>
+                        <a:t>value)</a:t>
                       </a:r>
                       <a:endParaRPr lang="en-US" altLang="ja-JP" sz="900" dirty="0" smtClean="0">
                         <a:solidFill>
@@ -14357,7 +14391,7 @@
           <p:nvPr>
             <p:extLst>
               <p:ext uri="{D42A27DB-BD31-4B8C-83A1-F6EECF244321}">
-                <p14:modId xmlns:p14="http://schemas.microsoft.com/office/powerpoint/2010/main" val="252681478"/>
+                <p14:modId xmlns:p14="http://schemas.microsoft.com/office/powerpoint/2010/main" val="1900622700"/>
               </p:ext>
             </p:extLst>
           </p:nvPr>
@@ -14861,7 +14895,7 @@
                           </a:solidFill>
                           <a:latin typeface="+mn-lt"/>
                         </a:rPr>
-                        <a:t>Optional</a:t>
+                        <a:t>Free</a:t>
                       </a:r>
                       <a:r>
                         <a:rPr lang="en-US" altLang="ja-JP" sz="1200" baseline="0" dirty="0" smtClean="0">
@@ -14870,7 +14904,16 @@
                           </a:solidFill>
                           <a:latin typeface="+mn-lt"/>
                         </a:rPr>
-                        <a:t> date/time</a:t>
+                        <a:t> </a:t>
+                      </a:r>
+                      <a:r>
+                        <a:rPr lang="en-US" altLang="ja-JP" sz="1200" baseline="0" dirty="0" smtClean="0">
+                          <a:solidFill>
+                            <a:schemeClr val="tx1"/>
+                          </a:solidFill>
+                          <a:latin typeface="+mn-lt"/>
+                        </a:rPr>
+                        <a:t>date/time</a:t>
                       </a:r>
                       <a:r>
                         <a:rPr lang="ja-JP" altLang="en-US" sz="1200" dirty="0" smtClean="0">
@@ -15532,7 +15575,7 @@
           <p:nvPr>
             <p:extLst>
               <p:ext uri="{D42A27DB-BD31-4B8C-83A1-F6EECF244321}">
-                <p14:modId xmlns:p14="http://schemas.microsoft.com/office/powerpoint/2010/main" val="3065027270"/>
+                <p14:modId xmlns:p14="http://schemas.microsoft.com/office/powerpoint/2010/main" val="1760491173"/>
               </p:ext>
             </p:extLst>
           </p:nvPr>
@@ -15843,7 +15886,7 @@
                           </a:solidFill>
                           <a:latin typeface="+mn-lt"/>
                         </a:rPr>
-                        <a:t>Optional</a:t>
+                        <a:t>free</a:t>
                       </a:r>
                       <a:r>
                         <a:rPr kumimoji="1" lang="ja-JP" altLang="en-US" sz="1200" dirty="0" smtClean="0">
@@ -16054,7 +16097,7 @@
                           </a:solidFill>
                           <a:latin typeface="+mn-lt"/>
                         </a:rPr>
-                        <a:t>Optional</a:t>
+                        <a:t>free</a:t>
                       </a:r>
                       <a:r>
                         <a:rPr lang="ja-JP" altLang="en-US" sz="1200" dirty="0" smtClean="0">
@@ -17010,56 +17053,48 @@
             <a:endParaRPr lang="en-US" altLang="ja-JP" b="1" dirty="0" smtClean="0"/>
           </a:p>
           <a:p>
-            <a:pPr marL="180000" lvl="1" indent="0">
-              <a:buNone/>
+            <a:pPr>
+              <a:buFont typeface="Wingdings" panose="05000000000000000000" pitchFamily="2" charset="2"/>
+              <a:buChar char="l"/>
             </a:pPr>
             <a:r>
-              <a:rPr lang="en-US" altLang="ja-JP" dirty="0"/>
-              <a:t>The resulting image is as follows.</a:t>
-            </a:r>
-            <a:endParaRPr lang="en-US" altLang="ja-JP" dirty="0" smtClean="0"/>
+              <a:rPr lang="en-US" altLang="ja-JP" sz="1800" dirty="0"/>
+              <a:t>When you’re </a:t>
+            </a:r>
+            <a:r>
+              <a:rPr lang="en-US" altLang="ja-JP" sz="1800" dirty="0" smtClean="0"/>
+              <a:t>done </a:t>
+            </a:r>
+            <a:r>
+              <a:rPr lang="en-US" altLang="ja-JP" sz="1800" dirty="0"/>
+              <a:t>registering, the list should be something like this:</a:t>
+            </a:r>
+            <a:endParaRPr lang="en-US" altLang="ja-JP" sz="1800" dirty="0"/>
           </a:p>
         </p:txBody>
       </p:sp>
       <p:pic>
         <p:nvPicPr>
-          <p:cNvPr id="5" name="図 4"/>
+          <p:cNvPr id="7" name="図 6"/>
           <p:cNvPicPr>
-            <a:picLocks noChangeAspect="1" noChangeArrowheads="1"/>
+            <a:picLocks noChangeAspect="1"/>
           </p:cNvPicPr>
           <p:nvPr/>
         </p:nvPicPr>
         <p:blipFill>
-          <a:blip r:embed="rId3">
-            <a:extLst>
-              <a:ext uri="{28A0092B-C50C-407E-A947-70E740481C1C}">
-                <a14:useLocalDpi xmlns:a14="http://schemas.microsoft.com/office/drawing/2010/main" val="0"/>
-              </a:ext>
-            </a:extLst>
-          </a:blip>
-          <a:srcRect/>
+          <a:blip r:embed="rId3"/>
           <a:stretch>
             <a:fillRect/>
           </a:stretch>
         </p:blipFill>
-        <p:spPr bwMode="auto">
+        <p:spPr>
           <a:xfrm>
-            <a:off x="348830" y="1628750"/>
-            <a:ext cx="8614683" cy="3528490"/>
+            <a:off x="264688" y="1772770"/>
+            <a:ext cx="8469649" cy="3096430"/>
           </a:xfrm>
           <a:prstGeom prst="rect">
             <a:avLst/>
           </a:prstGeom>
-          <a:noFill/>
-          <a:extLst>
-            <a:ext uri="{909E8E84-426E-40DD-AFC4-6F175D3DCCD1}">
-              <a14:hiddenFill xmlns:a14="http://schemas.microsoft.com/office/drawing/2010/main">
-                <a:solidFill>
-                  <a:srgbClr val="FFFFFF"/>
-                </a:solidFill>
-              </a14:hiddenFill>
-            </a:ext>
-          </a:extLst>
         </p:spPr>
       </p:pic>
     </p:spTree>
@@ -17212,8 +17247,16 @@
               <a:t>name" </a:t>
             </a:r>
             <a:r>
+              <a:rPr lang="en-US" altLang="ja-JP" dirty="0"/>
+              <a:t> </a:t>
+            </a:r>
+            <a:r>
               <a:rPr lang="en-US" altLang="ja-JP" dirty="0" smtClean="0"/>
-              <a:t>,”Host </a:t>
+              <a:t>and select </a:t>
+            </a:r>
+            <a:r>
+              <a:rPr lang="en-US" altLang="ja-JP" dirty="0" smtClean="0"/>
+              <a:t>”Host </a:t>
             </a:r>
             <a:r>
               <a:rPr lang="en-US" altLang="ja-JP" dirty="0"/>
@@ -17799,7 +17842,7 @@
                           </a:solidFill>
                           <a:latin typeface="+mn-lt"/>
                         </a:rPr>
-                        <a:t>Optional</a:t>
+                        <a:t>Free</a:t>
                       </a:r>
                       <a:r>
                         <a:rPr kumimoji="1" lang="ja-JP" altLang="en-US" sz="1200" dirty="0" smtClean="0">
@@ -18140,8 +18183,8 @@
         </p:nvSpPr>
         <p:spPr bwMode="auto">
           <a:xfrm>
-            <a:off x="6457723" y="5727486"/>
-            <a:ext cx="2502158" cy="797904"/>
+            <a:off x="6300240" y="5727486"/>
+            <a:ext cx="2663273" cy="797904"/>
           </a:xfrm>
           <a:prstGeom prst="roundRect">
             <a:avLst/>
@@ -18232,21 +18275,24 @@
           <a:p>
             <a:pPr algn="ctr"/>
             <a:r>
-              <a:rPr lang="en-US" altLang="ja-JP" sz="1400">
+              <a:rPr lang="en-US" altLang="ja-JP" sz="1400" dirty="0" smtClean="0">
                 <a:latin typeface="+mn-ea"/>
               </a:rPr>
-              <a:t>Please create the same number of </a:t>
-            </a:r>
-          </a:p>
-          <a:p>
-            <a:pPr algn="ctr"/>
-            <a:r>
-              <a:rPr lang="en-US" altLang="ja-JP" sz="1400">
+              <a:t>Please create one Movement for each </a:t>
+            </a:r>
+            <a:r>
+              <a:rPr lang="en-US" altLang="ja-JP" sz="1400" dirty="0" err="1" smtClean="0">
                 <a:latin typeface="+mn-ea"/>
               </a:rPr>
-              <a:t>Movements as the yml file.</a:t>
-            </a:r>
-            <a:endParaRPr lang="ja-JP" altLang="en-US" sz="1400">
+              <a:t>yml</a:t>
+            </a:r>
+            <a:r>
+              <a:rPr lang="en-US" altLang="ja-JP" sz="1400" dirty="0" smtClean="0">
+                <a:latin typeface="+mn-ea"/>
+              </a:rPr>
+              <a:t> file.</a:t>
+            </a:r>
+            <a:endParaRPr lang="ja-JP" altLang="en-US" sz="1400" dirty="0">
               <a:latin typeface="+mn-ea"/>
             </a:endParaRPr>
           </a:p>
@@ -18260,7 +18306,7 @@
         </p:nvGrpSpPr>
         <p:grpSpPr>
           <a:xfrm>
-            <a:off x="6219718" y="5669707"/>
+            <a:off x="6012999" y="5647223"/>
             <a:ext cx="409451" cy="456731"/>
             <a:chOff x="0" y="0"/>
             <a:chExt cx="565503" cy="549789"/>
@@ -18959,27 +19005,37 @@
             <a:endParaRPr lang="en-US" altLang="ja-JP" b="1" dirty="0" smtClean="0"/>
           </a:p>
           <a:p>
-            <a:pPr marL="180000" lvl="1" indent="0">
-              <a:buNone/>
+            <a:pPr>
+              <a:buFont typeface="Wingdings" panose="05000000000000000000" pitchFamily="2" charset="2"/>
+              <a:buChar char="l"/>
             </a:pPr>
             <a:r>
-              <a:rPr lang="en-US" altLang="ja-JP" dirty="0"/>
-              <a:t>The image after </a:t>
-            </a:r>
-            <a:r>
-              <a:rPr lang="en-US" altLang="ja-JP" dirty="0" smtClean="0"/>
-              <a:t>register </a:t>
-            </a:r>
-            <a:r>
-              <a:rPr lang="en-US" altLang="ja-JP" dirty="0"/>
-              <a:t>is as follows.</a:t>
-            </a:r>
+              <a:rPr lang="en-US" altLang="ja-JP" sz="1800" dirty="0"/>
+              <a:t>When you’re </a:t>
+            </a:r>
+            <a:r>
+              <a:rPr lang="en-US" altLang="ja-JP" sz="1800" dirty="0" smtClean="0"/>
+              <a:t>done </a:t>
+            </a:r>
+            <a:r>
+              <a:rPr lang="en-US" altLang="ja-JP" sz="1800" dirty="0"/>
+              <a:t>registering, </a:t>
+            </a:r>
+            <a:r>
+              <a:rPr lang="en-US" altLang="ja-JP" sz="1800" dirty="0" smtClean="0"/>
+              <a:t>the list </a:t>
+            </a:r>
+            <a:r>
+              <a:rPr lang="en-US" altLang="ja-JP" sz="1800" dirty="0"/>
+              <a:t>should be something like this:</a:t>
+            </a:r>
+            <a:endParaRPr lang="en-US" altLang="ja-JP" sz="1800" dirty="0"/>
           </a:p>
         </p:txBody>
       </p:sp>
       <p:pic>
         <p:nvPicPr>
-          <p:cNvPr id="6" name="図 5"/>
+          <p:cNvPr id="3" name="図 2"/>
           <p:cNvPicPr>
             <a:picLocks noChangeAspect="1"/>
           </p:cNvPicPr>
@@ -18993,8 +19049,8 @@
         </p:blipFill>
         <p:spPr>
           <a:xfrm>
-            <a:off x="251400" y="1628750"/>
-            <a:ext cx="8712113" cy="4032560"/>
+            <a:off x="262050" y="1988800"/>
+            <a:ext cx="8701463" cy="3096430"/>
           </a:xfrm>
           <a:prstGeom prst="rect">
             <a:avLst/>
@@ -19122,19 +19178,11 @@
             </a:pPr>
             <a:r>
               <a:rPr lang="en-US" altLang="ja-JP" dirty="0"/>
-              <a:t>"</a:t>
-            </a:r>
-            <a:r>
-              <a:rPr lang="en-US" altLang="ja-JP" dirty="0" err="1"/>
-              <a:t>Ansible</a:t>
-            </a:r>
-            <a:r>
-              <a:rPr lang="en-US" altLang="ja-JP" dirty="0"/>
-              <a:t>-Legacy" menu group &gt;&gt; "Movement </a:t>
+              <a:t>"Ansible-Legacy" menu group &gt;&gt; </a:t>
             </a:r>
             <a:r>
               <a:rPr lang="en-US" altLang="ja-JP" dirty="0" smtClean="0"/>
-              <a:t>details" </a:t>
+              <a:t>“Movement playbook link" </a:t>
             </a:r>
             <a:r>
               <a:rPr lang="en-US" altLang="ja-JP" dirty="0"/>
@@ -21066,65 +21114,35 @@
               <a:rPr lang="en-US" altLang="ja-JP" b="1" dirty="0"/>
             </a:br>
             <a:r>
-              <a:rPr lang="en-US" altLang="ja-JP" sz="1800" dirty="0"/>
-              <a:t>The image after </a:t>
-            </a:r>
-            <a:r>
               <a:rPr lang="en-US" altLang="ja-JP" sz="1800" dirty="0" smtClean="0"/>
-              <a:t>register </a:t>
-            </a:r>
-            <a:r>
-              <a:rPr lang="en-US" altLang="ja-JP" sz="1800" dirty="0"/>
-              <a:t>is as follows.</a:t>
-            </a:r>
-          </a:p>
-          <a:p>
-            <a:pPr marL="0" indent="0">
-              <a:buNone/>
-            </a:pPr>
+              <a:t>When you’re done registering, the list should be something like this:</a:t>
+            </a:r>
             <a:endParaRPr lang="en-US" altLang="ja-JP" sz="1800" dirty="0"/>
           </a:p>
         </p:txBody>
       </p:sp>
       <p:pic>
         <p:nvPicPr>
-          <p:cNvPr id="5" name="図 4"/>
+          <p:cNvPr id="3" name="図 2"/>
           <p:cNvPicPr>
-            <a:picLocks noChangeAspect="1" noChangeArrowheads="1"/>
+            <a:picLocks noChangeAspect="1"/>
           </p:cNvPicPr>
           <p:nvPr/>
         </p:nvPicPr>
         <p:blipFill>
-          <a:blip r:embed="rId3">
-            <a:extLst>
-              <a:ext uri="{28A0092B-C50C-407E-A947-70E740481C1C}">
-                <a14:useLocalDpi xmlns:a14="http://schemas.microsoft.com/office/drawing/2010/main" val="0"/>
-              </a:ext>
-            </a:extLst>
-          </a:blip>
-          <a:srcRect/>
+          <a:blip r:embed="rId3"/>
           <a:stretch>
             <a:fillRect/>
           </a:stretch>
         </p:blipFill>
-        <p:spPr bwMode="auto">
+        <p:spPr>
           <a:xfrm>
-            <a:off x="283542" y="1628750"/>
-            <a:ext cx="8431940" cy="3528490"/>
+            <a:off x="218093" y="1844780"/>
+            <a:ext cx="8569190" cy="3188107"/>
           </a:xfrm>
           <a:prstGeom prst="rect">
             <a:avLst/>
           </a:prstGeom>
-          <a:noFill/>
-          <a:extLst>
-            <a:ext uri="{909E8E84-426E-40DD-AFC4-6F175D3DCCD1}">
-              <a14:hiddenFill xmlns:a14="http://schemas.microsoft.com/office/drawing/2010/main">
-                <a:solidFill>
-                  <a:srgbClr val="FFFFFF"/>
-                </a:solidFill>
-              </a14:hiddenFill>
-            </a:ext>
-          </a:extLst>
         </p:spPr>
       </p:pic>
     </p:spTree>
@@ -21447,7 +21465,7 @@
           <a:p>
             <a:pPr algn="ctr"/>
             <a:r>
-              <a:rPr lang="en-US" altLang="ja-JP" sz="1600">
+              <a:rPr lang="en-US" altLang="ja-JP" sz="1600" dirty="0">
                 <a:latin typeface="+mn-ea"/>
               </a:rPr>
               <a:t>Please register all the </a:t>
@@ -21456,12 +21474,12 @@
           <a:p>
             <a:pPr algn="ctr"/>
             <a:r>
-              <a:rPr lang="en-US" altLang="ja-JP" sz="1600">
+              <a:rPr lang="en-US" altLang="ja-JP" sz="1600" dirty="0">
                 <a:latin typeface="+mn-ea"/>
               </a:rPr>
               <a:t>created Movements.</a:t>
             </a:r>
-            <a:endParaRPr lang="ja-JP" altLang="en-US" sz="1600">
+            <a:endParaRPr lang="ja-JP" altLang="en-US" sz="1600" dirty="0">
               <a:latin typeface="+mn-ea"/>
             </a:endParaRPr>
           </a:p>
@@ -22259,7 +22277,19 @@
               <a:rPr lang="en-US" altLang="ja-JP" sz="1200" dirty="0" smtClean="0">
                 <a:latin typeface="+mn-ea"/>
               </a:rPr>
-              <a:t>Set the value for item</a:t>
+              <a:t>Set </a:t>
+            </a:r>
+            <a:r>
+              <a:rPr lang="en-US" altLang="ja-JP" sz="1200" dirty="0" smtClean="0">
+                <a:latin typeface="+mn-ea"/>
+              </a:rPr>
+              <a:t>value to </a:t>
+            </a:r>
+            <a:r>
+              <a:rPr lang="en-US" altLang="ja-JP" sz="1200" dirty="0" smtClean="0">
+                <a:latin typeface="+mn-ea"/>
+              </a:rPr>
+              <a:t>item</a:t>
             </a:r>
             <a:endParaRPr kumimoji="1" lang="ja-JP" altLang="en-US" sz="1200" dirty="0" smtClean="0">
               <a:latin typeface="+mn-ea"/>
@@ -23243,8 +23273,9 @@
             </a:pPr>
             <a:r>
               <a:rPr lang="en-US" altLang="ja-JP" dirty="0" smtClean="0"/>
-              <a:t>Preparation work</a:t>
-            </a:r>
+              <a:t>Preparation</a:t>
+            </a:r>
+            <a:endParaRPr lang="en-US" altLang="ja-JP" dirty="0" smtClean="0"/>
           </a:p>
           <a:p>
             <a:pPr marL="342900" indent="-342900">
@@ -23260,8 +23291,9 @@
             </a:pPr>
             <a:r>
               <a:rPr lang="en-US" altLang="ja-JP" sz="2000" dirty="0" smtClean="0"/>
-              <a:t>Practice</a:t>
-            </a:r>
+              <a:t>Operation</a:t>
+            </a:r>
+            <a:endParaRPr lang="en-US" altLang="ja-JP" sz="2000" dirty="0" smtClean="0"/>
           </a:p>
           <a:p>
             <a:pPr marL="800100" lvl="1" indent="-342900">
@@ -29683,7 +29715,27 @@
             </a:br>
             <a:r>
               <a:rPr lang="en-US" altLang="ja-JP" sz="1800" dirty="0"/>
-              <a:t>Please create the Conductor as shown the figure below.</a:t>
+              <a:t>Please create </a:t>
+            </a:r>
+            <a:r>
+              <a:rPr lang="en-US" altLang="ja-JP" sz="1800" dirty="0" smtClean="0"/>
+              <a:t>the</a:t>
+            </a:r>
+            <a:r>
+              <a:rPr lang="en-US" altLang="ja-JP" sz="1800" dirty="0" smtClean="0"/>
+              <a:t> </a:t>
+            </a:r>
+            <a:r>
+              <a:rPr lang="en-US" altLang="ja-JP" sz="1800" dirty="0"/>
+              <a:t>Conductor as shown </a:t>
+            </a:r>
+            <a:r>
+              <a:rPr lang="en-US" altLang="ja-JP" sz="1800" dirty="0" smtClean="0"/>
+              <a:t>in the </a:t>
+            </a:r>
+            <a:r>
+              <a:rPr lang="en-US" altLang="ja-JP" sz="1800" dirty="0"/>
+              <a:t>figure below.</a:t>
             </a:r>
           </a:p>
         </p:txBody>
@@ -30033,7 +30085,19 @@
               <a:rPr lang="en-US" altLang="ja-JP" sz="1400" dirty="0">
                 <a:latin typeface="+mn-ea"/>
               </a:rPr>
-              <a:t>and drop Conductor </a:t>
+              <a:t>and </a:t>
+            </a:r>
+            <a:r>
+              <a:rPr lang="en-US" altLang="ja-JP" sz="1400" dirty="0" smtClean="0">
+                <a:latin typeface="+mn-ea"/>
+              </a:rPr>
+              <a:t>drop a </a:t>
+            </a:r>
+            <a:r>
+              <a:rPr lang="en-US" altLang="ja-JP" sz="1400" dirty="0">
+                <a:latin typeface="+mn-ea"/>
+              </a:rPr>
+              <a:t>Conductor </a:t>
             </a:r>
             <a:endParaRPr lang="en-US" altLang="ja-JP" sz="1400" dirty="0" smtClean="0">
               <a:latin typeface="+mn-ea"/>
@@ -30725,7 +30789,19 @@
               <a:rPr lang="en-US" altLang="ja-JP" sz="1400" dirty="0">
                 <a:latin typeface="+mn-ea"/>
               </a:rPr>
-              <a:t>Drag and drop Conductor </a:t>
+              <a:t>Drag and </a:t>
+            </a:r>
+            <a:r>
+              <a:rPr lang="en-US" altLang="ja-JP" sz="1400" dirty="0" smtClean="0">
+                <a:latin typeface="+mn-ea"/>
+              </a:rPr>
+              <a:t>drop </a:t>
+            </a:r>
+            <a:r>
+              <a:rPr lang="en-US" altLang="ja-JP" sz="1400" dirty="0">
+                <a:latin typeface="+mn-ea"/>
+              </a:rPr>
+              <a:t>Conductor </a:t>
             </a:r>
             <a:r>
               <a:rPr lang="en-US" altLang="ja-JP" sz="1400" dirty="0" smtClean="0">
@@ -31027,7 +31103,7 @@
         <p:spPr bwMode="auto">
           <a:xfrm>
             <a:off x="860634" y="4952086"/>
-            <a:ext cx="6519756" cy="545529"/>
+            <a:ext cx="7095836" cy="714750"/>
           </a:xfrm>
           <a:prstGeom prst="roundRect">
             <a:avLst>
@@ -31070,7 +31146,19 @@
               <a:rPr lang="en-US" altLang="ja-JP" sz="1400" dirty="0" smtClean="0">
                 <a:latin typeface="+mn-ea"/>
               </a:rPr>
-              <a:t>is a function that arranges conductors after processing.</a:t>
+              <a:t>is a function </a:t>
+            </a:r>
+            <a:r>
+              <a:rPr lang="en-US" altLang="ja-JP" sz="1400" dirty="0" smtClean="0">
+                <a:latin typeface="+mn-ea"/>
+              </a:rPr>
+              <a:t>is deployed at the end of a process..</a:t>
+            </a:r>
+            <a:r>
+              <a:rPr lang="en-US" altLang="ja-JP" sz="1400" dirty="0" smtClean="0">
+                <a:latin typeface="+mn-ea"/>
+              </a:rPr>
+              <a:t/>
             </a:r>
             <a:br>
               <a:rPr lang="en-US" altLang="ja-JP" sz="1400" dirty="0" smtClean="0">
@@ -31087,19 +31175,37 @@
               <a:rPr lang="en-US" altLang="ja-JP" sz="1400" dirty="0">
                 <a:latin typeface="+mn-ea"/>
               </a:rPr>
-              <a:t> It is also </a:t>
+              <a:t> It </a:t>
             </a:r>
             <a:r>
               <a:rPr lang="en-US" altLang="ja-JP" sz="1400" dirty="0" smtClean="0">
                 <a:latin typeface="+mn-ea"/>
               </a:rPr>
-              <a:t>arranges the </a:t>
+              <a:t>is also deployed at the end of </a:t>
+            </a:r>
+            <a:r>
+              <a:rPr lang="en-US" altLang="ja-JP" sz="1400" dirty="0" smtClean="0">
+                <a:latin typeface="+mn-ea"/>
+              </a:rPr>
+              <a:t>the </a:t>
             </a:r>
             <a:r>
               <a:rPr lang="en-US" altLang="ja-JP" sz="1400" dirty="0">
                 <a:latin typeface="+mn-ea"/>
               </a:rPr>
-              <a:t>branch processing introduced </a:t>
+              <a:t>branch </a:t>
+            </a:r>
+            <a:r>
+              <a:rPr lang="en-US" altLang="ja-JP" sz="1400" dirty="0" smtClean="0">
+                <a:latin typeface="+mn-ea"/>
+              </a:rPr>
+              <a:t>process </a:t>
+            </a:r>
+            <a:r>
+              <a:rPr lang="en-US" altLang="ja-JP" sz="1400" dirty="0">
+                <a:latin typeface="+mn-ea"/>
+              </a:rPr>
+              <a:t>introduced </a:t>
             </a:r>
             <a:r>
               <a:rPr lang="en-US" altLang="ja-JP" sz="1400" dirty="0" smtClean="0">
@@ -34003,14 +34109,30 @@
             </a:r>
             <a:r>
               <a:rPr lang="en-US" altLang="ja-JP" dirty="0" smtClean="0"/>
-              <a:t>Selecting a mid- execution or an already executed movement </a:t>
+              <a:t>Selecting a </a:t>
+            </a:r>
+            <a:r>
+              <a:rPr lang="en-US" altLang="ja-JP" dirty="0" smtClean="0"/>
+              <a:t>running or </a:t>
+            </a:r>
+            <a:r>
+              <a:rPr lang="en-US" altLang="ja-JP" dirty="0" smtClean="0"/>
+              <a:t>an already executed movement </a:t>
             </a:r>
             <a:br>
               <a:rPr lang="en-US" altLang="ja-JP" dirty="0" smtClean="0"/>
             </a:br>
             <a:r>
               <a:rPr lang="en-US" altLang="ja-JP" dirty="0" smtClean="0"/>
-              <a:t>will move you to a screen where you can check the logs and target operation status.</a:t>
+              <a:t>will move you to a screen where you can check the logs </a:t>
+            </a:r>
+            <a:r>
+              <a:rPr lang="en-US" altLang="ja-JP" smtClean="0"/>
+              <a:t>and the operation </a:t>
+            </a:r>
+            <a:r>
+              <a:rPr lang="en-US" altLang="ja-JP" dirty="0" smtClean="0"/>
+              <a:t>status.</a:t>
             </a:r>
             <a:endParaRPr lang="en-US" altLang="ja-JP" sz="1600" b="1" dirty="0" smtClean="0"/>
           </a:p>
@@ -34219,6 +34341,30 @@
           <a:chExt cx="0" cy="0"/>
         </a:xfrm>
       </p:grpSpPr>
+      <p:pic>
+        <p:nvPicPr>
+          <p:cNvPr id="4" name="図 3"/>
+          <p:cNvPicPr>
+            <a:picLocks noChangeAspect="1"/>
+          </p:cNvPicPr>
+          <p:nvPr/>
+        </p:nvPicPr>
+        <p:blipFill>
+          <a:blip r:embed="rId2"/>
+          <a:stretch>
+            <a:fillRect/>
+          </a:stretch>
+        </p:blipFill>
+        <p:spPr>
+          <a:xfrm>
+            <a:off x="610717" y="1990208"/>
+            <a:ext cx="7921100" cy="3886367"/>
+          </a:xfrm>
+          <a:prstGeom prst="rect">
+            <a:avLst/>
+          </a:prstGeom>
+        </p:spPr>
+      </p:pic>
       <p:sp>
         <p:nvSpPr>
           <p:cNvPr id="2" name="タイトル 1"/>
@@ -34501,30 +34647,6 @@
           </a:p>
         </p:txBody>
       </p:sp>
-      <p:pic>
-        <p:nvPicPr>
-          <p:cNvPr id="8" name="図 7"/>
-          <p:cNvPicPr>
-            <a:picLocks noChangeAspect="1"/>
-          </p:cNvPicPr>
-          <p:nvPr/>
-        </p:nvPicPr>
-        <p:blipFill>
-          <a:blip r:embed="rId2"/>
-          <a:stretch>
-            <a:fillRect/>
-          </a:stretch>
-        </p:blipFill>
-        <p:spPr>
-          <a:xfrm>
-            <a:off x="371475" y="1485900"/>
-            <a:ext cx="8401050" cy="4103400"/>
-          </a:xfrm>
-          <a:prstGeom prst="rect">
-            <a:avLst/>
-          </a:prstGeom>
-        </p:spPr>
-      </p:pic>
       <p:sp>
         <p:nvSpPr>
           <p:cNvPr id="9" name="正方形/長方形 8"/>
@@ -34533,8 +34655,8 @@
         </p:nvSpPr>
         <p:spPr bwMode="auto">
           <a:xfrm>
-            <a:off x="4716020" y="2852920"/>
-            <a:ext cx="792110" cy="1008140"/>
+            <a:off x="3779890" y="2924930"/>
+            <a:ext cx="576080" cy="648090"/>
           </a:xfrm>
           <a:prstGeom prst="rect">
             <a:avLst/>
@@ -34742,8 +34864,8 @@
               <a:t> </a:t>
             </a:r>
             <a:r>
-              <a:rPr lang="en-US" altLang="ja-JP" dirty="0"/>
-              <a:t>Description about Conductor</a:t>
+              <a:rPr lang="en-US" altLang="ja-JP" dirty="0" smtClean="0"/>
+              <a:t>About Conductor</a:t>
             </a:r>
             <a:endParaRPr kumimoji="1" lang="ja-JP" altLang="en-US" dirty="0"/>
           </a:p>
@@ -35013,8 +35135,8 @@
               <a:buChar char="l"/>
             </a:pPr>
             <a:r>
-              <a:rPr lang="en-US" altLang="ja-JP" dirty="0"/>
-              <a:t>Scenario flow is as follows.</a:t>
+              <a:rPr lang="en-US" altLang="ja-JP" dirty="0" smtClean="0"/>
+              <a:t>The Scenario used in this document is as following.</a:t>
             </a:r>
             <a:endParaRPr lang="en-US" altLang="ja-JP" dirty="0" smtClean="0"/>
           </a:p>
@@ -37417,7 +37539,7 @@
             </a:r>
             <a:r>
               <a:rPr lang="en-US" altLang="ja-JP" dirty="0" smtClean="0"/>
-              <a:t>Preparation work</a:t>
+              <a:t>Preparation</a:t>
             </a:r>
             <a:endParaRPr lang="ja-JP" altLang="en-US" dirty="0"/>
           </a:p>
@@ -37904,7 +38026,7 @@
             </a:r>
             <a:r>
               <a:rPr lang="en-US" altLang="ja-JP" dirty="0" smtClean="0"/>
-              <a:t>Preparation work</a:t>
+              <a:t>Preparation</a:t>
             </a:r>
             <a:endParaRPr lang="ja-JP" altLang="en-US" dirty="0"/>
           </a:p>

--- a/asset/Learn/ITA-Conductor_practice_en.pptx
+++ b/asset/Learn/ITA-Conductor_practice_en.pptx
@@ -330,7 +330,7 @@
               <a:rPr kumimoji="1" lang="ja-JP" altLang="en-US" smtClean="0">
                 <a:ea typeface="メイリオ" panose="020B0604030504040204" pitchFamily="50" charset="-128"/>
               </a:rPr>
-              <a:t>2021/6/17</a:t>
+              <a:t>2021/12/9</a:t>
             </a:fld>
             <a:endParaRPr kumimoji="1" lang="ja-JP" altLang="en-US" dirty="0">
               <a:ea typeface="メイリオ" panose="020B0604030504040204" pitchFamily="50" charset="-128"/>
@@ -476,7 +476,7 @@
             <a:fld id="{4B26993D-C081-44EB-B0F5-A9F467792B62}" type="datetimeFigureOut">
               <a:rPr lang="ja-JP" altLang="en-US" smtClean="0"/>
               <a:pPr/>
-              <a:t>2021/6/17</a:t>
+              <a:t>2021/12/9</a:t>
             </a:fld>
             <a:endParaRPr lang="ja-JP" altLang="en-US" dirty="0"/>
           </a:p>
@@ -4377,7 +4377,7 @@
           <a:p>
             <a:fld id="{56F9016B-CCA6-43BE-8BEE-59565A35F4F7}" type="datetimeFigureOut">
               <a:rPr kumimoji="1" lang="ja-JP" altLang="en-US" smtClean="0"/>
-              <a:t>2021/6/17</a:t>
+              <a:t>2021/12/9</a:t>
             </a:fld>
             <a:endParaRPr kumimoji="1" lang="ja-JP" altLang="en-US"/>
           </a:p>
@@ -4579,7 +4579,7 @@
           <a:p>
             <a:fld id="{56F9016B-CCA6-43BE-8BEE-59565A35F4F7}" type="datetimeFigureOut">
               <a:rPr kumimoji="1" lang="ja-JP" altLang="en-US" smtClean="0"/>
-              <a:t>2021/6/17</a:t>
+              <a:t>2021/12/9</a:t>
             </a:fld>
             <a:endParaRPr kumimoji="1" lang="ja-JP" altLang="en-US"/>
           </a:p>
@@ -4825,7 +4825,7 @@
           <a:p>
             <a:fld id="{56F9016B-CCA6-43BE-8BEE-59565A35F4F7}" type="datetimeFigureOut">
               <a:rPr kumimoji="1" lang="ja-JP" altLang="en-US" smtClean="0"/>
-              <a:t>2021/6/17</a:t>
+              <a:t>2021/12/9</a:t>
             </a:fld>
             <a:endParaRPr kumimoji="1" lang="ja-JP" altLang="en-US"/>
           </a:p>
@@ -5121,7 +5121,7 @@
           <a:p>
             <a:fld id="{56F9016B-CCA6-43BE-8BEE-59565A35F4F7}" type="datetimeFigureOut">
               <a:rPr kumimoji="1" lang="ja-JP" altLang="en-US" smtClean="0"/>
-              <a:t>2021/6/17</a:t>
+              <a:t>2021/12/9</a:t>
             </a:fld>
             <a:endParaRPr kumimoji="1" lang="ja-JP" altLang="en-US"/>
           </a:p>
@@ -5552,7 +5552,7 @@
           <a:p>
             <a:fld id="{56F9016B-CCA6-43BE-8BEE-59565A35F4F7}" type="datetimeFigureOut">
               <a:rPr kumimoji="1" lang="ja-JP" altLang="en-US" smtClean="0"/>
-              <a:t>2021/6/17</a:t>
+              <a:t>2021/12/9</a:t>
             </a:fld>
             <a:endParaRPr kumimoji="1" lang="ja-JP" altLang="en-US"/>
           </a:p>
@@ -5670,7 +5670,7 @@
           <a:p>
             <a:fld id="{56F9016B-CCA6-43BE-8BEE-59565A35F4F7}" type="datetimeFigureOut">
               <a:rPr kumimoji="1" lang="ja-JP" altLang="en-US" smtClean="0"/>
-              <a:t>2021/6/17</a:t>
+              <a:t>2021/12/9</a:t>
             </a:fld>
             <a:endParaRPr kumimoji="1" lang="ja-JP" altLang="en-US"/>
           </a:p>
@@ -5765,7 +5765,7 @@
           <a:p>
             <a:fld id="{56F9016B-CCA6-43BE-8BEE-59565A35F4F7}" type="datetimeFigureOut">
               <a:rPr kumimoji="1" lang="ja-JP" altLang="en-US" smtClean="0"/>
-              <a:t>2021/6/17</a:t>
+              <a:t>2021/12/9</a:t>
             </a:fld>
             <a:endParaRPr kumimoji="1" lang="ja-JP" altLang="en-US"/>
           </a:p>
@@ -6074,7 +6074,7 @@
           <a:p>
             <a:fld id="{56F9016B-CCA6-43BE-8BEE-59565A35F4F7}" type="datetimeFigureOut">
               <a:rPr kumimoji="1" lang="ja-JP" altLang="en-US" smtClean="0"/>
-              <a:t>2021/6/17</a:t>
+              <a:t>2021/12/9</a:t>
             </a:fld>
             <a:endParaRPr kumimoji="1" lang="ja-JP" altLang="en-US"/>
           </a:p>
@@ -6327,7 +6327,7 @@
           <a:p>
             <a:fld id="{56F9016B-CCA6-43BE-8BEE-59565A35F4F7}" type="datetimeFigureOut">
               <a:rPr kumimoji="1" lang="ja-JP" altLang="en-US" smtClean="0"/>
-              <a:t>2021/6/17</a:t>
+              <a:t>2021/12/9</a:t>
             </a:fld>
             <a:endParaRPr kumimoji="1" lang="ja-JP" altLang="en-US"/>
           </a:p>
@@ -6604,7 +6604,7 @@
           <a:p>
             <a:fld id="{56F9016B-CCA6-43BE-8BEE-59565A35F4F7}" type="datetimeFigureOut">
               <a:rPr kumimoji="1" lang="ja-JP" altLang="en-US" smtClean="0"/>
-              <a:t>2021/6/17</a:t>
+              <a:t>2021/12/9</a:t>
             </a:fld>
             <a:endParaRPr kumimoji="1" lang="ja-JP" altLang="en-US"/>
           </a:p>
@@ -6816,7 +6816,7 @@
           <a:p>
             <a:fld id="{56F9016B-CCA6-43BE-8BEE-59565A35F4F7}" type="datetimeFigureOut">
               <a:rPr kumimoji="1" lang="ja-JP" altLang="en-US" smtClean="0"/>
-              <a:t>2021/6/17</a:t>
+              <a:t>2021/12/9</a:t>
             </a:fld>
             <a:endParaRPr kumimoji="1" lang="ja-JP" altLang="en-US"/>
           </a:p>
@@ -9875,7 +9875,7 @@
           <a:p>
             <a:fld id="{56F9016B-CCA6-43BE-8BEE-59565A35F4F7}" type="datetimeFigureOut">
               <a:rPr kumimoji="1" lang="ja-JP" altLang="en-US" smtClean="0"/>
-              <a:t>2021/6/17</a:t>
+              <a:t>2021/12/9</a:t>
             </a:fld>
             <a:endParaRPr kumimoji="1" lang="ja-JP" altLang="en-US"/>
           </a:p>
@@ -10300,7 +10300,7 @@
         <p:spPr>
           <a:xfrm>
             <a:off x="179513" y="6021360"/>
-            <a:ext cx="6552727" cy="772006"/>
+            <a:ext cx="6552727" cy="707886"/>
           </a:xfrm>
         </p:spPr>
         <p:txBody>
@@ -10308,25 +10308,25 @@
           <a:lstStyle/>
           <a:p>
             <a:r>
-              <a:rPr lang="en-US" altLang="ja-JP" dirty="0" smtClean="0"/>
-              <a:t>Exastro IT Automation Version 1.7.1</a:t>
-            </a:r>
-            <a:endParaRPr lang="en-US" altLang="ja-JP" dirty="0" smtClean="0"/>
-          </a:p>
-          <a:p>
-            <a:r>
-              <a:rPr lang="en-US" altLang="ja-JP" dirty="0" smtClean="0"/>
+              <a:rPr lang="en-US" altLang="ja-JP" dirty="0"/>
+              <a:t>Exastro IT Automation Version 1.8</a:t>
+            </a:r>
+            <a:br>
+              <a:rPr lang="en-US" altLang="ja-JP" dirty="0"/>
+            </a:br>
+            <a:r>
+              <a:rPr lang="en-US" altLang="ja-JP" dirty="0"/>
               <a:t>Exastro</a:t>
             </a:r>
             <a:r>
-              <a:rPr lang="ja-JP" altLang="en-US" dirty="0" smtClean="0"/>
+              <a:rPr lang="ja-JP" altLang="en-US" dirty="0"/>
               <a:t> </a:t>
             </a:r>
             <a:r>
-              <a:rPr lang="en-US" altLang="ja-JP" dirty="0" smtClean="0"/>
+              <a:rPr lang="en-US" altLang="ja-JP" dirty="0"/>
               <a:t>developer</a:t>
             </a:r>
-            <a:endParaRPr kumimoji="1" lang="ja-JP" altLang="en-US" dirty="0"/>
+            <a:endParaRPr lang="ja-JP" altLang="en-US" dirty="0"/>
           </a:p>
         </p:txBody>
       </p:sp>
@@ -12355,19 +12355,7 @@
                           <a:ea typeface="+mn-ea"/>
                           <a:cs typeface="+mn-cs"/>
                         </a:rPr>
-                        <a:t>(Free </a:t>
-                      </a:r>
-                      <a:r>
-                        <a:rPr kumimoji="1" lang="en-US" altLang="ja-JP" sz="900" b="0" i="0" kern="1200" dirty="0" smtClean="0">
-                          <a:solidFill>
-                            <a:schemeClr val="tx1"/>
-                          </a:solidFill>
-                          <a:effectLst/>
-                          <a:latin typeface="+mn-lt"/>
-                          <a:ea typeface="+mn-ea"/>
-                          <a:cs typeface="+mn-cs"/>
-                        </a:rPr>
-                        <a:t>value)</a:t>
+                        <a:t>(Free value)</a:t>
                       </a:r>
                       <a:endParaRPr lang="en-US" altLang="ja-JP" sz="900" dirty="0" smtClean="0">
                         <a:solidFill>
@@ -12584,19 +12572,7 @@
                           <a:ea typeface="+mn-ea"/>
                           <a:cs typeface="+mn-cs"/>
                         </a:rPr>
-                        <a:t>Free </a:t>
-                      </a:r>
-                      <a:r>
-                        <a:rPr kumimoji="1" lang="en-US" altLang="ja-JP" sz="900" b="0" i="0" kern="1200" dirty="0" smtClean="0">
-                          <a:solidFill>
-                            <a:schemeClr val="dk1"/>
-                          </a:solidFill>
-                          <a:effectLst/>
-                          <a:latin typeface="+mn-lt"/>
-                          <a:ea typeface="+mn-ea"/>
-                          <a:cs typeface="+mn-cs"/>
-                        </a:rPr>
-                        <a:t>value</a:t>
+                        <a:t>Free value</a:t>
                       </a:r>
                       <a:r>
                         <a:rPr kumimoji="1" lang="en-US" altLang="ja-JP" sz="900" b="0" i="0" kern="1200" dirty="0" smtClean="0">
@@ -13002,16 +12978,7 @@
                           </a:solidFill>
                           <a:latin typeface="+mn-lt"/>
                         </a:rPr>
-                        <a:t> </a:t>
-                      </a:r>
-                      <a:r>
-                        <a:rPr lang="en-US" altLang="ja-JP" sz="900" baseline="0" dirty="0" smtClean="0">
-                          <a:solidFill>
-                            <a:schemeClr val="tx1"/>
-                          </a:solidFill>
-                          <a:latin typeface="+mn-lt"/>
-                        </a:rPr>
-                        <a:t>value)</a:t>
+                        <a:t> value)</a:t>
                       </a:r>
                       <a:endParaRPr lang="en-US" altLang="ja-JP" sz="900" dirty="0" smtClean="0">
                         <a:solidFill>
@@ -14904,16 +14871,7 @@
                           </a:solidFill>
                           <a:latin typeface="+mn-lt"/>
                         </a:rPr>
-                        <a:t> </a:t>
-                      </a:r>
-                      <a:r>
-                        <a:rPr lang="en-US" altLang="ja-JP" sz="1200" baseline="0" dirty="0" smtClean="0">
-                          <a:solidFill>
-                            <a:schemeClr val="tx1"/>
-                          </a:solidFill>
-                          <a:latin typeface="+mn-lt"/>
-                        </a:rPr>
-                        <a:t>date/time</a:t>
+                        <a:t> date/time</a:t>
                       </a:r>
                       <a:r>
                         <a:rPr lang="ja-JP" altLang="en-US" sz="1200" dirty="0" smtClean="0">
@@ -15037,6 +14995,30 @@
           <a:chExt cx="0" cy="0"/>
         </a:xfrm>
       </p:grpSpPr>
+      <p:pic>
+        <p:nvPicPr>
+          <p:cNvPr id="3" name="図 2"/>
+          <p:cNvPicPr>
+            <a:picLocks noChangeAspect="1"/>
+          </p:cNvPicPr>
+          <p:nvPr/>
+        </p:nvPicPr>
+        <p:blipFill>
+          <a:blip r:embed="rId3"/>
+          <a:stretch>
+            <a:fillRect/>
+          </a:stretch>
+        </p:blipFill>
+        <p:spPr>
+          <a:xfrm>
+            <a:off x="755470" y="2747523"/>
+            <a:ext cx="7440387" cy="3104693"/>
+          </a:xfrm>
+          <a:prstGeom prst="rect">
+            <a:avLst/>
+          </a:prstGeom>
+        </p:spPr>
+      </p:pic>
       <p:sp>
         <p:nvSpPr>
           <p:cNvPr id="2" name="タイトル 1"/>
@@ -15270,47 +15252,6 @@
           </a:p>
         </p:txBody>
       </p:sp>
-      <p:pic>
-        <p:nvPicPr>
-          <p:cNvPr id="15" name="図 14"/>
-          <p:cNvPicPr>
-            <a:picLocks noChangeAspect="1" noChangeArrowheads="1"/>
-          </p:cNvPicPr>
-          <p:nvPr/>
-        </p:nvPicPr>
-        <p:blipFill>
-          <a:blip r:embed="rId3">
-            <a:extLst>
-              <a:ext uri="{28A0092B-C50C-407E-A947-70E740481C1C}">
-                <a14:useLocalDpi xmlns:a14="http://schemas.microsoft.com/office/drawing/2010/main" val="0"/>
-              </a:ext>
-            </a:extLst>
-          </a:blip>
-          <a:srcRect/>
-          <a:stretch>
-            <a:fillRect/>
-          </a:stretch>
-        </p:blipFill>
-        <p:spPr bwMode="auto">
-          <a:xfrm>
-            <a:off x="755470" y="2733433"/>
-            <a:ext cx="7170892" cy="3226884"/>
-          </a:xfrm>
-          <a:prstGeom prst="rect">
-            <a:avLst/>
-          </a:prstGeom>
-          <a:noFill/>
-          <a:extLst>
-            <a:ext uri="{909E8E84-426E-40DD-AFC4-6F175D3DCCD1}">
-              <a14:hiddenFill xmlns:a14="http://schemas.microsoft.com/office/drawing/2010/main">
-                <a:solidFill>
-                  <a:srgbClr val="FFFFFF"/>
-                </a:solidFill>
-              </a14:hiddenFill>
-            </a:ext>
-          </a:extLst>
-        </p:spPr>
-      </p:pic>
       <p:sp>
         <p:nvSpPr>
           <p:cNvPr id="16" name="角丸四角形 15"/>
@@ -15319,8 +15260,8 @@
         </p:nvSpPr>
         <p:spPr bwMode="auto">
           <a:xfrm>
-            <a:off x="2352574" y="4459999"/>
-            <a:ext cx="1889090" cy="820945"/>
+            <a:off x="2339690" y="4293121"/>
+            <a:ext cx="1944270" cy="864119"/>
           </a:xfrm>
           <a:prstGeom prst="roundRect">
             <a:avLst>
@@ -15363,7 +15304,7 @@
         </p:nvSpPr>
         <p:spPr bwMode="auto">
           <a:xfrm>
-            <a:off x="2866112" y="5642826"/>
+            <a:off x="2823440" y="5387495"/>
             <a:ext cx="1062040" cy="271492"/>
           </a:xfrm>
           <a:prstGeom prst="roundRect">
@@ -15407,7 +15348,7 @@
         </p:nvSpPr>
         <p:spPr bwMode="auto">
           <a:xfrm>
-            <a:off x="4056515" y="5668749"/>
+            <a:off x="4043385" y="5400319"/>
             <a:ext cx="237985" cy="268430"/>
           </a:xfrm>
           <a:prstGeom prst="wedgeEllipseCallout">
@@ -16965,6 +16906,30 @@
           <a:chExt cx="0" cy="0"/>
         </a:xfrm>
       </p:grpSpPr>
+      <p:pic>
+        <p:nvPicPr>
+          <p:cNvPr id="3" name="図 2"/>
+          <p:cNvPicPr>
+            <a:picLocks noChangeAspect="1"/>
+          </p:cNvPicPr>
+          <p:nvPr/>
+        </p:nvPicPr>
+        <p:blipFill>
+          <a:blip r:embed="rId3"/>
+          <a:stretch>
+            <a:fillRect/>
+          </a:stretch>
+        </p:blipFill>
+        <p:spPr>
+          <a:xfrm>
+            <a:off x="264688" y="1772771"/>
+            <a:ext cx="8544321" cy="3186584"/>
+          </a:xfrm>
+          <a:prstGeom prst="rect">
+            <a:avLst/>
+          </a:prstGeom>
+        </p:spPr>
+      </p:pic>
       <p:sp>
         <p:nvSpPr>
           <p:cNvPr id="2" name="タイトル 1"/>
@@ -17069,34 +17034,9 @@
               <a:rPr lang="en-US" altLang="ja-JP" sz="1800" dirty="0"/>
               <a:t>registering, the list should be something like this:</a:t>
             </a:r>
-            <a:endParaRPr lang="en-US" altLang="ja-JP" sz="1800" dirty="0"/>
           </a:p>
         </p:txBody>
       </p:sp>
-      <p:pic>
-        <p:nvPicPr>
-          <p:cNvPr id="7" name="図 6"/>
-          <p:cNvPicPr>
-            <a:picLocks noChangeAspect="1"/>
-          </p:cNvPicPr>
-          <p:nvPr/>
-        </p:nvPicPr>
-        <p:blipFill>
-          <a:blip r:embed="rId3"/>
-          <a:stretch>
-            <a:fillRect/>
-          </a:stretch>
-        </p:blipFill>
-        <p:spPr>
-          <a:xfrm>
-            <a:off x="264688" y="1772770"/>
-            <a:ext cx="8469649" cy="3096430"/>
-          </a:xfrm>
-          <a:prstGeom prst="rect">
-            <a:avLst/>
-          </a:prstGeom>
-        </p:spPr>
-      </p:pic>
     </p:spTree>
     <p:extLst>
       <p:ext uri="{BB962C8B-B14F-4D97-AF65-F5344CB8AC3E}">
@@ -17244,19 +17184,11 @@
             </a:r>
             <a:r>
               <a:rPr lang="en-US" altLang="ja-JP" dirty="0"/>
-              <a:t>name" </a:t>
-            </a:r>
-            <a:r>
-              <a:rPr lang="en-US" altLang="ja-JP" dirty="0"/>
-              <a:t> </a:t>
+              <a:t>name"  </a:t>
             </a:r>
             <a:r>
               <a:rPr lang="en-US" altLang="ja-JP" dirty="0" smtClean="0"/>
-              <a:t>and select </a:t>
-            </a:r>
-            <a:r>
-              <a:rPr lang="en-US" altLang="ja-JP" dirty="0" smtClean="0"/>
-              <a:t>”Host </a:t>
+              <a:t>and select ”Host </a:t>
             </a:r>
             <a:r>
               <a:rPr lang="en-US" altLang="ja-JP" dirty="0"/>
@@ -18939,6 +18871,30 @@
           <a:chExt cx="0" cy="0"/>
         </a:xfrm>
       </p:grpSpPr>
+      <p:pic>
+        <p:nvPicPr>
+          <p:cNvPr id="4" name="図 3"/>
+          <p:cNvPicPr>
+            <a:picLocks noChangeAspect="1"/>
+          </p:cNvPicPr>
+          <p:nvPr/>
+        </p:nvPicPr>
+        <p:blipFill>
+          <a:blip r:embed="rId3"/>
+          <a:stretch>
+            <a:fillRect/>
+          </a:stretch>
+        </p:blipFill>
+        <p:spPr>
+          <a:xfrm>
+            <a:off x="265440" y="1988801"/>
+            <a:ext cx="8714700" cy="2952410"/>
+          </a:xfrm>
+          <a:prstGeom prst="rect">
+            <a:avLst/>
+          </a:prstGeom>
+        </p:spPr>
+      </p:pic>
       <p:sp>
         <p:nvSpPr>
           <p:cNvPr id="2" name="タイトル 1"/>
@@ -19029,34 +18985,9 @@
               <a:rPr lang="en-US" altLang="ja-JP" sz="1800" dirty="0"/>
               <a:t>should be something like this:</a:t>
             </a:r>
-            <a:endParaRPr lang="en-US" altLang="ja-JP" sz="1800" dirty="0"/>
           </a:p>
         </p:txBody>
       </p:sp>
-      <p:pic>
-        <p:nvPicPr>
-          <p:cNvPr id="3" name="図 2"/>
-          <p:cNvPicPr>
-            <a:picLocks noChangeAspect="1"/>
-          </p:cNvPicPr>
-          <p:nvPr/>
-        </p:nvPicPr>
-        <p:blipFill>
-          <a:blip r:embed="rId3"/>
-          <a:stretch>
-            <a:fillRect/>
-          </a:stretch>
-        </p:blipFill>
-        <p:spPr>
-          <a:xfrm>
-            <a:off x="262050" y="1988800"/>
-            <a:ext cx="8701463" cy="3096430"/>
-          </a:xfrm>
-          <a:prstGeom prst="rect">
-            <a:avLst/>
-          </a:prstGeom>
-        </p:spPr>
-      </p:pic>
     </p:spTree>
     <p:extLst>
       <p:ext uri="{BB962C8B-B14F-4D97-AF65-F5344CB8AC3E}">
@@ -21033,6 +20964,30 @@
           <a:chExt cx="0" cy="0"/>
         </a:xfrm>
       </p:grpSpPr>
+      <p:pic>
+        <p:nvPicPr>
+          <p:cNvPr id="4" name="図 3"/>
+          <p:cNvPicPr>
+            <a:picLocks noChangeAspect="1"/>
+          </p:cNvPicPr>
+          <p:nvPr/>
+        </p:nvPicPr>
+        <p:blipFill>
+          <a:blip r:embed="rId3"/>
+          <a:stretch>
+            <a:fillRect/>
+          </a:stretch>
+        </p:blipFill>
+        <p:spPr>
+          <a:xfrm>
+            <a:off x="218093" y="1844780"/>
+            <a:ext cx="8712105" cy="3096430"/>
+          </a:xfrm>
+          <a:prstGeom prst="rect">
+            <a:avLst/>
+          </a:prstGeom>
+        </p:spPr>
+      </p:pic>
       <p:sp>
         <p:nvSpPr>
           <p:cNvPr id="2" name="タイトル 1"/>
@@ -21121,30 +21076,6 @@
           </a:p>
         </p:txBody>
       </p:sp>
-      <p:pic>
-        <p:nvPicPr>
-          <p:cNvPr id="3" name="図 2"/>
-          <p:cNvPicPr>
-            <a:picLocks noChangeAspect="1"/>
-          </p:cNvPicPr>
-          <p:nvPr/>
-        </p:nvPicPr>
-        <p:blipFill>
-          <a:blip r:embed="rId3"/>
-          <a:stretch>
-            <a:fillRect/>
-          </a:stretch>
-        </p:blipFill>
-        <p:spPr>
-          <a:xfrm>
-            <a:off x="218093" y="1844780"/>
-            <a:ext cx="8569190" cy="3188107"/>
-          </a:xfrm>
-          <a:prstGeom prst="rect">
-            <a:avLst/>
-          </a:prstGeom>
-        </p:spPr>
-      </p:pic>
     </p:spTree>
     <p:extLst>
       <p:ext uri="{BB962C8B-B14F-4D97-AF65-F5344CB8AC3E}">
@@ -22277,19 +22208,7 @@
               <a:rPr lang="en-US" altLang="ja-JP" sz="1200" dirty="0" smtClean="0">
                 <a:latin typeface="+mn-ea"/>
               </a:rPr>
-              <a:t>Set </a:t>
-            </a:r>
-            <a:r>
-              <a:rPr lang="en-US" altLang="ja-JP" sz="1200" dirty="0" smtClean="0">
-                <a:latin typeface="+mn-ea"/>
-              </a:rPr>
-              <a:t>value to </a:t>
-            </a:r>
-            <a:r>
-              <a:rPr lang="en-US" altLang="ja-JP" sz="1200" dirty="0" smtClean="0">
-                <a:latin typeface="+mn-ea"/>
-              </a:rPr>
-              <a:t>item</a:t>
+              <a:t>Set value to item</a:t>
             </a:r>
             <a:endParaRPr kumimoji="1" lang="ja-JP" altLang="en-US" sz="1200" dirty="0" smtClean="0">
               <a:latin typeface="+mn-ea"/>
@@ -23275,7 +23194,6 @@
               <a:rPr lang="en-US" altLang="ja-JP" dirty="0" smtClean="0"/>
               <a:t>Preparation</a:t>
             </a:r>
-            <a:endParaRPr lang="en-US" altLang="ja-JP" dirty="0" smtClean="0"/>
           </a:p>
           <a:p>
             <a:pPr marL="342900" indent="-342900">
@@ -23293,7 +23211,6 @@
               <a:rPr lang="en-US" altLang="ja-JP" sz="2000" dirty="0" smtClean="0"/>
               <a:t>Operation</a:t>
             </a:r>
-            <a:endParaRPr lang="en-US" altLang="ja-JP" sz="2000" dirty="0" smtClean="0"/>
           </a:p>
           <a:p>
             <a:pPr marL="800100" lvl="1" indent="-342900">
@@ -29719,11 +29636,7 @@
             </a:r>
             <a:r>
               <a:rPr lang="en-US" altLang="ja-JP" sz="1800" dirty="0" smtClean="0"/>
-              <a:t>the</a:t>
-            </a:r>
-            <a:r>
-              <a:rPr lang="en-US" altLang="ja-JP" sz="1800" dirty="0" smtClean="0"/>
-              <a:t> </a:t>
+              <a:t>the </a:t>
             </a:r>
             <a:r>
               <a:rPr lang="en-US" altLang="ja-JP" sz="1800" dirty="0"/>
@@ -31146,19 +31059,7 @@
               <a:rPr lang="en-US" altLang="ja-JP" sz="1400" dirty="0" smtClean="0">
                 <a:latin typeface="+mn-ea"/>
               </a:rPr>
-              <a:t>is a function </a:t>
-            </a:r>
-            <a:r>
-              <a:rPr lang="en-US" altLang="ja-JP" sz="1400" dirty="0" smtClean="0">
-                <a:latin typeface="+mn-ea"/>
-              </a:rPr>
-              <a:t>is deployed at the end of a process..</a:t>
-            </a:r>
-            <a:r>
-              <a:rPr lang="en-US" altLang="ja-JP" sz="1400" dirty="0" smtClean="0">
-                <a:latin typeface="+mn-ea"/>
-              </a:rPr>
-              <a:t/>
+              <a:t>is a function is deployed at the end of a process..</a:t>
             </a:r>
             <a:br>
               <a:rPr lang="en-US" altLang="ja-JP" sz="1400" dirty="0" smtClean="0">
@@ -31181,13 +31082,7 @@
               <a:rPr lang="en-US" altLang="ja-JP" sz="1400" dirty="0" smtClean="0">
                 <a:latin typeface="+mn-ea"/>
               </a:rPr>
-              <a:t>is also deployed at the end of </a:t>
-            </a:r>
-            <a:r>
-              <a:rPr lang="en-US" altLang="ja-JP" sz="1400" dirty="0" smtClean="0">
-                <a:latin typeface="+mn-ea"/>
-              </a:rPr>
-              <a:t>the </a:t>
+              <a:t>is also deployed at the end of the </a:t>
             </a:r>
             <a:r>
               <a:rPr lang="en-US" altLang="ja-JP" sz="1400" dirty="0">
@@ -34109,15 +34004,7 @@
             </a:r>
             <a:r>
               <a:rPr lang="en-US" altLang="ja-JP" dirty="0" smtClean="0"/>
-              <a:t>Selecting a </a:t>
-            </a:r>
-            <a:r>
-              <a:rPr lang="en-US" altLang="ja-JP" dirty="0" smtClean="0"/>
-              <a:t>running or </a:t>
-            </a:r>
-            <a:r>
-              <a:rPr lang="en-US" altLang="ja-JP" dirty="0" smtClean="0"/>
-              <a:t>an already executed movement </a:t>
+              <a:t>Selecting a running or an already executed movement </a:t>
             </a:r>
             <a:br>
               <a:rPr lang="en-US" altLang="ja-JP" dirty="0" smtClean="0"/>
@@ -35138,7 +35025,6 @@
               <a:rPr lang="en-US" altLang="ja-JP" dirty="0" smtClean="0"/>
               <a:t>The Scenario used in this document is as following.</a:t>
             </a:r>
-            <a:endParaRPr lang="en-US" altLang="ja-JP" dirty="0" smtClean="0"/>
           </a:p>
           <a:p>
             <a:pPr>
@@ -37772,8 +37658,8 @@
         </p:nvSpPr>
         <p:spPr>
           <a:xfrm>
-            <a:off x="395420" y="2420788"/>
-            <a:ext cx="6408890" cy="3888308"/>
+            <a:off x="395420" y="2311212"/>
+            <a:ext cx="6408890" cy="4032632"/>
           </a:xfrm>
           <a:prstGeom prst="rect">
             <a:avLst/>
@@ -37791,13 +37677,12 @@
           </a:bodyPr>
           <a:lstStyle/>
           <a:p>
-            <a:r>
-              <a:rPr lang="en-US" altLang="ja-JP" sz="1400" dirty="0" smtClean="0"/>
-              <a:t>- </a:t>
-            </a:r>
+            <a:endParaRPr lang="en-US" altLang="ja-JP" sz="1400" dirty="0"/>
+          </a:p>
+          <a:p>
             <a:r>
               <a:rPr lang="en-US" altLang="ja-JP" sz="1400" dirty="0"/>
-              <a:t>name: create directory</a:t>
+              <a:t>- name: create directory</a:t>
             </a:r>
           </a:p>
           <a:p>
@@ -37809,22 +37694,155 @@
           <a:p>
             <a:r>
               <a:rPr lang="en-US" altLang="ja-JP" sz="1400" dirty="0"/>
-              <a:t>    path=/</a:t>
+              <a:t>    path: /</a:t>
             </a:r>
             <a:r>
               <a:rPr lang="en-US" altLang="ja-JP" sz="1400" dirty="0" err="1"/>
               <a:t>tmp</a:t>
             </a:r>
             <a:r>
-              <a:rPr lang="en-US" altLang="ja-JP" sz="1400" dirty="0" smtClean="0"/>
+              <a:rPr lang="en-US" altLang="ja-JP" sz="1400" dirty="0"/>
+              <a:t>/{{ </a:t>
+            </a:r>
+            <a:r>
+              <a:rPr lang="en-US" altLang="ja-JP" sz="1400" dirty="0" err="1"/>
+              <a:t>item.dir</a:t>
+            </a:r>
+            <a:r>
+              <a:rPr lang="en-US" altLang="ja-JP" sz="1400" dirty="0"/>
+              <a:t> }}</a:t>
+            </a:r>
+          </a:p>
+          <a:p>
+            <a:r>
+              <a:rPr lang="en-US" altLang="ja-JP" sz="1400" dirty="0"/>
+              <a:t>    state: directory</a:t>
+            </a:r>
+          </a:p>
+          <a:p>
+            <a:r>
+              <a:rPr lang="en-US" altLang="ja-JP" sz="1400" dirty="0"/>
+              <a:t>    mode: 0755</a:t>
+            </a:r>
+          </a:p>
+          <a:p>
+            <a:r>
+              <a:rPr lang="en-US" altLang="ja-JP" sz="1400" dirty="0"/>
+              <a:t>  </a:t>
+            </a:r>
+            <a:r>
+              <a:rPr lang="en-US" altLang="ja-JP" sz="1400" dirty="0" err="1"/>
+              <a:t>with_items</a:t>
+            </a:r>
+            <a:r>
+              <a:rPr lang="en-US" altLang="ja-JP" sz="1400" dirty="0"/>
+              <a:t>:</a:t>
+            </a:r>
+          </a:p>
+          <a:p>
+            <a:r>
+              <a:rPr lang="en-US" altLang="ja-JP" sz="1400" dirty="0"/>
+              <a:t>    - { </a:t>
+            </a:r>
+            <a:r>
+              <a:rPr lang="en-US" altLang="ja-JP" sz="1400" dirty="0" err="1"/>
+              <a:t>dir</a:t>
+            </a:r>
+            <a:r>
+              <a:rPr lang="en-US" altLang="ja-JP" sz="1400" dirty="0"/>
+              <a:t>: "{{ VAR_dir_name_1 }}" }</a:t>
+            </a:r>
+          </a:p>
+          <a:p>
+            <a:r>
+              <a:rPr lang="en-US" altLang="ja-JP" sz="1400" dirty="0"/>
+              <a:t>    - { </a:t>
+            </a:r>
+            <a:r>
+              <a:rPr lang="en-US" altLang="ja-JP" sz="1400" dirty="0" err="1"/>
+              <a:t>dir</a:t>
+            </a:r>
+            <a:r>
+              <a:rPr lang="en-US" altLang="ja-JP" sz="1400" dirty="0"/>
+              <a:t>: "{{ VAR_dir_name_2 }}" }</a:t>
+            </a:r>
+          </a:p>
+          <a:p>
+            <a:endParaRPr lang="en-US" altLang="ja-JP" sz="1400" dirty="0"/>
+          </a:p>
+          <a:p>
+            <a:r>
+              <a:rPr lang="en-US" altLang="ja-JP" sz="1400" dirty="0"/>
+              <a:t>- name: remove directory </a:t>
+            </a:r>
+          </a:p>
+          <a:p>
+            <a:r>
+              <a:rPr lang="en-US" altLang="ja-JP" sz="1400" dirty="0"/>
+              <a:t>  file:</a:t>
+            </a:r>
+          </a:p>
+          <a:p>
+            <a:r>
+              <a:rPr lang="en-US" altLang="ja-JP" sz="1400" dirty="0"/>
+              <a:t>    path=/</a:t>
+            </a:r>
+            <a:r>
+              <a:rPr lang="en-US" altLang="ja-JP" sz="1400" dirty="0" err="1"/>
+              <a:t>tmp</a:t>
+            </a:r>
+            <a:r>
+              <a:rPr lang="en-US" altLang="ja-JP" sz="1400" dirty="0"/>
               <a:t>/{{ VAR_dir_name_1 }}</a:t>
             </a:r>
+          </a:p>
+          <a:p>
+            <a:r>
+              <a:rPr lang="en-US" altLang="ja-JP" sz="1400" dirty="0"/>
+              <a:t>    state=absent</a:t>
+            </a:r>
+          </a:p>
+          <a:p>
             <a:endParaRPr lang="en-US" altLang="ja-JP" sz="1400" dirty="0"/>
           </a:p>
           <a:p>
             <a:r>
               <a:rPr lang="en-US" altLang="ja-JP" sz="1400" dirty="0"/>
-              <a:t>    state=directory</a:t>
+              <a:t>- name: create file</a:t>
+            </a:r>
+          </a:p>
+          <a:p>
+            <a:r>
+              <a:rPr lang="en-US" altLang="ja-JP" sz="1400" dirty="0"/>
+              <a:t>  file:</a:t>
+            </a:r>
+          </a:p>
+          <a:p>
+            <a:r>
+              <a:rPr lang="en-US" altLang="ja-JP" sz="1400" dirty="0"/>
+              <a:t>    path=/</a:t>
+            </a:r>
+            <a:r>
+              <a:rPr lang="en-US" altLang="ja-JP" sz="1400" dirty="0" err="1"/>
+              <a:t>tmp</a:t>
+            </a:r>
+            <a:r>
+              <a:rPr lang="en-US" altLang="ja-JP" sz="1400" dirty="0"/>
+              <a:t>/{{ VAR_dir_name_1 }}/{{ </a:t>
+            </a:r>
+            <a:r>
+              <a:rPr lang="en-US" altLang="ja-JP" sz="1400" dirty="0" err="1"/>
+              <a:t>VAR_file_name</a:t>
+            </a:r>
+            <a:r>
+              <a:rPr lang="en-US" altLang="ja-JP" sz="1400" dirty="0"/>
+              <a:t> }}</a:t>
+            </a:r>
+          </a:p>
+          <a:p>
+            <a:r>
+              <a:rPr lang="en-US" altLang="ja-JP" sz="1400" dirty="0"/>
+              <a:t>    state=touch</a:t>
             </a:r>
           </a:p>
           <a:p>
@@ -37832,128 +37850,6 @@
               <a:rPr lang="en-US" altLang="ja-JP" sz="1400" dirty="0"/>
               <a:t>    mode=0755</a:t>
             </a:r>
-          </a:p>
-          <a:p>
-            <a:r>
-              <a:rPr lang="en-US" altLang="ja-JP" sz="1400" dirty="0"/>
-              <a:t>    </a:t>
-            </a:r>
-          </a:p>
-          <a:p>
-            <a:r>
-              <a:rPr lang="en-US" altLang="ja-JP" sz="1400" dirty="0" smtClean="0"/>
-              <a:t>- </a:t>
-            </a:r>
-            <a:r>
-              <a:rPr lang="en-US" altLang="ja-JP" sz="1400" dirty="0"/>
-              <a:t>name: remove directory </a:t>
-            </a:r>
-          </a:p>
-          <a:p>
-            <a:r>
-              <a:rPr lang="en-US" altLang="ja-JP" sz="1400" dirty="0"/>
-              <a:t>  file:</a:t>
-            </a:r>
-          </a:p>
-          <a:p>
-            <a:r>
-              <a:rPr lang="en-US" altLang="ja-JP" sz="1400" dirty="0"/>
-              <a:t>    path=/</a:t>
-            </a:r>
-            <a:r>
-              <a:rPr lang="en-US" altLang="ja-JP" sz="1400" dirty="0" err="1"/>
-              <a:t>tmp</a:t>
-            </a:r>
-            <a:r>
-              <a:rPr lang="en-US" altLang="ja-JP" sz="1400" dirty="0" smtClean="0"/>
-              <a:t>/{{</a:t>
-            </a:r>
-            <a:r>
-              <a:rPr lang="en-US" altLang="ja-JP" sz="1400" dirty="0"/>
-              <a:t>VAR_dir_name_1 </a:t>
-            </a:r>
-            <a:r>
-              <a:rPr lang="en-US" altLang="ja-JP" sz="1400" dirty="0" smtClean="0"/>
-              <a:t>}}</a:t>
-            </a:r>
-            <a:endParaRPr lang="en-US" altLang="ja-JP" sz="1400" dirty="0"/>
-          </a:p>
-          <a:p>
-            <a:r>
-              <a:rPr lang="en-US" altLang="ja-JP" sz="1400" dirty="0"/>
-              <a:t>    </a:t>
-            </a:r>
-            <a:r>
-              <a:rPr lang="en-US" altLang="ja-JP" sz="1400" dirty="0" smtClean="0"/>
-              <a:t>state=absent</a:t>
-            </a:r>
-          </a:p>
-          <a:p>
-            <a:endParaRPr lang="en-US" altLang="ja-JP" sz="1400" dirty="0"/>
-          </a:p>
-          <a:p>
-            <a:r>
-              <a:rPr lang="en-US" altLang="ja-JP" sz="1400" dirty="0"/>
-              <a:t>- name: create file</a:t>
-            </a:r>
-          </a:p>
-          <a:p>
-            <a:r>
-              <a:rPr lang="en-US" altLang="ja-JP" sz="1400" dirty="0"/>
-              <a:t>  file:</a:t>
-            </a:r>
-          </a:p>
-          <a:p>
-            <a:r>
-              <a:rPr lang="en-US" altLang="ja-JP" sz="1400" dirty="0"/>
-              <a:t>    path=/</a:t>
-            </a:r>
-            <a:r>
-              <a:rPr lang="en-US" altLang="ja-JP" sz="1400" dirty="0" err="1"/>
-              <a:t>tmp</a:t>
-            </a:r>
-            <a:r>
-              <a:rPr lang="en-US" altLang="ja-JP" sz="1400" dirty="0" smtClean="0"/>
-              <a:t>/{{</a:t>
-            </a:r>
-            <a:r>
-              <a:rPr lang="en-US" altLang="ja-JP" sz="1400" dirty="0"/>
-              <a:t>VAR_dir_name_1 </a:t>
-            </a:r>
-            <a:r>
-              <a:rPr lang="en-US" altLang="ja-JP" sz="1400" dirty="0" smtClean="0"/>
-              <a:t>}}/{{</a:t>
-            </a:r>
-            <a:r>
-              <a:rPr lang="en-US" altLang="ja-JP" sz="1400" dirty="0" err="1"/>
-              <a:t>VAR_file_name</a:t>
-            </a:r>
-            <a:r>
-              <a:rPr lang="en-US" altLang="ja-JP" sz="1400" dirty="0"/>
-              <a:t> </a:t>
-            </a:r>
-            <a:r>
-              <a:rPr lang="en-US" altLang="ja-JP" sz="1400" dirty="0" smtClean="0"/>
-              <a:t>}}</a:t>
-            </a:r>
-          </a:p>
-          <a:p>
-            <a:r>
-              <a:rPr lang="en-US" altLang="ja-JP" sz="1400" dirty="0"/>
-              <a:t> </a:t>
-            </a:r>
-            <a:r>
-              <a:rPr lang="en-US" altLang="ja-JP" sz="1400" dirty="0" smtClean="0"/>
-              <a:t>   state=touch</a:t>
-            </a:r>
-            <a:endParaRPr lang="en-US" altLang="ja-JP" sz="1400" dirty="0"/>
-          </a:p>
-          <a:p>
-            <a:r>
-              <a:rPr lang="en-US" altLang="ja-JP" sz="1400" dirty="0"/>
-              <a:t>    mode=0755</a:t>
-            </a:r>
-            <a:endParaRPr lang="en-US" altLang="ja-JP" sz="1400" dirty="0" smtClean="0"/>
           </a:p>
           <a:p>
             <a:endParaRPr lang="en-US" altLang="ja-JP" sz="1400" dirty="0">

--- a/asset/Learn/ITA-Conductor_practice_en.pptx
+++ b/asset/Learn/ITA-Conductor_practice_en.pptx
@@ -330,7 +330,7 @@
               <a:rPr kumimoji="1" lang="ja-JP" altLang="en-US" smtClean="0">
                 <a:ea typeface="メイリオ" panose="020B0604030504040204" pitchFamily="50" charset="-128"/>
               </a:rPr>
-              <a:t>2021/12/9</a:t>
+              <a:t>2022/2/2</a:t>
             </a:fld>
             <a:endParaRPr kumimoji="1" lang="ja-JP" altLang="en-US" dirty="0">
               <a:ea typeface="メイリオ" panose="020B0604030504040204" pitchFamily="50" charset="-128"/>
@@ -476,7 +476,7 @@
             <a:fld id="{4B26993D-C081-44EB-B0F5-A9F467792B62}" type="datetimeFigureOut">
               <a:rPr lang="ja-JP" altLang="en-US" smtClean="0"/>
               <a:pPr/>
-              <a:t>2021/12/9</a:t>
+              <a:t>2022/2/2</a:t>
             </a:fld>
             <a:endParaRPr lang="ja-JP" altLang="en-US" dirty="0"/>
           </a:p>
@@ -4377,7 +4377,7 @@
           <a:p>
             <a:fld id="{56F9016B-CCA6-43BE-8BEE-59565A35F4F7}" type="datetimeFigureOut">
               <a:rPr kumimoji="1" lang="ja-JP" altLang="en-US" smtClean="0"/>
-              <a:t>2021/12/9</a:t>
+              <a:t>2022/2/2</a:t>
             </a:fld>
             <a:endParaRPr kumimoji="1" lang="ja-JP" altLang="en-US"/>
           </a:p>
@@ -4579,7 +4579,7 @@
           <a:p>
             <a:fld id="{56F9016B-CCA6-43BE-8BEE-59565A35F4F7}" type="datetimeFigureOut">
               <a:rPr kumimoji="1" lang="ja-JP" altLang="en-US" smtClean="0"/>
-              <a:t>2021/12/9</a:t>
+              <a:t>2022/2/2</a:t>
             </a:fld>
             <a:endParaRPr kumimoji="1" lang="ja-JP" altLang="en-US"/>
           </a:p>
@@ -4825,7 +4825,7 @@
           <a:p>
             <a:fld id="{56F9016B-CCA6-43BE-8BEE-59565A35F4F7}" type="datetimeFigureOut">
               <a:rPr kumimoji="1" lang="ja-JP" altLang="en-US" smtClean="0"/>
-              <a:t>2021/12/9</a:t>
+              <a:t>2022/2/2</a:t>
             </a:fld>
             <a:endParaRPr kumimoji="1" lang="ja-JP" altLang="en-US"/>
           </a:p>
@@ -5121,7 +5121,7 @@
           <a:p>
             <a:fld id="{56F9016B-CCA6-43BE-8BEE-59565A35F4F7}" type="datetimeFigureOut">
               <a:rPr kumimoji="1" lang="ja-JP" altLang="en-US" smtClean="0"/>
-              <a:t>2021/12/9</a:t>
+              <a:t>2022/2/2</a:t>
             </a:fld>
             <a:endParaRPr kumimoji="1" lang="ja-JP" altLang="en-US"/>
           </a:p>
@@ -5552,7 +5552,7 @@
           <a:p>
             <a:fld id="{56F9016B-CCA6-43BE-8BEE-59565A35F4F7}" type="datetimeFigureOut">
               <a:rPr kumimoji="1" lang="ja-JP" altLang="en-US" smtClean="0"/>
-              <a:t>2021/12/9</a:t>
+              <a:t>2022/2/2</a:t>
             </a:fld>
             <a:endParaRPr kumimoji="1" lang="ja-JP" altLang="en-US"/>
           </a:p>
@@ -5670,7 +5670,7 @@
           <a:p>
             <a:fld id="{56F9016B-CCA6-43BE-8BEE-59565A35F4F7}" type="datetimeFigureOut">
               <a:rPr kumimoji="1" lang="ja-JP" altLang="en-US" smtClean="0"/>
-              <a:t>2021/12/9</a:t>
+              <a:t>2022/2/2</a:t>
             </a:fld>
             <a:endParaRPr kumimoji="1" lang="ja-JP" altLang="en-US"/>
           </a:p>
@@ -5765,7 +5765,7 @@
           <a:p>
             <a:fld id="{56F9016B-CCA6-43BE-8BEE-59565A35F4F7}" type="datetimeFigureOut">
               <a:rPr kumimoji="1" lang="ja-JP" altLang="en-US" smtClean="0"/>
-              <a:t>2021/12/9</a:t>
+              <a:t>2022/2/2</a:t>
             </a:fld>
             <a:endParaRPr kumimoji="1" lang="ja-JP" altLang="en-US"/>
           </a:p>
@@ -6074,7 +6074,7 @@
           <a:p>
             <a:fld id="{56F9016B-CCA6-43BE-8BEE-59565A35F4F7}" type="datetimeFigureOut">
               <a:rPr kumimoji="1" lang="ja-JP" altLang="en-US" smtClean="0"/>
-              <a:t>2021/12/9</a:t>
+              <a:t>2022/2/2</a:t>
             </a:fld>
             <a:endParaRPr kumimoji="1" lang="ja-JP" altLang="en-US"/>
           </a:p>
@@ -6327,7 +6327,7 @@
           <a:p>
             <a:fld id="{56F9016B-CCA6-43BE-8BEE-59565A35F4F7}" type="datetimeFigureOut">
               <a:rPr kumimoji="1" lang="ja-JP" altLang="en-US" smtClean="0"/>
-              <a:t>2021/12/9</a:t>
+              <a:t>2022/2/2</a:t>
             </a:fld>
             <a:endParaRPr kumimoji="1" lang="ja-JP" altLang="en-US"/>
           </a:p>
@@ -6604,7 +6604,7 @@
           <a:p>
             <a:fld id="{56F9016B-CCA6-43BE-8BEE-59565A35F4F7}" type="datetimeFigureOut">
               <a:rPr kumimoji="1" lang="ja-JP" altLang="en-US" smtClean="0"/>
-              <a:t>2021/12/9</a:t>
+              <a:t>2022/2/2</a:t>
             </a:fld>
             <a:endParaRPr kumimoji="1" lang="ja-JP" altLang="en-US"/>
           </a:p>
@@ -6816,7 +6816,7 @@
           <a:p>
             <a:fld id="{56F9016B-CCA6-43BE-8BEE-59565A35F4F7}" type="datetimeFigureOut">
               <a:rPr kumimoji="1" lang="ja-JP" altLang="en-US" smtClean="0"/>
-              <a:t>2021/12/9</a:t>
+              <a:t>2022/2/2</a:t>
             </a:fld>
             <a:endParaRPr kumimoji="1" lang="ja-JP" altLang="en-US"/>
           </a:p>
@@ -9875,7 +9875,7 @@
           <a:p>
             <a:fld id="{56F9016B-CCA6-43BE-8BEE-59565A35F4F7}" type="datetimeFigureOut">
               <a:rPr kumimoji="1" lang="ja-JP" altLang="en-US" smtClean="0"/>
-              <a:t>2021/12/9</a:t>
+              <a:t>2022/2/2</a:t>
             </a:fld>
             <a:endParaRPr kumimoji="1" lang="ja-JP" altLang="en-US"/>
           </a:p>
@@ -10300,7 +10300,7 @@
         <p:spPr>
           <a:xfrm>
             <a:off x="179513" y="6021360"/>
-            <a:ext cx="6552727" cy="707886"/>
+            <a:ext cx="6552727" cy="772006"/>
           </a:xfrm>
         </p:spPr>
         <p:txBody>
@@ -10308,25 +10308,24 @@
           <a:lstStyle/>
           <a:p>
             <a:r>
-              <a:rPr lang="en-US" altLang="ja-JP" dirty="0"/>
-              <a:t>Exastro IT Automation Version 1.8</a:t>
-            </a:r>
-            <a:br>
-              <a:rPr lang="en-US" altLang="ja-JP" dirty="0"/>
-            </a:br>
-            <a:r>
-              <a:rPr lang="en-US" altLang="ja-JP" dirty="0"/>
+              <a:rPr lang="en-US" altLang="ja-JP" dirty="0" smtClean="0"/>
+              <a:t>Exastro IT Automation Version 1.9</a:t>
+            </a:r>
+          </a:p>
+          <a:p>
+            <a:r>
+              <a:rPr lang="en-US" altLang="ja-JP" dirty="0" smtClean="0"/>
               <a:t>Exastro</a:t>
             </a:r>
             <a:r>
-              <a:rPr lang="ja-JP" altLang="en-US" dirty="0"/>
+              <a:rPr lang="ja-JP" altLang="en-US" dirty="0" smtClean="0"/>
               <a:t> </a:t>
             </a:r>
             <a:r>
-              <a:rPr lang="en-US" altLang="ja-JP" dirty="0"/>
+              <a:rPr lang="en-US" altLang="ja-JP" dirty="0" smtClean="0"/>
               <a:t>developer</a:t>
             </a:r>
-            <a:endParaRPr lang="ja-JP" altLang="en-US" dirty="0"/>
+            <a:endParaRPr kumimoji="1" lang="ja-JP" altLang="en-US" dirty="0"/>
           </a:p>
         </p:txBody>
       </p:sp>
@@ -11022,8 +11021,8 @@
               <a:buAutoNum type="circleNumDbPlain"/>
             </a:pPr>
             <a:r>
-              <a:rPr lang="en-US" altLang="ja-JP" dirty="0"/>
-              <a:t>Click "Register" button.</a:t>
+              <a:rPr lang="en-US" altLang="ja-JP" dirty="0" smtClean="0"/>
+              <a:t>Click the “Register” button.</a:t>
             </a:r>
             <a:endParaRPr lang="en-US" altLang="ja-JP" dirty="0" smtClean="0"/>
           </a:p>
@@ -14995,30 +14994,6 @@
           <a:chExt cx="0" cy="0"/>
         </a:xfrm>
       </p:grpSpPr>
-      <p:pic>
-        <p:nvPicPr>
-          <p:cNvPr id="3" name="図 2"/>
-          <p:cNvPicPr>
-            <a:picLocks noChangeAspect="1"/>
-          </p:cNvPicPr>
-          <p:nvPr/>
-        </p:nvPicPr>
-        <p:blipFill>
-          <a:blip r:embed="rId3"/>
-          <a:stretch>
-            <a:fillRect/>
-          </a:stretch>
-        </p:blipFill>
-        <p:spPr>
-          <a:xfrm>
-            <a:off x="755470" y="2747523"/>
-            <a:ext cx="7440387" cy="3104693"/>
-          </a:xfrm>
-          <a:prstGeom prst="rect">
-            <a:avLst/>
-          </a:prstGeom>
-        </p:spPr>
-      </p:pic>
       <p:sp>
         <p:nvSpPr>
           <p:cNvPr id="2" name="タイトル 1"/>
@@ -15252,6 +15227,47 @@
           </a:p>
         </p:txBody>
       </p:sp>
+      <p:pic>
+        <p:nvPicPr>
+          <p:cNvPr id="15" name="図 14"/>
+          <p:cNvPicPr>
+            <a:picLocks noChangeAspect="1" noChangeArrowheads="1"/>
+          </p:cNvPicPr>
+          <p:nvPr/>
+        </p:nvPicPr>
+        <p:blipFill>
+          <a:blip r:embed="rId3">
+            <a:extLst>
+              <a:ext uri="{28A0092B-C50C-407E-A947-70E740481C1C}">
+                <a14:useLocalDpi xmlns:a14="http://schemas.microsoft.com/office/drawing/2010/main" val="0"/>
+              </a:ext>
+            </a:extLst>
+          </a:blip>
+          <a:srcRect/>
+          <a:stretch>
+            <a:fillRect/>
+          </a:stretch>
+        </p:blipFill>
+        <p:spPr bwMode="auto">
+          <a:xfrm>
+            <a:off x="755470" y="2733433"/>
+            <a:ext cx="7170892" cy="3226884"/>
+          </a:xfrm>
+          <a:prstGeom prst="rect">
+            <a:avLst/>
+          </a:prstGeom>
+          <a:noFill/>
+          <a:extLst>
+            <a:ext uri="{909E8E84-426E-40DD-AFC4-6F175D3DCCD1}">
+              <a14:hiddenFill xmlns:a14="http://schemas.microsoft.com/office/drawing/2010/main">
+                <a:solidFill>
+                  <a:srgbClr val="FFFFFF"/>
+                </a:solidFill>
+              </a14:hiddenFill>
+            </a:ext>
+          </a:extLst>
+        </p:spPr>
+      </p:pic>
       <p:sp>
         <p:nvSpPr>
           <p:cNvPr id="16" name="角丸四角形 15"/>
@@ -15260,8 +15276,8 @@
         </p:nvSpPr>
         <p:spPr bwMode="auto">
           <a:xfrm>
-            <a:off x="2339690" y="4293121"/>
-            <a:ext cx="1944270" cy="864119"/>
+            <a:off x="2352574" y="4459999"/>
+            <a:ext cx="1889090" cy="820945"/>
           </a:xfrm>
           <a:prstGeom prst="roundRect">
             <a:avLst>
@@ -15304,7 +15320,7 @@
         </p:nvSpPr>
         <p:spPr bwMode="auto">
           <a:xfrm>
-            <a:off x="2823440" y="5387495"/>
+            <a:off x="2866112" y="5642826"/>
             <a:ext cx="1062040" cy="271492"/>
           </a:xfrm>
           <a:prstGeom prst="roundRect">
@@ -15348,7 +15364,7 @@
         </p:nvSpPr>
         <p:spPr bwMode="auto">
           <a:xfrm>
-            <a:off x="4043385" y="5400319"/>
+            <a:off x="4056515" y="5668749"/>
             <a:ext cx="237985" cy="268430"/>
           </a:xfrm>
           <a:prstGeom prst="wedgeEllipseCallout">
@@ -16906,30 +16922,6 @@
           <a:chExt cx="0" cy="0"/>
         </a:xfrm>
       </p:grpSpPr>
-      <p:pic>
-        <p:nvPicPr>
-          <p:cNvPr id="3" name="図 2"/>
-          <p:cNvPicPr>
-            <a:picLocks noChangeAspect="1"/>
-          </p:cNvPicPr>
-          <p:nvPr/>
-        </p:nvPicPr>
-        <p:blipFill>
-          <a:blip r:embed="rId3"/>
-          <a:stretch>
-            <a:fillRect/>
-          </a:stretch>
-        </p:blipFill>
-        <p:spPr>
-          <a:xfrm>
-            <a:off x="264688" y="1772771"/>
-            <a:ext cx="8544321" cy="3186584"/>
-          </a:xfrm>
-          <a:prstGeom prst="rect">
-            <a:avLst/>
-          </a:prstGeom>
-        </p:spPr>
-      </p:pic>
       <p:sp>
         <p:nvSpPr>
           <p:cNvPr id="2" name="タイトル 1"/>
@@ -17037,6 +17029,30 @@
           </a:p>
         </p:txBody>
       </p:sp>
+      <p:pic>
+        <p:nvPicPr>
+          <p:cNvPr id="3" name="図 2"/>
+          <p:cNvPicPr>
+            <a:picLocks noChangeAspect="1"/>
+          </p:cNvPicPr>
+          <p:nvPr/>
+        </p:nvPicPr>
+        <p:blipFill>
+          <a:blip r:embed="rId3"/>
+          <a:stretch>
+            <a:fillRect/>
+          </a:stretch>
+        </p:blipFill>
+        <p:spPr>
+          <a:xfrm>
+            <a:off x="251400" y="1700760"/>
+            <a:ext cx="8568113" cy="2456427"/>
+          </a:xfrm>
+          <a:prstGeom prst="rect">
+            <a:avLst/>
+          </a:prstGeom>
+        </p:spPr>
+      </p:pic>
     </p:spTree>
     <p:extLst>
       <p:ext uri="{BB962C8B-B14F-4D97-AF65-F5344CB8AC3E}">
@@ -17074,6 +17090,30 @@
           <a:chExt cx="0" cy="0"/>
         </a:xfrm>
       </p:grpSpPr>
+      <p:pic>
+        <p:nvPicPr>
+          <p:cNvPr id="3" name="図 2"/>
+          <p:cNvPicPr>
+            <a:picLocks noChangeAspect="1"/>
+          </p:cNvPicPr>
+          <p:nvPr/>
+        </p:nvPicPr>
+        <p:blipFill>
+          <a:blip r:embed="rId3"/>
+          <a:stretch>
+            <a:fillRect/>
+          </a:stretch>
+        </p:blipFill>
+        <p:spPr>
+          <a:xfrm>
+            <a:off x="244916" y="2379632"/>
+            <a:ext cx="8548614" cy="3857757"/>
+          </a:xfrm>
+          <a:prstGeom prst="rect">
+            <a:avLst/>
+          </a:prstGeom>
+        </p:spPr>
+      </p:pic>
       <p:sp>
         <p:nvSpPr>
           <p:cNvPr id="2" name="タイトル 1"/>
@@ -17205,44 +17245,13 @@
               <a:buAutoNum type="circleNumDbPlain"/>
             </a:pPr>
             <a:r>
-              <a:rPr lang="en-US" altLang="ja-JP" dirty="0"/>
-              <a:t>Click </a:t>
-            </a:r>
-            <a:r>
               <a:rPr lang="en-US" altLang="ja-JP" dirty="0" smtClean="0"/>
-              <a:t>“Register” </a:t>
-            </a:r>
-            <a:r>
-              <a:rPr lang="en-US" altLang="ja-JP" dirty="0"/>
-              <a:t>button.</a:t>
-            </a:r>
+              <a:t>Click the “Register” button.</a:t>
+            </a:r>
+            <a:endParaRPr lang="en-US" altLang="ja-JP" dirty="0"/>
           </a:p>
         </p:txBody>
       </p:sp>
-      <p:pic>
-        <p:nvPicPr>
-          <p:cNvPr id="16" name="図 15"/>
-          <p:cNvPicPr>
-            <a:picLocks noChangeAspect="1"/>
-          </p:cNvPicPr>
-          <p:nvPr/>
-        </p:nvPicPr>
-        <p:blipFill>
-          <a:blip r:embed="rId3"/>
-          <a:stretch>
-            <a:fillRect/>
-          </a:stretch>
-        </p:blipFill>
-        <p:spPr>
-          <a:xfrm>
-            <a:off x="467430" y="2348850"/>
-            <a:ext cx="7561050" cy="4104338"/>
-          </a:xfrm>
-          <a:prstGeom prst="rect">
-            <a:avLst/>
-          </a:prstGeom>
-        </p:spPr>
-      </p:pic>
       <p:sp>
         <p:nvSpPr>
           <p:cNvPr id="17" name="角丸四角形 16"/>
@@ -17251,8 +17260,8 @@
         </p:nvSpPr>
         <p:spPr bwMode="auto">
           <a:xfrm>
-            <a:off x="2987780" y="4525507"/>
-            <a:ext cx="3744520" cy="1063793"/>
+            <a:off x="1619590" y="4077090"/>
+            <a:ext cx="648090" cy="864120"/>
           </a:xfrm>
           <a:prstGeom prst="roundRect">
             <a:avLst>
@@ -17295,8 +17304,8 @@
         </p:nvSpPr>
         <p:spPr bwMode="auto">
           <a:xfrm>
-            <a:off x="3851900" y="5913157"/>
-            <a:ext cx="1663920" cy="324233"/>
+            <a:off x="2051650" y="5204682"/>
+            <a:ext cx="1087840" cy="324233"/>
           </a:xfrm>
           <a:prstGeom prst="roundRect">
             <a:avLst>
@@ -17339,7 +17348,7 @@
         </p:nvSpPr>
         <p:spPr bwMode="auto">
           <a:xfrm>
-            <a:off x="5292100" y="3091998"/>
+            <a:off x="4387858" y="2831064"/>
             <a:ext cx="3384470" cy="1295323"/>
           </a:xfrm>
           <a:prstGeom prst="roundRect">
@@ -17394,7 +17403,7 @@
         </p:nvSpPr>
         <p:spPr bwMode="auto">
           <a:xfrm>
-            <a:off x="5222107" y="3051983"/>
+            <a:off x="4317865" y="2791049"/>
             <a:ext cx="301542" cy="312200"/>
           </a:xfrm>
           <a:prstGeom prst="wedgeEllipseCallout">
@@ -17454,13 +17463,13 @@
           <p:nvPr>
             <p:extLst>
               <p:ext uri="{D42A27DB-BD31-4B8C-83A1-F6EECF244321}">
-                <p14:modId xmlns:p14="http://schemas.microsoft.com/office/powerpoint/2010/main" val="4257026234"/>
+                <p14:modId xmlns:p14="http://schemas.microsoft.com/office/powerpoint/2010/main" val="2070937614"/>
               </p:ext>
             </p:extLst>
           </p:nvPr>
         </p:nvGraphicFramePr>
         <p:xfrm>
-          <a:off x="5372878" y="3363411"/>
+          <a:off x="4468636" y="3102477"/>
           <a:ext cx="3254355" cy="843979"/>
         </p:xfrm>
         <a:graphic>
@@ -18056,7 +18065,7 @@
         </p:nvSpPr>
         <p:spPr bwMode="auto">
           <a:xfrm>
-            <a:off x="5630195" y="5968960"/>
+            <a:off x="3253865" y="5260485"/>
             <a:ext cx="237985" cy="268430"/>
           </a:xfrm>
           <a:prstGeom prst="wedgeEllipseCallout">
@@ -18115,7 +18124,7 @@
         </p:nvSpPr>
         <p:spPr bwMode="auto">
           <a:xfrm>
-            <a:off x="6300240" y="5727486"/>
+            <a:off x="3923910" y="5019011"/>
             <a:ext cx="2663273" cy="797904"/>
           </a:xfrm>
           <a:prstGeom prst="roundRect">
@@ -18238,7 +18247,7 @@
         </p:nvGrpSpPr>
         <p:grpSpPr>
           <a:xfrm>
-            <a:off x="6012999" y="5647223"/>
+            <a:off x="3636669" y="4938748"/>
             <a:ext cx="409451" cy="456731"/>
             <a:chOff x="0" y="0"/>
             <a:chExt cx="565503" cy="549789"/>
@@ -18834,6 +18843,50 @@
           </p:txBody>
         </p:sp>
       </p:grpSp>
+      <p:sp>
+        <p:nvSpPr>
+          <p:cNvPr id="19" name="角丸四角形 18"/>
+          <p:cNvSpPr/>
+          <p:nvPr/>
+        </p:nvSpPr>
+        <p:spPr bwMode="auto">
+          <a:xfrm>
+            <a:off x="2814372" y="4077090"/>
+            <a:ext cx="965517" cy="864120"/>
+          </a:xfrm>
+          <a:prstGeom prst="roundRect">
+            <a:avLst>
+              <a:gd name="adj" fmla="val 5764"/>
+            </a:avLst>
+          </a:prstGeom>
+          <a:noFill/>
+          <a:ln w="28575">
+            <a:solidFill>
+              <a:srgbClr val="FF0000"/>
+            </a:solidFill>
+          </a:ln>
+          <a:effectLst/>
+          <a:extLst/>
+        </p:spPr>
+        <p:txBody>
+          <a:bodyPr rot="0" spcFirstLastPara="0" vertOverflow="overflow" horzOverflow="overflow" vert="horz" wrap="none" lIns="72000" tIns="72000" rIns="72000" bIns="72000" numCol="1" spcCol="0" rtlCol="0" fromWordArt="0" anchor="ctr" anchorCtr="0" forceAA="0" compatLnSpc="1">
+            <a:prstTxWarp prst="textNoShape">
+              <a:avLst/>
+            </a:prstTxWarp>
+            <a:noAutofit/>
+          </a:bodyPr>
+          <a:lstStyle/>
+          <a:p>
+            <a:pPr algn="ctr"/>
+            <a:endParaRPr kumimoji="1" lang="ja-JP" altLang="en-US" sz="1400" b="1" dirty="0" smtClean="0">
+              <a:solidFill>
+                <a:srgbClr val="FF0000"/>
+              </a:solidFill>
+              <a:latin typeface="+mn-ea"/>
+            </a:endParaRPr>
+          </a:p>
+        </p:txBody>
+      </p:sp>
     </p:spTree>
     <p:extLst>
       <p:ext uri="{BB962C8B-B14F-4D97-AF65-F5344CB8AC3E}">
@@ -18871,30 +18924,6 @@
           <a:chExt cx="0" cy="0"/>
         </a:xfrm>
       </p:grpSpPr>
-      <p:pic>
-        <p:nvPicPr>
-          <p:cNvPr id="4" name="図 3"/>
-          <p:cNvPicPr>
-            <a:picLocks noChangeAspect="1"/>
-          </p:cNvPicPr>
-          <p:nvPr/>
-        </p:nvPicPr>
-        <p:blipFill>
-          <a:blip r:embed="rId3"/>
-          <a:stretch>
-            <a:fillRect/>
-          </a:stretch>
-        </p:blipFill>
-        <p:spPr>
-          <a:xfrm>
-            <a:off x="265440" y="1988801"/>
-            <a:ext cx="8714700" cy="2952410"/>
-          </a:xfrm>
-          <a:prstGeom prst="rect">
-            <a:avLst/>
-          </a:prstGeom>
-        </p:spPr>
-      </p:pic>
       <p:sp>
         <p:nvSpPr>
           <p:cNvPr id="2" name="タイトル 1"/>
@@ -18988,6 +19017,30 @@
           </a:p>
         </p:txBody>
       </p:sp>
+      <p:pic>
+        <p:nvPicPr>
+          <p:cNvPr id="5" name="図 4"/>
+          <p:cNvPicPr>
+            <a:picLocks noChangeAspect="1"/>
+          </p:cNvPicPr>
+          <p:nvPr/>
+        </p:nvPicPr>
+        <p:blipFill>
+          <a:blip r:embed="rId3"/>
+          <a:stretch>
+            <a:fillRect/>
+          </a:stretch>
+        </p:blipFill>
+        <p:spPr>
+          <a:xfrm>
+            <a:off x="251400" y="1700760"/>
+            <a:ext cx="8568113" cy="2952410"/>
+          </a:xfrm>
+          <a:prstGeom prst="rect">
+            <a:avLst/>
+          </a:prstGeom>
+        </p:spPr>
+      </p:pic>
     </p:spTree>
     <p:extLst>
       <p:ext uri="{BB962C8B-B14F-4D97-AF65-F5344CB8AC3E}">
@@ -19054,11 +19107,11 @@
             </a:r>
             <a:r>
               <a:rPr lang="en-US" altLang="ja-JP" dirty="0"/>
-              <a:t> Register Movement </a:t>
+              <a:t> Register </a:t>
             </a:r>
             <a:r>
               <a:rPr lang="en-US" altLang="ja-JP" dirty="0" smtClean="0"/>
-              <a:t>details</a:t>
+              <a:t>Movement-Playbook link</a:t>
             </a:r>
             <a:r>
               <a:rPr lang="ja-JP" altLang="en-US" dirty="0" smtClean="0"/>
@@ -19096,11 +19149,11 @@
           <a:p>
             <a:r>
               <a:rPr lang="en-US" altLang="ja-JP" b="1" dirty="0"/>
-              <a:t>Register Movement </a:t>
+              <a:t>Register </a:t>
             </a:r>
             <a:r>
               <a:rPr lang="en-US" altLang="ja-JP" b="1" dirty="0" smtClean="0"/>
-              <a:t>details</a:t>
+              <a:t>Movement-Playbook link</a:t>
             </a:r>
           </a:p>
           <a:p>
@@ -19158,12 +19211,9 @@
             </a:pPr>
             <a:r>
               <a:rPr lang="en-US" altLang="ja-JP" dirty="0" smtClean="0"/>
-              <a:t>Click </a:t>
-            </a:r>
-            <a:r>
-              <a:rPr lang="en-US" altLang="ja-JP" dirty="0"/>
-              <a:t>"Register" button.</a:t>
-            </a:r>
+              <a:t>Click the “Register” button.</a:t>
+            </a:r>
+            <a:endParaRPr lang="en-US" altLang="ja-JP" dirty="0"/>
           </a:p>
         </p:txBody>
       </p:sp>
@@ -20082,7 +20132,7 @@
         </p:nvSpPr>
         <p:spPr bwMode="auto">
           <a:xfrm>
-            <a:off x="651321" y="5246153"/>
+            <a:off x="4682906" y="2409802"/>
             <a:ext cx="4352739" cy="1513763"/>
           </a:xfrm>
           <a:prstGeom prst="roundRect">
@@ -20131,13 +20181,13 @@
         </p:nvSpPr>
         <p:spPr bwMode="auto">
           <a:xfrm>
-            <a:off x="4774528" y="5102500"/>
+            <a:off x="4499512" y="2442805"/>
             <a:ext cx="301542" cy="342780"/>
           </a:xfrm>
           <a:prstGeom prst="wedgeEllipseCallout">
             <a:avLst>
-              <a:gd name="adj1" fmla="val -110479"/>
-              <a:gd name="adj2" fmla="val -273710"/>
+              <a:gd name="adj1" fmla="val -213938"/>
+              <a:gd name="adj2" fmla="val 401036"/>
             </a:avLst>
           </a:prstGeom>
           <a:solidFill>
@@ -20191,13 +20241,13 @@
           <p:nvPr>
             <p:extLst>
               <p:ext uri="{D42A27DB-BD31-4B8C-83A1-F6EECF244321}">
-                <p14:modId xmlns:p14="http://schemas.microsoft.com/office/powerpoint/2010/main" val="1357372695"/>
+                <p14:modId xmlns:p14="http://schemas.microsoft.com/office/powerpoint/2010/main" val="2961365000"/>
               </p:ext>
             </p:extLst>
           </p:nvPr>
         </p:nvGraphicFramePr>
         <p:xfrm>
-          <a:off x="755470" y="5532156"/>
+          <a:off x="4787055" y="2695805"/>
           <a:ext cx="4176580" cy="1209304"/>
         </p:xfrm>
         <a:graphic>
@@ -20964,30 +21014,6 @@
           <a:chExt cx="0" cy="0"/>
         </a:xfrm>
       </p:grpSpPr>
-      <p:pic>
-        <p:nvPicPr>
-          <p:cNvPr id="4" name="図 3"/>
-          <p:cNvPicPr>
-            <a:picLocks noChangeAspect="1"/>
-          </p:cNvPicPr>
-          <p:nvPr/>
-        </p:nvPicPr>
-        <p:blipFill>
-          <a:blip r:embed="rId3"/>
-          <a:stretch>
-            <a:fillRect/>
-          </a:stretch>
-        </p:blipFill>
-        <p:spPr>
-          <a:xfrm>
-            <a:off x="218093" y="1844780"/>
-            <a:ext cx="8712105" cy="3096430"/>
-          </a:xfrm>
-          <a:prstGeom prst="rect">
-            <a:avLst/>
-          </a:prstGeom>
-        </p:spPr>
-      </p:pic>
       <p:sp>
         <p:nvSpPr>
           <p:cNvPr id="2" name="タイトル 1"/>
@@ -21076,6 +21102,30 @@
           </a:p>
         </p:txBody>
       </p:sp>
+      <p:pic>
+        <p:nvPicPr>
+          <p:cNvPr id="4" name="図 3"/>
+          <p:cNvPicPr>
+            <a:picLocks noChangeAspect="1"/>
+          </p:cNvPicPr>
+          <p:nvPr/>
+        </p:nvPicPr>
+        <p:blipFill>
+          <a:blip r:embed="rId3"/>
+          <a:stretch>
+            <a:fillRect/>
+          </a:stretch>
+        </p:blipFill>
+        <p:spPr>
+          <a:xfrm>
+            <a:off x="179512" y="1988800"/>
+            <a:ext cx="8539296" cy="2736380"/>
+          </a:xfrm>
+          <a:prstGeom prst="rect">
+            <a:avLst/>
+          </a:prstGeom>
+        </p:spPr>
+      </p:pic>
     </p:spTree>
     <p:extLst>
       <p:ext uri="{BB962C8B-B14F-4D97-AF65-F5344CB8AC3E}">
@@ -21262,7 +21312,7 @@
             </a:pPr>
             <a:r>
               <a:rPr lang="en-US" altLang="ja-JP" dirty="0" smtClean="0"/>
-              <a:t>Click “Register” button.</a:t>
+              <a:t>Click the “Register” button.</a:t>
             </a:r>
             <a:r>
               <a:rPr lang="ja-JP" altLang="en-US" dirty="0" smtClean="0"/>
@@ -22175,7 +22225,7 @@
         </p:nvSpPr>
         <p:spPr bwMode="auto">
           <a:xfrm>
-            <a:off x="4985919" y="5205090"/>
+            <a:off x="5059475" y="2441278"/>
             <a:ext cx="3904038" cy="1392350"/>
           </a:xfrm>
           <a:prstGeom prst="roundRect">
@@ -22224,13 +22274,13 @@
         </p:nvSpPr>
         <p:spPr bwMode="auto">
           <a:xfrm>
-            <a:off x="4891112" y="5134001"/>
+            <a:off x="4854867" y="2411485"/>
             <a:ext cx="301542" cy="312200"/>
           </a:xfrm>
           <a:prstGeom prst="wedgeEllipseCallout">
             <a:avLst>
-              <a:gd name="adj1" fmla="val -111516"/>
-              <a:gd name="adj2" fmla="val -120936"/>
+              <a:gd name="adj1" fmla="val -197137"/>
+              <a:gd name="adj2" fmla="val 535480"/>
             </a:avLst>
           </a:prstGeom>
           <a:solidFill>
@@ -22284,13 +22334,13 @@
           <p:nvPr>
             <p:extLst>
               <p:ext uri="{D42A27DB-BD31-4B8C-83A1-F6EECF244321}">
-                <p14:modId xmlns:p14="http://schemas.microsoft.com/office/powerpoint/2010/main" val="2935479093"/>
+                <p14:modId xmlns:p14="http://schemas.microsoft.com/office/powerpoint/2010/main" val="2520999298"/>
               </p:ext>
             </p:extLst>
           </p:nvPr>
         </p:nvGraphicFramePr>
         <p:xfrm>
-          <a:off x="5041883" y="5446201"/>
+          <a:off x="5115439" y="2682389"/>
           <a:ext cx="3777629" cy="1097280"/>
         </p:xfrm>
         <a:graphic>
@@ -23265,15 +23315,7 @@
             </a:pPr>
             <a:r>
               <a:rPr lang="en-US" altLang="ja-JP" dirty="0" smtClean="0"/>
-              <a:t>Register Movement</a:t>
-            </a:r>
-            <a:r>
-              <a:rPr lang="ja-JP" altLang="en-US" dirty="0"/>
-              <a:t> </a:t>
-            </a:r>
-            <a:r>
-              <a:rPr lang="en-US" altLang="ja-JP" dirty="0" smtClean="0"/>
-              <a:t>details</a:t>
+              <a:t>Register Movement-Playbook link</a:t>
             </a:r>
           </a:p>
           <a:p>
@@ -23283,23 +23325,7 @@
             </a:pPr>
             <a:r>
               <a:rPr lang="en-US" altLang="ja-JP" sz="1700" dirty="0" smtClean="0"/>
-              <a:t>Register </a:t>
-            </a:r>
-            <a:r>
-              <a:rPr lang="en-US" altLang="ja-JP" sz="1700" dirty="0"/>
-              <a:t>Host and Movement </a:t>
-            </a:r>
-            <a:r>
-              <a:rPr lang="en-US" altLang="ja-JP" sz="1700" dirty="0" smtClean="0"/>
-              <a:t>connected to</a:t>
-            </a:r>
-            <a:r>
-              <a:rPr lang="en-US" altLang="ja-JP" sz="1700" dirty="0"/>
-              <a:t> </a:t>
-            </a:r>
-            <a:r>
-              <a:rPr lang="en-US" altLang="ja-JP" sz="1700" dirty="0" smtClean="0"/>
-              <a:t>the operation</a:t>
+              <a:t>Register Host and Movement connected to the operation</a:t>
             </a:r>
           </a:p>
           <a:p>
@@ -23381,6 +23407,30 @@
           <a:chExt cx="0" cy="0"/>
         </a:xfrm>
       </p:grpSpPr>
+      <p:pic>
+        <p:nvPicPr>
+          <p:cNvPr id="3" name="図 2"/>
+          <p:cNvPicPr>
+            <a:picLocks noChangeAspect="1"/>
+          </p:cNvPicPr>
+          <p:nvPr/>
+        </p:nvPicPr>
+        <p:blipFill>
+          <a:blip r:embed="rId3"/>
+          <a:stretch>
+            <a:fillRect/>
+          </a:stretch>
+        </p:blipFill>
+        <p:spPr>
+          <a:xfrm>
+            <a:off x="190665" y="2420860"/>
+            <a:ext cx="8742439" cy="3528489"/>
+          </a:xfrm>
+          <a:prstGeom prst="rect">
+            <a:avLst/>
+          </a:prstGeom>
+        </p:spPr>
+      </p:pic>
       <p:sp>
         <p:nvSpPr>
           <p:cNvPr id="2" name="タイトル 1"/>
@@ -23522,36 +23572,12 @@
             </a:pPr>
             <a:r>
               <a:rPr lang="en-US" altLang="ja-JP" dirty="0" smtClean="0"/>
-              <a:t>Click “Register” button.</a:t>
+              <a:t>Click the “Register” button.</a:t>
             </a:r>
             <a:endParaRPr lang="en-US" altLang="ja-JP" b="1" dirty="0" smtClean="0"/>
           </a:p>
         </p:txBody>
       </p:sp>
-      <p:pic>
-        <p:nvPicPr>
-          <p:cNvPr id="14" name="図 13"/>
-          <p:cNvPicPr>
-            <a:picLocks noChangeAspect="1"/>
-          </p:cNvPicPr>
-          <p:nvPr/>
-        </p:nvPicPr>
-        <p:blipFill>
-          <a:blip r:embed="rId3"/>
-          <a:stretch>
-            <a:fillRect/>
-          </a:stretch>
-        </p:blipFill>
-        <p:spPr>
-          <a:xfrm>
-            <a:off x="351568" y="2304033"/>
-            <a:ext cx="8611945" cy="4149155"/>
-          </a:xfrm>
-          <a:prstGeom prst="rect">
-            <a:avLst/>
-          </a:prstGeom>
-        </p:spPr>
-      </p:pic>
       <p:sp>
         <p:nvSpPr>
           <p:cNvPr id="19" name="角丸四角形 18"/>
@@ -23560,8 +23586,8 @@
         </p:nvSpPr>
         <p:spPr bwMode="auto">
           <a:xfrm>
-            <a:off x="2843760" y="5301260"/>
-            <a:ext cx="1296180" cy="262914"/>
+            <a:off x="2051650" y="5529781"/>
+            <a:ext cx="1080150" cy="262914"/>
           </a:xfrm>
           <a:prstGeom prst="roundRect">
             <a:avLst>
@@ -23604,7 +23630,7 @@
         </p:nvSpPr>
         <p:spPr bwMode="auto">
           <a:xfrm>
-            <a:off x="4283960" y="5295744"/>
+            <a:off x="3275820" y="5524265"/>
             <a:ext cx="237985" cy="268430"/>
           </a:xfrm>
           <a:prstGeom prst="wedgeEllipseCallout">
@@ -23663,13 +23689,13 @@
         </p:nvSpPr>
         <p:spPr bwMode="auto">
           <a:xfrm>
-            <a:off x="2339690" y="3764890"/>
+            <a:off x="4850038" y="2996940"/>
             <a:ext cx="301542" cy="312200"/>
           </a:xfrm>
           <a:prstGeom prst="wedgeEllipseCallout">
             <a:avLst>
-              <a:gd name="adj1" fmla="val -118796"/>
-              <a:gd name="adj2" fmla="val 81270"/>
+              <a:gd name="adj1" fmla="val -151877"/>
+              <a:gd name="adj2" fmla="val 302268"/>
             </a:avLst>
           </a:prstGeom>
           <a:solidFill>
@@ -23722,8 +23748,8 @@
         </p:nvSpPr>
         <p:spPr bwMode="auto">
           <a:xfrm>
-            <a:off x="2112760" y="4149100"/>
-            <a:ext cx="6850753" cy="864120"/>
+            <a:off x="1475571" y="4072254"/>
+            <a:ext cx="3168440" cy="1223489"/>
           </a:xfrm>
           <a:prstGeom prst="roundRect">
             <a:avLst>
@@ -23758,6 +23784,1014 @@
           </a:p>
         </p:txBody>
       </p:sp>
+      <p:sp>
+        <p:nvSpPr>
+          <p:cNvPr id="10" name="角丸四角形 7"/>
+          <p:cNvSpPr/>
+          <p:nvPr/>
+        </p:nvSpPr>
+        <p:spPr bwMode="auto">
+          <a:xfrm>
+            <a:off x="4976565" y="3212970"/>
+            <a:ext cx="3267945" cy="1857882"/>
+          </a:xfrm>
+          <a:prstGeom prst="roundRect">
+            <a:avLst>
+              <a:gd name="adj" fmla="val 4712"/>
+            </a:avLst>
+          </a:prstGeom>
+          <a:solidFill>
+            <a:schemeClr val="bg1"/>
+          </a:solidFill>
+          <a:ln w="28575">
+            <a:solidFill>
+              <a:srgbClr val="FF0000"/>
+            </a:solidFill>
+          </a:ln>
+          <a:effectLst/>
+          <a:extLst/>
+        </p:spPr>
+        <p:txBody>
+          <a:bodyPr rot="0" spcFirstLastPara="0" vertOverflow="overflow" horzOverflow="overflow" vert="horz" wrap="none" lIns="72000" tIns="72000" rIns="72000" bIns="72000" numCol="1" spcCol="0" rtlCol="0" fromWordArt="0" anchor="t" anchorCtr="0" forceAA="0" compatLnSpc="1">
+            <a:prstTxWarp prst="textNoShape">
+              <a:avLst/>
+            </a:prstTxWarp>
+            <a:noAutofit/>
+          </a:bodyPr>
+          <a:lstStyle/>
+          <a:p>
+            <a:pPr algn="ctr"/>
+            <a:r>
+              <a:rPr lang="en-US" altLang="ja-JP" sz="1400" dirty="0" smtClean="0">
+                <a:latin typeface="+mn-ea"/>
+              </a:rPr>
+              <a:t>Set value to item</a:t>
+            </a:r>
+            <a:endParaRPr kumimoji="1" lang="ja-JP" altLang="en-US" sz="1400" dirty="0" smtClean="0">
+              <a:latin typeface="+mn-ea"/>
+            </a:endParaRPr>
+          </a:p>
+        </p:txBody>
+      </p:sp>
+      <p:graphicFrame>
+        <p:nvGraphicFramePr>
+          <p:cNvPr id="11" name="表 10"/>
+          <p:cNvGraphicFramePr>
+            <a:graphicFrameLocks noGrp="1"/>
+          </p:cNvGraphicFramePr>
+          <p:nvPr>
+            <p:extLst>
+              <p:ext uri="{D42A27DB-BD31-4B8C-83A1-F6EECF244321}">
+                <p14:modId xmlns:p14="http://schemas.microsoft.com/office/powerpoint/2010/main" val="2401749800"/>
+              </p:ext>
+            </p:extLst>
+          </p:nvPr>
+        </p:nvGraphicFramePr>
+        <p:xfrm>
+          <a:off x="5093231" y="3554898"/>
+          <a:ext cx="3007259" cy="1371600"/>
+        </p:xfrm>
+        <a:graphic>
+          <a:graphicData uri="http://schemas.openxmlformats.org/drawingml/2006/table">
+            <a:tbl>
+              <a:tblPr firstRow="1" bandRow="1">
+                <a:tableStyleId>{5C22544A-7EE6-4342-B048-85BDC9FD1C3A}</a:tableStyleId>
+              </a:tblPr>
+              <a:tblGrid>
+                <a:gridCol w="1677990">
+                  <a:extLst>
+                    <a:ext uri="{9D8B030D-6E8A-4147-A177-3AD203B41FA5}">
+                      <a16:colId xmlns:a16="http://schemas.microsoft.com/office/drawing/2014/main" val="2883640048"/>
+                    </a:ext>
+                  </a:extLst>
+                </a:gridCol>
+                <a:gridCol w="1329269">
+                  <a:extLst>
+                    <a:ext uri="{9D8B030D-6E8A-4147-A177-3AD203B41FA5}">
+                      <a16:colId xmlns:a16="http://schemas.microsoft.com/office/drawing/2014/main" val="1123245703"/>
+                    </a:ext>
+                  </a:extLst>
+                </a:gridCol>
+              </a:tblGrid>
+              <a:tr h="270234">
+                <a:tc>
+                  <a:txBody>
+                    <a:bodyPr/>
+                    <a:lstStyle/>
+                    <a:p>
+                      <a:pPr algn="ctr"/>
+                      <a:r>
+                        <a:rPr kumimoji="1" lang="en-US" altLang="ja-JP" sz="1200" dirty="0" smtClean="0">
+                          <a:solidFill>
+                            <a:schemeClr val="bg1"/>
+                          </a:solidFill>
+                          <a:latin typeface="+mn-lt"/>
+                        </a:rPr>
+                        <a:t>Item</a:t>
+                      </a:r>
+                      <a:endParaRPr kumimoji="1" lang="ja-JP" altLang="en-US" sz="1200" dirty="0">
+                        <a:solidFill>
+                          <a:schemeClr val="bg1"/>
+                        </a:solidFill>
+                        <a:latin typeface="+mn-lt"/>
+                      </a:endParaRPr>
+                    </a:p>
+                  </a:txBody>
+                  <a:tcPr>
+                    <a:lnL w="12700" cap="flat" cmpd="sng" algn="ctr">
+                      <a:solidFill>
+                        <a:schemeClr val="bg1">
+                          <a:lumMod val="85000"/>
+                        </a:schemeClr>
+                      </a:solidFill>
+                      <a:prstDash val="solid"/>
+                      <a:round/>
+                      <a:headEnd type="none" w="med" len="med"/>
+                      <a:tailEnd type="none" w="med" len="med"/>
+                    </a:lnL>
+                    <a:lnR w="12700" cap="flat" cmpd="sng" algn="ctr">
+                      <a:solidFill>
+                        <a:schemeClr val="bg1">
+                          <a:lumMod val="85000"/>
+                        </a:schemeClr>
+                      </a:solidFill>
+                      <a:prstDash val="solid"/>
+                      <a:round/>
+                      <a:headEnd type="none" w="med" len="med"/>
+                      <a:tailEnd type="none" w="med" len="med"/>
+                    </a:lnR>
+                    <a:lnT w="12700" cap="flat" cmpd="sng" algn="ctr">
+                      <a:solidFill>
+                        <a:schemeClr val="bg1">
+                          <a:lumMod val="85000"/>
+                        </a:schemeClr>
+                      </a:solidFill>
+                      <a:prstDash val="solid"/>
+                      <a:round/>
+                      <a:headEnd type="none" w="med" len="med"/>
+                      <a:tailEnd type="none" w="med" len="med"/>
+                    </a:lnT>
+                    <a:lnB w="12700" cap="flat" cmpd="sng" algn="ctr">
+                      <a:solidFill>
+                        <a:schemeClr val="bg1">
+                          <a:lumMod val="85000"/>
+                        </a:schemeClr>
+                      </a:solidFill>
+                      <a:prstDash val="solid"/>
+                      <a:round/>
+                      <a:headEnd type="none" w="med" len="med"/>
+                      <a:tailEnd type="none" w="med" len="med"/>
+                    </a:lnB>
+                    <a:lnTlToBr w="12700" cmpd="sng">
+                      <a:noFill/>
+                      <a:prstDash val="solid"/>
+                    </a:lnTlToBr>
+                    <a:lnBlToTr w="12700" cmpd="sng">
+                      <a:noFill/>
+                      <a:prstDash val="solid"/>
+                    </a:lnBlToTr>
+                    <a:solidFill>
+                      <a:schemeClr val="accent6"/>
+                    </a:solidFill>
+                  </a:tcPr>
+                </a:tc>
+                <a:tc>
+                  <a:txBody>
+                    <a:bodyPr/>
+                    <a:lstStyle/>
+                    <a:p>
+                      <a:pPr algn="ctr"/>
+                      <a:r>
+                        <a:rPr kumimoji="1" lang="en-US" altLang="ja-JP" sz="1200" dirty="0" smtClean="0">
+                          <a:solidFill>
+                            <a:schemeClr val="bg1"/>
+                          </a:solidFill>
+                          <a:latin typeface="+mn-lt"/>
+                        </a:rPr>
+                        <a:t>Value</a:t>
+                      </a:r>
+                      <a:endParaRPr kumimoji="1" lang="ja-JP" altLang="en-US" sz="1200" dirty="0">
+                        <a:solidFill>
+                          <a:schemeClr val="bg1"/>
+                        </a:solidFill>
+                        <a:latin typeface="+mn-lt"/>
+                      </a:endParaRPr>
+                    </a:p>
+                  </a:txBody>
+                  <a:tcPr>
+                    <a:lnL w="12700" cap="flat" cmpd="sng" algn="ctr">
+                      <a:solidFill>
+                        <a:schemeClr val="bg1">
+                          <a:lumMod val="85000"/>
+                        </a:schemeClr>
+                      </a:solidFill>
+                      <a:prstDash val="solid"/>
+                      <a:round/>
+                      <a:headEnd type="none" w="med" len="med"/>
+                      <a:tailEnd type="none" w="med" len="med"/>
+                    </a:lnL>
+                    <a:lnR w="12700" cap="flat" cmpd="sng" algn="ctr">
+                      <a:solidFill>
+                        <a:schemeClr val="bg1">
+                          <a:lumMod val="85000"/>
+                        </a:schemeClr>
+                      </a:solidFill>
+                      <a:prstDash val="solid"/>
+                      <a:round/>
+                      <a:headEnd type="none" w="med" len="med"/>
+                      <a:tailEnd type="none" w="med" len="med"/>
+                    </a:lnR>
+                    <a:lnT w="12700" cap="flat" cmpd="sng" algn="ctr">
+                      <a:solidFill>
+                        <a:schemeClr val="bg1">
+                          <a:lumMod val="85000"/>
+                        </a:schemeClr>
+                      </a:solidFill>
+                      <a:prstDash val="solid"/>
+                      <a:round/>
+                      <a:headEnd type="none" w="med" len="med"/>
+                      <a:tailEnd type="none" w="med" len="med"/>
+                    </a:lnT>
+                    <a:lnB w="12700" cap="flat" cmpd="sng" algn="ctr">
+                      <a:solidFill>
+                        <a:schemeClr val="bg1">
+                          <a:lumMod val="85000"/>
+                        </a:schemeClr>
+                      </a:solidFill>
+                      <a:prstDash val="solid"/>
+                      <a:round/>
+                      <a:headEnd type="none" w="med" len="med"/>
+                      <a:tailEnd type="none" w="med" len="med"/>
+                    </a:lnB>
+                    <a:lnTlToBr w="12700" cmpd="sng">
+                      <a:noFill/>
+                      <a:prstDash val="solid"/>
+                    </a:lnTlToBr>
+                    <a:lnBlToTr w="12700" cmpd="sng">
+                      <a:noFill/>
+                      <a:prstDash val="solid"/>
+                    </a:lnBlToTr>
+                    <a:solidFill>
+                      <a:schemeClr val="accent6"/>
+                    </a:solidFill>
+                  </a:tcPr>
+                </a:tc>
+                <a:extLst>
+                  <a:ext uri="{0D108BD9-81ED-4DB2-BD59-A6C34878D82A}">
+                    <a16:rowId xmlns:a16="http://schemas.microsoft.com/office/drawing/2014/main" val="2458714703"/>
+                  </a:ext>
+                </a:extLst>
+              </a:tr>
+              <a:tr h="270234">
+                <a:tc>
+                  <a:txBody>
+                    <a:bodyPr/>
+                    <a:lstStyle/>
+                    <a:p>
+                      <a:r>
+                        <a:rPr kumimoji="1" lang="en-US" altLang="ja-JP" sz="1200" b="1" dirty="0" smtClean="0">
+                          <a:solidFill>
+                            <a:schemeClr val="tx1"/>
+                          </a:solidFill>
+                          <a:latin typeface="+mn-lt"/>
+                        </a:rPr>
+                        <a:t>Operation</a:t>
+                      </a:r>
+                      <a:endParaRPr kumimoji="1" lang="ja-JP" altLang="en-US" sz="1200" b="1" dirty="0">
+                        <a:solidFill>
+                          <a:schemeClr val="tx1"/>
+                        </a:solidFill>
+                        <a:latin typeface="+mn-lt"/>
+                      </a:endParaRPr>
+                    </a:p>
+                  </a:txBody>
+                  <a:tcPr>
+                    <a:lnL w="12700" cap="flat" cmpd="sng" algn="ctr">
+                      <a:solidFill>
+                        <a:schemeClr val="bg1">
+                          <a:lumMod val="85000"/>
+                        </a:schemeClr>
+                      </a:solidFill>
+                      <a:prstDash val="solid"/>
+                      <a:round/>
+                      <a:headEnd type="none" w="med" len="med"/>
+                      <a:tailEnd type="none" w="med" len="med"/>
+                    </a:lnL>
+                    <a:lnR w="12700" cap="flat" cmpd="sng" algn="ctr">
+                      <a:solidFill>
+                        <a:schemeClr val="bg1">
+                          <a:lumMod val="85000"/>
+                        </a:schemeClr>
+                      </a:solidFill>
+                      <a:prstDash val="solid"/>
+                      <a:round/>
+                      <a:headEnd type="none" w="med" len="med"/>
+                      <a:tailEnd type="none" w="med" len="med"/>
+                    </a:lnR>
+                    <a:lnT w="12700" cap="flat" cmpd="sng" algn="ctr">
+                      <a:solidFill>
+                        <a:schemeClr val="bg1">
+                          <a:lumMod val="85000"/>
+                        </a:schemeClr>
+                      </a:solidFill>
+                      <a:prstDash val="solid"/>
+                      <a:round/>
+                      <a:headEnd type="none" w="med" len="med"/>
+                      <a:tailEnd type="none" w="med" len="med"/>
+                    </a:lnT>
+                    <a:lnB w="12700" cap="flat" cmpd="sng" algn="ctr">
+                      <a:solidFill>
+                        <a:schemeClr val="bg1">
+                          <a:lumMod val="85000"/>
+                        </a:schemeClr>
+                      </a:solidFill>
+                      <a:prstDash val="solid"/>
+                      <a:round/>
+                      <a:headEnd type="none" w="med" len="med"/>
+                      <a:tailEnd type="none" w="med" len="med"/>
+                    </a:lnB>
+                    <a:lnTlToBr w="12700" cmpd="sng">
+                      <a:noFill/>
+                      <a:prstDash val="solid"/>
+                    </a:lnTlToBr>
+                    <a:lnBlToTr w="12700" cmpd="sng">
+                      <a:noFill/>
+                      <a:prstDash val="solid"/>
+                    </a:lnBlToTr>
+                    <a:solidFill>
+                      <a:schemeClr val="bg1"/>
+                    </a:solidFill>
+                  </a:tcPr>
+                </a:tc>
+                <a:tc>
+                  <a:txBody>
+                    <a:bodyPr/>
+                    <a:lstStyle/>
+                    <a:p>
+                      <a:r>
+                        <a:rPr kumimoji="1" lang="en-US" altLang="ja-JP" sz="1200" dirty="0" smtClean="0">
+                          <a:solidFill>
+                            <a:schemeClr val="tx1"/>
+                          </a:solidFill>
+                          <a:latin typeface="+mn-lt"/>
+                        </a:rPr>
+                        <a:t>operation1</a:t>
+                      </a:r>
+                      <a:endParaRPr kumimoji="1" lang="ja-JP" altLang="en-US" sz="1200" dirty="0">
+                        <a:solidFill>
+                          <a:schemeClr val="tx1"/>
+                        </a:solidFill>
+                        <a:latin typeface="+mn-lt"/>
+                      </a:endParaRPr>
+                    </a:p>
+                  </a:txBody>
+                  <a:tcPr>
+                    <a:lnL w="12700" cap="flat" cmpd="sng" algn="ctr">
+                      <a:solidFill>
+                        <a:schemeClr val="bg1">
+                          <a:lumMod val="85000"/>
+                        </a:schemeClr>
+                      </a:solidFill>
+                      <a:prstDash val="solid"/>
+                      <a:round/>
+                      <a:headEnd type="none" w="med" len="med"/>
+                      <a:tailEnd type="none" w="med" len="med"/>
+                    </a:lnL>
+                    <a:lnR w="12700" cap="flat" cmpd="sng" algn="ctr">
+                      <a:solidFill>
+                        <a:schemeClr val="bg1">
+                          <a:lumMod val="85000"/>
+                        </a:schemeClr>
+                      </a:solidFill>
+                      <a:prstDash val="solid"/>
+                      <a:round/>
+                      <a:headEnd type="none" w="med" len="med"/>
+                      <a:tailEnd type="none" w="med" len="med"/>
+                    </a:lnR>
+                    <a:lnT w="12700" cap="flat" cmpd="sng" algn="ctr">
+                      <a:solidFill>
+                        <a:schemeClr val="bg1">
+                          <a:lumMod val="85000"/>
+                        </a:schemeClr>
+                      </a:solidFill>
+                      <a:prstDash val="solid"/>
+                      <a:round/>
+                      <a:headEnd type="none" w="med" len="med"/>
+                      <a:tailEnd type="none" w="med" len="med"/>
+                    </a:lnT>
+                    <a:lnB w="12700" cap="flat" cmpd="sng" algn="ctr">
+                      <a:solidFill>
+                        <a:schemeClr val="bg1">
+                          <a:lumMod val="85000"/>
+                        </a:schemeClr>
+                      </a:solidFill>
+                      <a:prstDash val="solid"/>
+                      <a:round/>
+                      <a:headEnd type="none" w="med" len="med"/>
+                      <a:tailEnd type="none" w="med" len="med"/>
+                    </a:lnB>
+                    <a:lnTlToBr w="12700" cmpd="sng">
+                      <a:noFill/>
+                      <a:prstDash val="solid"/>
+                    </a:lnTlToBr>
+                    <a:lnBlToTr w="12700" cmpd="sng">
+                      <a:noFill/>
+                      <a:prstDash val="solid"/>
+                    </a:lnBlToTr>
+                    <a:solidFill>
+                      <a:schemeClr val="bg1"/>
+                    </a:solidFill>
+                  </a:tcPr>
+                </a:tc>
+                <a:extLst>
+                  <a:ext uri="{0D108BD9-81ED-4DB2-BD59-A6C34878D82A}">
+                    <a16:rowId xmlns:a16="http://schemas.microsoft.com/office/drawing/2014/main" val="4029950975"/>
+                  </a:ext>
+                </a:extLst>
+              </a:tr>
+              <a:tr h="270234">
+                <a:tc>
+                  <a:txBody>
+                    <a:bodyPr/>
+                    <a:lstStyle/>
+                    <a:p>
+                      <a:r>
+                        <a:rPr kumimoji="1" lang="en-US" altLang="ja-JP" sz="1200" b="1" dirty="0" smtClean="0">
+                          <a:solidFill>
+                            <a:schemeClr val="tx1"/>
+                          </a:solidFill>
+                          <a:latin typeface="+mn-lt"/>
+                        </a:rPr>
+                        <a:t>Movement</a:t>
+                      </a:r>
+                      <a:endParaRPr kumimoji="1" lang="ja-JP" altLang="en-US" sz="1200" b="1" dirty="0">
+                        <a:solidFill>
+                          <a:schemeClr val="tx1"/>
+                        </a:solidFill>
+                        <a:latin typeface="+mn-lt"/>
+                      </a:endParaRPr>
+                    </a:p>
+                  </a:txBody>
+                  <a:tcPr>
+                    <a:lnL w="12700" cap="flat" cmpd="sng" algn="ctr">
+                      <a:solidFill>
+                        <a:schemeClr val="bg1">
+                          <a:lumMod val="85000"/>
+                        </a:schemeClr>
+                      </a:solidFill>
+                      <a:prstDash val="solid"/>
+                      <a:round/>
+                      <a:headEnd type="none" w="med" len="med"/>
+                      <a:tailEnd type="none" w="med" len="med"/>
+                    </a:lnL>
+                    <a:lnR w="12700" cap="flat" cmpd="sng" algn="ctr">
+                      <a:solidFill>
+                        <a:schemeClr val="bg1">
+                          <a:lumMod val="85000"/>
+                        </a:schemeClr>
+                      </a:solidFill>
+                      <a:prstDash val="solid"/>
+                      <a:round/>
+                      <a:headEnd type="none" w="med" len="med"/>
+                      <a:tailEnd type="none" w="med" len="med"/>
+                    </a:lnR>
+                    <a:lnT w="12700" cap="flat" cmpd="sng" algn="ctr">
+                      <a:solidFill>
+                        <a:schemeClr val="bg1">
+                          <a:lumMod val="85000"/>
+                        </a:schemeClr>
+                      </a:solidFill>
+                      <a:prstDash val="solid"/>
+                      <a:round/>
+                      <a:headEnd type="none" w="med" len="med"/>
+                      <a:tailEnd type="none" w="med" len="med"/>
+                    </a:lnT>
+                    <a:lnB w="12700" cap="flat" cmpd="sng" algn="ctr">
+                      <a:solidFill>
+                        <a:schemeClr val="bg1">
+                          <a:lumMod val="85000"/>
+                        </a:schemeClr>
+                      </a:solidFill>
+                      <a:prstDash val="solid"/>
+                      <a:round/>
+                      <a:headEnd type="none" w="med" len="med"/>
+                      <a:tailEnd type="none" w="med" len="med"/>
+                    </a:lnB>
+                    <a:lnTlToBr w="12700" cmpd="sng">
+                      <a:noFill/>
+                      <a:prstDash val="solid"/>
+                    </a:lnTlToBr>
+                    <a:lnBlToTr w="12700" cmpd="sng">
+                      <a:noFill/>
+                      <a:prstDash val="solid"/>
+                    </a:lnBlToTr>
+                    <a:solidFill>
+                      <a:schemeClr val="bg1"/>
+                    </a:solidFill>
+                  </a:tcPr>
+                </a:tc>
+                <a:tc>
+                  <a:txBody>
+                    <a:bodyPr/>
+                    <a:lstStyle/>
+                    <a:p>
+                      <a:pPr marL="0" marR="0" lvl="0" indent="0" algn="l" defTabSz="914400" rtl="0" eaLnBrk="1" fontAlgn="auto" latinLnBrk="0" hangingPunct="1">
+                        <a:lnSpc>
+                          <a:spcPct val="100000"/>
+                        </a:lnSpc>
+                        <a:spcBef>
+                          <a:spcPts val="0"/>
+                        </a:spcBef>
+                        <a:spcAft>
+                          <a:spcPts val="0"/>
+                        </a:spcAft>
+                        <a:buClrTx/>
+                        <a:buSzTx/>
+                        <a:buFontTx/>
+                        <a:buNone/>
+                        <a:tabLst/>
+                        <a:defRPr/>
+                      </a:pPr>
+                      <a:r>
+                        <a:rPr lang="en-US" altLang="ja-JP" sz="1200" dirty="0" smtClean="0">
+                          <a:solidFill>
+                            <a:schemeClr val="tx1"/>
+                          </a:solidFill>
+                          <a:latin typeface="+mn-lt"/>
+                        </a:rPr>
+                        <a:t>See</a:t>
+                      </a:r>
+                      <a:r>
+                        <a:rPr lang="en-US" altLang="ja-JP" sz="1200" baseline="0" dirty="0" smtClean="0">
+                          <a:solidFill>
+                            <a:schemeClr val="tx1"/>
+                          </a:solidFill>
+                          <a:latin typeface="+mn-lt"/>
+                        </a:rPr>
+                        <a:t> next page</a:t>
+                      </a:r>
+                      <a:endParaRPr lang="en-US" altLang="ja-JP" sz="1200" dirty="0" smtClean="0">
+                        <a:solidFill>
+                          <a:schemeClr val="tx1"/>
+                        </a:solidFill>
+                        <a:latin typeface="+mn-lt"/>
+                      </a:endParaRPr>
+                    </a:p>
+                  </a:txBody>
+                  <a:tcPr>
+                    <a:lnL w="12700" cap="flat" cmpd="sng" algn="ctr">
+                      <a:solidFill>
+                        <a:schemeClr val="bg1">
+                          <a:lumMod val="85000"/>
+                        </a:schemeClr>
+                      </a:solidFill>
+                      <a:prstDash val="solid"/>
+                      <a:round/>
+                      <a:headEnd type="none" w="med" len="med"/>
+                      <a:tailEnd type="none" w="med" len="med"/>
+                    </a:lnL>
+                    <a:lnR w="12700" cap="flat" cmpd="sng" algn="ctr">
+                      <a:solidFill>
+                        <a:schemeClr val="bg1">
+                          <a:lumMod val="85000"/>
+                        </a:schemeClr>
+                      </a:solidFill>
+                      <a:prstDash val="solid"/>
+                      <a:round/>
+                      <a:headEnd type="none" w="med" len="med"/>
+                      <a:tailEnd type="none" w="med" len="med"/>
+                    </a:lnR>
+                    <a:lnT w="12700" cap="flat" cmpd="sng" algn="ctr">
+                      <a:solidFill>
+                        <a:schemeClr val="bg1">
+                          <a:lumMod val="85000"/>
+                        </a:schemeClr>
+                      </a:solidFill>
+                      <a:prstDash val="solid"/>
+                      <a:round/>
+                      <a:headEnd type="none" w="med" len="med"/>
+                      <a:tailEnd type="none" w="med" len="med"/>
+                    </a:lnT>
+                    <a:lnB w="12700" cap="flat" cmpd="sng" algn="ctr">
+                      <a:solidFill>
+                        <a:schemeClr val="bg1">
+                          <a:lumMod val="85000"/>
+                        </a:schemeClr>
+                      </a:solidFill>
+                      <a:prstDash val="solid"/>
+                      <a:round/>
+                      <a:headEnd type="none" w="med" len="med"/>
+                      <a:tailEnd type="none" w="med" len="med"/>
+                    </a:lnB>
+                    <a:lnTlToBr w="12700" cmpd="sng">
+                      <a:noFill/>
+                      <a:prstDash val="solid"/>
+                    </a:lnTlToBr>
+                    <a:lnBlToTr w="12700" cmpd="sng">
+                      <a:noFill/>
+                      <a:prstDash val="solid"/>
+                    </a:lnBlToTr>
+                    <a:solidFill>
+                      <a:schemeClr val="bg1"/>
+                    </a:solidFill>
+                  </a:tcPr>
+                </a:tc>
+                <a:extLst>
+                  <a:ext uri="{0D108BD9-81ED-4DB2-BD59-A6C34878D82A}">
+                    <a16:rowId xmlns:a16="http://schemas.microsoft.com/office/drawing/2014/main" val="1438549284"/>
+                  </a:ext>
+                </a:extLst>
+              </a:tr>
+              <a:tr h="270234">
+                <a:tc>
+                  <a:txBody>
+                    <a:bodyPr/>
+                    <a:lstStyle/>
+                    <a:p>
+                      <a:r>
+                        <a:rPr kumimoji="1" lang="en-US" altLang="ja-JP" sz="1200" b="1" dirty="0" smtClean="0">
+                          <a:solidFill>
+                            <a:schemeClr val="tx1"/>
+                          </a:solidFill>
+                          <a:latin typeface="+mn-lt"/>
+                        </a:rPr>
+                        <a:t>Host</a:t>
+                      </a:r>
+                      <a:endParaRPr kumimoji="1" lang="ja-JP" altLang="en-US" sz="1200" b="1" dirty="0">
+                        <a:solidFill>
+                          <a:schemeClr val="tx1"/>
+                        </a:solidFill>
+                        <a:latin typeface="+mn-lt"/>
+                      </a:endParaRPr>
+                    </a:p>
+                  </a:txBody>
+                  <a:tcPr>
+                    <a:lnL w="12700" cap="flat" cmpd="sng" algn="ctr">
+                      <a:solidFill>
+                        <a:schemeClr val="bg1">
+                          <a:lumMod val="85000"/>
+                        </a:schemeClr>
+                      </a:solidFill>
+                      <a:prstDash val="solid"/>
+                      <a:round/>
+                      <a:headEnd type="none" w="med" len="med"/>
+                      <a:tailEnd type="none" w="med" len="med"/>
+                    </a:lnL>
+                    <a:lnR w="12700" cap="flat" cmpd="sng" algn="ctr">
+                      <a:solidFill>
+                        <a:schemeClr val="bg1">
+                          <a:lumMod val="85000"/>
+                        </a:schemeClr>
+                      </a:solidFill>
+                      <a:prstDash val="solid"/>
+                      <a:round/>
+                      <a:headEnd type="none" w="med" len="med"/>
+                      <a:tailEnd type="none" w="med" len="med"/>
+                    </a:lnR>
+                    <a:lnT w="12700" cap="flat" cmpd="sng" algn="ctr">
+                      <a:solidFill>
+                        <a:schemeClr val="bg1">
+                          <a:lumMod val="85000"/>
+                        </a:schemeClr>
+                      </a:solidFill>
+                      <a:prstDash val="solid"/>
+                      <a:round/>
+                      <a:headEnd type="none" w="med" len="med"/>
+                      <a:tailEnd type="none" w="med" len="med"/>
+                    </a:lnT>
+                    <a:lnB w="12700" cap="flat" cmpd="sng" algn="ctr">
+                      <a:solidFill>
+                        <a:schemeClr val="bg1">
+                          <a:lumMod val="85000"/>
+                        </a:schemeClr>
+                      </a:solidFill>
+                      <a:prstDash val="solid"/>
+                      <a:round/>
+                      <a:headEnd type="none" w="med" len="med"/>
+                      <a:tailEnd type="none" w="med" len="med"/>
+                    </a:lnB>
+                    <a:lnTlToBr w="12700" cmpd="sng">
+                      <a:noFill/>
+                      <a:prstDash val="solid"/>
+                    </a:lnTlToBr>
+                    <a:lnBlToTr w="12700" cmpd="sng">
+                      <a:noFill/>
+                      <a:prstDash val="solid"/>
+                    </a:lnBlToTr>
+                    <a:solidFill>
+                      <a:schemeClr val="bg1"/>
+                    </a:solidFill>
+                  </a:tcPr>
+                </a:tc>
+                <a:tc>
+                  <a:txBody>
+                    <a:bodyPr/>
+                    <a:lstStyle/>
+                    <a:p>
+                      <a:pPr marL="0" marR="0" lvl="0" indent="0" algn="l" defTabSz="914400" rtl="0" eaLnBrk="1" fontAlgn="auto" latinLnBrk="0" hangingPunct="1">
+                        <a:lnSpc>
+                          <a:spcPct val="100000"/>
+                        </a:lnSpc>
+                        <a:spcBef>
+                          <a:spcPts val="0"/>
+                        </a:spcBef>
+                        <a:spcAft>
+                          <a:spcPts val="0"/>
+                        </a:spcAft>
+                        <a:buClrTx/>
+                        <a:buSzTx/>
+                        <a:buFontTx/>
+                        <a:buNone/>
+                        <a:tabLst/>
+                        <a:defRPr/>
+                      </a:pPr>
+                      <a:r>
+                        <a:rPr lang="en-US" altLang="ja-JP" sz="1200" dirty="0" err="1" smtClean="0">
+                          <a:solidFill>
+                            <a:schemeClr val="tx1"/>
+                          </a:solidFill>
+                          <a:latin typeface="+mn-lt"/>
+                        </a:rPr>
+                        <a:t>testserver</a:t>
+                      </a:r>
+                      <a:endParaRPr lang="en-US" altLang="ja-JP" sz="1200" dirty="0" smtClean="0">
+                        <a:solidFill>
+                          <a:schemeClr val="tx1"/>
+                        </a:solidFill>
+                        <a:latin typeface="+mn-lt"/>
+                      </a:endParaRPr>
+                    </a:p>
+                  </a:txBody>
+                  <a:tcPr>
+                    <a:lnL w="12700" cap="flat" cmpd="sng" algn="ctr">
+                      <a:solidFill>
+                        <a:schemeClr val="bg1">
+                          <a:lumMod val="85000"/>
+                        </a:schemeClr>
+                      </a:solidFill>
+                      <a:prstDash val="solid"/>
+                      <a:round/>
+                      <a:headEnd type="none" w="med" len="med"/>
+                      <a:tailEnd type="none" w="med" len="med"/>
+                    </a:lnL>
+                    <a:lnR w="12700" cap="flat" cmpd="sng" algn="ctr">
+                      <a:solidFill>
+                        <a:schemeClr val="bg1">
+                          <a:lumMod val="85000"/>
+                        </a:schemeClr>
+                      </a:solidFill>
+                      <a:prstDash val="solid"/>
+                      <a:round/>
+                      <a:headEnd type="none" w="med" len="med"/>
+                      <a:tailEnd type="none" w="med" len="med"/>
+                    </a:lnR>
+                    <a:lnT w="12700" cap="flat" cmpd="sng" algn="ctr">
+                      <a:solidFill>
+                        <a:schemeClr val="bg1">
+                          <a:lumMod val="85000"/>
+                        </a:schemeClr>
+                      </a:solidFill>
+                      <a:prstDash val="solid"/>
+                      <a:round/>
+                      <a:headEnd type="none" w="med" len="med"/>
+                      <a:tailEnd type="none" w="med" len="med"/>
+                    </a:lnT>
+                    <a:lnB w="12700" cap="flat" cmpd="sng" algn="ctr">
+                      <a:solidFill>
+                        <a:schemeClr val="bg1">
+                          <a:lumMod val="85000"/>
+                        </a:schemeClr>
+                      </a:solidFill>
+                      <a:prstDash val="solid"/>
+                      <a:round/>
+                      <a:headEnd type="none" w="med" len="med"/>
+                      <a:tailEnd type="none" w="med" len="med"/>
+                    </a:lnB>
+                    <a:lnTlToBr w="12700" cmpd="sng">
+                      <a:noFill/>
+                      <a:prstDash val="solid"/>
+                    </a:lnTlToBr>
+                    <a:lnBlToTr w="12700" cmpd="sng">
+                      <a:noFill/>
+                      <a:prstDash val="solid"/>
+                    </a:lnBlToTr>
+                    <a:solidFill>
+                      <a:schemeClr val="bg1"/>
+                    </a:solidFill>
+                  </a:tcPr>
+                </a:tc>
+                <a:extLst>
+                  <a:ext uri="{0D108BD9-81ED-4DB2-BD59-A6C34878D82A}">
+                    <a16:rowId xmlns:a16="http://schemas.microsoft.com/office/drawing/2014/main" val="1397881556"/>
+                  </a:ext>
+                </a:extLst>
+              </a:tr>
+              <a:tr h="270234">
+                <a:tc>
+                  <a:txBody>
+                    <a:bodyPr/>
+                    <a:lstStyle/>
+                    <a:p>
+                      <a:r>
+                        <a:rPr kumimoji="1" lang="en-US" altLang="ja-JP" sz="1200" b="1" dirty="0" smtClean="0">
+                          <a:solidFill>
+                            <a:schemeClr val="tx1"/>
+                          </a:solidFill>
+                          <a:latin typeface="+mn-lt"/>
+                        </a:rPr>
+                        <a:t>Variable</a:t>
+                      </a:r>
+                      <a:r>
+                        <a:rPr kumimoji="1" lang="en-US" altLang="ja-JP" sz="1200" b="1" baseline="0" dirty="0" smtClean="0">
+                          <a:solidFill>
+                            <a:schemeClr val="tx1"/>
+                          </a:solidFill>
+                          <a:latin typeface="+mn-lt"/>
+                        </a:rPr>
+                        <a:t> name</a:t>
+                      </a:r>
+                      <a:endParaRPr kumimoji="1" lang="ja-JP" altLang="en-US" sz="1200" b="1" dirty="0">
+                        <a:solidFill>
+                          <a:schemeClr val="tx1"/>
+                        </a:solidFill>
+                        <a:latin typeface="+mn-lt"/>
+                      </a:endParaRPr>
+                    </a:p>
+                  </a:txBody>
+                  <a:tcPr>
+                    <a:lnL w="12700" cap="flat" cmpd="sng" algn="ctr">
+                      <a:solidFill>
+                        <a:schemeClr val="bg1">
+                          <a:lumMod val="85000"/>
+                        </a:schemeClr>
+                      </a:solidFill>
+                      <a:prstDash val="solid"/>
+                      <a:round/>
+                      <a:headEnd type="none" w="med" len="med"/>
+                      <a:tailEnd type="none" w="med" len="med"/>
+                    </a:lnL>
+                    <a:lnR w="12700" cap="flat" cmpd="sng" algn="ctr">
+                      <a:solidFill>
+                        <a:schemeClr val="bg1">
+                          <a:lumMod val="85000"/>
+                        </a:schemeClr>
+                      </a:solidFill>
+                      <a:prstDash val="solid"/>
+                      <a:round/>
+                      <a:headEnd type="none" w="med" len="med"/>
+                      <a:tailEnd type="none" w="med" len="med"/>
+                    </a:lnR>
+                    <a:lnT w="12700" cap="flat" cmpd="sng" algn="ctr">
+                      <a:solidFill>
+                        <a:schemeClr val="bg1">
+                          <a:lumMod val="85000"/>
+                        </a:schemeClr>
+                      </a:solidFill>
+                      <a:prstDash val="solid"/>
+                      <a:round/>
+                      <a:headEnd type="none" w="med" len="med"/>
+                      <a:tailEnd type="none" w="med" len="med"/>
+                    </a:lnT>
+                    <a:lnB w="12700" cap="flat" cmpd="sng" algn="ctr">
+                      <a:solidFill>
+                        <a:schemeClr val="bg1">
+                          <a:lumMod val="85000"/>
+                        </a:schemeClr>
+                      </a:solidFill>
+                      <a:prstDash val="solid"/>
+                      <a:round/>
+                      <a:headEnd type="none" w="med" len="med"/>
+                      <a:tailEnd type="none" w="med" len="med"/>
+                    </a:lnB>
+                    <a:lnTlToBr w="12700" cmpd="sng">
+                      <a:noFill/>
+                      <a:prstDash val="solid"/>
+                    </a:lnTlToBr>
+                    <a:lnBlToTr w="12700" cmpd="sng">
+                      <a:noFill/>
+                      <a:prstDash val="solid"/>
+                    </a:lnBlToTr>
+                    <a:solidFill>
+                      <a:schemeClr val="bg1"/>
+                    </a:solidFill>
+                  </a:tcPr>
+                </a:tc>
+                <a:tc>
+                  <a:txBody>
+                    <a:bodyPr/>
+                    <a:lstStyle/>
+                    <a:p>
+                      <a:pPr marL="0" marR="0" lvl="0" indent="0" algn="l" defTabSz="914400" rtl="0" eaLnBrk="1" fontAlgn="auto" latinLnBrk="0" hangingPunct="1">
+                        <a:lnSpc>
+                          <a:spcPct val="100000"/>
+                        </a:lnSpc>
+                        <a:spcBef>
+                          <a:spcPts val="0"/>
+                        </a:spcBef>
+                        <a:spcAft>
+                          <a:spcPts val="0"/>
+                        </a:spcAft>
+                        <a:buClrTx/>
+                        <a:buSzTx/>
+                        <a:buFontTx/>
+                        <a:buNone/>
+                        <a:tabLst/>
+                        <a:defRPr/>
+                      </a:pPr>
+                      <a:r>
+                        <a:rPr lang="en-US" altLang="ja-JP" sz="1200" dirty="0" smtClean="0">
+                          <a:solidFill>
+                            <a:schemeClr val="tx1"/>
+                          </a:solidFill>
+                          <a:latin typeface="+mn-lt"/>
+                        </a:rPr>
+                        <a:t>See</a:t>
+                      </a:r>
+                      <a:r>
+                        <a:rPr lang="en-US" altLang="ja-JP" sz="1200" baseline="0" dirty="0" smtClean="0">
+                          <a:solidFill>
+                            <a:schemeClr val="tx1"/>
+                          </a:solidFill>
+                          <a:latin typeface="+mn-lt"/>
+                        </a:rPr>
+                        <a:t> next page</a:t>
+                      </a:r>
+                      <a:endParaRPr lang="en-US" altLang="ja-JP" sz="1200" dirty="0" smtClean="0">
+                        <a:solidFill>
+                          <a:schemeClr val="tx1"/>
+                        </a:solidFill>
+                        <a:latin typeface="+mn-lt"/>
+                      </a:endParaRPr>
+                    </a:p>
+                  </a:txBody>
+                  <a:tcPr>
+                    <a:lnL w="12700" cap="flat" cmpd="sng" algn="ctr">
+                      <a:solidFill>
+                        <a:schemeClr val="bg1">
+                          <a:lumMod val="85000"/>
+                        </a:schemeClr>
+                      </a:solidFill>
+                      <a:prstDash val="solid"/>
+                      <a:round/>
+                      <a:headEnd type="none" w="med" len="med"/>
+                      <a:tailEnd type="none" w="med" len="med"/>
+                    </a:lnL>
+                    <a:lnR w="12700" cap="flat" cmpd="sng" algn="ctr">
+                      <a:solidFill>
+                        <a:schemeClr val="bg1">
+                          <a:lumMod val="85000"/>
+                        </a:schemeClr>
+                      </a:solidFill>
+                      <a:prstDash val="solid"/>
+                      <a:round/>
+                      <a:headEnd type="none" w="med" len="med"/>
+                      <a:tailEnd type="none" w="med" len="med"/>
+                    </a:lnR>
+                    <a:lnT w="12700" cap="flat" cmpd="sng" algn="ctr">
+                      <a:solidFill>
+                        <a:schemeClr val="bg1">
+                          <a:lumMod val="85000"/>
+                        </a:schemeClr>
+                      </a:solidFill>
+                      <a:prstDash val="solid"/>
+                      <a:round/>
+                      <a:headEnd type="none" w="med" len="med"/>
+                      <a:tailEnd type="none" w="med" len="med"/>
+                    </a:lnT>
+                    <a:lnB w="12700" cap="flat" cmpd="sng" algn="ctr">
+                      <a:solidFill>
+                        <a:schemeClr val="bg1">
+                          <a:lumMod val="85000"/>
+                        </a:schemeClr>
+                      </a:solidFill>
+                      <a:prstDash val="solid"/>
+                      <a:round/>
+                      <a:headEnd type="none" w="med" len="med"/>
+                      <a:tailEnd type="none" w="med" len="med"/>
+                    </a:lnB>
+                    <a:lnTlToBr w="12700" cmpd="sng">
+                      <a:noFill/>
+                      <a:prstDash val="solid"/>
+                    </a:lnTlToBr>
+                    <a:lnBlToTr w="12700" cmpd="sng">
+                      <a:noFill/>
+                      <a:prstDash val="solid"/>
+                    </a:lnBlToTr>
+                    <a:solidFill>
+                      <a:schemeClr val="bg1"/>
+                    </a:solidFill>
+                  </a:tcPr>
+                </a:tc>
+                <a:extLst>
+                  <a:ext uri="{0D108BD9-81ED-4DB2-BD59-A6C34878D82A}">
+                    <a16:rowId xmlns:a16="http://schemas.microsoft.com/office/drawing/2014/main" val="777304224"/>
+                  </a:ext>
+                </a:extLst>
+              </a:tr>
+            </a:tbl>
+          </a:graphicData>
+        </a:graphic>
+      </p:graphicFrame>
     </p:spTree>
     <p:extLst>
       <p:ext uri="{BB962C8B-B14F-4D97-AF65-F5344CB8AC3E}">
@@ -23887,56 +24921,56 @@
       </p:sp>
       <p:graphicFrame>
         <p:nvGraphicFramePr>
-          <p:cNvPr id="4" name="表 3"/>
+          <p:cNvPr id="5" name="表 4"/>
           <p:cNvGraphicFramePr>
             <a:graphicFrameLocks noGrp="1"/>
           </p:cNvGraphicFramePr>
           <p:nvPr>
             <p:extLst>
               <p:ext uri="{D42A27DB-BD31-4B8C-83A1-F6EECF244321}">
-                <p14:modId xmlns:p14="http://schemas.microsoft.com/office/powerpoint/2010/main" val="155479949"/>
+                <p14:modId xmlns:p14="http://schemas.microsoft.com/office/powerpoint/2010/main" val="2659210466"/>
               </p:ext>
             </p:extLst>
           </p:nvPr>
         </p:nvGraphicFramePr>
         <p:xfrm>
-          <a:off x="323410" y="1700760"/>
-          <a:ext cx="8496102" cy="4392612"/>
+          <a:off x="322932" y="1556740"/>
+          <a:ext cx="8419217" cy="4734362"/>
         </p:xfrm>
         <a:graphic>
           <a:graphicData uri="http://schemas.openxmlformats.org/drawingml/2006/table">
             <a:tbl>
               <a:tblPr/>
               <a:tblGrid>
-                <a:gridCol w="1152160">
+                <a:gridCol w="1734063">
                   <a:extLst>
                     <a:ext uri="{9D8B030D-6E8A-4147-A177-3AD203B41FA5}">
                       <a16:colId xmlns:a16="http://schemas.microsoft.com/office/drawing/2014/main" val="469214711"/>
                     </a:ext>
                   </a:extLst>
                 </a:gridCol>
-                <a:gridCol w="1008140">
+                <a:gridCol w="1193113">
                   <a:extLst>
                     <a:ext uri="{9D8B030D-6E8A-4147-A177-3AD203B41FA5}">
                       <a16:colId xmlns:a16="http://schemas.microsoft.com/office/drawing/2014/main" val="1346070715"/>
                     </a:ext>
                   </a:extLst>
                 </a:gridCol>
-                <a:gridCol w="3528490">
+                <a:gridCol w="3566224">
                   <a:extLst>
                     <a:ext uri="{9D8B030D-6E8A-4147-A177-3AD203B41FA5}">
                       <a16:colId xmlns:a16="http://schemas.microsoft.com/office/drawing/2014/main" val="4081310854"/>
                     </a:ext>
                   </a:extLst>
                 </a:gridCol>
-                <a:gridCol w="1368190">
+                <a:gridCol w="1093214">
                   <a:extLst>
                     <a:ext uri="{9D8B030D-6E8A-4147-A177-3AD203B41FA5}">
                       <a16:colId xmlns:a16="http://schemas.microsoft.com/office/drawing/2014/main" val="1929249399"/>
                     </a:ext>
                   </a:extLst>
                 </a:gridCol>
-                <a:gridCol w="1439122">
+                <a:gridCol w="832603">
                   <a:extLst>
                     <a:ext uri="{9D8B030D-6E8A-4147-A177-3AD203B41FA5}">
                       <a16:colId xmlns:a16="http://schemas.microsoft.com/office/drawing/2014/main" val="3667064301"/>
@@ -23944,7 +24978,7 @@
                   </a:extLst>
                 </a:gridCol>
               </a:tblGrid>
-              <a:tr h="313758">
+              <a:tr h="312043">
                 <a:tc>
                   <a:txBody>
                     <a:bodyPr/>
@@ -23973,8 +25007,16 @@
                     </a:p>
                   </a:txBody>
                   <a:tcPr marL="0" marR="0" marT="0" marB="0" anchor="ctr">
-                    <a:lnL>
-                      <a:noFill/>
+                    <a:lnL w="12700" cap="flat" cmpd="sng" algn="ctr">
+                      <a:solidFill>
+                        <a:schemeClr val="bg1">
+                          <a:lumMod val="50000"/>
+                        </a:schemeClr>
+                      </a:solidFill>
+                      <a:prstDash val="solid"/>
+                      <a:round/>
+                      <a:headEnd type="none" w="med" len="med"/>
+                      <a:tailEnd type="none" w="med" len="med"/>
                     </a:lnL>
                     <a:lnR w="6350" cap="flat" cmpd="sng" algn="ctr">
                       <a:solidFill>
@@ -23985,9 +25027,11 @@
                       <a:headEnd type="none" w="med" len="med"/>
                       <a:tailEnd type="none" w="med" len="med"/>
                     </a:lnR>
-                    <a:lnT w="6350" cap="flat" cmpd="sng" algn="ctr">
-                      <a:solidFill>
-                        <a:srgbClr val="7F7F7F"/>
+                    <a:lnT w="12700" cap="flat" cmpd="sng" algn="ctr">
+                      <a:solidFill>
+                        <a:schemeClr val="bg1">
+                          <a:lumMod val="50000"/>
+                        </a:schemeClr>
                       </a:solidFill>
                       <a:prstDash val="solid"/>
                       <a:round/>
@@ -24054,9 +25098,11 @@
                       <a:headEnd type="none" w="med" len="med"/>
                       <a:tailEnd type="none" w="med" len="med"/>
                     </a:lnR>
-                    <a:lnT w="6350" cap="flat" cmpd="sng" algn="ctr">
-                      <a:solidFill>
-                        <a:srgbClr val="7F7F7F"/>
+                    <a:lnT w="12700" cap="flat" cmpd="sng" algn="ctr">
+                      <a:solidFill>
+                        <a:schemeClr val="bg1">
+                          <a:lumMod val="50000"/>
+                        </a:schemeClr>
                       </a:solidFill>
                       <a:prstDash val="solid"/>
                       <a:round/>
@@ -24084,7 +25130,7 @@
                     <a:p>
                       <a:pPr algn="ctr" fontAlgn="ctr"/>
                       <a:r>
-                        <a:rPr lang="en-US" altLang="ja-JP" sz="1200" b="0" i="0" u="none" strike="noStrike" dirty="0" smtClean="0">
+                        <a:rPr lang="en-US" sz="1200" b="0" i="0" u="none" strike="noStrike" dirty="0" smtClean="0">
                           <a:solidFill>
                             <a:srgbClr val="FFFFFF"/>
                           </a:solidFill>
@@ -24092,7 +25138,7 @@
                           <a:latin typeface="メイリオ" panose="020B0604030504040204" pitchFamily="50" charset="-128"/>
                           <a:ea typeface="メイリオ" panose="020B0604030504040204" pitchFamily="50" charset="-128"/>
                         </a:rPr>
-                        <a:t>Variable name</a:t>
+                        <a:t>Movement: Variable</a:t>
                       </a:r>
                       <a:endParaRPr lang="ja-JP" altLang="en-US" sz="1200" b="0" i="0" u="none" strike="noStrike" dirty="0">
                         <a:solidFill>
@@ -24123,9 +25169,11 @@
                       <a:headEnd type="none" w="med" len="med"/>
                       <a:tailEnd type="none" w="med" len="med"/>
                     </a:lnR>
-                    <a:lnT w="6350" cap="flat" cmpd="sng" algn="ctr">
-                      <a:solidFill>
-                        <a:srgbClr val="7F7F7F"/>
+                    <a:lnT w="12700" cap="flat" cmpd="sng" algn="ctr">
+                      <a:solidFill>
+                        <a:schemeClr val="bg1">
+                          <a:lumMod val="50000"/>
+                        </a:schemeClr>
                       </a:solidFill>
                       <a:prstDash val="solid"/>
                       <a:round/>
@@ -24192,9 +25240,11 @@
                       <a:headEnd type="none" w="med" len="med"/>
                       <a:tailEnd type="none" w="med" len="med"/>
                     </a:lnR>
-                    <a:lnT w="6350" cap="flat" cmpd="sng" algn="ctr">
-                      <a:solidFill>
-                        <a:srgbClr val="7F7F7F"/>
+                    <a:lnT w="12700" cap="flat" cmpd="sng" algn="ctr">
+                      <a:solidFill>
+                        <a:schemeClr val="bg1">
+                          <a:lumMod val="50000"/>
+                        </a:schemeClr>
                       </a:solidFill>
                       <a:prstDash val="solid"/>
                       <a:round/>
@@ -24230,7 +25280,7 @@
                           <a:latin typeface="メイリオ" panose="020B0604030504040204" pitchFamily="50" charset="-128"/>
                           <a:ea typeface="メイリオ" panose="020B0604030504040204" pitchFamily="50" charset="-128"/>
                         </a:rPr>
-                        <a:t>Substitution</a:t>
+                        <a:t>Substitute</a:t>
                       </a:r>
                       <a:r>
                         <a:rPr lang="en-US" altLang="ja-JP" sz="1200" b="0" i="0" u="none" strike="noStrike" baseline="0" dirty="0" smtClean="0">
@@ -24263,18 +25313,22 @@
                       <a:headEnd type="none" w="med" len="med"/>
                       <a:tailEnd type="none" w="med" len="med"/>
                     </a:lnL>
-                    <a:lnR w="6350" cap="flat" cmpd="sng" algn="ctr">
-                      <a:solidFill>
-                        <a:srgbClr val="7F7F7F"/>
+                    <a:lnR w="12700" cap="flat" cmpd="sng" algn="ctr">
+                      <a:solidFill>
+                        <a:schemeClr val="bg1">
+                          <a:lumMod val="50000"/>
+                        </a:schemeClr>
                       </a:solidFill>
                       <a:prstDash val="solid"/>
                       <a:round/>
                       <a:headEnd type="none" w="med" len="med"/>
                       <a:tailEnd type="none" w="med" len="med"/>
                     </a:lnR>
-                    <a:lnT w="6350" cap="flat" cmpd="sng" algn="ctr">
-                      <a:solidFill>
-                        <a:srgbClr val="7F7F7F"/>
+                    <a:lnT w="12700" cap="flat" cmpd="sng" algn="ctr">
+                      <a:solidFill>
+                        <a:schemeClr val="bg1">
+                          <a:lumMod val="50000"/>
+                        </a:schemeClr>
                       </a:solidFill>
                       <a:prstDash val="solid"/>
                       <a:round/>
@@ -24301,7 +25355,7 @@
                   </a:ext>
                 </a:extLst>
               </a:tr>
-              <a:tr h="313758">
+              <a:tr h="312043">
                 <a:tc>
                   <a:txBody>
                     <a:bodyPr/>
@@ -24321,9 +25375,334 @@
                       </a:r>
                     </a:p>
                   </a:txBody>
-                  <a:tcPr marL="0" marR="0" marT="0" marB="0">
-                    <a:lnL>
-                      <a:noFill/>
+                  <a:tcPr anchor="ctr">
+                    <a:lnL w="12700" cap="flat" cmpd="sng" algn="ctr">
+                      <a:solidFill>
+                        <a:schemeClr val="bg1">
+                          <a:lumMod val="50000"/>
+                        </a:schemeClr>
+                      </a:solidFill>
+                      <a:prstDash val="solid"/>
+                      <a:round/>
+                      <a:headEnd type="none" w="med" len="med"/>
+                      <a:tailEnd type="none" w="med" len="med"/>
+                    </a:lnL>
+                    <a:lnR w="6350" cap="flat" cmpd="sng" algn="ctr">
+                      <a:solidFill>
+                        <a:srgbClr val="7F7F7F"/>
+                      </a:solidFill>
+                      <a:prstDash val="solid"/>
+                      <a:round/>
+                      <a:headEnd type="none" w="med" len="med"/>
+                      <a:tailEnd type="none" w="med" len="med"/>
+                    </a:lnR>
+                    <a:lnT w="6350" cap="flat" cmpd="sng" algn="ctr">
+                      <a:solidFill>
+                        <a:srgbClr val="7F7F7F"/>
+                      </a:solidFill>
+                      <a:prstDash val="solid"/>
+                      <a:round/>
+                      <a:headEnd type="none" w="med" len="med"/>
+                      <a:tailEnd type="none" w="med" len="med"/>
+                    </a:lnT>
+                    <a:lnB w="6350" cap="flat" cmpd="sng" algn="ctr">
+                      <a:solidFill>
+                        <a:srgbClr val="7F7F7F"/>
+                      </a:solidFill>
+                      <a:prstDash val="solid"/>
+                      <a:round/>
+                      <a:headEnd type="none" w="med" len="med"/>
+                      <a:tailEnd type="none" w="med" len="med"/>
+                    </a:lnB>
+                  </a:tcPr>
+                </a:tc>
+                <a:tc>
+                  <a:txBody>
+                    <a:bodyPr/>
+                    <a:lstStyle/>
+                    <a:p>
+                      <a:pPr algn="l" fontAlgn="t"/>
+                      <a:r>
+                        <a:rPr lang="en-US" sz="1200" b="0" i="0" u="none" strike="noStrike" dirty="0">
+                          <a:solidFill>
+                            <a:srgbClr val="000000"/>
+                          </a:solidFill>
+                          <a:effectLst/>
+                          <a:latin typeface="メイリオ" panose="020B0604030504040204" pitchFamily="50" charset="-128"/>
+                          <a:ea typeface="メイリオ" panose="020B0604030504040204" pitchFamily="50" charset="-128"/>
+                        </a:rPr>
+                        <a:t>1:Testserver</a:t>
+                      </a:r>
+                    </a:p>
+                  </a:txBody>
+                  <a:tcPr anchor="ctr">
+                    <a:lnL w="6350" cap="flat" cmpd="sng" algn="ctr">
+                      <a:solidFill>
+                        <a:srgbClr val="7F7F7F"/>
+                      </a:solidFill>
+                      <a:prstDash val="solid"/>
+                      <a:round/>
+                      <a:headEnd type="none" w="med" len="med"/>
+                      <a:tailEnd type="none" w="med" len="med"/>
+                    </a:lnL>
+                    <a:lnR w="6350" cap="flat" cmpd="sng" algn="ctr">
+                      <a:solidFill>
+                        <a:srgbClr val="7F7F7F"/>
+                      </a:solidFill>
+                      <a:prstDash val="solid"/>
+                      <a:round/>
+                      <a:headEnd type="none" w="med" len="med"/>
+                      <a:tailEnd type="none" w="med" len="med"/>
+                    </a:lnR>
+                    <a:lnT w="6350" cap="flat" cmpd="sng" algn="ctr">
+                      <a:solidFill>
+                        <a:srgbClr val="7F7F7F"/>
+                      </a:solidFill>
+                      <a:prstDash val="solid"/>
+                      <a:round/>
+                      <a:headEnd type="none" w="med" len="med"/>
+                      <a:tailEnd type="none" w="med" len="med"/>
+                    </a:lnT>
+                    <a:lnB w="6350" cap="flat" cmpd="sng" algn="ctr">
+                      <a:solidFill>
+                        <a:srgbClr val="7F7F7F"/>
+                      </a:solidFill>
+                      <a:prstDash val="solid"/>
+                      <a:round/>
+                      <a:headEnd type="none" w="med" len="med"/>
+                      <a:tailEnd type="none" w="med" len="med"/>
+                    </a:lnB>
+                  </a:tcPr>
+                </a:tc>
+                <a:tc>
+                  <a:txBody>
+                    <a:bodyPr/>
+                    <a:lstStyle/>
+                    <a:p>
+                      <a:pPr algn="l" fontAlgn="t"/>
+                      <a:r>
+                        <a:rPr lang="en-US" sz="1200" b="0" i="0" u="none" strike="noStrike" dirty="0">
+                          <a:solidFill>
+                            <a:srgbClr val="000000"/>
+                          </a:solidFill>
+                          <a:effectLst/>
+                          <a:latin typeface="メイリオ" panose="020B0604030504040204" pitchFamily="50" charset="-128"/>
+                          <a:ea typeface="メイリオ" panose="020B0604030504040204" pitchFamily="50" charset="-128"/>
+                        </a:rPr>
+                        <a:t>1</a:t>
+                      </a:r>
+                      <a:r>
+                        <a:rPr lang="en-US" sz="1200" b="0" i="0" u="none" strike="noStrike" dirty="0" smtClean="0">
+                          <a:solidFill>
+                            <a:srgbClr val="000000"/>
+                          </a:solidFill>
+                          <a:effectLst/>
+                          <a:latin typeface="メイリオ" panose="020B0604030504040204" pitchFamily="50" charset="-128"/>
+                          <a:ea typeface="メイリオ" panose="020B0604030504040204" pitchFamily="50" charset="-128"/>
+                        </a:rPr>
+                        <a:t>:copy_file:1:VAR_dir_name_1</a:t>
+                      </a:r>
+                      <a:endParaRPr lang="en-US" sz="1200" b="0" i="0" u="none" strike="noStrike" dirty="0">
+                        <a:solidFill>
+                          <a:srgbClr val="000000"/>
+                        </a:solidFill>
+                        <a:effectLst/>
+                        <a:latin typeface="メイリオ" panose="020B0604030504040204" pitchFamily="50" charset="-128"/>
+                        <a:ea typeface="メイリオ" panose="020B0604030504040204" pitchFamily="50" charset="-128"/>
+                      </a:endParaRPr>
+                    </a:p>
+                  </a:txBody>
+                  <a:tcPr anchor="ctr">
+                    <a:lnL w="6350" cap="flat" cmpd="sng" algn="ctr">
+                      <a:solidFill>
+                        <a:srgbClr val="7F7F7F"/>
+                      </a:solidFill>
+                      <a:prstDash val="solid"/>
+                      <a:round/>
+                      <a:headEnd type="none" w="med" len="med"/>
+                      <a:tailEnd type="none" w="med" len="med"/>
+                    </a:lnL>
+                    <a:lnR w="6350" cap="flat" cmpd="sng" algn="ctr">
+                      <a:solidFill>
+                        <a:srgbClr val="7F7F7F"/>
+                      </a:solidFill>
+                      <a:prstDash val="solid"/>
+                      <a:round/>
+                      <a:headEnd type="none" w="med" len="med"/>
+                      <a:tailEnd type="none" w="med" len="med"/>
+                    </a:lnR>
+                    <a:lnT w="6350" cap="flat" cmpd="sng" algn="ctr">
+                      <a:solidFill>
+                        <a:srgbClr val="7F7F7F"/>
+                      </a:solidFill>
+                      <a:prstDash val="solid"/>
+                      <a:round/>
+                      <a:headEnd type="none" w="med" len="med"/>
+                      <a:tailEnd type="none" w="med" len="med"/>
+                    </a:lnT>
+                    <a:lnB w="6350" cap="flat" cmpd="sng" algn="ctr">
+                      <a:solidFill>
+                        <a:srgbClr val="7F7F7F"/>
+                      </a:solidFill>
+                      <a:prstDash val="solid"/>
+                      <a:round/>
+                      <a:headEnd type="none" w="med" len="med"/>
+                      <a:tailEnd type="none" w="med" len="med"/>
+                    </a:lnB>
+                  </a:tcPr>
+                </a:tc>
+                <a:tc>
+                  <a:txBody>
+                    <a:bodyPr/>
+                    <a:lstStyle/>
+                    <a:p>
+                      <a:pPr algn="l" fontAlgn="t"/>
+                      <a:r>
+                        <a:rPr lang="en-US" sz="1200" b="0" i="0" u="none" strike="noStrike" dirty="0">
+                          <a:solidFill>
+                            <a:srgbClr val="000000"/>
+                          </a:solidFill>
+                          <a:effectLst/>
+                          <a:latin typeface="メイリオ" panose="020B0604030504040204" pitchFamily="50" charset="-128"/>
+                          <a:ea typeface="メイリオ" panose="020B0604030504040204" pitchFamily="50" charset="-128"/>
+                        </a:rPr>
+                        <a:t>dir1</a:t>
+                      </a:r>
+                    </a:p>
+                  </a:txBody>
+                  <a:tcPr anchor="ctr">
+                    <a:lnL w="6350" cap="flat" cmpd="sng" algn="ctr">
+                      <a:solidFill>
+                        <a:srgbClr val="7F7F7F"/>
+                      </a:solidFill>
+                      <a:prstDash val="solid"/>
+                      <a:round/>
+                      <a:headEnd type="none" w="med" len="med"/>
+                      <a:tailEnd type="none" w="med" len="med"/>
+                    </a:lnL>
+                    <a:lnR w="6350" cap="flat" cmpd="sng" algn="ctr">
+                      <a:solidFill>
+                        <a:srgbClr val="7F7F7F"/>
+                      </a:solidFill>
+                      <a:prstDash val="solid"/>
+                      <a:round/>
+                      <a:headEnd type="none" w="med" len="med"/>
+                      <a:tailEnd type="none" w="med" len="med"/>
+                    </a:lnR>
+                    <a:lnT w="6350" cap="flat" cmpd="sng" algn="ctr">
+                      <a:solidFill>
+                        <a:srgbClr val="7F7F7F"/>
+                      </a:solidFill>
+                      <a:prstDash val="solid"/>
+                      <a:round/>
+                      <a:headEnd type="none" w="med" len="med"/>
+                      <a:tailEnd type="none" w="med" len="med"/>
+                    </a:lnT>
+                    <a:lnB w="6350" cap="flat" cmpd="sng" algn="ctr">
+                      <a:solidFill>
+                        <a:srgbClr val="7F7F7F"/>
+                      </a:solidFill>
+                      <a:prstDash val="solid"/>
+                      <a:round/>
+                      <a:headEnd type="none" w="med" len="med"/>
+                      <a:tailEnd type="none" w="med" len="med"/>
+                    </a:lnB>
+                  </a:tcPr>
+                </a:tc>
+                <a:tc>
+                  <a:txBody>
+                    <a:bodyPr/>
+                    <a:lstStyle/>
+                    <a:p>
+                      <a:pPr algn="l" fontAlgn="t"/>
+                      <a:endParaRPr lang="en-US" altLang="ja-JP" sz="1200" b="0" i="0" u="none" strike="noStrike" dirty="0">
+                        <a:solidFill>
+                          <a:srgbClr val="000000"/>
+                        </a:solidFill>
+                        <a:effectLst/>
+                        <a:latin typeface="メイリオ" panose="020B0604030504040204" pitchFamily="50" charset="-128"/>
+                        <a:ea typeface="メイリオ" panose="020B0604030504040204" pitchFamily="50" charset="-128"/>
+                      </a:endParaRPr>
+                    </a:p>
+                  </a:txBody>
+                  <a:tcPr anchor="ctr">
+                    <a:lnL w="6350" cap="flat" cmpd="sng" algn="ctr">
+                      <a:solidFill>
+                        <a:srgbClr val="7F7F7F"/>
+                      </a:solidFill>
+                      <a:prstDash val="solid"/>
+                      <a:round/>
+                      <a:headEnd type="none" w="med" len="med"/>
+                      <a:tailEnd type="none" w="med" len="med"/>
+                    </a:lnL>
+                    <a:lnR w="12700" cap="flat" cmpd="sng" algn="ctr">
+                      <a:solidFill>
+                        <a:schemeClr val="bg1">
+                          <a:lumMod val="50000"/>
+                        </a:schemeClr>
+                      </a:solidFill>
+                      <a:prstDash val="solid"/>
+                      <a:round/>
+                      <a:headEnd type="none" w="med" len="med"/>
+                      <a:tailEnd type="none" w="med" len="med"/>
+                    </a:lnR>
+                    <a:lnT w="6350" cap="flat" cmpd="sng" algn="ctr">
+                      <a:solidFill>
+                        <a:srgbClr val="7F7F7F"/>
+                      </a:solidFill>
+                      <a:prstDash val="solid"/>
+                      <a:round/>
+                      <a:headEnd type="none" w="med" len="med"/>
+                      <a:tailEnd type="none" w="med" len="med"/>
+                    </a:lnT>
+                    <a:lnB w="6350" cap="flat" cmpd="sng" algn="ctr">
+                      <a:solidFill>
+                        <a:srgbClr val="7F7F7F"/>
+                      </a:solidFill>
+                      <a:prstDash val="solid"/>
+                      <a:round/>
+                      <a:headEnd type="none" w="med" len="med"/>
+                      <a:tailEnd type="none" w="med" len="med"/>
+                    </a:lnB>
+                  </a:tcPr>
+                </a:tc>
+                <a:extLst>
+                  <a:ext uri="{0D108BD9-81ED-4DB2-BD59-A6C34878D82A}">
+                    <a16:rowId xmlns:a16="http://schemas.microsoft.com/office/drawing/2014/main" val="1834301046"/>
+                  </a:ext>
+                </a:extLst>
+              </a:tr>
+              <a:tr h="312043">
+                <a:tc>
+                  <a:txBody>
+                    <a:bodyPr/>
+                    <a:lstStyle/>
+                    <a:p>
+                      <a:pPr algn="l" fontAlgn="t"/>
+                      <a:r>
+                        <a:rPr lang="en-US" sz="1200" b="0" i="0" u="none" strike="noStrike" dirty="0">
+                          <a:solidFill>
+                            <a:srgbClr val="000000"/>
+                          </a:solidFill>
+                          <a:effectLst/>
+                          <a:latin typeface="メイリオ" panose="020B0604030504040204" pitchFamily="50" charset="-128"/>
+                          <a:ea typeface="メイリオ" panose="020B0604030504040204" pitchFamily="50" charset="-128"/>
+                        </a:rPr>
+                        <a:t>1:operation1</a:t>
+                      </a:r>
+                    </a:p>
+                  </a:txBody>
+                  <a:tcPr anchor="ctr">
+                    <a:lnL w="12700" cap="flat" cmpd="sng" algn="ctr">
+                      <a:solidFill>
+                        <a:schemeClr val="bg1">
+                          <a:lumMod val="50000"/>
+                        </a:schemeClr>
+                      </a:solidFill>
+                      <a:prstDash val="solid"/>
+                      <a:round/>
+                      <a:headEnd type="none" w="med" len="med"/>
+                      <a:tailEnd type="none" w="med" len="med"/>
                     </a:lnL>
                     <a:lnR w="6350" cap="flat" cmpd="sng" algn="ctr">
                       <a:solidFill>
@@ -24373,7 +25752,7 @@
                       </a:r>
                     </a:p>
                   </a:txBody>
-                  <a:tcPr marL="0" marR="0" marT="0" marB="0">
+                  <a:tcPr anchor="ctr">
                     <a:lnL w="6350" cap="flat" cmpd="sng" algn="ctr">
                       <a:solidFill>
                         <a:srgbClr val="7F7F7F"/>
@@ -24419,7 +25798,7 @@
                     <a:p>
                       <a:pPr algn="l" fontAlgn="t"/>
                       <a:r>
-                        <a:rPr lang="en-US" sz="1200" b="0" i="0" u="none" strike="noStrike">
+                        <a:rPr lang="en-US" sz="1200" b="0" i="0" u="none" strike="noStrike" dirty="0" smtClean="0">
                           <a:solidFill>
                             <a:srgbClr val="000000"/>
                           </a:solidFill>
@@ -24427,11 +25806,19 @@
                           <a:latin typeface="メイリオ" panose="020B0604030504040204" pitchFamily="50" charset="-128"/>
                           <a:ea typeface="メイリオ" panose="020B0604030504040204" pitchFamily="50" charset="-128"/>
                         </a:rPr>
-                        <a:t>3:copy_file:1:VAR_dir_name_1</a:t>
+                        <a:t>1:copy_file:2:VAR_file_name</a:t>
                       </a:r>
+                      <a:endParaRPr lang="en-US" sz="1200" b="0" i="0" u="none" strike="noStrike" dirty="0">
+                        <a:solidFill>
+                          <a:srgbClr val="000000"/>
+                        </a:solidFill>
+                        <a:effectLst/>
+                        <a:latin typeface="メイリオ" panose="020B0604030504040204" pitchFamily="50" charset="-128"/>
+                        <a:ea typeface="メイリオ" panose="020B0604030504040204" pitchFamily="50" charset="-128"/>
+                      </a:endParaRPr>
                     </a:p>
                   </a:txBody>
-                  <a:tcPr marL="0" marR="0" marT="0" marB="0">
+                  <a:tcPr anchor="ctr">
                     <a:lnL w="6350" cap="flat" cmpd="sng" algn="ctr">
                       <a:solidFill>
                         <a:srgbClr val="7F7F7F"/>
@@ -24477,7 +25864,7 @@
                     <a:p>
                       <a:pPr algn="l" fontAlgn="t"/>
                       <a:r>
-                        <a:rPr lang="en-US" sz="1200" b="0" i="0" u="none" strike="noStrike">
+                        <a:rPr lang="en-US" sz="1200" b="0" i="0" u="none" strike="noStrike" dirty="0" err="1">
                           <a:solidFill>
                             <a:srgbClr val="000000"/>
                           </a:solidFill>
@@ -24485,11 +25872,19 @@
                           <a:latin typeface="メイリオ" panose="020B0604030504040204" pitchFamily="50" charset="-128"/>
                           <a:ea typeface="メイリオ" panose="020B0604030504040204" pitchFamily="50" charset="-128"/>
                         </a:rPr>
-                        <a:t>dir1</a:t>
+                        <a:t>testfile</a:t>
                       </a:r>
+                      <a:endParaRPr lang="en-US" sz="1200" b="0" i="0" u="none" strike="noStrike" dirty="0">
+                        <a:solidFill>
+                          <a:srgbClr val="000000"/>
+                        </a:solidFill>
+                        <a:effectLst/>
+                        <a:latin typeface="メイリオ" panose="020B0604030504040204" pitchFamily="50" charset="-128"/>
+                        <a:ea typeface="メイリオ" panose="020B0604030504040204" pitchFamily="50" charset="-128"/>
+                      </a:endParaRPr>
                     </a:p>
                   </a:txBody>
-                  <a:tcPr marL="0" marR="0" marT="0" marB="0">
+                  <a:tcPr anchor="ctr">
                     <a:lnL w="6350" cap="flat" cmpd="sng" algn="ctr">
                       <a:solidFill>
                         <a:srgbClr val="7F7F7F"/>
@@ -24544,7 +25939,7 @@
                       </a:endParaRPr>
                     </a:p>
                   </a:txBody>
-                  <a:tcPr marL="0" marR="0" marT="0" marB="0">
+                  <a:tcPr anchor="ctr">
                     <a:lnL w="6350" cap="flat" cmpd="sng" algn="ctr">
                       <a:solidFill>
                         <a:srgbClr val="7F7F7F"/>
@@ -24554,9 +25949,11 @@
                       <a:headEnd type="none" w="med" len="med"/>
                       <a:tailEnd type="none" w="med" len="med"/>
                     </a:lnL>
-                    <a:lnR w="6350" cap="flat" cmpd="sng" algn="ctr">
-                      <a:solidFill>
-                        <a:srgbClr val="7F7F7F"/>
+                    <a:lnR w="12700" cap="flat" cmpd="sng" algn="ctr">
+                      <a:solidFill>
+                        <a:schemeClr val="bg1">
+                          <a:lumMod val="50000"/>
+                        </a:schemeClr>
                       </a:solidFill>
                       <a:prstDash val="solid"/>
                       <a:round/>
@@ -24585,11 +25982,11 @@
                 </a:tc>
                 <a:extLst>
                   <a:ext uri="{0D108BD9-81ED-4DB2-BD59-A6C34878D82A}">
-                    <a16:rowId xmlns:a16="http://schemas.microsoft.com/office/drawing/2014/main" val="1834301046"/>
+                    <a16:rowId xmlns:a16="http://schemas.microsoft.com/office/drawing/2014/main" val="2319284856"/>
                   </a:ext>
                 </a:extLst>
               </a:tr>
-              <a:tr h="313758">
+              <a:tr h="312043">
                 <a:tc>
                   <a:txBody>
                     <a:bodyPr/>
@@ -24597,7 +25994,7 @@
                     <a:p>
                       <a:pPr algn="l" fontAlgn="t"/>
                       <a:r>
-                        <a:rPr lang="en-US" sz="1200" b="0" i="0" u="none" strike="noStrike">
+                        <a:rPr lang="en-US" sz="1200" b="0" i="0" u="none" strike="noStrike" dirty="0">
                           <a:solidFill>
                             <a:srgbClr val="000000"/>
                           </a:solidFill>
@@ -24609,9 +26006,17 @@
                       </a:r>
                     </a:p>
                   </a:txBody>
-                  <a:tcPr marL="0" marR="0" marT="0" marB="0">
-                    <a:lnL>
-                      <a:noFill/>
+                  <a:tcPr anchor="ctr">
+                    <a:lnL w="12700" cap="flat" cmpd="sng" algn="ctr">
+                      <a:solidFill>
+                        <a:schemeClr val="bg1">
+                          <a:lumMod val="50000"/>
+                        </a:schemeClr>
+                      </a:solidFill>
+                      <a:prstDash val="solid"/>
+                      <a:round/>
+                      <a:headEnd type="none" w="med" len="med"/>
+                      <a:tailEnd type="none" w="med" len="med"/>
                     </a:lnL>
                     <a:lnR w="6350" cap="flat" cmpd="sng" algn="ctr">
                       <a:solidFill>
@@ -24661,7 +26066,7 @@
                       </a:r>
                     </a:p>
                   </a:txBody>
-                  <a:tcPr marL="0" marR="0" marT="0" marB="0">
+                  <a:tcPr anchor="ctr">
                     <a:lnL w="6350" cap="flat" cmpd="sng" algn="ctr">
                       <a:solidFill>
                         <a:srgbClr val="7F7F7F"/>
@@ -24707,7 +26112,7 @@
                     <a:p>
                       <a:pPr algn="l" fontAlgn="t"/>
                       <a:r>
-                        <a:rPr lang="en-US" sz="1200" b="0" i="0" u="none" strike="noStrike" dirty="0">
+                        <a:rPr lang="en-US" sz="1200" b="0" i="0" u="none" strike="noStrike" dirty="0" smtClean="0">
                           <a:solidFill>
                             <a:srgbClr val="000000"/>
                           </a:solidFill>
@@ -24715,11 +26120,19 @@
                           <a:latin typeface="メイリオ" panose="020B0604030504040204" pitchFamily="50" charset="-128"/>
                           <a:ea typeface="メイリオ" panose="020B0604030504040204" pitchFamily="50" charset="-128"/>
                         </a:rPr>
-                        <a:t>3:copy_file:2:VAR_file_name</a:t>
+                        <a:t>1:copy_file:3:VAR_dir_name_2</a:t>
                       </a:r>
+                      <a:endParaRPr lang="en-US" sz="1200" b="0" i="0" u="none" strike="noStrike" dirty="0">
+                        <a:solidFill>
+                          <a:srgbClr val="000000"/>
+                        </a:solidFill>
+                        <a:effectLst/>
+                        <a:latin typeface="メイリオ" panose="020B0604030504040204" pitchFamily="50" charset="-128"/>
+                        <a:ea typeface="メイリオ" panose="020B0604030504040204" pitchFamily="50" charset="-128"/>
+                      </a:endParaRPr>
                     </a:p>
                   </a:txBody>
-                  <a:tcPr marL="0" marR="0" marT="0" marB="0">
+                  <a:tcPr anchor="ctr">
                     <a:lnL w="6350" cap="flat" cmpd="sng" algn="ctr">
                       <a:solidFill>
                         <a:srgbClr val="7F7F7F"/>
@@ -24765,7 +26178,7 @@
                     <a:p>
                       <a:pPr algn="l" fontAlgn="t"/>
                       <a:r>
-                        <a:rPr lang="en-US" sz="1200" b="0" i="0" u="none" strike="noStrike">
+                        <a:rPr lang="en-US" sz="1200" b="0" i="0" u="none" strike="noStrike" dirty="0" smtClean="0">
                           <a:solidFill>
                             <a:srgbClr val="000000"/>
                           </a:solidFill>
@@ -24775,9 +26188,17 @@
                         </a:rPr>
                         <a:t>dir2</a:t>
                       </a:r>
+                      <a:endParaRPr lang="en-US" sz="1200" b="0" i="0" u="none" strike="noStrike" dirty="0">
+                        <a:solidFill>
+                          <a:srgbClr val="000000"/>
+                        </a:solidFill>
+                        <a:effectLst/>
+                        <a:latin typeface="メイリオ" panose="020B0604030504040204" pitchFamily="50" charset="-128"/>
+                        <a:ea typeface="メイリオ" panose="020B0604030504040204" pitchFamily="50" charset="-128"/>
+                      </a:endParaRPr>
                     </a:p>
                   </a:txBody>
-                  <a:tcPr marL="0" marR="0" marT="0" marB="0">
+                  <a:tcPr anchor="ctr">
                     <a:lnL w="6350" cap="flat" cmpd="sng" algn="ctr">
                       <a:solidFill>
                         <a:srgbClr val="7F7F7F"/>
@@ -24832,7 +26253,7 @@
                       </a:endParaRPr>
                     </a:p>
                   </a:txBody>
-                  <a:tcPr marL="0" marR="0" marT="0" marB="0">
+                  <a:tcPr anchor="ctr">
                     <a:lnL w="6350" cap="flat" cmpd="sng" algn="ctr">
                       <a:solidFill>
                         <a:srgbClr val="7F7F7F"/>
@@ -24842,9 +26263,11 @@
                       <a:headEnd type="none" w="med" len="med"/>
                       <a:tailEnd type="none" w="med" len="med"/>
                     </a:lnL>
-                    <a:lnR w="6350" cap="flat" cmpd="sng" algn="ctr">
-                      <a:solidFill>
-                        <a:srgbClr val="7F7F7F"/>
+                    <a:lnR w="12700" cap="flat" cmpd="sng" algn="ctr">
+                      <a:solidFill>
+                        <a:schemeClr val="bg1">
+                          <a:lumMod val="50000"/>
+                        </a:schemeClr>
                       </a:solidFill>
                       <a:prstDash val="solid"/>
                       <a:round/>
@@ -24873,11 +26296,11 @@
                 </a:tc>
                 <a:extLst>
                   <a:ext uri="{0D108BD9-81ED-4DB2-BD59-A6C34878D82A}">
-                    <a16:rowId xmlns:a16="http://schemas.microsoft.com/office/drawing/2014/main" val="2319284856"/>
+                    <a16:rowId xmlns:a16="http://schemas.microsoft.com/office/drawing/2014/main" val="886519206"/>
                   </a:ext>
                 </a:extLst>
               </a:tr>
-              <a:tr h="313758">
+              <a:tr h="312043">
                 <a:tc>
                   <a:txBody>
                     <a:bodyPr/>
@@ -24897,9 +26320,1574 @@
                       </a:r>
                     </a:p>
                   </a:txBody>
-                  <a:tcPr marL="0" marR="0" marT="0" marB="0">
-                    <a:lnL>
-                      <a:noFill/>
+                  <a:tcPr anchor="ctr">
+                    <a:lnL w="12700" cap="flat" cmpd="sng" algn="ctr">
+                      <a:solidFill>
+                        <a:schemeClr val="bg1">
+                          <a:lumMod val="50000"/>
+                        </a:schemeClr>
+                      </a:solidFill>
+                      <a:prstDash val="solid"/>
+                      <a:round/>
+                      <a:headEnd type="none" w="med" len="med"/>
+                      <a:tailEnd type="none" w="med" len="med"/>
+                    </a:lnL>
+                    <a:lnR w="6350" cap="flat" cmpd="sng" algn="ctr">
+                      <a:solidFill>
+                        <a:srgbClr val="7F7F7F"/>
+                      </a:solidFill>
+                      <a:prstDash val="solid"/>
+                      <a:round/>
+                      <a:headEnd type="none" w="med" len="med"/>
+                      <a:tailEnd type="none" w="med" len="med"/>
+                    </a:lnR>
+                    <a:lnT w="6350" cap="flat" cmpd="sng" algn="ctr">
+                      <a:solidFill>
+                        <a:srgbClr val="7F7F7F"/>
+                      </a:solidFill>
+                      <a:prstDash val="solid"/>
+                      <a:round/>
+                      <a:headEnd type="none" w="med" len="med"/>
+                      <a:tailEnd type="none" w="med" len="med"/>
+                    </a:lnT>
+                    <a:lnB w="6350" cap="flat" cmpd="sng" algn="ctr">
+                      <a:solidFill>
+                        <a:srgbClr val="7F7F7F"/>
+                      </a:solidFill>
+                      <a:prstDash val="solid"/>
+                      <a:round/>
+                      <a:headEnd type="none" w="med" len="med"/>
+                      <a:tailEnd type="none" w="med" len="med"/>
+                    </a:lnB>
+                  </a:tcPr>
+                </a:tc>
+                <a:tc>
+                  <a:txBody>
+                    <a:bodyPr/>
+                    <a:lstStyle/>
+                    <a:p>
+                      <a:pPr algn="l" fontAlgn="t"/>
+                      <a:r>
+                        <a:rPr lang="en-US" sz="1200" b="0" i="0" u="none" strike="noStrike" dirty="0">
+                          <a:solidFill>
+                            <a:srgbClr val="000000"/>
+                          </a:solidFill>
+                          <a:effectLst/>
+                          <a:latin typeface="メイリオ" panose="020B0604030504040204" pitchFamily="50" charset="-128"/>
+                          <a:ea typeface="メイリオ" panose="020B0604030504040204" pitchFamily="50" charset="-128"/>
+                        </a:rPr>
+                        <a:t>1:Testserver</a:t>
+                      </a:r>
+                    </a:p>
+                  </a:txBody>
+                  <a:tcPr anchor="ctr">
+                    <a:lnL w="6350" cap="flat" cmpd="sng" algn="ctr">
+                      <a:solidFill>
+                        <a:srgbClr val="7F7F7F"/>
+                      </a:solidFill>
+                      <a:prstDash val="solid"/>
+                      <a:round/>
+                      <a:headEnd type="none" w="med" len="med"/>
+                      <a:tailEnd type="none" w="med" len="med"/>
+                    </a:lnL>
+                    <a:lnR w="6350" cap="flat" cmpd="sng" algn="ctr">
+                      <a:solidFill>
+                        <a:srgbClr val="7F7F7F"/>
+                      </a:solidFill>
+                      <a:prstDash val="solid"/>
+                      <a:round/>
+                      <a:headEnd type="none" w="med" len="med"/>
+                      <a:tailEnd type="none" w="med" len="med"/>
+                    </a:lnR>
+                    <a:lnT w="6350" cap="flat" cmpd="sng" algn="ctr">
+                      <a:solidFill>
+                        <a:srgbClr val="7F7F7F"/>
+                      </a:solidFill>
+                      <a:prstDash val="solid"/>
+                      <a:round/>
+                      <a:headEnd type="none" w="med" len="med"/>
+                      <a:tailEnd type="none" w="med" len="med"/>
+                    </a:lnT>
+                    <a:lnB w="6350" cap="flat" cmpd="sng" algn="ctr">
+                      <a:solidFill>
+                        <a:srgbClr val="7F7F7F"/>
+                      </a:solidFill>
+                      <a:prstDash val="solid"/>
+                      <a:round/>
+                      <a:headEnd type="none" w="med" len="med"/>
+                      <a:tailEnd type="none" w="med" len="med"/>
+                    </a:lnB>
+                  </a:tcPr>
+                </a:tc>
+                <a:tc>
+                  <a:txBody>
+                    <a:bodyPr/>
+                    <a:lstStyle/>
+                    <a:p>
+                      <a:pPr algn="l" fontAlgn="t"/>
+                      <a:r>
+                        <a:rPr lang="en-US" sz="1200" b="0" i="0" u="none" strike="noStrike" dirty="0">
+                          <a:solidFill>
+                            <a:srgbClr val="000000"/>
+                          </a:solidFill>
+                          <a:effectLst/>
+                          <a:latin typeface="メイリオ" panose="020B0604030504040204" pitchFamily="50" charset="-128"/>
+                          <a:ea typeface="メイリオ" panose="020B0604030504040204" pitchFamily="50" charset="-128"/>
+                        </a:rPr>
+                        <a:t>2</a:t>
+                      </a:r>
+                      <a:r>
+                        <a:rPr lang="en-US" sz="1200" b="0" i="0" u="none" strike="noStrike" dirty="0" smtClean="0">
+                          <a:solidFill>
+                            <a:srgbClr val="000000"/>
+                          </a:solidFill>
+                          <a:effectLst/>
+                          <a:latin typeface="メイリオ" panose="020B0604030504040204" pitchFamily="50" charset="-128"/>
+                          <a:ea typeface="メイリオ" panose="020B0604030504040204" pitchFamily="50" charset="-128"/>
+                        </a:rPr>
+                        <a:t>:create_directory:4:VAR_dir_name_1</a:t>
+                      </a:r>
+                      <a:endParaRPr lang="en-US" sz="1200" b="0" i="0" u="none" strike="noStrike" dirty="0">
+                        <a:solidFill>
+                          <a:srgbClr val="000000"/>
+                        </a:solidFill>
+                        <a:effectLst/>
+                        <a:latin typeface="メイリオ" panose="020B0604030504040204" pitchFamily="50" charset="-128"/>
+                        <a:ea typeface="メイリオ" panose="020B0604030504040204" pitchFamily="50" charset="-128"/>
+                      </a:endParaRPr>
+                    </a:p>
+                  </a:txBody>
+                  <a:tcPr anchor="ctr">
+                    <a:lnL w="6350" cap="flat" cmpd="sng" algn="ctr">
+                      <a:solidFill>
+                        <a:srgbClr val="7F7F7F"/>
+                      </a:solidFill>
+                      <a:prstDash val="solid"/>
+                      <a:round/>
+                      <a:headEnd type="none" w="med" len="med"/>
+                      <a:tailEnd type="none" w="med" len="med"/>
+                    </a:lnL>
+                    <a:lnR w="6350" cap="flat" cmpd="sng" algn="ctr">
+                      <a:solidFill>
+                        <a:srgbClr val="7F7F7F"/>
+                      </a:solidFill>
+                      <a:prstDash val="solid"/>
+                      <a:round/>
+                      <a:headEnd type="none" w="med" len="med"/>
+                      <a:tailEnd type="none" w="med" len="med"/>
+                    </a:lnR>
+                    <a:lnT w="6350" cap="flat" cmpd="sng" algn="ctr">
+                      <a:solidFill>
+                        <a:srgbClr val="7F7F7F"/>
+                      </a:solidFill>
+                      <a:prstDash val="solid"/>
+                      <a:round/>
+                      <a:headEnd type="none" w="med" len="med"/>
+                      <a:tailEnd type="none" w="med" len="med"/>
+                    </a:lnT>
+                    <a:lnB w="6350" cap="flat" cmpd="sng" algn="ctr">
+                      <a:solidFill>
+                        <a:srgbClr val="7F7F7F"/>
+                      </a:solidFill>
+                      <a:prstDash val="solid"/>
+                      <a:round/>
+                      <a:headEnd type="none" w="med" len="med"/>
+                      <a:tailEnd type="none" w="med" len="med"/>
+                    </a:lnB>
+                  </a:tcPr>
+                </a:tc>
+                <a:tc>
+                  <a:txBody>
+                    <a:bodyPr/>
+                    <a:lstStyle/>
+                    <a:p>
+                      <a:pPr algn="l" fontAlgn="t"/>
+                      <a:r>
+                        <a:rPr lang="en-US" sz="1200" b="0" i="0" u="none" strike="noStrike" dirty="0">
+                          <a:solidFill>
+                            <a:srgbClr val="000000"/>
+                          </a:solidFill>
+                          <a:effectLst/>
+                          <a:latin typeface="メイリオ" panose="020B0604030504040204" pitchFamily="50" charset="-128"/>
+                          <a:ea typeface="メイリオ" panose="020B0604030504040204" pitchFamily="50" charset="-128"/>
+                        </a:rPr>
+                        <a:t>dir1</a:t>
+                      </a:r>
+                    </a:p>
+                  </a:txBody>
+                  <a:tcPr anchor="ctr">
+                    <a:lnL w="6350" cap="flat" cmpd="sng" algn="ctr">
+                      <a:solidFill>
+                        <a:srgbClr val="7F7F7F"/>
+                      </a:solidFill>
+                      <a:prstDash val="solid"/>
+                      <a:round/>
+                      <a:headEnd type="none" w="med" len="med"/>
+                      <a:tailEnd type="none" w="med" len="med"/>
+                    </a:lnL>
+                    <a:lnR w="6350" cap="flat" cmpd="sng" algn="ctr">
+                      <a:solidFill>
+                        <a:srgbClr val="7F7F7F"/>
+                      </a:solidFill>
+                      <a:prstDash val="solid"/>
+                      <a:round/>
+                      <a:headEnd type="none" w="med" len="med"/>
+                      <a:tailEnd type="none" w="med" len="med"/>
+                    </a:lnR>
+                    <a:lnT w="6350" cap="flat" cmpd="sng" algn="ctr">
+                      <a:solidFill>
+                        <a:srgbClr val="7F7F7F"/>
+                      </a:solidFill>
+                      <a:prstDash val="solid"/>
+                      <a:round/>
+                      <a:headEnd type="none" w="med" len="med"/>
+                      <a:tailEnd type="none" w="med" len="med"/>
+                    </a:lnT>
+                    <a:lnB w="6350" cap="flat" cmpd="sng" algn="ctr">
+                      <a:solidFill>
+                        <a:srgbClr val="7F7F7F"/>
+                      </a:solidFill>
+                      <a:prstDash val="solid"/>
+                      <a:round/>
+                      <a:headEnd type="none" w="med" len="med"/>
+                      <a:tailEnd type="none" w="med" len="med"/>
+                    </a:lnB>
+                  </a:tcPr>
+                </a:tc>
+                <a:tc>
+                  <a:txBody>
+                    <a:bodyPr/>
+                    <a:lstStyle/>
+                    <a:p>
+                      <a:pPr algn="l" fontAlgn="t"/>
+                      <a:endParaRPr lang="en-US" altLang="ja-JP" sz="1200" b="0" i="0" u="none" strike="noStrike" dirty="0">
+                        <a:solidFill>
+                          <a:srgbClr val="000000"/>
+                        </a:solidFill>
+                        <a:effectLst/>
+                        <a:latin typeface="メイリオ" panose="020B0604030504040204" pitchFamily="50" charset="-128"/>
+                        <a:ea typeface="メイリオ" panose="020B0604030504040204" pitchFamily="50" charset="-128"/>
+                      </a:endParaRPr>
+                    </a:p>
+                  </a:txBody>
+                  <a:tcPr anchor="ctr">
+                    <a:lnL w="6350" cap="flat" cmpd="sng" algn="ctr">
+                      <a:solidFill>
+                        <a:srgbClr val="7F7F7F"/>
+                      </a:solidFill>
+                      <a:prstDash val="solid"/>
+                      <a:round/>
+                      <a:headEnd type="none" w="med" len="med"/>
+                      <a:tailEnd type="none" w="med" len="med"/>
+                    </a:lnL>
+                    <a:lnR w="12700" cap="flat" cmpd="sng" algn="ctr">
+                      <a:solidFill>
+                        <a:schemeClr val="bg1">
+                          <a:lumMod val="50000"/>
+                        </a:schemeClr>
+                      </a:solidFill>
+                      <a:prstDash val="solid"/>
+                      <a:round/>
+                      <a:headEnd type="none" w="med" len="med"/>
+                      <a:tailEnd type="none" w="med" len="med"/>
+                    </a:lnR>
+                    <a:lnT w="6350" cap="flat" cmpd="sng" algn="ctr">
+                      <a:solidFill>
+                        <a:srgbClr val="7F7F7F"/>
+                      </a:solidFill>
+                      <a:prstDash val="solid"/>
+                      <a:round/>
+                      <a:headEnd type="none" w="med" len="med"/>
+                      <a:tailEnd type="none" w="med" len="med"/>
+                    </a:lnT>
+                    <a:lnB w="6350" cap="flat" cmpd="sng" algn="ctr">
+                      <a:solidFill>
+                        <a:srgbClr val="7F7F7F"/>
+                      </a:solidFill>
+                      <a:prstDash val="solid"/>
+                      <a:round/>
+                      <a:headEnd type="none" w="med" len="med"/>
+                      <a:tailEnd type="none" w="med" len="med"/>
+                    </a:lnB>
+                  </a:tcPr>
+                </a:tc>
+                <a:extLst>
+                  <a:ext uri="{0D108BD9-81ED-4DB2-BD59-A6C34878D82A}">
+                    <a16:rowId xmlns:a16="http://schemas.microsoft.com/office/drawing/2014/main" val="4005848232"/>
+                  </a:ext>
+                </a:extLst>
+              </a:tr>
+              <a:tr h="312043">
+                <a:tc>
+                  <a:txBody>
+                    <a:bodyPr/>
+                    <a:lstStyle/>
+                    <a:p>
+                      <a:pPr algn="l" fontAlgn="t"/>
+                      <a:r>
+                        <a:rPr lang="en-US" sz="1200" b="0" i="0" u="none" strike="noStrike" dirty="0">
+                          <a:solidFill>
+                            <a:srgbClr val="000000"/>
+                          </a:solidFill>
+                          <a:effectLst/>
+                          <a:latin typeface="メイリオ" panose="020B0604030504040204" pitchFamily="50" charset="-128"/>
+                          <a:ea typeface="メイリオ" panose="020B0604030504040204" pitchFamily="50" charset="-128"/>
+                        </a:rPr>
+                        <a:t>1:operation1</a:t>
+                      </a:r>
+                    </a:p>
+                  </a:txBody>
+                  <a:tcPr anchor="ctr">
+                    <a:lnL w="12700" cap="flat" cmpd="sng" algn="ctr">
+                      <a:solidFill>
+                        <a:schemeClr val="bg1">
+                          <a:lumMod val="50000"/>
+                        </a:schemeClr>
+                      </a:solidFill>
+                      <a:prstDash val="solid"/>
+                      <a:round/>
+                      <a:headEnd type="none" w="med" len="med"/>
+                      <a:tailEnd type="none" w="med" len="med"/>
+                    </a:lnL>
+                    <a:lnR w="6350" cap="flat" cmpd="sng" algn="ctr">
+                      <a:solidFill>
+                        <a:srgbClr val="7F7F7F"/>
+                      </a:solidFill>
+                      <a:prstDash val="solid"/>
+                      <a:round/>
+                      <a:headEnd type="none" w="med" len="med"/>
+                      <a:tailEnd type="none" w="med" len="med"/>
+                    </a:lnR>
+                    <a:lnT w="6350" cap="flat" cmpd="sng" algn="ctr">
+                      <a:solidFill>
+                        <a:srgbClr val="7F7F7F"/>
+                      </a:solidFill>
+                      <a:prstDash val="solid"/>
+                      <a:round/>
+                      <a:headEnd type="none" w="med" len="med"/>
+                      <a:tailEnd type="none" w="med" len="med"/>
+                    </a:lnT>
+                    <a:lnB w="6350" cap="flat" cmpd="sng" algn="ctr">
+                      <a:solidFill>
+                        <a:srgbClr val="7F7F7F"/>
+                      </a:solidFill>
+                      <a:prstDash val="solid"/>
+                      <a:round/>
+                      <a:headEnd type="none" w="med" len="med"/>
+                      <a:tailEnd type="none" w="med" len="med"/>
+                    </a:lnB>
+                  </a:tcPr>
+                </a:tc>
+                <a:tc>
+                  <a:txBody>
+                    <a:bodyPr/>
+                    <a:lstStyle/>
+                    <a:p>
+                      <a:pPr algn="l" fontAlgn="t"/>
+                      <a:r>
+                        <a:rPr lang="en-US" sz="1200" b="0" i="0" u="none" strike="noStrike" dirty="0">
+                          <a:solidFill>
+                            <a:srgbClr val="000000"/>
+                          </a:solidFill>
+                          <a:effectLst/>
+                          <a:latin typeface="メイリオ" panose="020B0604030504040204" pitchFamily="50" charset="-128"/>
+                          <a:ea typeface="メイリオ" panose="020B0604030504040204" pitchFamily="50" charset="-128"/>
+                        </a:rPr>
+                        <a:t>1:Testserver</a:t>
+                      </a:r>
+                    </a:p>
+                  </a:txBody>
+                  <a:tcPr anchor="ctr">
+                    <a:lnL w="6350" cap="flat" cmpd="sng" algn="ctr">
+                      <a:solidFill>
+                        <a:srgbClr val="7F7F7F"/>
+                      </a:solidFill>
+                      <a:prstDash val="solid"/>
+                      <a:round/>
+                      <a:headEnd type="none" w="med" len="med"/>
+                      <a:tailEnd type="none" w="med" len="med"/>
+                    </a:lnL>
+                    <a:lnR w="6350" cap="flat" cmpd="sng" algn="ctr">
+                      <a:solidFill>
+                        <a:srgbClr val="7F7F7F"/>
+                      </a:solidFill>
+                      <a:prstDash val="solid"/>
+                      <a:round/>
+                      <a:headEnd type="none" w="med" len="med"/>
+                      <a:tailEnd type="none" w="med" len="med"/>
+                    </a:lnR>
+                    <a:lnT w="6350" cap="flat" cmpd="sng" algn="ctr">
+                      <a:solidFill>
+                        <a:srgbClr val="7F7F7F"/>
+                      </a:solidFill>
+                      <a:prstDash val="solid"/>
+                      <a:round/>
+                      <a:headEnd type="none" w="med" len="med"/>
+                      <a:tailEnd type="none" w="med" len="med"/>
+                    </a:lnT>
+                    <a:lnB w="6350" cap="flat" cmpd="sng" algn="ctr">
+                      <a:solidFill>
+                        <a:srgbClr val="7F7F7F"/>
+                      </a:solidFill>
+                      <a:prstDash val="solid"/>
+                      <a:round/>
+                      <a:headEnd type="none" w="med" len="med"/>
+                      <a:tailEnd type="none" w="med" len="med"/>
+                    </a:lnB>
+                  </a:tcPr>
+                </a:tc>
+                <a:tc>
+                  <a:txBody>
+                    <a:bodyPr/>
+                    <a:lstStyle/>
+                    <a:p>
+                      <a:pPr algn="l" fontAlgn="t"/>
+                      <a:r>
+                        <a:rPr lang="en-US" sz="1200" b="0" i="0" u="none" strike="noStrike" dirty="0" smtClean="0">
+                          <a:solidFill>
+                            <a:srgbClr val="000000"/>
+                          </a:solidFill>
+                          <a:effectLst/>
+                          <a:latin typeface="メイリオ" panose="020B0604030504040204" pitchFamily="50" charset="-128"/>
+                          <a:ea typeface="メイリオ" panose="020B0604030504040204" pitchFamily="50" charset="-128"/>
+                        </a:rPr>
+                        <a:t>2:create_directory:5:VAR_dir_name_2</a:t>
+                      </a:r>
+                      <a:endParaRPr lang="en-US" sz="1200" b="0" i="0" u="none" strike="noStrike" dirty="0">
+                        <a:solidFill>
+                          <a:srgbClr val="000000"/>
+                        </a:solidFill>
+                        <a:effectLst/>
+                        <a:latin typeface="メイリオ" panose="020B0604030504040204" pitchFamily="50" charset="-128"/>
+                        <a:ea typeface="メイリオ" panose="020B0604030504040204" pitchFamily="50" charset="-128"/>
+                      </a:endParaRPr>
+                    </a:p>
+                  </a:txBody>
+                  <a:tcPr anchor="ctr">
+                    <a:lnL w="6350" cap="flat" cmpd="sng" algn="ctr">
+                      <a:solidFill>
+                        <a:srgbClr val="7F7F7F"/>
+                      </a:solidFill>
+                      <a:prstDash val="solid"/>
+                      <a:round/>
+                      <a:headEnd type="none" w="med" len="med"/>
+                      <a:tailEnd type="none" w="med" len="med"/>
+                    </a:lnL>
+                    <a:lnR w="6350" cap="flat" cmpd="sng" algn="ctr">
+                      <a:solidFill>
+                        <a:srgbClr val="7F7F7F"/>
+                      </a:solidFill>
+                      <a:prstDash val="solid"/>
+                      <a:round/>
+                      <a:headEnd type="none" w="med" len="med"/>
+                      <a:tailEnd type="none" w="med" len="med"/>
+                    </a:lnR>
+                    <a:lnT w="6350" cap="flat" cmpd="sng" algn="ctr">
+                      <a:solidFill>
+                        <a:srgbClr val="7F7F7F"/>
+                      </a:solidFill>
+                      <a:prstDash val="solid"/>
+                      <a:round/>
+                      <a:headEnd type="none" w="med" len="med"/>
+                      <a:tailEnd type="none" w="med" len="med"/>
+                    </a:lnT>
+                    <a:lnB w="6350" cap="flat" cmpd="sng" algn="ctr">
+                      <a:solidFill>
+                        <a:srgbClr val="7F7F7F"/>
+                      </a:solidFill>
+                      <a:prstDash val="solid"/>
+                      <a:round/>
+                      <a:headEnd type="none" w="med" len="med"/>
+                      <a:tailEnd type="none" w="med" len="med"/>
+                    </a:lnB>
+                  </a:tcPr>
+                </a:tc>
+                <a:tc>
+                  <a:txBody>
+                    <a:bodyPr/>
+                    <a:lstStyle/>
+                    <a:p>
+                      <a:pPr algn="l" fontAlgn="t"/>
+                      <a:r>
+                        <a:rPr lang="en-US" sz="1200" b="0" i="0" u="none" strike="noStrike" dirty="0" smtClean="0">
+                          <a:solidFill>
+                            <a:srgbClr val="000000"/>
+                          </a:solidFill>
+                          <a:effectLst/>
+                          <a:latin typeface="メイリオ" panose="020B0604030504040204" pitchFamily="50" charset="-128"/>
+                          <a:ea typeface="メイリオ" panose="020B0604030504040204" pitchFamily="50" charset="-128"/>
+                        </a:rPr>
+                        <a:t>dir2</a:t>
+                      </a:r>
+                      <a:endParaRPr lang="en-US" sz="1200" b="0" i="0" u="none" strike="noStrike" dirty="0">
+                        <a:solidFill>
+                          <a:srgbClr val="000000"/>
+                        </a:solidFill>
+                        <a:effectLst/>
+                        <a:latin typeface="メイリオ" panose="020B0604030504040204" pitchFamily="50" charset="-128"/>
+                        <a:ea typeface="メイリオ" panose="020B0604030504040204" pitchFamily="50" charset="-128"/>
+                      </a:endParaRPr>
+                    </a:p>
+                  </a:txBody>
+                  <a:tcPr anchor="ctr">
+                    <a:lnL w="6350" cap="flat" cmpd="sng" algn="ctr">
+                      <a:solidFill>
+                        <a:srgbClr val="7F7F7F"/>
+                      </a:solidFill>
+                      <a:prstDash val="solid"/>
+                      <a:round/>
+                      <a:headEnd type="none" w="med" len="med"/>
+                      <a:tailEnd type="none" w="med" len="med"/>
+                    </a:lnL>
+                    <a:lnR w="6350" cap="flat" cmpd="sng" algn="ctr">
+                      <a:solidFill>
+                        <a:srgbClr val="7F7F7F"/>
+                      </a:solidFill>
+                      <a:prstDash val="solid"/>
+                      <a:round/>
+                      <a:headEnd type="none" w="med" len="med"/>
+                      <a:tailEnd type="none" w="med" len="med"/>
+                    </a:lnR>
+                    <a:lnT w="6350" cap="flat" cmpd="sng" algn="ctr">
+                      <a:solidFill>
+                        <a:srgbClr val="7F7F7F"/>
+                      </a:solidFill>
+                      <a:prstDash val="solid"/>
+                      <a:round/>
+                      <a:headEnd type="none" w="med" len="med"/>
+                      <a:tailEnd type="none" w="med" len="med"/>
+                    </a:lnT>
+                    <a:lnB w="6350" cap="flat" cmpd="sng" algn="ctr">
+                      <a:solidFill>
+                        <a:srgbClr val="7F7F7F"/>
+                      </a:solidFill>
+                      <a:prstDash val="solid"/>
+                      <a:round/>
+                      <a:headEnd type="none" w="med" len="med"/>
+                      <a:tailEnd type="none" w="med" len="med"/>
+                    </a:lnB>
+                  </a:tcPr>
+                </a:tc>
+                <a:tc>
+                  <a:txBody>
+                    <a:bodyPr/>
+                    <a:lstStyle/>
+                    <a:p>
+                      <a:pPr algn="l" fontAlgn="t"/>
+                      <a:endParaRPr lang="en-US" altLang="ja-JP" sz="1200" b="0" i="0" u="none" strike="noStrike" dirty="0">
+                        <a:solidFill>
+                          <a:srgbClr val="000000"/>
+                        </a:solidFill>
+                        <a:effectLst/>
+                        <a:latin typeface="メイリオ" panose="020B0604030504040204" pitchFamily="50" charset="-128"/>
+                        <a:ea typeface="メイリオ" panose="020B0604030504040204" pitchFamily="50" charset="-128"/>
+                      </a:endParaRPr>
+                    </a:p>
+                  </a:txBody>
+                  <a:tcPr anchor="ctr">
+                    <a:lnL w="6350" cap="flat" cmpd="sng" algn="ctr">
+                      <a:solidFill>
+                        <a:srgbClr val="7F7F7F"/>
+                      </a:solidFill>
+                      <a:prstDash val="solid"/>
+                      <a:round/>
+                      <a:headEnd type="none" w="med" len="med"/>
+                      <a:tailEnd type="none" w="med" len="med"/>
+                    </a:lnL>
+                    <a:lnR w="12700" cap="flat" cmpd="sng" algn="ctr">
+                      <a:solidFill>
+                        <a:schemeClr val="bg1">
+                          <a:lumMod val="50000"/>
+                        </a:schemeClr>
+                      </a:solidFill>
+                      <a:prstDash val="solid"/>
+                      <a:round/>
+                      <a:headEnd type="none" w="med" len="med"/>
+                      <a:tailEnd type="none" w="med" len="med"/>
+                    </a:lnR>
+                    <a:lnT w="6350" cap="flat" cmpd="sng" algn="ctr">
+                      <a:solidFill>
+                        <a:srgbClr val="7F7F7F"/>
+                      </a:solidFill>
+                      <a:prstDash val="solid"/>
+                      <a:round/>
+                      <a:headEnd type="none" w="med" len="med"/>
+                      <a:tailEnd type="none" w="med" len="med"/>
+                    </a:lnT>
+                    <a:lnB w="6350" cap="flat" cmpd="sng" algn="ctr">
+                      <a:solidFill>
+                        <a:srgbClr val="7F7F7F"/>
+                      </a:solidFill>
+                      <a:prstDash val="solid"/>
+                      <a:round/>
+                      <a:headEnd type="none" w="med" len="med"/>
+                      <a:tailEnd type="none" w="med" len="med"/>
+                    </a:lnB>
+                  </a:tcPr>
+                </a:tc>
+                <a:extLst>
+                  <a:ext uri="{0D108BD9-81ED-4DB2-BD59-A6C34878D82A}">
+                    <a16:rowId xmlns:a16="http://schemas.microsoft.com/office/drawing/2014/main" val="2531621977"/>
+                  </a:ext>
+                </a:extLst>
+              </a:tr>
+              <a:tr h="312043">
+                <a:tc>
+                  <a:txBody>
+                    <a:bodyPr/>
+                    <a:lstStyle/>
+                    <a:p>
+                      <a:pPr algn="l" fontAlgn="t"/>
+                      <a:r>
+                        <a:rPr lang="en-US" sz="1200" b="0" i="0" u="none" strike="noStrike">
+                          <a:solidFill>
+                            <a:srgbClr val="000000"/>
+                          </a:solidFill>
+                          <a:effectLst/>
+                          <a:latin typeface="メイリオ" panose="020B0604030504040204" pitchFamily="50" charset="-128"/>
+                          <a:ea typeface="メイリオ" panose="020B0604030504040204" pitchFamily="50" charset="-128"/>
+                        </a:rPr>
+                        <a:t>1:operation1</a:t>
+                      </a:r>
+                    </a:p>
+                  </a:txBody>
+                  <a:tcPr anchor="ctr">
+                    <a:lnL w="12700" cap="flat" cmpd="sng" algn="ctr">
+                      <a:solidFill>
+                        <a:schemeClr val="bg1">
+                          <a:lumMod val="50000"/>
+                        </a:schemeClr>
+                      </a:solidFill>
+                      <a:prstDash val="solid"/>
+                      <a:round/>
+                      <a:headEnd type="none" w="med" len="med"/>
+                      <a:tailEnd type="none" w="med" len="med"/>
+                    </a:lnL>
+                    <a:lnR w="6350" cap="flat" cmpd="sng" algn="ctr">
+                      <a:solidFill>
+                        <a:srgbClr val="7F7F7F"/>
+                      </a:solidFill>
+                      <a:prstDash val="solid"/>
+                      <a:round/>
+                      <a:headEnd type="none" w="med" len="med"/>
+                      <a:tailEnd type="none" w="med" len="med"/>
+                    </a:lnR>
+                    <a:lnT w="6350" cap="flat" cmpd="sng" algn="ctr">
+                      <a:solidFill>
+                        <a:srgbClr val="7F7F7F"/>
+                      </a:solidFill>
+                      <a:prstDash val="solid"/>
+                      <a:round/>
+                      <a:headEnd type="none" w="med" len="med"/>
+                      <a:tailEnd type="none" w="med" len="med"/>
+                    </a:lnT>
+                    <a:lnB w="6350" cap="flat" cmpd="sng" algn="ctr">
+                      <a:solidFill>
+                        <a:srgbClr val="7F7F7F"/>
+                      </a:solidFill>
+                      <a:prstDash val="solid"/>
+                      <a:round/>
+                      <a:headEnd type="none" w="med" len="med"/>
+                      <a:tailEnd type="none" w="med" len="med"/>
+                    </a:lnB>
+                  </a:tcPr>
+                </a:tc>
+                <a:tc>
+                  <a:txBody>
+                    <a:bodyPr/>
+                    <a:lstStyle/>
+                    <a:p>
+                      <a:pPr algn="l" fontAlgn="t"/>
+                      <a:r>
+                        <a:rPr lang="en-US" sz="1200" b="0" i="0" u="none" strike="noStrike" dirty="0">
+                          <a:solidFill>
+                            <a:srgbClr val="000000"/>
+                          </a:solidFill>
+                          <a:effectLst/>
+                          <a:latin typeface="メイリオ" panose="020B0604030504040204" pitchFamily="50" charset="-128"/>
+                          <a:ea typeface="メイリオ" panose="020B0604030504040204" pitchFamily="50" charset="-128"/>
+                        </a:rPr>
+                        <a:t>1:Testserver</a:t>
+                      </a:r>
+                    </a:p>
+                  </a:txBody>
+                  <a:tcPr anchor="ctr">
+                    <a:lnL w="6350" cap="flat" cmpd="sng" algn="ctr">
+                      <a:solidFill>
+                        <a:srgbClr val="7F7F7F"/>
+                      </a:solidFill>
+                      <a:prstDash val="solid"/>
+                      <a:round/>
+                      <a:headEnd type="none" w="med" len="med"/>
+                      <a:tailEnd type="none" w="med" len="med"/>
+                    </a:lnL>
+                    <a:lnR w="6350" cap="flat" cmpd="sng" algn="ctr">
+                      <a:solidFill>
+                        <a:srgbClr val="7F7F7F"/>
+                      </a:solidFill>
+                      <a:prstDash val="solid"/>
+                      <a:round/>
+                      <a:headEnd type="none" w="med" len="med"/>
+                      <a:tailEnd type="none" w="med" len="med"/>
+                    </a:lnR>
+                    <a:lnT w="6350" cap="flat" cmpd="sng" algn="ctr">
+                      <a:solidFill>
+                        <a:srgbClr val="7F7F7F"/>
+                      </a:solidFill>
+                      <a:prstDash val="solid"/>
+                      <a:round/>
+                      <a:headEnd type="none" w="med" len="med"/>
+                      <a:tailEnd type="none" w="med" len="med"/>
+                    </a:lnT>
+                    <a:lnB w="6350" cap="flat" cmpd="sng" algn="ctr">
+                      <a:solidFill>
+                        <a:srgbClr val="7F7F7F"/>
+                      </a:solidFill>
+                      <a:prstDash val="solid"/>
+                      <a:round/>
+                      <a:headEnd type="none" w="med" len="med"/>
+                      <a:tailEnd type="none" w="med" len="med"/>
+                    </a:lnB>
+                  </a:tcPr>
+                </a:tc>
+                <a:tc>
+                  <a:txBody>
+                    <a:bodyPr/>
+                    <a:lstStyle/>
+                    <a:p>
+                      <a:pPr algn="l" fontAlgn="t"/>
+                      <a:r>
+                        <a:rPr lang="en-US" sz="1200" b="0" i="0" u="none" strike="noStrike" dirty="0" smtClean="0">
+                          <a:solidFill>
+                            <a:srgbClr val="000000"/>
+                          </a:solidFill>
+                          <a:effectLst/>
+                          <a:latin typeface="メイリオ" panose="020B0604030504040204" pitchFamily="50" charset="-128"/>
+                          <a:ea typeface="メイリオ" panose="020B0604030504040204" pitchFamily="50" charset="-128"/>
+                        </a:rPr>
+                        <a:t>3:create_file:6:VAR_dir_name_1</a:t>
+                      </a:r>
+                      <a:endParaRPr lang="en-US" sz="1200" b="0" i="0" u="none" strike="noStrike" dirty="0">
+                        <a:solidFill>
+                          <a:srgbClr val="000000"/>
+                        </a:solidFill>
+                        <a:effectLst/>
+                        <a:latin typeface="メイリオ" panose="020B0604030504040204" pitchFamily="50" charset="-128"/>
+                        <a:ea typeface="メイリオ" panose="020B0604030504040204" pitchFamily="50" charset="-128"/>
+                      </a:endParaRPr>
+                    </a:p>
+                  </a:txBody>
+                  <a:tcPr anchor="ctr">
+                    <a:lnL w="6350" cap="flat" cmpd="sng" algn="ctr">
+                      <a:solidFill>
+                        <a:srgbClr val="7F7F7F"/>
+                      </a:solidFill>
+                      <a:prstDash val="solid"/>
+                      <a:round/>
+                      <a:headEnd type="none" w="med" len="med"/>
+                      <a:tailEnd type="none" w="med" len="med"/>
+                    </a:lnL>
+                    <a:lnR w="6350" cap="flat" cmpd="sng" algn="ctr">
+                      <a:solidFill>
+                        <a:srgbClr val="7F7F7F"/>
+                      </a:solidFill>
+                      <a:prstDash val="solid"/>
+                      <a:round/>
+                      <a:headEnd type="none" w="med" len="med"/>
+                      <a:tailEnd type="none" w="med" len="med"/>
+                    </a:lnR>
+                    <a:lnT w="6350" cap="flat" cmpd="sng" algn="ctr">
+                      <a:solidFill>
+                        <a:srgbClr val="7F7F7F"/>
+                      </a:solidFill>
+                      <a:prstDash val="solid"/>
+                      <a:round/>
+                      <a:headEnd type="none" w="med" len="med"/>
+                      <a:tailEnd type="none" w="med" len="med"/>
+                    </a:lnT>
+                    <a:lnB w="6350" cap="flat" cmpd="sng" algn="ctr">
+                      <a:solidFill>
+                        <a:srgbClr val="7F7F7F"/>
+                      </a:solidFill>
+                      <a:prstDash val="solid"/>
+                      <a:round/>
+                      <a:headEnd type="none" w="med" len="med"/>
+                      <a:tailEnd type="none" w="med" len="med"/>
+                    </a:lnB>
+                  </a:tcPr>
+                </a:tc>
+                <a:tc>
+                  <a:txBody>
+                    <a:bodyPr/>
+                    <a:lstStyle/>
+                    <a:p>
+                      <a:pPr algn="l" fontAlgn="t"/>
+                      <a:r>
+                        <a:rPr lang="en-US" sz="1200" b="0" i="0" u="none" strike="noStrike" dirty="0">
+                          <a:solidFill>
+                            <a:srgbClr val="000000"/>
+                          </a:solidFill>
+                          <a:effectLst/>
+                          <a:latin typeface="メイリオ" panose="020B0604030504040204" pitchFamily="50" charset="-128"/>
+                          <a:ea typeface="メイリオ" panose="020B0604030504040204" pitchFamily="50" charset="-128"/>
+                        </a:rPr>
+                        <a:t>dir1</a:t>
+                      </a:r>
+                    </a:p>
+                  </a:txBody>
+                  <a:tcPr anchor="ctr">
+                    <a:lnL w="6350" cap="flat" cmpd="sng" algn="ctr">
+                      <a:solidFill>
+                        <a:srgbClr val="7F7F7F"/>
+                      </a:solidFill>
+                      <a:prstDash val="solid"/>
+                      <a:round/>
+                      <a:headEnd type="none" w="med" len="med"/>
+                      <a:tailEnd type="none" w="med" len="med"/>
+                    </a:lnL>
+                    <a:lnR w="6350" cap="flat" cmpd="sng" algn="ctr">
+                      <a:solidFill>
+                        <a:srgbClr val="7F7F7F"/>
+                      </a:solidFill>
+                      <a:prstDash val="solid"/>
+                      <a:round/>
+                      <a:headEnd type="none" w="med" len="med"/>
+                      <a:tailEnd type="none" w="med" len="med"/>
+                    </a:lnR>
+                    <a:lnT w="6350" cap="flat" cmpd="sng" algn="ctr">
+                      <a:solidFill>
+                        <a:srgbClr val="7F7F7F"/>
+                      </a:solidFill>
+                      <a:prstDash val="solid"/>
+                      <a:round/>
+                      <a:headEnd type="none" w="med" len="med"/>
+                      <a:tailEnd type="none" w="med" len="med"/>
+                    </a:lnT>
+                    <a:lnB w="6350" cap="flat" cmpd="sng" algn="ctr">
+                      <a:solidFill>
+                        <a:srgbClr val="7F7F7F"/>
+                      </a:solidFill>
+                      <a:prstDash val="solid"/>
+                      <a:round/>
+                      <a:headEnd type="none" w="med" len="med"/>
+                      <a:tailEnd type="none" w="med" len="med"/>
+                    </a:lnB>
+                  </a:tcPr>
+                </a:tc>
+                <a:tc>
+                  <a:txBody>
+                    <a:bodyPr/>
+                    <a:lstStyle/>
+                    <a:p>
+                      <a:pPr algn="l" fontAlgn="t"/>
+                      <a:endParaRPr lang="en-US" altLang="ja-JP" sz="1200" b="0" i="0" u="none" strike="noStrike" dirty="0">
+                        <a:solidFill>
+                          <a:srgbClr val="000000"/>
+                        </a:solidFill>
+                        <a:effectLst/>
+                        <a:latin typeface="メイリオ" panose="020B0604030504040204" pitchFamily="50" charset="-128"/>
+                        <a:ea typeface="メイリオ" panose="020B0604030504040204" pitchFamily="50" charset="-128"/>
+                      </a:endParaRPr>
+                    </a:p>
+                  </a:txBody>
+                  <a:tcPr anchor="ctr">
+                    <a:lnL w="6350" cap="flat" cmpd="sng" algn="ctr">
+                      <a:solidFill>
+                        <a:srgbClr val="7F7F7F"/>
+                      </a:solidFill>
+                      <a:prstDash val="solid"/>
+                      <a:round/>
+                      <a:headEnd type="none" w="med" len="med"/>
+                      <a:tailEnd type="none" w="med" len="med"/>
+                    </a:lnL>
+                    <a:lnR w="12700" cap="flat" cmpd="sng" algn="ctr">
+                      <a:solidFill>
+                        <a:schemeClr val="bg1">
+                          <a:lumMod val="50000"/>
+                        </a:schemeClr>
+                      </a:solidFill>
+                      <a:prstDash val="solid"/>
+                      <a:round/>
+                      <a:headEnd type="none" w="med" len="med"/>
+                      <a:tailEnd type="none" w="med" len="med"/>
+                    </a:lnR>
+                    <a:lnT w="6350" cap="flat" cmpd="sng" algn="ctr">
+                      <a:solidFill>
+                        <a:srgbClr val="7F7F7F"/>
+                      </a:solidFill>
+                      <a:prstDash val="solid"/>
+                      <a:round/>
+                      <a:headEnd type="none" w="med" len="med"/>
+                      <a:tailEnd type="none" w="med" len="med"/>
+                    </a:lnT>
+                    <a:lnB w="6350" cap="flat" cmpd="sng" algn="ctr">
+                      <a:solidFill>
+                        <a:srgbClr val="7F7F7F"/>
+                      </a:solidFill>
+                      <a:prstDash val="solid"/>
+                      <a:round/>
+                      <a:headEnd type="none" w="med" len="med"/>
+                      <a:tailEnd type="none" w="med" len="med"/>
+                    </a:lnB>
+                  </a:tcPr>
+                </a:tc>
+                <a:extLst>
+                  <a:ext uri="{0D108BD9-81ED-4DB2-BD59-A6C34878D82A}">
+                    <a16:rowId xmlns:a16="http://schemas.microsoft.com/office/drawing/2014/main" val="1836835161"/>
+                  </a:ext>
+                </a:extLst>
+              </a:tr>
+              <a:tr h="312043">
+                <a:tc>
+                  <a:txBody>
+                    <a:bodyPr/>
+                    <a:lstStyle/>
+                    <a:p>
+                      <a:pPr algn="l" fontAlgn="t"/>
+                      <a:r>
+                        <a:rPr lang="en-US" sz="1200" b="0" i="0" u="none" strike="noStrike">
+                          <a:solidFill>
+                            <a:srgbClr val="000000"/>
+                          </a:solidFill>
+                          <a:effectLst/>
+                          <a:latin typeface="メイリオ" panose="020B0604030504040204" pitchFamily="50" charset="-128"/>
+                          <a:ea typeface="メイリオ" panose="020B0604030504040204" pitchFamily="50" charset="-128"/>
+                        </a:rPr>
+                        <a:t>1:operation1</a:t>
+                      </a:r>
+                    </a:p>
+                  </a:txBody>
+                  <a:tcPr anchor="ctr">
+                    <a:lnL w="12700" cap="flat" cmpd="sng" algn="ctr">
+                      <a:solidFill>
+                        <a:schemeClr val="bg1">
+                          <a:lumMod val="50000"/>
+                        </a:schemeClr>
+                      </a:solidFill>
+                      <a:prstDash val="solid"/>
+                      <a:round/>
+                      <a:headEnd type="none" w="med" len="med"/>
+                      <a:tailEnd type="none" w="med" len="med"/>
+                    </a:lnL>
+                    <a:lnR w="6350" cap="flat" cmpd="sng" algn="ctr">
+                      <a:solidFill>
+                        <a:srgbClr val="7F7F7F"/>
+                      </a:solidFill>
+                      <a:prstDash val="solid"/>
+                      <a:round/>
+                      <a:headEnd type="none" w="med" len="med"/>
+                      <a:tailEnd type="none" w="med" len="med"/>
+                    </a:lnR>
+                    <a:lnT w="6350" cap="flat" cmpd="sng" algn="ctr">
+                      <a:solidFill>
+                        <a:srgbClr val="7F7F7F"/>
+                      </a:solidFill>
+                      <a:prstDash val="solid"/>
+                      <a:round/>
+                      <a:headEnd type="none" w="med" len="med"/>
+                      <a:tailEnd type="none" w="med" len="med"/>
+                    </a:lnT>
+                    <a:lnB w="6350" cap="flat" cmpd="sng" algn="ctr">
+                      <a:solidFill>
+                        <a:srgbClr val="7F7F7F"/>
+                      </a:solidFill>
+                      <a:prstDash val="solid"/>
+                      <a:round/>
+                      <a:headEnd type="none" w="med" len="med"/>
+                      <a:tailEnd type="none" w="med" len="med"/>
+                    </a:lnB>
+                  </a:tcPr>
+                </a:tc>
+                <a:tc>
+                  <a:txBody>
+                    <a:bodyPr/>
+                    <a:lstStyle/>
+                    <a:p>
+                      <a:pPr algn="l" fontAlgn="t"/>
+                      <a:r>
+                        <a:rPr lang="en-US" sz="1200" b="0" i="0" u="none" strike="noStrike" dirty="0">
+                          <a:solidFill>
+                            <a:srgbClr val="000000"/>
+                          </a:solidFill>
+                          <a:effectLst/>
+                          <a:latin typeface="メイリオ" panose="020B0604030504040204" pitchFamily="50" charset="-128"/>
+                          <a:ea typeface="メイリオ" panose="020B0604030504040204" pitchFamily="50" charset="-128"/>
+                        </a:rPr>
+                        <a:t>1:Testserver</a:t>
+                      </a:r>
+                    </a:p>
+                  </a:txBody>
+                  <a:tcPr anchor="ctr">
+                    <a:lnL w="6350" cap="flat" cmpd="sng" algn="ctr">
+                      <a:solidFill>
+                        <a:srgbClr val="7F7F7F"/>
+                      </a:solidFill>
+                      <a:prstDash val="solid"/>
+                      <a:round/>
+                      <a:headEnd type="none" w="med" len="med"/>
+                      <a:tailEnd type="none" w="med" len="med"/>
+                    </a:lnL>
+                    <a:lnR w="6350" cap="flat" cmpd="sng" algn="ctr">
+                      <a:solidFill>
+                        <a:srgbClr val="7F7F7F"/>
+                      </a:solidFill>
+                      <a:prstDash val="solid"/>
+                      <a:round/>
+                      <a:headEnd type="none" w="med" len="med"/>
+                      <a:tailEnd type="none" w="med" len="med"/>
+                    </a:lnR>
+                    <a:lnT w="6350" cap="flat" cmpd="sng" algn="ctr">
+                      <a:solidFill>
+                        <a:srgbClr val="7F7F7F"/>
+                      </a:solidFill>
+                      <a:prstDash val="solid"/>
+                      <a:round/>
+                      <a:headEnd type="none" w="med" len="med"/>
+                      <a:tailEnd type="none" w="med" len="med"/>
+                    </a:lnT>
+                    <a:lnB w="6350" cap="flat" cmpd="sng" algn="ctr">
+                      <a:solidFill>
+                        <a:srgbClr val="7F7F7F"/>
+                      </a:solidFill>
+                      <a:prstDash val="solid"/>
+                      <a:round/>
+                      <a:headEnd type="none" w="med" len="med"/>
+                      <a:tailEnd type="none" w="med" len="med"/>
+                    </a:lnB>
+                  </a:tcPr>
+                </a:tc>
+                <a:tc>
+                  <a:txBody>
+                    <a:bodyPr/>
+                    <a:lstStyle/>
+                    <a:p>
+                      <a:pPr algn="l" fontAlgn="t"/>
+                      <a:r>
+                        <a:rPr lang="en-US" sz="1200" b="0" i="0" u="none" strike="noStrike" dirty="0" smtClean="0">
+                          <a:solidFill>
+                            <a:srgbClr val="000000"/>
+                          </a:solidFill>
+                          <a:effectLst/>
+                          <a:latin typeface="メイリオ" panose="020B0604030504040204" pitchFamily="50" charset="-128"/>
+                          <a:ea typeface="メイリオ" panose="020B0604030504040204" pitchFamily="50" charset="-128"/>
+                        </a:rPr>
+                        <a:t>3:create_file:7:VAR_file_name</a:t>
+                      </a:r>
+                      <a:endParaRPr lang="en-US" sz="1200" b="0" i="0" u="none" strike="noStrike" dirty="0">
+                        <a:solidFill>
+                          <a:srgbClr val="000000"/>
+                        </a:solidFill>
+                        <a:effectLst/>
+                        <a:latin typeface="メイリオ" panose="020B0604030504040204" pitchFamily="50" charset="-128"/>
+                        <a:ea typeface="メイリオ" panose="020B0604030504040204" pitchFamily="50" charset="-128"/>
+                      </a:endParaRPr>
+                    </a:p>
+                  </a:txBody>
+                  <a:tcPr anchor="ctr">
+                    <a:lnL w="6350" cap="flat" cmpd="sng" algn="ctr">
+                      <a:solidFill>
+                        <a:srgbClr val="7F7F7F"/>
+                      </a:solidFill>
+                      <a:prstDash val="solid"/>
+                      <a:round/>
+                      <a:headEnd type="none" w="med" len="med"/>
+                      <a:tailEnd type="none" w="med" len="med"/>
+                    </a:lnL>
+                    <a:lnR w="6350" cap="flat" cmpd="sng" algn="ctr">
+                      <a:solidFill>
+                        <a:srgbClr val="7F7F7F"/>
+                      </a:solidFill>
+                      <a:prstDash val="solid"/>
+                      <a:round/>
+                      <a:headEnd type="none" w="med" len="med"/>
+                      <a:tailEnd type="none" w="med" len="med"/>
+                    </a:lnR>
+                    <a:lnT w="6350" cap="flat" cmpd="sng" algn="ctr">
+                      <a:solidFill>
+                        <a:srgbClr val="7F7F7F"/>
+                      </a:solidFill>
+                      <a:prstDash val="solid"/>
+                      <a:round/>
+                      <a:headEnd type="none" w="med" len="med"/>
+                      <a:tailEnd type="none" w="med" len="med"/>
+                    </a:lnT>
+                    <a:lnB w="6350" cap="flat" cmpd="sng" algn="ctr">
+                      <a:solidFill>
+                        <a:srgbClr val="7F7F7F"/>
+                      </a:solidFill>
+                      <a:prstDash val="solid"/>
+                      <a:round/>
+                      <a:headEnd type="none" w="med" len="med"/>
+                      <a:tailEnd type="none" w="med" len="med"/>
+                    </a:lnB>
+                  </a:tcPr>
+                </a:tc>
+                <a:tc>
+                  <a:txBody>
+                    <a:bodyPr/>
+                    <a:lstStyle/>
+                    <a:p>
+                      <a:pPr algn="l" fontAlgn="t"/>
+                      <a:r>
+                        <a:rPr lang="en-US" sz="1200" b="0" i="0" u="none" strike="noStrike" dirty="0" err="1">
+                          <a:solidFill>
+                            <a:srgbClr val="000000"/>
+                          </a:solidFill>
+                          <a:effectLst/>
+                          <a:latin typeface="メイリオ" panose="020B0604030504040204" pitchFamily="50" charset="-128"/>
+                          <a:ea typeface="メイリオ" panose="020B0604030504040204" pitchFamily="50" charset="-128"/>
+                        </a:rPr>
+                        <a:t>testfile</a:t>
+                      </a:r>
+                      <a:endParaRPr lang="en-US" sz="1200" b="0" i="0" u="none" strike="noStrike" dirty="0">
+                        <a:solidFill>
+                          <a:srgbClr val="000000"/>
+                        </a:solidFill>
+                        <a:effectLst/>
+                        <a:latin typeface="メイリオ" panose="020B0604030504040204" pitchFamily="50" charset="-128"/>
+                        <a:ea typeface="メイリオ" panose="020B0604030504040204" pitchFamily="50" charset="-128"/>
+                      </a:endParaRPr>
+                    </a:p>
+                  </a:txBody>
+                  <a:tcPr anchor="ctr">
+                    <a:lnL w="6350" cap="flat" cmpd="sng" algn="ctr">
+                      <a:solidFill>
+                        <a:srgbClr val="7F7F7F"/>
+                      </a:solidFill>
+                      <a:prstDash val="solid"/>
+                      <a:round/>
+                      <a:headEnd type="none" w="med" len="med"/>
+                      <a:tailEnd type="none" w="med" len="med"/>
+                    </a:lnL>
+                    <a:lnR w="6350" cap="flat" cmpd="sng" algn="ctr">
+                      <a:solidFill>
+                        <a:srgbClr val="7F7F7F"/>
+                      </a:solidFill>
+                      <a:prstDash val="solid"/>
+                      <a:round/>
+                      <a:headEnd type="none" w="med" len="med"/>
+                      <a:tailEnd type="none" w="med" len="med"/>
+                    </a:lnR>
+                    <a:lnT w="6350" cap="flat" cmpd="sng" algn="ctr">
+                      <a:solidFill>
+                        <a:srgbClr val="7F7F7F"/>
+                      </a:solidFill>
+                      <a:prstDash val="solid"/>
+                      <a:round/>
+                      <a:headEnd type="none" w="med" len="med"/>
+                      <a:tailEnd type="none" w="med" len="med"/>
+                    </a:lnT>
+                    <a:lnB w="6350" cap="flat" cmpd="sng" algn="ctr">
+                      <a:solidFill>
+                        <a:srgbClr val="7F7F7F"/>
+                      </a:solidFill>
+                      <a:prstDash val="solid"/>
+                      <a:round/>
+                      <a:headEnd type="none" w="med" len="med"/>
+                      <a:tailEnd type="none" w="med" len="med"/>
+                    </a:lnB>
+                  </a:tcPr>
+                </a:tc>
+                <a:tc>
+                  <a:txBody>
+                    <a:bodyPr/>
+                    <a:lstStyle/>
+                    <a:p>
+                      <a:pPr algn="l" fontAlgn="t"/>
+                      <a:endParaRPr lang="en-US" altLang="ja-JP" sz="1200" b="0" i="0" u="none" strike="noStrike" dirty="0">
+                        <a:solidFill>
+                          <a:srgbClr val="000000"/>
+                        </a:solidFill>
+                        <a:effectLst/>
+                        <a:latin typeface="メイリオ" panose="020B0604030504040204" pitchFamily="50" charset="-128"/>
+                        <a:ea typeface="メイリオ" panose="020B0604030504040204" pitchFamily="50" charset="-128"/>
+                      </a:endParaRPr>
+                    </a:p>
+                  </a:txBody>
+                  <a:tcPr anchor="ctr">
+                    <a:lnL w="6350" cap="flat" cmpd="sng" algn="ctr">
+                      <a:solidFill>
+                        <a:srgbClr val="7F7F7F"/>
+                      </a:solidFill>
+                      <a:prstDash val="solid"/>
+                      <a:round/>
+                      <a:headEnd type="none" w="med" len="med"/>
+                      <a:tailEnd type="none" w="med" len="med"/>
+                    </a:lnL>
+                    <a:lnR w="12700" cap="flat" cmpd="sng" algn="ctr">
+                      <a:solidFill>
+                        <a:schemeClr val="bg1">
+                          <a:lumMod val="50000"/>
+                        </a:schemeClr>
+                      </a:solidFill>
+                      <a:prstDash val="solid"/>
+                      <a:round/>
+                      <a:headEnd type="none" w="med" len="med"/>
+                      <a:tailEnd type="none" w="med" len="med"/>
+                    </a:lnR>
+                    <a:lnT w="6350" cap="flat" cmpd="sng" algn="ctr">
+                      <a:solidFill>
+                        <a:srgbClr val="7F7F7F"/>
+                      </a:solidFill>
+                      <a:prstDash val="solid"/>
+                      <a:round/>
+                      <a:headEnd type="none" w="med" len="med"/>
+                      <a:tailEnd type="none" w="med" len="med"/>
+                    </a:lnT>
+                    <a:lnB w="6350" cap="flat" cmpd="sng" algn="ctr">
+                      <a:solidFill>
+                        <a:srgbClr val="7F7F7F"/>
+                      </a:solidFill>
+                      <a:prstDash val="solid"/>
+                      <a:round/>
+                      <a:headEnd type="none" w="med" len="med"/>
+                      <a:tailEnd type="none" w="med" len="med"/>
+                    </a:lnB>
+                  </a:tcPr>
+                </a:tc>
+                <a:extLst>
+                  <a:ext uri="{0D108BD9-81ED-4DB2-BD59-A6C34878D82A}">
+                    <a16:rowId xmlns:a16="http://schemas.microsoft.com/office/drawing/2014/main" val="1515666445"/>
+                  </a:ext>
+                </a:extLst>
+              </a:tr>
+              <a:tr h="312043">
+                <a:tc>
+                  <a:txBody>
+                    <a:bodyPr/>
+                    <a:lstStyle/>
+                    <a:p>
+                      <a:pPr algn="l" fontAlgn="t"/>
+                      <a:r>
+                        <a:rPr lang="en-US" sz="1200" b="0" i="0" u="none" strike="noStrike">
+                          <a:solidFill>
+                            <a:srgbClr val="000000"/>
+                          </a:solidFill>
+                          <a:effectLst/>
+                          <a:latin typeface="メイリオ" panose="020B0604030504040204" pitchFamily="50" charset="-128"/>
+                          <a:ea typeface="メイリオ" panose="020B0604030504040204" pitchFamily="50" charset="-128"/>
+                        </a:rPr>
+                        <a:t>1:operation1</a:t>
+                      </a:r>
+                    </a:p>
+                  </a:txBody>
+                  <a:tcPr anchor="ctr">
+                    <a:lnL w="12700" cap="flat" cmpd="sng" algn="ctr">
+                      <a:solidFill>
+                        <a:schemeClr val="bg1">
+                          <a:lumMod val="50000"/>
+                        </a:schemeClr>
+                      </a:solidFill>
+                      <a:prstDash val="solid"/>
+                      <a:round/>
+                      <a:headEnd type="none" w="med" len="med"/>
+                      <a:tailEnd type="none" w="med" len="med"/>
+                    </a:lnL>
+                    <a:lnR w="6350" cap="flat" cmpd="sng" algn="ctr">
+                      <a:solidFill>
+                        <a:srgbClr val="7F7F7F"/>
+                      </a:solidFill>
+                      <a:prstDash val="solid"/>
+                      <a:round/>
+                      <a:headEnd type="none" w="med" len="med"/>
+                      <a:tailEnd type="none" w="med" len="med"/>
+                    </a:lnR>
+                    <a:lnT w="6350" cap="flat" cmpd="sng" algn="ctr">
+                      <a:solidFill>
+                        <a:srgbClr val="7F7F7F"/>
+                      </a:solidFill>
+                      <a:prstDash val="solid"/>
+                      <a:round/>
+                      <a:headEnd type="none" w="med" len="med"/>
+                      <a:tailEnd type="none" w="med" len="med"/>
+                    </a:lnT>
+                    <a:lnB w="6350" cap="flat" cmpd="sng" algn="ctr">
+                      <a:solidFill>
+                        <a:srgbClr val="7F7F7F"/>
+                      </a:solidFill>
+                      <a:prstDash val="solid"/>
+                      <a:round/>
+                      <a:headEnd type="none" w="med" len="med"/>
+                      <a:tailEnd type="none" w="med" len="med"/>
+                    </a:lnB>
+                  </a:tcPr>
+                </a:tc>
+                <a:tc>
+                  <a:txBody>
+                    <a:bodyPr/>
+                    <a:lstStyle/>
+                    <a:p>
+                      <a:pPr algn="l" fontAlgn="t"/>
+                      <a:r>
+                        <a:rPr lang="en-US" sz="1200" b="0" i="0" u="none" strike="noStrike" dirty="0">
+                          <a:solidFill>
+                            <a:srgbClr val="000000"/>
+                          </a:solidFill>
+                          <a:effectLst/>
+                          <a:latin typeface="メイリオ" panose="020B0604030504040204" pitchFamily="50" charset="-128"/>
+                          <a:ea typeface="メイリオ" panose="020B0604030504040204" pitchFamily="50" charset="-128"/>
+                        </a:rPr>
+                        <a:t>1:Testserver</a:t>
+                      </a:r>
+                    </a:p>
+                  </a:txBody>
+                  <a:tcPr anchor="ctr">
+                    <a:lnL w="6350" cap="flat" cmpd="sng" algn="ctr">
+                      <a:solidFill>
+                        <a:srgbClr val="7F7F7F"/>
+                      </a:solidFill>
+                      <a:prstDash val="solid"/>
+                      <a:round/>
+                      <a:headEnd type="none" w="med" len="med"/>
+                      <a:tailEnd type="none" w="med" len="med"/>
+                    </a:lnL>
+                    <a:lnR w="6350" cap="flat" cmpd="sng" algn="ctr">
+                      <a:solidFill>
+                        <a:srgbClr val="7F7F7F"/>
+                      </a:solidFill>
+                      <a:prstDash val="solid"/>
+                      <a:round/>
+                      <a:headEnd type="none" w="med" len="med"/>
+                      <a:tailEnd type="none" w="med" len="med"/>
+                    </a:lnR>
+                    <a:lnT w="6350" cap="flat" cmpd="sng" algn="ctr">
+                      <a:solidFill>
+                        <a:srgbClr val="7F7F7F"/>
+                      </a:solidFill>
+                      <a:prstDash val="solid"/>
+                      <a:round/>
+                      <a:headEnd type="none" w="med" len="med"/>
+                      <a:tailEnd type="none" w="med" len="med"/>
+                    </a:lnT>
+                    <a:lnB w="6350" cap="flat" cmpd="sng" algn="ctr">
+                      <a:solidFill>
+                        <a:srgbClr val="7F7F7F"/>
+                      </a:solidFill>
+                      <a:prstDash val="solid"/>
+                      <a:round/>
+                      <a:headEnd type="none" w="med" len="med"/>
+                      <a:tailEnd type="none" w="med" len="med"/>
+                    </a:lnB>
+                  </a:tcPr>
+                </a:tc>
+                <a:tc>
+                  <a:txBody>
+                    <a:bodyPr/>
+                    <a:lstStyle/>
+                    <a:p>
+                      <a:pPr algn="l" fontAlgn="t"/>
+                      <a:r>
+                        <a:rPr lang="en-US" sz="1200" b="0" i="0" u="none" strike="noStrike" dirty="0" smtClean="0">
+                          <a:solidFill>
+                            <a:srgbClr val="000000"/>
+                          </a:solidFill>
+                          <a:effectLst/>
+                          <a:latin typeface="メイリオ" panose="020B0604030504040204" pitchFamily="50" charset="-128"/>
+                          <a:ea typeface="メイリオ" panose="020B0604030504040204" pitchFamily="50" charset="-128"/>
+                        </a:rPr>
+                        <a:t>4:edit_file:8:VAR_dir_name_1</a:t>
+                      </a:r>
+                      <a:endParaRPr lang="en-US" sz="1200" b="0" i="0" u="none" strike="noStrike" dirty="0">
+                        <a:solidFill>
+                          <a:srgbClr val="000000"/>
+                        </a:solidFill>
+                        <a:effectLst/>
+                        <a:latin typeface="メイリオ" panose="020B0604030504040204" pitchFamily="50" charset="-128"/>
+                        <a:ea typeface="メイリオ" panose="020B0604030504040204" pitchFamily="50" charset="-128"/>
+                      </a:endParaRPr>
+                    </a:p>
+                  </a:txBody>
+                  <a:tcPr anchor="ctr">
+                    <a:lnL w="6350" cap="flat" cmpd="sng" algn="ctr">
+                      <a:solidFill>
+                        <a:srgbClr val="7F7F7F"/>
+                      </a:solidFill>
+                      <a:prstDash val="solid"/>
+                      <a:round/>
+                      <a:headEnd type="none" w="med" len="med"/>
+                      <a:tailEnd type="none" w="med" len="med"/>
+                    </a:lnL>
+                    <a:lnR w="6350" cap="flat" cmpd="sng" algn="ctr">
+                      <a:solidFill>
+                        <a:srgbClr val="7F7F7F"/>
+                      </a:solidFill>
+                      <a:prstDash val="solid"/>
+                      <a:round/>
+                      <a:headEnd type="none" w="med" len="med"/>
+                      <a:tailEnd type="none" w="med" len="med"/>
+                    </a:lnR>
+                    <a:lnT w="6350" cap="flat" cmpd="sng" algn="ctr">
+                      <a:solidFill>
+                        <a:srgbClr val="7F7F7F"/>
+                      </a:solidFill>
+                      <a:prstDash val="solid"/>
+                      <a:round/>
+                      <a:headEnd type="none" w="med" len="med"/>
+                      <a:tailEnd type="none" w="med" len="med"/>
+                    </a:lnT>
+                    <a:lnB w="6350" cap="flat" cmpd="sng" algn="ctr">
+                      <a:solidFill>
+                        <a:srgbClr val="7F7F7F"/>
+                      </a:solidFill>
+                      <a:prstDash val="solid"/>
+                      <a:round/>
+                      <a:headEnd type="none" w="med" len="med"/>
+                      <a:tailEnd type="none" w="med" len="med"/>
+                    </a:lnB>
+                  </a:tcPr>
+                </a:tc>
+                <a:tc>
+                  <a:txBody>
+                    <a:bodyPr/>
+                    <a:lstStyle/>
+                    <a:p>
+                      <a:pPr algn="l" fontAlgn="t"/>
+                      <a:r>
+                        <a:rPr lang="en-US" sz="1200" b="0" i="0" u="none" strike="noStrike" dirty="0">
+                          <a:solidFill>
+                            <a:srgbClr val="000000"/>
+                          </a:solidFill>
+                          <a:effectLst/>
+                          <a:latin typeface="メイリオ" panose="020B0604030504040204" pitchFamily="50" charset="-128"/>
+                          <a:ea typeface="メイリオ" panose="020B0604030504040204" pitchFamily="50" charset="-128"/>
+                        </a:rPr>
+                        <a:t>dir1</a:t>
+                      </a:r>
+                    </a:p>
+                  </a:txBody>
+                  <a:tcPr anchor="ctr">
+                    <a:lnL w="6350" cap="flat" cmpd="sng" algn="ctr">
+                      <a:solidFill>
+                        <a:srgbClr val="7F7F7F"/>
+                      </a:solidFill>
+                      <a:prstDash val="solid"/>
+                      <a:round/>
+                      <a:headEnd type="none" w="med" len="med"/>
+                      <a:tailEnd type="none" w="med" len="med"/>
+                    </a:lnL>
+                    <a:lnR w="6350" cap="flat" cmpd="sng" algn="ctr">
+                      <a:solidFill>
+                        <a:srgbClr val="7F7F7F"/>
+                      </a:solidFill>
+                      <a:prstDash val="solid"/>
+                      <a:round/>
+                      <a:headEnd type="none" w="med" len="med"/>
+                      <a:tailEnd type="none" w="med" len="med"/>
+                    </a:lnR>
+                    <a:lnT w="6350" cap="flat" cmpd="sng" algn="ctr">
+                      <a:solidFill>
+                        <a:srgbClr val="7F7F7F"/>
+                      </a:solidFill>
+                      <a:prstDash val="solid"/>
+                      <a:round/>
+                      <a:headEnd type="none" w="med" len="med"/>
+                      <a:tailEnd type="none" w="med" len="med"/>
+                    </a:lnT>
+                    <a:lnB w="6350" cap="flat" cmpd="sng" algn="ctr">
+                      <a:solidFill>
+                        <a:srgbClr val="7F7F7F"/>
+                      </a:solidFill>
+                      <a:prstDash val="solid"/>
+                      <a:round/>
+                      <a:headEnd type="none" w="med" len="med"/>
+                      <a:tailEnd type="none" w="med" len="med"/>
+                    </a:lnB>
+                  </a:tcPr>
+                </a:tc>
+                <a:tc>
+                  <a:txBody>
+                    <a:bodyPr/>
+                    <a:lstStyle/>
+                    <a:p>
+                      <a:pPr algn="l" fontAlgn="t"/>
+                      <a:endParaRPr lang="en-US" altLang="ja-JP" sz="1200" b="0" i="0" u="none" strike="noStrike" dirty="0">
+                        <a:solidFill>
+                          <a:srgbClr val="000000"/>
+                        </a:solidFill>
+                        <a:effectLst/>
+                        <a:latin typeface="メイリオ" panose="020B0604030504040204" pitchFamily="50" charset="-128"/>
+                        <a:ea typeface="メイリオ" panose="020B0604030504040204" pitchFamily="50" charset="-128"/>
+                      </a:endParaRPr>
+                    </a:p>
+                  </a:txBody>
+                  <a:tcPr anchor="ctr">
+                    <a:lnL w="6350" cap="flat" cmpd="sng" algn="ctr">
+                      <a:solidFill>
+                        <a:srgbClr val="7F7F7F"/>
+                      </a:solidFill>
+                      <a:prstDash val="solid"/>
+                      <a:round/>
+                      <a:headEnd type="none" w="med" len="med"/>
+                      <a:tailEnd type="none" w="med" len="med"/>
+                    </a:lnL>
+                    <a:lnR w="12700" cap="flat" cmpd="sng" algn="ctr">
+                      <a:solidFill>
+                        <a:schemeClr val="bg1">
+                          <a:lumMod val="50000"/>
+                        </a:schemeClr>
+                      </a:solidFill>
+                      <a:prstDash val="solid"/>
+                      <a:round/>
+                      <a:headEnd type="none" w="med" len="med"/>
+                      <a:tailEnd type="none" w="med" len="med"/>
+                    </a:lnR>
+                    <a:lnT w="6350" cap="flat" cmpd="sng" algn="ctr">
+                      <a:solidFill>
+                        <a:srgbClr val="7F7F7F"/>
+                      </a:solidFill>
+                      <a:prstDash val="solid"/>
+                      <a:round/>
+                      <a:headEnd type="none" w="med" len="med"/>
+                      <a:tailEnd type="none" w="med" len="med"/>
+                    </a:lnT>
+                    <a:lnB w="6350" cap="flat" cmpd="sng" algn="ctr">
+                      <a:solidFill>
+                        <a:srgbClr val="7F7F7F"/>
+                      </a:solidFill>
+                      <a:prstDash val="solid"/>
+                      <a:round/>
+                      <a:headEnd type="none" w="med" len="med"/>
+                      <a:tailEnd type="none" w="med" len="med"/>
+                    </a:lnB>
+                  </a:tcPr>
+                </a:tc>
+                <a:extLst>
+                  <a:ext uri="{0D108BD9-81ED-4DB2-BD59-A6C34878D82A}">
+                    <a16:rowId xmlns:a16="http://schemas.microsoft.com/office/drawing/2014/main" val="4168992622"/>
+                  </a:ext>
+                </a:extLst>
+              </a:tr>
+              <a:tr h="312043">
+                <a:tc>
+                  <a:txBody>
+                    <a:bodyPr/>
+                    <a:lstStyle/>
+                    <a:p>
+                      <a:pPr algn="l" fontAlgn="t"/>
+                      <a:r>
+                        <a:rPr lang="en-US" sz="1200" b="0" i="0" u="none" strike="noStrike">
+                          <a:solidFill>
+                            <a:srgbClr val="000000"/>
+                          </a:solidFill>
+                          <a:effectLst/>
+                          <a:latin typeface="メイリオ" panose="020B0604030504040204" pitchFamily="50" charset="-128"/>
+                          <a:ea typeface="メイリオ" panose="020B0604030504040204" pitchFamily="50" charset="-128"/>
+                        </a:rPr>
+                        <a:t>1:operation1</a:t>
+                      </a:r>
+                    </a:p>
+                  </a:txBody>
+                  <a:tcPr anchor="ctr">
+                    <a:lnL w="12700" cap="flat" cmpd="sng" algn="ctr">
+                      <a:solidFill>
+                        <a:schemeClr val="bg1">
+                          <a:lumMod val="50000"/>
+                        </a:schemeClr>
+                      </a:solidFill>
+                      <a:prstDash val="solid"/>
+                      <a:round/>
+                      <a:headEnd type="none" w="med" len="med"/>
+                      <a:tailEnd type="none" w="med" len="med"/>
                     </a:lnL>
                     <a:lnR w="6350" cap="flat" cmpd="sng" algn="ctr">
                       <a:solidFill>
@@ -24949,7 +27937,7 @@
                       </a:r>
                     </a:p>
                   </a:txBody>
-                  <a:tcPr marL="0" marR="0" marT="0" marB="0">
+                  <a:tcPr anchor="ctr">
                     <a:lnL w="6350" cap="flat" cmpd="sng" algn="ctr">
                       <a:solidFill>
                         <a:srgbClr val="7F7F7F"/>
@@ -24995,7 +27983,7 @@
                     <a:p>
                       <a:pPr algn="l" fontAlgn="t"/>
                       <a:r>
-                        <a:rPr lang="en-US" sz="1200" b="0" i="0" u="none" strike="noStrike">
+                        <a:rPr lang="en-US" sz="1200" b="0" i="0" u="none" strike="noStrike" dirty="0" smtClean="0">
                           <a:solidFill>
                             <a:srgbClr val="000000"/>
                           </a:solidFill>
@@ -25003,11 +27991,19 @@
                           <a:latin typeface="メイリオ" panose="020B0604030504040204" pitchFamily="50" charset="-128"/>
                           <a:ea typeface="メイリオ" panose="020B0604030504040204" pitchFamily="50" charset="-128"/>
                         </a:rPr>
-                        <a:t>3:copy_file:3:VAR_edit_param_1</a:t>
+                        <a:t>4:edit_file:9:VAR_file_name</a:t>
                       </a:r>
+                      <a:endParaRPr lang="en-US" sz="1200" b="0" i="0" u="none" strike="noStrike" dirty="0">
+                        <a:solidFill>
+                          <a:srgbClr val="000000"/>
+                        </a:solidFill>
+                        <a:effectLst/>
+                        <a:latin typeface="メイリオ" panose="020B0604030504040204" pitchFamily="50" charset="-128"/>
+                        <a:ea typeface="メイリオ" panose="020B0604030504040204" pitchFamily="50" charset="-128"/>
+                      </a:endParaRPr>
                     </a:p>
                   </a:txBody>
-                  <a:tcPr marL="0" marR="0" marT="0" marB="0">
+                  <a:tcPr anchor="ctr">
                     <a:lnL w="6350" cap="flat" cmpd="sng" algn="ctr">
                       <a:solidFill>
                         <a:srgbClr val="7F7F7F"/>
@@ -25053,7 +28049,7 @@
                     <a:p>
                       <a:pPr algn="l" fontAlgn="t"/>
                       <a:r>
-                        <a:rPr lang="en-US" sz="1200" b="0" i="0" u="none" strike="noStrike">
+                        <a:rPr lang="en-US" sz="1200" b="0" i="0" u="none" strike="noStrike" dirty="0" err="1">
                           <a:solidFill>
                             <a:srgbClr val="000000"/>
                           </a:solidFill>
@@ -25063,9 +28059,17 @@
                         </a:rPr>
                         <a:t>testfile</a:t>
                       </a:r>
+                      <a:endParaRPr lang="en-US" sz="1200" b="0" i="0" u="none" strike="noStrike" dirty="0">
+                        <a:solidFill>
+                          <a:srgbClr val="000000"/>
+                        </a:solidFill>
+                        <a:effectLst/>
+                        <a:latin typeface="メイリオ" panose="020B0604030504040204" pitchFamily="50" charset="-128"/>
+                        <a:ea typeface="メイリオ" panose="020B0604030504040204" pitchFamily="50" charset="-128"/>
+                      </a:endParaRPr>
                     </a:p>
                   </a:txBody>
-                  <a:tcPr marL="0" marR="0" marT="0" marB="0">
+                  <a:tcPr anchor="ctr">
                     <a:lnL w="6350" cap="flat" cmpd="sng" algn="ctr">
                       <a:solidFill>
                         <a:srgbClr val="7F7F7F"/>
@@ -25120,7 +28124,7 @@
                       </a:endParaRPr>
                     </a:p>
                   </a:txBody>
-                  <a:tcPr marL="0" marR="0" marT="0" marB="0">
+                  <a:tcPr anchor="ctr">
                     <a:lnL w="6350" cap="flat" cmpd="sng" algn="ctr">
                       <a:solidFill>
                         <a:srgbClr val="7F7F7F"/>
@@ -25130,9 +28134,11 @@
                       <a:headEnd type="none" w="med" len="med"/>
                       <a:tailEnd type="none" w="med" len="med"/>
                     </a:lnL>
-                    <a:lnR w="6350" cap="flat" cmpd="sng" algn="ctr">
-                      <a:solidFill>
-                        <a:srgbClr val="7F7F7F"/>
+                    <a:lnR w="12700" cap="flat" cmpd="sng" algn="ctr">
+                      <a:solidFill>
+                        <a:schemeClr val="bg1">
+                          <a:lumMod val="50000"/>
+                        </a:schemeClr>
                       </a:solidFill>
                       <a:prstDash val="solid"/>
                       <a:round/>
@@ -25161,11 +28167,11 @@
                 </a:tc>
                 <a:extLst>
                   <a:ext uri="{0D108BD9-81ED-4DB2-BD59-A6C34878D82A}">
-                    <a16:rowId xmlns:a16="http://schemas.microsoft.com/office/drawing/2014/main" val="886519206"/>
+                    <a16:rowId xmlns:a16="http://schemas.microsoft.com/office/drawing/2014/main" val="190995282"/>
                   </a:ext>
                 </a:extLst>
               </a:tr>
-              <a:tr h="313758">
+              <a:tr h="312043">
                 <a:tc>
                   <a:txBody>
                     <a:bodyPr/>
@@ -25185,9 +28191,17 @@
                       </a:r>
                     </a:p>
                   </a:txBody>
-                  <a:tcPr marL="0" marR="0" marT="0" marB="0">
-                    <a:lnL>
-                      <a:noFill/>
+                  <a:tcPr anchor="ctr">
+                    <a:lnL w="12700" cap="flat" cmpd="sng" algn="ctr">
+                      <a:solidFill>
+                        <a:schemeClr val="bg1">
+                          <a:lumMod val="50000"/>
+                        </a:schemeClr>
+                      </a:solidFill>
+                      <a:prstDash val="solid"/>
+                      <a:round/>
+                      <a:headEnd type="none" w="med" len="med"/>
+                      <a:tailEnd type="none" w="med" len="med"/>
                     </a:lnL>
                     <a:lnR w="6350" cap="flat" cmpd="sng" algn="ctr">
                       <a:solidFill>
@@ -25237,7 +28251,7 @@
                       </a:r>
                     </a:p>
                   </a:txBody>
-                  <a:tcPr marL="0" marR="0" marT="0" marB="0">
+                  <a:tcPr anchor="ctr">
                     <a:lnL w="6350" cap="flat" cmpd="sng" algn="ctr">
                       <a:solidFill>
                         <a:srgbClr val="7F7F7F"/>
@@ -25283,7 +28297,7 @@
                     <a:p>
                       <a:pPr algn="l" fontAlgn="t"/>
                       <a:r>
-                        <a:rPr lang="en-US" sz="1200" b="0" i="0" u="none" strike="noStrike">
+                        <a:rPr lang="en-US" sz="1200" b="0" i="0" u="none" strike="noStrike" dirty="0" smtClean="0">
                           <a:solidFill>
                             <a:srgbClr val="000000"/>
                           </a:solidFill>
@@ -25291,11 +28305,19 @@
                           <a:latin typeface="メイリオ" panose="020B0604030504040204" pitchFamily="50" charset="-128"/>
                           <a:ea typeface="メイリオ" panose="020B0604030504040204" pitchFamily="50" charset="-128"/>
                         </a:rPr>
-                        <a:t>4:create_directory:4:VAR_dir_name_1</a:t>
+                        <a:t>4:edit_file:10:VAR_edit_param_1</a:t>
                       </a:r>
+                      <a:endParaRPr lang="en-US" sz="1200" b="0" i="0" u="none" strike="noStrike" dirty="0">
+                        <a:solidFill>
+                          <a:srgbClr val="000000"/>
+                        </a:solidFill>
+                        <a:effectLst/>
+                        <a:latin typeface="メイリオ" panose="020B0604030504040204" pitchFamily="50" charset="-128"/>
+                        <a:ea typeface="メイリオ" panose="020B0604030504040204" pitchFamily="50" charset="-128"/>
+                      </a:endParaRPr>
                     </a:p>
                   </a:txBody>
-                  <a:tcPr marL="0" marR="0" marT="0" marB="0">
+                  <a:tcPr anchor="ctr">
                     <a:lnL w="6350" cap="flat" cmpd="sng" algn="ctr">
                       <a:solidFill>
                         <a:srgbClr val="7F7F7F"/>
@@ -25341,7 +28363,7 @@
                     <a:p>
                       <a:pPr algn="l" fontAlgn="t"/>
                       <a:r>
-                        <a:rPr lang="en-US" sz="1200" b="0" i="0" u="none" strike="noStrike">
+                        <a:rPr lang="en-US" sz="1200" b="0" i="0" u="none" strike="noStrike" dirty="0">
                           <a:solidFill>
                             <a:srgbClr val="000000"/>
                           </a:solidFill>
@@ -25349,11 +28371,11 @@
                           <a:latin typeface="メイリオ" panose="020B0604030504040204" pitchFamily="50" charset="-128"/>
                           <a:ea typeface="メイリオ" panose="020B0604030504040204" pitchFamily="50" charset="-128"/>
                         </a:rPr>
-                        <a:t>dir1</a:t>
+                        <a:t>param1</a:t>
                       </a:r>
                     </a:p>
                   </a:txBody>
-                  <a:tcPr marL="0" marR="0" marT="0" marB="0">
+                  <a:tcPr anchor="ctr">
                     <a:lnL w="6350" cap="flat" cmpd="sng" algn="ctr">
                       <a:solidFill>
                         <a:srgbClr val="7F7F7F"/>
@@ -25408,7 +28430,7 @@
                       </a:endParaRPr>
                     </a:p>
                   </a:txBody>
-                  <a:tcPr marL="0" marR="0" marT="0" marB="0">
+                  <a:tcPr anchor="ctr">
                     <a:lnL w="6350" cap="flat" cmpd="sng" algn="ctr">
                       <a:solidFill>
                         <a:srgbClr val="7F7F7F"/>
@@ -25418,9 +28440,11 @@
                       <a:headEnd type="none" w="med" len="med"/>
                       <a:tailEnd type="none" w="med" len="med"/>
                     </a:lnL>
-                    <a:lnR w="6350" cap="flat" cmpd="sng" algn="ctr">
-                      <a:solidFill>
-                        <a:srgbClr val="7F7F7F"/>
+                    <a:lnR w="12700" cap="flat" cmpd="sng" algn="ctr">
+                      <a:solidFill>
+                        <a:schemeClr val="bg1">
+                          <a:lumMod val="50000"/>
+                        </a:schemeClr>
                       </a:solidFill>
                       <a:prstDash val="solid"/>
                       <a:round/>
@@ -25449,11 +28473,11 @@
                 </a:tc>
                 <a:extLst>
                   <a:ext uri="{0D108BD9-81ED-4DB2-BD59-A6C34878D82A}">
-                    <a16:rowId xmlns:a16="http://schemas.microsoft.com/office/drawing/2014/main" val="4005848232"/>
+                    <a16:rowId xmlns:a16="http://schemas.microsoft.com/office/drawing/2014/main" val="1595624664"/>
                   </a:ext>
                 </a:extLst>
               </a:tr>
-              <a:tr h="313758">
+              <a:tr h="312043">
                 <a:tc>
                   <a:txBody>
                     <a:bodyPr/>
@@ -25473,9 +28497,17 @@
                       </a:r>
                     </a:p>
                   </a:txBody>
-                  <a:tcPr marL="0" marR="0" marT="0" marB="0">
-                    <a:lnL>
-                      <a:noFill/>
+                  <a:tcPr anchor="ctr">
+                    <a:lnL w="12700" cap="flat" cmpd="sng" algn="ctr">
+                      <a:solidFill>
+                        <a:schemeClr val="bg1">
+                          <a:lumMod val="50000"/>
+                        </a:schemeClr>
+                      </a:solidFill>
+                      <a:prstDash val="solid"/>
+                      <a:round/>
+                      <a:headEnd type="none" w="med" len="med"/>
+                      <a:tailEnd type="none" w="med" len="med"/>
                     </a:lnL>
                     <a:lnR w="6350" cap="flat" cmpd="sng" algn="ctr">
                       <a:solidFill>
@@ -25525,7 +28557,7 @@
                       </a:r>
                     </a:p>
                   </a:txBody>
-                  <a:tcPr marL="0" marR="0" marT="0" marB="0">
+                  <a:tcPr anchor="ctr">
                     <a:lnL w="6350" cap="flat" cmpd="sng" algn="ctr">
                       <a:solidFill>
                         <a:srgbClr val="7F7F7F"/>
@@ -25571,7 +28603,7 @@
                     <a:p>
                       <a:pPr algn="l" fontAlgn="t"/>
                       <a:r>
-                        <a:rPr lang="en-US" sz="1200" b="0" i="0" u="none" strike="noStrike" dirty="0">
+                        <a:rPr lang="en-US" sz="1200" b="0" i="0" u="none" strike="noStrike" dirty="0" smtClean="0">
                           <a:solidFill>
                             <a:srgbClr val="000000"/>
                           </a:solidFill>
@@ -25579,11 +28611,19 @@
                           <a:latin typeface="メイリオ" panose="020B0604030504040204" pitchFamily="50" charset="-128"/>
                           <a:ea typeface="メイリオ" panose="020B0604030504040204" pitchFamily="50" charset="-128"/>
                         </a:rPr>
-                        <a:t>5:create_file:5:VAR_dir_name_1</a:t>
+                        <a:t>5:forced_termination:11:VAR_message_text</a:t>
                       </a:r>
+                      <a:endParaRPr lang="en-US" sz="1200" b="0" i="0" u="none" strike="noStrike" dirty="0">
+                        <a:solidFill>
+                          <a:srgbClr val="000000"/>
+                        </a:solidFill>
+                        <a:effectLst/>
+                        <a:latin typeface="メイリオ" panose="020B0604030504040204" pitchFamily="50" charset="-128"/>
+                        <a:ea typeface="メイリオ" panose="020B0604030504040204" pitchFamily="50" charset="-128"/>
+                      </a:endParaRPr>
                     </a:p>
                   </a:txBody>
-                  <a:tcPr marL="0" marR="0" marT="0" marB="0">
+                  <a:tcPr anchor="ctr">
                     <a:lnL w="6350" cap="flat" cmpd="sng" algn="ctr">
                       <a:solidFill>
                         <a:srgbClr val="7F7F7F"/>
@@ -25629,7 +28669,7 @@
                     <a:p>
                       <a:pPr algn="l" fontAlgn="t"/>
                       <a:r>
-                        <a:rPr lang="en-US" sz="1200" b="0" i="0" u="none" strike="noStrike">
+                        <a:rPr lang="en-US" sz="1200" b="0" i="0" u="none" strike="noStrike" dirty="0" err="1">
                           <a:solidFill>
                             <a:srgbClr val="000000"/>
                           </a:solidFill>
@@ -25637,11 +28677,19 @@
                           <a:latin typeface="メイリオ" panose="020B0604030504040204" pitchFamily="50" charset="-128"/>
                           <a:ea typeface="メイリオ" panose="020B0604030504040204" pitchFamily="50" charset="-128"/>
                         </a:rPr>
-                        <a:t>dir1</a:t>
+                        <a:t>testmsg_fail</a:t>
                       </a:r>
+                      <a:endParaRPr lang="en-US" sz="1200" b="0" i="0" u="none" strike="noStrike" dirty="0">
+                        <a:solidFill>
+                          <a:srgbClr val="000000"/>
+                        </a:solidFill>
+                        <a:effectLst/>
+                        <a:latin typeface="メイリオ" panose="020B0604030504040204" pitchFamily="50" charset="-128"/>
+                        <a:ea typeface="メイリオ" panose="020B0604030504040204" pitchFamily="50" charset="-128"/>
+                      </a:endParaRPr>
                     </a:p>
                   </a:txBody>
-                  <a:tcPr marL="0" marR="0" marT="0" marB="0">
+                  <a:tcPr anchor="ctr">
                     <a:lnL w="6350" cap="flat" cmpd="sng" algn="ctr">
                       <a:solidFill>
                         <a:srgbClr val="7F7F7F"/>
@@ -25696,7 +28744,7 @@
                       </a:endParaRPr>
                     </a:p>
                   </a:txBody>
-                  <a:tcPr marL="0" marR="0" marT="0" marB="0">
+                  <a:tcPr anchor="ctr">
                     <a:lnL w="6350" cap="flat" cmpd="sng" algn="ctr">
                       <a:solidFill>
                         <a:srgbClr val="7F7F7F"/>
@@ -25706,9 +28754,11 @@
                       <a:headEnd type="none" w="med" len="med"/>
                       <a:tailEnd type="none" w="med" len="med"/>
                     </a:lnL>
-                    <a:lnR w="6350" cap="flat" cmpd="sng" algn="ctr">
-                      <a:solidFill>
-                        <a:srgbClr val="7F7F7F"/>
+                    <a:lnR w="12700" cap="flat" cmpd="sng" algn="ctr">
+                      <a:solidFill>
+                        <a:schemeClr val="bg1">
+                          <a:lumMod val="50000"/>
+                        </a:schemeClr>
                       </a:solidFill>
                       <a:prstDash val="solid"/>
                       <a:round/>
@@ -25737,11 +28787,11 @@
                 </a:tc>
                 <a:extLst>
                   <a:ext uri="{0D108BD9-81ED-4DB2-BD59-A6C34878D82A}">
-                    <a16:rowId xmlns:a16="http://schemas.microsoft.com/office/drawing/2014/main" val="1836835161"/>
+                    <a16:rowId xmlns:a16="http://schemas.microsoft.com/office/drawing/2014/main" val="575075292"/>
                   </a:ext>
                 </a:extLst>
               </a:tr>
-              <a:tr h="313758">
+              <a:tr h="312043">
                 <a:tc>
                   <a:txBody>
                     <a:bodyPr/>
@@ -25761,9 +28811,17 @@
                       </a:r>
                     </a:p>
                   </a:txBody>
-                  <a:tcPr marL="0" marR="0" marT="0" marB="0">
-                    <a:lnL>
-                      <a:noFill/>
+                  <a:tcPr anchor="ctr">
+                    <a:lnL w="12700" cap="flat" cmpd="sng" algn="ctr">
+                      <a:solidFill>
+                        <a:schemeClr val="bg1">
+                          <a:lumMod val="50000"/>
+                        </a:schemeClr>
+                      </a:solidFill>
+                      <a:prstDash val="solid"/>
+                      <a:round/>
+                      <a:headEnd type="none" w="med" len="med"/>
+                      <a:tailEnd type="none" w="med" len="med"/>
                     </a:lnL>
                     <a:lnR w="6350" cap="flat" cmpd="sng" algn="ctr">
                       <a:solidFill>
@@ -25813,7 +28871,7 @@
                       </a:r>
                     </a:p>
                   </a:txBody>
-                  <a:tcPr marL="0" marR="0" marT="0" marB="0">
+                  <a:tcPr anchor="ctr">
                     <a:lnL w="6350" cap="flat" cmpd="sng" algn="ctr">
                       <a:solidFill>
                         <a:srgbClr val="7F7F7F"/>
@@ -25859,7 +28917,7 @@
                     <a:p>
                       <a:pPr algn="l" fontAlgn="t"/>
                       <a:r>
-                        <a:rPr lang="en-US" sz="1200" b="0" i="0" u="none" strike="noStrike">
+                        <a:rPr lang="en-US" sz="1200" b="0" i="0" u="none" strike="noStrike" dirty="0" smtClean="0">
                           <a:solidFill>
                             <a:srgbClr val="000000"/>
                           </a:solidFill>
@@ -25867,11 +28925,19 @@
                           <a:latin typeface="メイリオ" panose="020B0604030504040204" pitchFamily="50" charset="-128"/>
                           <a:ea typeface="メイリオ" panose="020B0604030504040204" pitchFamily="50" charset="-128"/>
                         </a:rPr>
-                        <a:t>5:create_file:6:VAR_file_name</a:t>
+                        <a:t>6:remove_directory:12:VAR_dir_name_1</a:t>
                       </a:r>
+                      <a:endParaRPr lang="en-US" sz="1200" b="0" i="0" u="none" strike="noStrike" dirty="0">
+                        <a:solidFill>
+                          <a:srgbClr val="000000"/>
+                        </a:solidFill>
+                        <a:effectLst/>
+                        <a:latin typeface="メイリオ" panose="020B0604030504040204" pitchFamily="50" charset="-128"/>
+                        <a:ea typeface="メイリオ" panose="020B0604030504040204" pitchFamily="50" charset="-128"/>
+                      </a:endParaRPr>
                     </a:p>
                   </a:txBody>
-                  <a:tcPr marL="0" marR="0" marT="0" marB="0">
+                  <a:tcPr anchor="ctr">
                     <a:lnL w="6350" cap="flat" cmpd="sng" algn="ctr">
                       <a:solidFill>
                         <a:srgbClr val="7F7F7F"/>
@@ -25917,7 +28983,7 @@
                     <a:p>
                       <a:pPr algn="l" fontAlgn="t"/>
                       <a:r>
-                        <a:rPr lang="en-US" sz="1200" b="0" i="0" u="none" strike="noStrike">
+                        <a:rPr lang="en-US" sz="1200" b="0" i="0" u="none" strike="noStrike" dirty="0">
                           <a:solidFill>
                             <a:srgbClr val="000000"/>
                           </a:solidFill>
@@ -25925,11 +28991,11 @@
                           <a:latin typeface="メイリオ" panose="020B0604030504040204" pitchFamily="50" charset="-128"/>
                           <a:ea typeface="メイリオ" panose="020B0604030504040204" pitchFamily="50" charset="-128"/>
                         </a:rPr>
-                        <a:t>testfile</a:t>
+                        <a:t>dir1</a:t>
                       </a:r>
                     </a:p>
                   </a:txBody>
-                  <a:tcPr marL="0" marR="0" marT="0" marB="0">
+                  <a:tcPr anchor="ctr">
                     <a:lnL w="6350" cap="flat" cmpd="sng" algn="ctr">
                       <a:solidFill>
                         <a:srgbClr val="7F7F7F"/>
@@ -25984,7 +29050,7 @@
                       </a:endParaRPr>
                     </a:p>
                   </a:txBody>
-                  <a:tcPr marL="0" marR="0" marT="0" marB="0">
+                  <a:tcPr anchor="ctr">
                     <a:lnL w="6350" cap="flat" cmpd="sng" algn="ctr">
                       <a:solidFill>
                         <a:srgbClr val="7F7F7F"/>
@@ -25994,9 +29060,11 @@
                       <a:headEnd type="none" w="med" len="med"/>
                       <a:tailEnd type="none" w="med" len="med"/>
                     </a:lnL>
-                    <a:lnR w="6350" cap="flat" cmpd="sng" algn="ctr">
-                      <a:solidFill>
-                        <a:srgbClr val="7F7F7F"/>
+                    <a:lnR w="12700" cap="flat" cmpd="sng" algn="ctr">
+                      <a:solidFill>
+                        <a:schemeClr val="bg1">
+                          <a:lumMod val="50000"/>
+                        </a:schemeClr>
                       </a:solidFill>
                       <a:prstDash val="solid"/>
                       <a:round/>
@@ -26025,11 +29093,11 @@
                 </a:tc>
                 <a:extLst>
                   <a:ext uri="{0D108BD9-81ED-4DB2-BD59-A6C34878D82A}">
-                    <a16:rowId xmlns:a16="http://schemas.microsoft.com/office/drawing/2014/main" val="1515666445"/>
+                    <a16:rowId xmlns:a16="http://schemas.microsoft.com/office/drawing/2014/main" val="3623698934"/>
                   </a:ext>
                 </a:extLst>
               </a:tr>
-              <a:tr h="313758">
+              <a:tr h="312043">
                 <a:tc>
                   <a:txBody>
                     <a:bodyPr/>
@@ -26037,7 +29105,7 @@
                     <a:p>
                       <a:pPr algn="l" fontAlgn="t"/>
                       <a:r>
-                        <a:rPr lang="en-US" sz="1200" b="0" i="0" u="none" strike="noStrike">
+                        <a:rPr lang="en-US" sz="1200" b="0" i="0" u="none" strike="noStrike" dirty="0">
                           <a:solidFill>
                             <a:srgbClr val="000000"/>
                           </a:solidFill>
@@ -26049,9 +29117,17 @@
                       </a:r>
                     </a:p>
                   </a:txBody>
-                  <a:tcPr marL="0" marR="0" marT="0" marB="0">
-                    <a:lnL>
-                      <a:noFill/>
+                  <a:tcPr anchor="ctr">
+                    <a:lnL w="12700" cap="flat" cmpd="sng" algn="ctr">
+                      <a:solidFill>
+                        <a:schemeClr val="bg1">
+                          <a:lumMod val="50000"/>
+                        </a:schemeClr>
+                      </a:solidFill>
+                      <a:prstDash val="solid"/>
+                      <a:round/>
+                      <a:headEnd type="none" w="med" len="med"/>
+                      <a:tailEnd type="none" w="med" len="med"/>
                     </a:lnL>
                     <a:lnR w="6350" cap="flat" cmpd="sng" algn="ctr">
                       <a:solidFill>
@@ -26101,7 +29177,7 @@
                       </a:r>
                     </a:p>
                   </a:txBody>
-                  <a:tcPr marL="0" marR="0" marT="0" marB="0">
+                  <a:tcPr anchor="ctr">
                     <a:lnL w="6350" cap="flat" cmpd="sng" algn="ctr">
                       <a:solidFill>
                         <a:srgbClr val="7F7F7F"/>
@@ -26147,7 +29223,7 @@
                     <a:p>
                       <a:pPr algn="l" fontAlgn="t"/>
                       <a:r>
-                        <a:rPr lang="en-US" sz="1200" b="0" i="0" u="none" strike="noStrike">
+                        <a:rPr lang="en-US" sz="1200" b="0" i="0" u="none" strike="noStrike" dirty="0" smtClean="0">
                           <a:solidFill>
                             <a:srgbClr val="000000"/>
                           </a:solidFill>
@@ -26155,11 +29231,19 @@
                           <a:latin typeface="メイリオ" panose="020B0604030504040204" pitchFamily="50" charset="-128"/>
                           <a:ea typeface="メイリオ" panose="020B0604030504040204" pitchFamily="50" charset="-128"/>
                         </a:rPr>
-                        <a:t>6:edit_file:7:VAR_dir_name_1</a:t>
+                        <a:t>7:remove_file:13:VAR_dir_name_1</a:t>
                       </a:r>
+                      <a:endParaRPr lang="en-US" sz="1200" b="0" i="0" u="none" strike="noStrike" dirty="0">
+                        <a:solidFill>
+                          <a:srgbClr val="000000"/>
+                        </a:solidFill>
+                        <a:effectLst/>
+                        <a:latin typeface="メイリオ" panose="020B0604030504040204" pitchFamily="50" charset="-128"/>
+                        <a:ea typeface="メイリオ" panose="020B0604030504040204" pitchFamily="50" charset="-128"/>
+                      </a:endParaRPr>
                     </a:p>
                   </a:txBody>
-                  <a:tcPr marL="0" marR="0" marT="0" marB="0">
+                  <a:tcPr anchor="ctr">
                     <a:lnL w="6350" cap="flat" cmpd="sng" algn="ctr">
                       <a:solidFill>
                         <a:srgbClr val="7F7F7F"/>
@@ -26205,7 +29289,7 @@
                     <a:p>
                       <a:pPr algn="l" fontAlgn="t"/>
                       <a:r>
-                        <a:rPr lang="en-US" sz="1200" b="0" i="0" u="none" strike="noStrike">
+                        <a:rPr lang="en-US" sz="1200" b="0" i="0" u="none" strike="noStrike" dirty="0">
                           <a:solidFill>
                             <a:srgbClr val="000000"/>
                           </a:solidFill>
@@ -26217,7 +29301,7 @@
                       </a:r>
                     </a:p>
                   </a:txBody>
-                  <a:tcPr marL="0" marR="0" marT="0" marB="0">
+                  <a:tcPr anchor="ctr">
                     <a:lnL w="6350" cap="flat" cmpd="sng" algn="ctr">
                       <a:solidFill>
                         <a:srgbClr val="7F7F7F"/>
@@ -26272,7 +29356,7 @@
                       </a:endParaRPr>
                     </a:p>
                   </a:txBody>
-                  <a:tcPr marL="0" marR="0" marT="0" marB="0">
+                  <a:tcPr anchor="ctr">
                     <a:lnL w="6350" cap="flat" cmpd="sng" algn="ctr">
                       <a:solidFill>
                         <a:srgbClr val="7F7F7F"/>
@@ -26282,9 +29366,11 @@
                       <a:headEnd type="none" w="med" len="med"/>
                       <a:tailEnd type="none" w="med" len="med"/>
                     </a:lnL>
-                    <a:lnR w="6350" cap="flat" cmpd="sng" algn="ctr">
-                      <a:solidFill>
-                        <a:srgbClr val="7F7F7F"/>
+                    <a:lnR w="12700" cap="flat" cmpd="sng" algn="ctr">
+                      <a:solidFill>
+                        <a:schemeClr val="bg1">
+                          <a:lumMod val="50000"/>
+                        </a:schemeClr>
                       </a:solidFill>
                       <a:prstDash val="solid"/>
                       <a:round/>
@@ -26313,11 +29399,11 @@
                 </a:tc>
                 <a:extLst>
                   <a:ext uri="{0D108BD9-81ED-4DB2-BD59-A6C34878D82A}">
-                    <a16:rowId xmlns:a16="http://schemas.microsoft.com/office/drawing/2014/main" val="4168992622"/>
+                    <a16:rowId xmlns:a16="http://schemas.microsoft.com/office/drawing/2014/main" val="3802559305"/>
                   </a:ext>
                 </a:extLst>
               </a:tr>
-              <a:tr h="313758">
+              <a:tr h="312043">
                 <a:tc>
                   <a:txBody>
                     <a:bodyPr/>
@@ -26325,7 +29411,7 @@
                     <a:p>
                       <a:pPr algn="l" fontAlgn="t"/>
                       <a:r>
-                        <a:rPr lang="en-US" sz="1200" b="0" i="0" u="none" strike="noStrike">
+                        <a:rPr lang="en-US" sz="1200" b="0" i="0" u="none" strike="noStrike" dirty="0">
                           <a:solidFill>
                             <a:srgbClr val="000000"/>
                           </a:solidFill>
@@ -26337,9 +29423,17 @@
                       </a:r>
                     </a:p>
                   </a:txBody>
-                  <a:tcPr marL="0" marR="0" marT="0" marB="0">
-                    <a:lnL>
-                      <a:noFill/>
+                  <a:tcPr anchor="ctr">
+                    <a:lnL w="12700" cap="flat" cmpd="sng" algn="ctr">
+                      <a:solidFill>
+                        <a:schemeClr val="bg1">
+                          <a:lumMod val="50000"/>
+                        </a:schemeClr>
+                      </a:solidFill>
+                      <a:prstDash val="solid"/>
+                      <a:round/>
+                      <a:headEnd type="none" w="med" len="med"/>
+                      <a:tailEnd type="none" w="med" len="med"/>
                     </a:lnL>
                     <a:lnR w="6350" cap="flat" cmpd="sng" algn="ctr">
                       <a:solidFill>
@@ -26359,9 +29453,11 @@
                       <a:headEnd type="none" w="med" len="med"/>
                       <a:tailEnd type="none" w="med" len="med"/>
                     </a:lnT>
-                    <a:lnB w="6350" cap="flat" cmpd="sng" algn="ctr">
-                      <a:solidFill>
-                        <a:srgbClr val="7F7F7F"/>
+                    <a:lnB w="12700" cap="flat" cmpd="sng" algn="ctr">
+                      <a:solidFill>
+                        <a:schemeClr val="bg1">
+                          <a:lumMod val="50000"/>
+                        </a:schemeClr>
                       </a:solidFill>
                       <a:prstDash val="solid"/>
                       <a:round/>
@@ -26377,7 +29473,7 @@
                     <a:p>
                       <a:pPr algn="l" fontAlgn="t"/>
                       <a:r>
-                        <a:rPr lang="en-US" sz="1200" b="0" i="0" u="none" strike="noStrike">
+                        <a:rPr lang="en-US" sz="1200" b="0" i="0" u="none" strike="noStrike" dirty="0">
                           <a:solidFill>
                             <a:srgbClr val="000000"/>
                           </a:solidFill>
@@ -26389,7 +29485,7 @@
                       </a:r>
                     </a:p>
                   </a:txBody>
-                  <a:tcPr marL="0" marR="0" marT="0" marB="0">
+                  <a:tcPr anchor="ctr">
                     <a:lnL w="6350" cap="flat" cmpd="sng" algn="ctr">
                       <a:solidFill>
                         <a:srgbClr val="7F7F7F"/>
@@ -26417,9 +29513,11 @@
                       <a:headEnd type="none" w="med" len="med"/>
                       <a:tailEnd type="none" w="med" len="med"/>
                     </a:lnT>
-                    <a:lnB w="6350" cap="flat" cmpd="sng" algn="ctr">
-                      <a:solidFill>
-                        <a:srgbClr val="7F7F7F"/>
+                    <a:lnB w="12700" cap="flat" cmpd="sng" algn="ctr">
+                      <a:solidFill>
+                        <a:schemeClr val="bg1">
+                          <a:lumMod val="50000"/>
+                        </a:schemeClr>
                       </a:solidFill>
                       <a:prstDash val="solid"/>
                       <a:round/>
@@ -26435,7 +29533,7 @@
                     <a:p>
                       <a:pPr algn="l" fontAlgn="t"/>
                       <a:r>
-                        <a:rPr lang="en-US" sz="1200" b="0" i="0" u="none" strike="noStrike">
+                        <a:rPr lang="en-US" sz="1200" b="0" i="0" u="none" strike="noStrike" dirty="0" smtClean="0">
                           <a:solidFill>
                             <a:srgbClr val="000000"/>
                           </a:solidFill>
@@ -26443,11 +29541,19 @@
                           <a:latin typeface="メイリオ" panose="020B0604030504040204" pitchFamily="50" charset="-128"/>
                           <a:ea typeface="メイリオ" panose="020B0604030504040204" pitchFamily="50" charset="-128"/>
                         </a:rPr>
-                        <a:t>6:edit_file:8:VAR_file_name</a:t>
+                        <a:t>7:remove_file:14:VAR_file_name_1</a:t>
                       </a:r>
+                      <a:endParaRPr lang="en-US" sz="1200" b="0" i="0" u="none" strike="noStrike" dirty="0">
+                        <a:solidFill>
+                          <a:srgbClr val="000000"/>
+                        </a:solidFill>
+                        <a:effectLst/>
+                        <a:latin typeface="メイリオ" panose="020B0604030504040204" pitchFamily="50" charset="-128"/>
+                        <a:ea typeface="メイリオ" panose="020B0604030504040204" pitchFamily="50" charset="-128"/>
+                      </a:endParaRPr>
                     </a:p>
                   </a:txBody>
-                  <a:tcPr marL="0" marR="0" marT="0" marB="0">
+                  <a:tcPr anchor="ctr">
                     <a:lnL w="6350" cap="flat" cmpd="sng" algn="ctr">
                       <a:solidFill>
                         <a:srgbClr val="7F7F7F"/>
@@ -26475,9 +29581,11 @@
                       <a:headEnd type="none" w="med" len="med"/>
                       <a:tailEnd type="none" w="med" len="med"/>
                     </a:lnT>
-                    <a:lnB w="6350" cap="flat" cmpd="sng" algn="ctr">
-                      <a:solidFill>
-                        <a:srgbClr val="7F7F7F"/>
+                    <a:lnB w="12700" cap="flat" cmpd="sng" algn="ctr">
+                      <a:solidFill>
+                        <a:schemeClr val="bg1">
+                          <a:lumMod val="50000"/>
+                        </a:schemeClr>
                       </a:solidFill>
                       <a:prstDash val="solid"/>
                       <a:round/>
@@ -26493,7 +29601,7 @@
                     <a:p>
                       <a:pPr algn="l" fontAlgn="t"/>
                       <a:r>
-                        <a:rPr lang="en-US" sz="1200" b="0" i="0" u="none" strike="noStrike">
+                        <a:rPr lang="en-US" sz="1200" b="0" i="0" u="none" strike="noStrike" dirty="0" err="1">
                           <a:solidFill>
                             <a:srgbClr val="000000"/>
                           </a:solidFill>
@@ -26503,9 +29611,17 @@
                         </a:rPr>
                         <a:t>testfile</a:t>
                       </a:r>
+                      <a:endParaRPr lang="en-US" sz="1200" b="0" i="0" u="none" strike="noStrike" dirty="0">
+                        <a:solidFill>
+                          <a:srgbClr val="000000"/>
+                        </a:solidFill>
+                        <a:effectLst/>
+                        <a:latin typeface="メイリオ" panose="020B0604030504040204" pitchFamily="50" charset="-128"/>
+                        <a:ea typeface="メイリオ" panose="020B0604030504040204" pitchFamily="50" charset="-128"/>
+                      </a:endParaRPr>
                     </a:p>
                   </a:txBody>
-                  <a:tcPr marL="0" marR="0" marT="0" marB="0">
+                  <a:tcPr anchor="ctr">
                     <a:lnL w="6350" cap="flat" cmpd="sng" algn="ctr">
                       <a:solidFill>
                         <a:srgbClr val="7F7F7F"/>
@@ -26533,9 +29649,11 @@
                       <a:headEnd type="none" w="med" len="med"/>
                       <a:tailEnd type="none" w="med" len="med"/>
                     </a:lnT>
-                    <a:lnB w="6350" cap="flat" cmpd="sng" algn="ctr">
-                      <a:solidFill>
-                        <a:srgbClr val="7F7F7F"/>
+                    <a:lnB w="12700" cap="flat" cmpd="sng" algn="ctr">
+                      <a:solidFill>
+                        <a:schemeClr val="bg1">
+                          <a:lumMod val="50000"/>
+                        </a:schemeClr>
                       </a:solidFill>
                       <a:prstDash val="solid"/>
                       <a:round/>
@@ -26560,7 +29678,7 @@
                       </a:endParaRPr>
                     </a:p>
                   </a:txBody>
-                  <a:tcPr marL="0" marR="0" marT="0" marB="0">
+                  <a:tcPr anchor="ctr">
                     <a:lnL w="6350" cap="flat" cmpd="sng" algn="ctr">
                       <a:solidFill>
                         <a:srgbClr val="7F7F7F"/>
@@ -26570,9 +29688,11 @@
                       <a:headEnd type="none" w="med" len="med"/>
                       <a:tailEnd type="none" w="med" len="med"/>
                     </a:lnL>
-                    <a:lnR w="6350" cap="flat" cmpd="sng" algn="ctr">
-                      <a:solidFill>
-                        <a:srgbClr val="7F7F7F"/>
+                    <a:lnR w="12700" cap="flat" cmpd="sng" algn="ctr">
+                      <a:solidFill>
+                        <a:schemeClr val="bg1">
+                          <a:lumMod val="50000"/>
+                        </a:schemeClr>
                       </a:solidFill>
                       <a:prstDash val="solid"/>
                       <a:round/>
@@ -26588,9 +29708,11 @@
                       <a:headEnd type="none" w="med" len="med"/>
                       <a:tailEnd type="none" w="med" len="med"/>
                     </a:lnT>
-                    <a:lnB w="6350" cap="flat" cmpd="sng" algn="ctr">
-                      <a:solidFill>
-                        <a:srgbClr val="7F7F7F"/>
+                    <a:lnB w="12700" cap="flat" cmpd="sng" algn="ctr">
+                      <a:solidFill>
+                        <a:schemeClr val="bg1">
+                          <a:lumMod val="50000"/>
+                        </a:schemeClr>
                       </a:solidFill>
                       <a:prstDash val="solid"/>
                       <a:round/>
@@ -26601,1447 +29723,7 @@
                 </a:tc>
                 <a:extLst>
                   <a:ext uri="{0D108BD9-81ED-4DB2-BD59-A6C34878D82A}">
-                    <a16:rowId xmlns:a16="http://schemas.microsoft.com/office/drawing/2014/main" val="190995282"/>
-                  </a:ext>
-                </a:extLst>
-              </a:tr>
-              <a:tr h="313758">
-                <a:tc>
-                  <a:txBody>
-                    <a:bodyPr/>
-                    <a:lstStyle/>
-                    <a:p>
-                      <a:pPr algn="l" fontAlgn="t"/>
-                      <a:r>
-                        <a:rPr lang="en-US" sz="1200" b="0" i="0" u="none" strike="noStrike">
-                          <a:solidFill>
-                            <a:srgbClr val="000000"/>
-                          </a:solidFill>
-                          <a:effectLst/>
-                          <a:latin typeface="メイリオ" panose="020B0604030504040204" pitchFamily="50" charset="-128"/>
-                          <a:ea typeface="メイリオ" panose="020B0604030504040204" pitchFamily="50" charset="-128"/>
-                        </a:rPr>
-                        <a:t>1:operation1</a:t>
-                      </a:r>
-                    </a:p>
-                  </a:txBody>
-                  <a:tcPr marL="0" marR="0" marT="0" marB="0">
-                    <a:lnL>
-                      <a:noFill/>
-                    </a:lnL>
-                    <a:lnR w="6350" cap="flat" cmpd="sng" algn="ctr">
-                      <a:solidFill>
-                        <a:srgbClr val="7F7F7F"/>
-                      </a:solidFill>
-                      <a:prstDash val="solid"/>
-                      <a:round/>
-                      <a:headEnd type="none" w="med" len="med"/>
-                      <a:tailEnd type="none" w="med" len="med"/>
-                    </a:lnR>
-                    <a:lnT w="6350" cap="flat" cmpd="sng" algn="ctr">
-                      <a:solidFill>
-                        <a:srgbClr val="7F7F7F"/>
-                      </a:solidFill>
-                      <a:prstDash val="solid"/>
-                      <a:round/>
-                      <a:headEnd type="none" w="med" len="med"/>
-                      <a:tailEnd type="none" w="med" len="med"/>
-                    </a:lnT>
-                    <a:lnB w="6350" cap="flat" cmpd="sng" algn="ctr">
-                      <a:solidFill>
-                        <a:srgbClr val="7F7F7F"/>
-                      </a:solidFill>
-                      <a:prstDash val="solid"/>
-                      <a:round/>
-                      <a:headEnd type="none" w="med" len="med"/>
-                      <a:tailEnd type="none" w="med" len="med"/>
-                    </a:lnB>
-                  </a:tcPr>
-                </a:tc>
-                <a:tc>
-                  <a:txBody>
-                    <a:bodyPr/>
-                    <a:lstStyle/>
-                    <a:p>
-                      <a:pPr algn="l" fontAlgn="t"/>
-                      <a:r>
-                        <a:rPr lang="en-US" sz="1200" b="0" i="0" u="none" strike="noStrike">
-                          <a:solidFill>
-                            <a:srgbClr val="000000"/>
-                          </a:solidFill>
-                          <a:effectLst/>
-                          <a:latin typeface="メイリオ" panose="020B0604030504040204" pitchFamily="50" charset="-128"/>
-                          <a:ea typeface="メイリオ" panose="020B0604030504040204" pitchFamily="50" charset="-128"/>
-                        </a:rPr>
-                        <a:t>1:Testserver</a:t>
-                      </a:r>
-                    </a:p>
-                  </a:txBody>
-                  <a:tcPr marL="0" marR="0" marT="0" marB="0">
-                    <a:lnL w="6350" cap="flat" cmpd="sng" algn="ctr">
-                      <a:solidFill>
-                        <a:srgbClr val="7F7F7F"/>
-                      </a:solidFill>
-                      <a:prstDash val="solid"/>
-                      <a:round/>
-                      <a:headEnd type="none" w="med" len="med"/>
-                      <a:tailEnd type="none" w="med" len="med"/>
-                    </a:lnL>
-                    <a:lnR w="6350" cap="flat" cmpd="sng" algn="ctr">
-                      <a:solidFill>
-                        <a:srgbClr val="7F7F7F"/>
-                      </a:solidFill>
-                      <a:prstDash val="solid"/>
-                      <a:round/>
-                      <a:headEnd type="none" w="med" len="med"/>
-                      <a:tailEnd type="none" w="med" len="med"/>
-                    </a:lnR>
-                    <a:lnT w="6350" cap="flat" cmpd="sng" algn="ctr">
-                      <a:solidFill>
-                        <a:srgbClr val="7F7F7F"/>
-                      </a:solidFill>
-                      <a:prstDash val="solid"/>
-                      <a:round/>
-                      <a:headEnd type="none" w="med" len="med"/>
-                      <a:tailEnd type="none" w="med" len="med"/>
-                    </a:lnT>
-                    <a:lnB w="6350" cap="flat" cmpd="sng" algn="ctr">
-                      <a:solidFill>
-                        <a:srgbClr val="7F7F7F"/>
-                      </a:solidFill>
-                      <a:prstDash val="solid"/>
-                      <a:round/>
-                      <a:headEnd type="none" w="med" len="med"/>
-                      <a:tailEnd type="none" w="med" len="med"/>
-                    </a:lnB>
-                  </a:tcPr>
-                </a:tc>
-                <a:tc>
-                  <a:txBody>
-                    <a:bodyPr/>
-                    <a:lstStyle/>
-                    <a:p>
-                      <a:pPr algn="l" fontAlgn="t"/>
-                      <a:r>
-                        <a:rPr lang="en-US" sz="1200" b="0" i="0" u="none" strike="noStrike">
-                          <a:solidFill>
-                            <a:srgbClr val="000000"/>
-                          </a:solidFill>
-                          <a:effectLst/>
-                          <a:latin typeface="メイリオ" panose="020B0604030504040204" pitchFamily="50" charset="-128"/>
-                          <a:ea typeface="メイリオ" panose="020B0604030504040204" pitchFamily="50" charset="-128"/>
-                        </a:rPr>
-                        <a:t>6:edit_file:9:VAR_edit_param_1</a:t>
-                      </a:r>
-                    </a:p>
-                  </a:txBody>
-                  <a:tcPr marL="0" marR="0" marT="0" marB="0">
-                    <a:lnL w="6350" cap="flat" cmpd="sng" algn="ctr">
-                      <a:solidFill>
-                        <a:srgbClr val="7F7F7F"/>
-                      </a:solidFill>
-                      <a:prstDash val="solid"/>
-                      <a:round/>
-                      <a:headEnd type="none" w="med" len="med"/>
-                      <a:tailEnd type="none" w="med" len="med"/>
-                    </a:lnL>
-                    <a:lnR w="6350" cap="flat" cmpd="sng" algn="ctr">
-                      <a:solidFill>
-                        <a:srgbClr val="7F7F7F"/>
-                      </a:solidFill>
-                      <a:prstDash val="solid"/>
-                      <a:round/>
-                      <a:headEnd type="none" w="med" len="med"/>
-                      <a:tailEnd type="none" w="med" len="med"/>
-                    </a:lnR>
-                    <a:lnT w="6350" cap="flat" cmpd="sng" algn="ctr">
-                      <a:solidFill>
-                        <a:srgbClr val="7F7F7F"/>
-                      </a:solidFill>
-                      <a:prstDash val="solid"/>
-                      <a:round/>
-                      <a:headEnd type="none" w="med" len="med"/>
-                      <a:tailEnd type="none" w="med" len="med"/>
-                    </a:lnT>
-                    <a:lnB w="6350" cap="flat" cmpd="sng" algn="ctr">
-                      <a:solidFill>
-                        <a:srgbClr val="7F7F7F"/>
-                      </a:solidFill>
-                      <a:prstDash val="solid"/>
-                      <a:round/>
-                      <a:headEnd type="none" w="med" len="med"/>
-                      <a:tailEnd type="none" w="med" len="med"/>
-                    </a:lnB>
-                  </a:tcPr>
-                </a:tc>
-                <a:tc>
-                  <a:txBody>
-                    <a:bodyPr/>
-                    <a:lstStyle/>
-                    <a:p>
-                      <a:pPr algn="l" fontAlgn="t"/>
-                      <a:r>
-                        <a:rPr lang="en-US" sz="1200" b="0" i="0" u="none" strike="noStrike">
-                          <a:solidFill>
-                            <a:srgbClr val="000000"/>
-                          </a:solidFill>
-                          <a:effectLst/>
-                          <a:latin typeface="メイリオ" panose="020B0604030504040204" pitchFamily="50" charset="-128"/>
-                          <a:ea typeface="メイリオ" panose="020B0604030504040204" pitchFamily="50" charset="-128"/>
-                        </a:rPr>
-                        <a:t>param1</a:t>
-                      </a:r>
-                    </a:p>
-                  </a:txBody>
-                  <a:tcPr marL="0" marR="0" marT="0" marB="0">
-                    <a:lnL w="6350" cap="flat" cmpd="sng" algn="ctr">
-                      <a:solidFill>
-                        <a:srgbClr val="7F7F7F"/>
-                      </a:solidFill>
-                      <a:prstDash val="solid"/>
-                      <a:round/>
-                      <a:headEnd type="none" w="med" len="med"/>
-                      <a:tailEnd type="none" w="med" len="med"/>
-                    </a:lnL>
-                    <a:lnR w="6350" cap="flat" cmpd="sng" algn="ctr">
-                      <a:solidFill>
-                        <a:srgbClr val="7F7F7F"/>
-                      </a:solidFill>
-                      <a:prstDash val="solid"/>
-                      <a:round/>
-                      <a:headEnd type="none" w="med" len="med"/>
-                      <a:tailEnd type="none" w="med" len="med"/>
-                    </a:lnR>
-                    <a:lnT w="6350" cap="flat" cmpd="sng" algn="ctr">
-                      <a:solidFill>
-                        <a:srgbClr val="7F7F7F"/>
-                      </a:solidFill>
-                      <a:prstDash val="solid"/>
-                      <a:round/>
-                      <a:headEnd type="none" w="med" len="med"/>
-                      <a:tailEnd type="none" w="med" len="med"/>
-                    </a:lnT>
-                    <a:lnB w="6350" cap="flat" cmpd="sng" algn="ctr">
-                      <a:solidFill>
-                        <a:srgbClr val="7F7F7F"/>
-                      </a:solidFill>
-                      <a:prstDash val="solid"/>
-                      <a:round/>
-                      <a:headEnd type="none" w="med" len="med"/>
-                      <a:tailEnd type="none" w="med" len="med"/>
-                    </a:lnB>
-                  </a:tcPr>
-                </a:tc>
-                <a:tc>
-                  <a:txBody>
-                    <a:bodyPr/>
-                    <a:lstStyle/>
-                    <a:p>
-                      <a:pPr algn="l" fontAlgn="t"/>
-                      <a:endParaRPr lang="en-US" altLang="ja-JP" sz="1200" b="0" i="0" u="none" strike="noStrike" dirty="0">
-                        <a:solidFill>
-                          <a:srgbClr val="000000"/>
-                        </a:solidFill>
-                        <a:effectLst/>
-                        <a:latin typeface="メイリオ" panose="020B0604030504040204" pitchFamily="50" charset="-128"/>
-                        <a:ea typeface="メイリオ" panose="020B0604030504040204" pitchFamily="50" charset="-128"/>
-                      </a:endParaRPr>
-                    </a:p>
-                  </a:txBody>
-                  <a:tcPr marL="0" marR="0" marT="0" marB="0">
-                    <a:lnL w="6350" cap="flat" cmpd="sng" algn="ctr">
-                      <a:solidFill>
-                        <a:srgbClr val="7F7F7F"/>
-                      </a:solidFill>
-                      <a:prstDash val="solid"/>
-                      <a:round/>
-                      <a:headEnd type="none" w="med" len="med"/>
-                      <a:tailEnd type="none" w="med" len="med"/>
-                    </a:lnL>
-                    <a:lnR w="6350" cap="flat" cmpd="sng" algn="ctr">
-                      <a:solidFill>
-                        <a:srgbClr val="7F7F7F"/>
-                      </a:solidFill>
-                      <a:prstDash val="solid"/>
-                      <a:round/>
-                      <a:headEnd type="none" w="med" len="med"/>
-                      <a:tailEnd type="none" w="med" len="med"/>
-                    </a:lnR>
-                    <a:lnT w="6350" cap="flat" cmpd="sng" algn="ctr">
-                      <a:solidFill>
-                        <a:srgbClr val="7F7F7F"/>
-                      </a:solidFill>
-                      <a:prstDash val="solid"/>
-                      <a:round/>
-                      <a:headEnd type="none" w="med" len="med"/>
-                      <a:tailEnd type="none" w="med" len="med"/>
-                    </a:lnT>
-                    <a:lnB w="6350" cap="flat" cmpd="sng" algn="ctr">
-                      <a:solidFill>
-                        <a:srgbClr val="7F7F7F"/>
-                      </a:solidFill>
-                      <a:prstDash val="solid"/>
-                      <a:round/>
-                      <a:headEnd type="none" w="med" len="med"/>
-                      <a:tailEnd type="none" w="med" len="med"/>
-                    </a:lnB>
-                  </a:tcPr>
-                </a:tc>
-                <a:extLst>
-                  <a:ext uri="{0D108BD9-81ED-4DB2-BD59-A6C34878D82A}">
-                    <a16:rowId xmlns:a16="http://schemas.microsoft.com/office/drawing/2014/main" val="1595624664"/>
-                  </a:ext>
-                </a:extLst>
-              </a:tr>
-              <a:tr h="313758">
-                <a:tc>
-                  <a:txBody>
-                    <a:bodyPr/>
-                    <a:lstStyle/>
-                    <a:p>
-                      <a:pPr algn="l" fontAlgn="t"/>
-                      <a:r>
-                        <a:rPr lang="en-US" sz="1200" b="0" i="0" u="none" strike="noStrike">
-                          <a:solidFill>
-                            <a:srgbClr val="000000"/>
-                          </a:solidFill>
-                          <a:effectLst/>
-                          <a:latin typeface="メイリオ" panose="020B0604030504040204" pitchFamily="50" charset="-128"/>
-                          <a:ea typeface="メイリオ" panose="020B0604030504040204" pitchFamily="50" charset="-128"/>
-                        </a:rPr>
-                        <a:t>1:operation1</a:t>
-                      </a:r>
-                    </a:p>
-                  </a:txBody>
-                  <a:tcPr marL="0" marR="0" marT="0" marB="0">
-                    <a:lnL>
-                      <a:noFill/>
-                    </a:lnL>
-                    <a:lnR w="6350" cap="flat" cmpd="sng" algn="ctr">
-                      <a:solidFill>
-                        <a:srgbClr val="7F7F7F"/>
-                      </a:solidFill>
-                      <a:prstDash val="solid"/>
-                      <a:round/>
-                      <a:headEnd type="none" w="med" len="med"/>
-                      <a:tailEnd type="none" w="med" len="med"/>
-                    </a:lnR>
-                    <a:lnT w="6350" cap="flat" cmpd="sng" algn="ctr">
-                      <a:solidFill>
-                        <a:srgbClr val="7F7F7F"/>
-                      </a:solidFill>
-                      <a:prstDash val="solid"/>
-                      <a:round/>
-                      <a:headEnd type="none" w="med" len="med"/>
-                      <a:tailEnd type="none" w="med" len="med"/>
-                    </a:lnT>
-                    <a:lnB w="6350" cap="flat" cmpd="sng" algn="ctr">
-                      <a:solidFill>
-                        <a:srgbClr val="7F7F7F"/>
-                      </a:solidFill>
-                      <a:prstDash val="solid"/>
-                      <a:round/>
-                      <a:headEnd type="none" w="med" len="med"/>
-                      <a:tailEnd type="none" w="med" len="med"/>
-                    </a:lnB>
-                  </a:tcPr>
-                </a:tc>
-                <a:tc>
-                  <a:txBody>
-                    <a:bodyPr/>
-                    <a:lstStyle/>
-                    <a:p>
-                      <a:pPr algn="l" fontAlgn="t"/>
-                      <a:r>
-                        <a:rPr lang="en-US" sz="1200" b="0" i="0" u="none" strike="noStrike">
-                          <a:solidFill>
-                            <a:srgbClr val="000000"/>
-                          </a:solidFill>
-                          <a:effectLst/>
-                          <a:latin typeface="メイリオ" panose="020B0604030504040204" pitchFamily="50" charset="-128"/>
-                          <a:ea typeface="メイリオ" panose="020B0604030504040204" pitchFamily="50" charset="-128"/>
-                        </a:rPr>
-                        <a:t>1:Testserver</a:t>
-                      </a:r>
-                    </a:p>
-                  </a:txBody>
-                  <a:tcPr marL="0" marR="0" marT="0" marB="0">
-                    <a:lnL w="6350" cap="flat" cmpd="sng" algn="ctr">
-                      <a:solidFill>
-                        <a:srgbClr val="7F7F7F"/>
-                      </a:solidFill>
-                      <a:prstDash val="solid"/>
-                      <a:round/>
-                      <a:headEnd type="none" w="med" len="med"/>
-                      <a:tailEnd type="none" w="med" len="med"/>
-                    </a:lnL>
-                    <a:lnR w="6350" cap="flat" cmpd="sng" algn="ctr">
-                      <a:solidFill>
-                        <a:srgbClr val="7F7F7F"/>
-                      </a:solidFill>
-                      <a:prstDash val="solid"/>
-                      <a:round/>
-                      <a:headEnd type="none" w="med" len="med"/>
-                      <a:tailEnd type="none" w="med" len="med"/>
-                    </a:lnR>
-                    <a:lnT w="6350" cap="flat" cmpd="sng" algn="ctr">
-                      <a:solidFill>
-                        <a:srgbClr val="7F7F7F"/>
-                      </a:solidFill>
-                      <a:prstDash val="solid"/>
-                      <a:round/>
-                      <a:headEnd type="none" w="med" len="med"/>
-                      <a:tailEnd type="none" w="med" len="med"/>
-                    </a:lnT>
-                    <a:lnB w="6350" cap="flat" cmpd="sng" algn="ctr">
-                      <a:solidFill>
-                        <a:srgbClr val="7F7F7F"/>
-                      </a:solidFill>
-                      <a:prstDash val="solid"/>
-                      <a:round/>
-                      <a:headEnd type="none" w="med" len="med"/>
-                      <a:tailEnd type="none" w="med" len="med"/>
-                    </a:lnB>
-                  </a:tcPr>
-                </a:tc>
-                <a:tc>
-                  <a:txBody>
-                    <a:bodyPr/>
-                    <a:lstStyle/>
-                    <a:p>
-                      <a:pPr algn="l" fontAlgn="t"/>
-                      <a:r>
-                        <a:rPr lang="en-US" sz="1200" b="0" i="0" u="none" strike="noStrike">
-                          <a:solidFill>
-                            <a:srgbClr val="000000"/>
-                          </a:solidFill>
-                          <a:effectLst/>
-                          <a:latin typeface="メイリオ" panose="020B0604030504040204" pitchFamily="50" charset="-128"/>
-                          <a:ea typeface="メイリオ" panose="020B0604030504040204" pitchFamily="50" charset="-128"/>
-                        </a:rPr>
-                        <a:t>7:forced_termination:10:VAR_message_text</a:t>
-                      </a:r>
-                    </a:p>
-                  </a:txBody>
-                  <a:tcPr marL="0" marR="0" marT="0" marB="0">
-                    <a:lnL w="6350" cap="flat" cmpd="sng" algn="ctr">
-                      <a:solidFill>
-                        <a:srgbClr val="7F7F7F"/>
-                      </a:solidFill>
-                      <a:prstDash val="solid"/>
-                      <a:round/>
-                      <a:headEnd type="none" w="med" len="med"/>
-                      <a:tailEnd type="none" w="med" len="med"/>
-                    </a:lnL>
-                    <a:lnR w="6350" cap="flat" cmpd="sng" algn="ctr">
-                      <a:solidFill>
-                        <a:srgbClr val="7F7F7F"/>
-                      </a:solidFill>
-                      <a:prstDash val="solid"/>
-                      <a:round/>
-                      <a:headEnd type="none" w="med" len="med"/>
-                      <a:tailEnd type="none" w="med" len="med"/>
-                    </a:lnR>
-                    <a:lnT w="6350" cap="flat" cmpd="sng" algn="ctr">
-                      <a:solidFill>
-                        <a:srgbClr val="7F7F7F"/>
-                      </a:solidFill>
-                      <a:prstDash val="solid"/>
-                      <a:round/>
-                      <a:headEnd type="none" w="med" len="med"/>
-                      <a:tailEnd type="none" w="med" len="med"/>
-                    </a:lnT>
-                    <a:lnB w="6350" cap="flat" cmpd="sng" algn="ctr">
-                      <a:solidFill>
-                        <a:srgbClr val="7F7F7F"/>
-                      </a:solidFill>
-                      <a:prstDash val="solid"/>
-                      <a:round/>
-                      <a:headEnd type="none" w="med" len="med"/>
-                      <a:tailEnd type="none" w="med" len="med"/>
-                    </a:lnB>
-                  </a:tcPr>
-                </a:tc>
-                <a:tc>
-                  <a:txBody>
-                    <a:bodyPr/>
-                    <a:lstStyle/>
-                    <a:p>
-                      <a:pPr algn="l" fontAlgn="t"/>
-                      <a:r>
-                        <a:rPr lang="en-US" sz="1200" b="0" i="0" u="none" strike="noStrike">
-                          <a:solidFill>
-                            <a:srgbClr val="000000"/>
-                          </a:solidFill>
-                          <a:effectLst/>
-                          <a:latin typeface="メイリオ" panose="020B0604030504040204" pitchFamily="50" charset="-128"/>
-                          <a:ea typeface="メイリオ" panose="020B0604030504040204" pitchFamily="50" charset="-128"/>
-                        </a:rPr>
-                        <a:t>testmsg_fail</a:t>
-                      </a:r>
-                    </a:p>
-                  </a:txBody>
-                  <a:tcPr marL="0" marR="0" marT="0" marB="0">
-                    <a:lnL w="6350" cap="flat" cmpd="sng" algn="ctr">
-                      <a:solidFill>
-                        <a:srgbClr val="7F7F7F"/>
-                      </a:solidFill>
-                      <a:prstDash val="solid"/>
-                      <a:round/>
-                      <a:headEnd type="none" w="med" len="med"/>
-                      <a:tailEnd type="none" w="med" len="med"/>
-                    </a:lnL>
-                    <a:lnR w="6350" cap="flat" cmpd="sng" algn="ctr">
-                      <a:solidFill>
-                        <a:srgbClr val="7F7F7F"/>
-                      </a:solidFill>
-                      <a:prstDash val="solid"/>
-                      <a:round/>
-                      <a:headEnd type="none" w="med" len="med"/>
-                      <a:tailEnd type="none" w="med" len="med"/>
-                    </a:lnR>
-                    <a:lnT w="6350" cap="flat" cmpd="sng" algn="ctr">
-                      <a:solidFill>
-                        <a:srgbClr val="7F7F7F"/>
-                      </a:solidFill>
-                      <a:prstDash val="solid"/>
-                      <a:round/>
-                      <a:headEnd type="none" w="med" len="med"/>
-                      <a:tailEnd type="none" w="med" len="med"/>
-                    </a:lnT>
-                    <a:lnB w="6350" cap="flat" cmpd="sng" algn="ctr">
-                      <a:solidFill>
-                        <a:srgbClr val="7F7F7F"/>
-                      </a:solidFill>
-                      <a:prstDash val="solid"/>
-                      <a:round/>
-                      <a:headEnd type="none" w="med" len="med"/>
-                      <a:tailEnd type="none" w="med" len="med"/>
-                    </a:lnB>
-                  </a:tcPr>
-                </a:tc>
-                <a:tc>
-                  <a:txBody>
-                    <a:bodyPr/>
-                    <a:lstStyle/>
-                    <a:p>
-                      <a:pPr algn="l" fontAlgn="t"/>
-                      <a:endParaRPr lang="en-US" altLang="ja-JP" sz="1200" b="0" i="0" u="none" strike="noStrike" dirty="0">
-                        <a:solidFill>
-                          <a:srgbClr val="000000"/>
-                        </a:solidFill>
-                        <a:effectLst/>
-                        <a:latin typeface="メイリオ" panose="020B0604030504040204" pitchFamily="50" charset="-128"/>
-                        <a:ea typeface="メイリオ" panose="020B0604030504040204" pitchFamily="50" charset="-128"/>
-                      </a:endParaRPr>
-                    </a:p>
-                  </a:txBody>
-                  <a:tcPr marL="0" marR="0" marT="0" marB="0">
-                    <a:lnL w="6350" cap="flat" cmpd="sng" algn="ctr">
-                      <a:solidFill>
-                        <a:srgbClr val="7F7F7F"/>
-                      </a:solidFill>
-                      <a:prstDash val="solid"/>
-                      <a:round/>
-                      <a:headEnd type="none" w="med" len="med"/>
-                      <a:tailEnd type="none" w="med" len="med"/>
-                    </a:lnL>
-                    <a:lnR w="6350" cap="flat" cmpd="sng" algn="ctr">
-                      <a:solidFill>
-                        <a:srgbClr val="7F7F7F"/>
-                      </a:solidFill>
-                      <a:prstDash val="solid"/>
-                      <a:round/>
-                      <a:headEnd type="none" w="med" len="med"/>
-                      <a:tailEnd type="none" w="med" len="med"/>
-                    </a:lnR>
-                    <a:lnT w="6350" cap="flat" cmpd="sng" algn="ctr">
-                      <a:solidFill>
-                        <a:srgbClr val="7F7F7F"/>
-                      </a:solidFill>
-                      <a:prstDash val="solid"/>
-                      <a:round/>
-                      <a:headEnd type="none" w="med" len="med"/>
-                      <a:tailEnd type="none" w="med" len="med"/>
-                    </a:lnT>
-                    <a:lnB w="6350" cap="flat" cmpd="sng" algn="ctr">
-                      <a:solidFill>
-                        <a:srgbClr val="7F7F7F"/>
-                      </a:solidFill>
-                      <a:prstDash val="solid"/>
-                      <a:round/>
-                      <a:headEnd type="none" w="med" len="med"/>
-                      <a:tailEnd type="none" w="med" len="med"/>
-                    </a:lnB>
-                  </a:tcPr>
-                </a:tc>
-                <a:extLst>
-                  <a:ext uri="{0D108BD9-81ED-4DB2-BD59-A6C34878D82A}">
-                    <a16:rowId xmlns:a16="http://schemas.microsoft.com/office/drawing/2014/main" val="575075292"/>
-                  </a:ext>
-                </a:extLst>
-              </a:tr>
-              <a:tr h="313758">
-                <a:tc>
-                  <a:txBody>
-                    <a:bodyPr/>
-                    <a:lstStyle/>
-                    <a:p>
-                      <a:pPr algn="l" fontAlgn="t"/>
-                      <a:r>
-                        <a:rPr lang="en-US" sz="1200" b="0" i="0" u="none" strike="noStrike">
-                          <a:solidFill>
-                            <a:srgbClr val="000000"/>
-                          </a:solidFill>
-                          <a:effectLst/>
-                          <a:latin typeface="メイリオ" panose="020B0604030504040204" pitchFamily="50" charset="-128"/>
-                          <a:ea typeface="メイリオ" panose="020B0604030504040204" pitchFamily="50" charset="-128"/>
-                        </a:rPr>
-                        <a:t>1:operation1</a:t>
-                      </a:r>
-                    </a:p>
-                  </a:txBody>
-                  <a:tcPr marL="0" marR="0" marT="0" marB="0">
-                    <a:lnL>
-                      <a:noFill/>
-                    </a:lnL>
-                    <a:lnR w="6350" cap="flat" cmpd="sng" algn="ctr">
-                      <a:solidFill>
-                        <a:srgbClr val="7F7F7F"/>
-                      </a:solidFill>
-                      <a:prstDash val="solid"/>
-                      <a:round/>
-                      <a:headEnd type="none" w="med" len="med"/>
-                      <a:tailEnd type="none" w="med" len="med"/>
-                    </a:lnR>
-                    <a:lnT w="6350" cap="flat" cmpd="sng" algn="ctr">
-                      <a:solidFill>
-                        <a:srgbClr val="7F7F7F"/>
-                      </a:solidFill>
-                      <a:prstDash val="solid"/>
-                      <a:round/>
-                      <a:headEnd type="none" w="med" len="med"/>
-                      <a:tailEnd type="none" w="med" len="med"/>
-                    </a:lnT>
-                    <a:lnB w="6350" cap="flat" cmpd="sng" algn="ctr">
-                      <a:solidFill>
-                        <a:srgbClr val="7F7F7F"/>
-                      </a:solidFill>
-                      <a:prstDash val="solid"/>
-                      <a:round/>
-                      <a:headEnd type="none" w="med" len="med"/>
-                      <a:tailEnd type="none" w="med" len="med"/>
-                    </a:lnB>
-                  </a:tcPr>
-                </a:tc>
-                <a:tc>
-                  <a:txBody>
-                    <a:bodyPr/>
-                    <a:lstStyle/>
-                    <a:p>
-                      <a:pPr algn="l" fontAlgn="t"/>
-                      <a:r>
-                        <a:rPr lang="en-US" sz="1200" b="0" i="0" u="none" strike="noStrike">
-                          <a:solidFill>
-                            <a:srgbClr val="000000"/>
-                          </a:solidFill>
-                          <a:effectLst/>
-                          <a:latin typeface="メイリオ" panose="020B0604030504040204" pitchFamily="50" charset="-128"/>
-                          <a:ea typeface="メイリオ" panose="020B0604030504040204" pitchFamily="50" charset="-128"/>
-                        </a:rPr>
-                        <a:t>1:Testserver</a:t>
-                      </a:r>
-                    </a:p>
-                  </a:txBody>
-                  <a:tcPr marL="0" marR="0" marT="0" marB="0">
-                    <a:lnL w="6350" cap="flat" cmpd="sng" algn="ctr">
-                      <a:solidFill>
-                        <a:srgbClr val="7F7F7F"/>
-                      </a:solidFill>
-                      <a:prstDash val="solid"/>
-                      <a:round/>
-                      <a:headEnd type="none" w="med" len="med"/>
-                      <a:tailEnd type="none" w="med" len="med"/>
-                    </a:lnL>
-                    <a:lnR w="6350" cap="flat" cmpd="sng" algn="ctr">
-                      <a:solidFill>
-                        <a:srgbClr val="7F7F7F"/>
-                      </a:solidFill>
-                      <a:prstDash val="solid"/>
-                      <a:round/>
-                      <a:headEnd type="none" w="med" len="med"/>
-                      <a:tailEnd type="none" w="med" len="med"/>
-                    </a:lnR>
-                    <a:lnT w="6350" cap="flat" cmpd="sng" algn="ctr">
-                      <a:solidFill>
-                        <a:srgbClr val="7F7F7F"/>
-                      </a:solidFill>
-                      <a:prstDash val="solid"/>
-                      <a:round/>
-                      <a:headEnd type="none" w="med" len="med"/>
-                      <a:tailEnd type="none" w="med" len="med"/>
-                    </a:lnT>
-                    <a:lnB w="6350" cap="flat" cmpd="sng" algn="ctr">
-                      <a:solidFill>
-                        <a:srgbClr val="7F7F7F"/>
-                      </a:solidFill>
-                      <a:prstDash val="solid"/>
-                      <a:round/>
-                      <a:headEnd type="none" w="med" len="med"/>
-                      <a:tailEnd type="none" w="med" len="med"/>
-                    </a:lnB>
-                  </a:tcPr>
-                </a:tc>
-                <a:tc>
-                  <a:txBody>
-                    <a:bodyPr/>
-                    <a:lstStyle/>
-                    <a:p>
-                      <a:pPr algn="l" fontAlgn="t"/>
-                      <a:r>
-                        <a:rPr lang="en-US" sz="1200" b="0" i="0" u="none" strike="noStrike">
-                          <a:solidFill>
-                            <a:srgbClr val="000000"/>
-                          </a:solidFill>
-                          <a:effectLst/>
-                          <a:latin typeface="メイリオ" panose="020B0604030504040204" pitchFamily="50" charset="-128"/>
-                          <a:ea typeface="メイリオ" panose="020B0604030504040204" pitchFamily="50" charset="-128"/>
-                        </a:rPr>
-                        <a:t>8:remove_directory:11:VAR_dir_name_1</a:t>
-                      </a:r>
-                    </a:p>
-                  </a:txBody>
-                  <a:tcPr marL="0" marR="0" marT="0" marB="0">
-                    <a:lnL w="6350" cap="flat" cmpd="sng" algn="ctr">
-                      <a:solidFill>
-                        <a:srgbClr val="7F7F7F"/>
-                      </a:solidFill>
-                      <a:prstDash val="solid"/>
-                      <a:round/>
-                      <a:headEnd type="none" w="med" len="med"/>
-                      <a:tailEnd type="none" w="med" len="med"/>
-                    </a:lnL>
-                    <a:lnR w="6350" cap="flat" cmpd="sng" algn="ctr">
-                      <a:solidFill>
-                        <a:srgbClr val="7F7F7F"/>
-                      </a:solidFill>
-                      <a:prstDash val="solid"/>
-                      <a:round/>
-                      <a:headEnd type="none" w="med" len="med"/>
-                      <a:tailEnd type="none" w="med" len="med"/>
-                    </a:lnR>
-                    <a:lnT w="6350" cap="flat" cmpd="sng" algn="ctr">
-                      <a:solidFill>
-                        <a:srgbClr val="7F7F7F"/>
-                      </a:solidFill>
-                      <a:prstDash val="solid"/>
-                      <a:round/>
-                      <a:headEnd type="none" w="med" len="med"/>
-                      <a:tailEnd type="none" w="med" len="med"/>
-                    </a:lnT>
-                    <a:lnB w="6350" cap="flat" cmpd="sng" algn="ctr">
-                      <a:solidFill>
-                        <a:srgbClr val="7F7F7F"/>
-                      </a:solidFill>
-                      <a:prstDash val="solid"/>
-                      <a:round/>
-                      <a:headEnd type="none" w="med" len="med"/>
-                      <a:tailEnd type="none" w="med" len="med"/>
-                    </a:lnB>
-                  </a:tcPr>
-                </a:tc>
-                <a:tc>
-                  <a:txBody>
-                    <a:bodyPr/>
-                    <a:lstStyle/>
-                    <a:p>
-                      <a:pPr algn="l" fontAlgn="t"/>
-                      <a:r>
-                        <a:rPr lang="en-US" sz="1200" b="0" i="0" u="none" strike="noStrike">
-                          <a:solidFill>
-                            <a:srgbClr val="000000"/>
-                          </a:solidFill>
-                          <a:effectLst/>
-                          <a:latin typeface="メイリオ" panose="020B0604030504040204" pitchFamily="50" charset="-128"/>
-                          <a:ea typeface="メイリオ" panose="020B0604030504040204" pitchFamily="50" charset="-128"/>
-                        </a:rPr>
-                        <a:t>dir1</a:t>
-                      </a:r>
-                    </a:p>
-                  </a:txBody>
-                  <a:tcPr marL="0" marR="0" marT="0" marB="0">
-                    <a:lnL w="6350" cap="flat" cmpd="sng" algn="ctr">
-                      <a:solidFill>
-                        <a:srgbClr val="7F7F7F"/>
-                      </a:solidFill>
-                      <a:prstDash val="solid"/>
-                      <a:round/>
-                      <a:headEnd type="none" w="med" len="med"/>
-                      <a:tailEnd type="none" w="med" len="med"/>
-                    </a:lnL>
-                    <a:lnR w="6350" cap="flat" cmpd="sng" algn="ctr">
-                      <a:solidFill>
-                        <a:srgbClr val="7F7F7F"/>
-                      </a:solidFill>
-                      <a:prstDash val="solid"/>
-                      <a:round/>
-                      <a:headEnd type="none" w="med" len="med"/>
-                      <a:tailEnd type="none" w="med" len="med"/>
-                    </a:lnR>
-                    <a:lnT w="6350" cap="flat" cmpd="sng" algn="ctr">
-                      <a:solidFill>
-                        <a:srgbClr val="7F7F7F"/>
-                      </a:solidFill>
-                      <a:prstDash val="solid"/>
-                      <a:round/>
-                      <a:headEnd type="none" w="med" len="med"/>
-                      <a:tailEnd type="none" w="med" len="med"/>
-                    </a:lnT>
-                    <a:lnB w="6350" cap="flat" cmpd="sng" algn="ctr">
-                      <a:solidFill>
-                        <a:srgbClr val="7F7F7F"/>
-                      </a:solidFill>
-                      <a:prstDash val="solid"/>
-                      <a:round/>
-                      <a:headEnd type="none" w="med" len="med"/>
-                      <a:tailEnd type="none" w="med" len="med"/>
-                    </a:lnB>
-                  </a:tcPr>
-                </a:tc>
-                <a:tc>
-                  <a:txBody>
-                    <a:bodyPr/>
-                    <a:lstStyle/>
-                    <a:p>
-                      <a:pPr algn="l" fontAlgn="t"/>
-                      <a:endParaRPr lang="en-US" altLang="ja-JP" sz="1200" b="0" i="0" u="none" strike="noStrike" dirty="0">
-                        <a:solidFill>
-                          <a:srgbClr val="000000"/>
-                        </a:solidFill>
-                        <a:effectLst/>
-                        <a:latin typeface="メイリオ" panose="020B0604030504040204" pitchFamily="50" charset="-128"/>
-                        <a:ea typeface="メイリオ" panose="020B0604030504040204" pitchFamily="50" charset="-128"/>
-                      </a:endParaRPr>
-                    </a:p>
-                  </a:txBody>
-                  <a:tcPr marL="0" marR="0" marT="0" marB="0">
-                    <a:lnL w="6350" cap="flat" cmpd="sng" algn="ctr">
-                      <a:solidFill>
-                        <a:srgbClr val="7F7F7F"/>
-                      </a:solidFill>
-                      <a:prstDash val="solid"/>
-                      <a:round/>
-                      <a:headEnd type="none" w="med" len="med"/>
-                      <a:tailEnd type="none" w="med" len="med"/>
-                    </a:lnL>
-                    <a:lnR w="6350" cap="flat" cmpd="sng" algn="ctr">
-                      <a:solidFill>
-                        <a:srgbClr val="7F7F7F"/>
-                      </a:solidFill>
-                      <a:prstDash val="solid"/>
-                      <a:round/>
-                      <a:headEnd type="none" w="med" len="med"/>
-                      <a:tailEnd type="none" w="med" len="med"/>
-                    </a:lnR>
-                    <a:lnT w="6350" cap="flat" cmpd="sng" algn="ctr">
-                      <a:solidFill>
-                        <a:srgbClr val="7F7F7F"/>
-                      </a:solidFill>
-                      <a:prstDash val="solid"/>
-                      <a:round/>
-                      <a:headEnd type="none" w="med" len="med"/>
-                      <a:tailEnd type="none" w="med" len="med"/>
-                    </a:lnT>
-                    <a:lnB w="6350" cap="flat" cmpd="sng" algn="ctr">
-                      <a:solidFill>
-                        <a:srgbClr val="7F7F7F"/>
-                      </a:solidFill>
-                      <a:prstDash val="solid"/>
-                      <a:round/>
-                      <a:headEnd type="none" w="med" len="med"/>
-                      <a:tailEnd type="none" w="med" len="med"/>
-                    </a:lnB>
-                  </a:tcPr>
-                </a:tc>
-                <a:extLst>
-                  <a:ext uri="{0D108BD9-81ED-4DB2-BD59-A6C34878D82A}">
-                    <a16:rowId xmlns:a16="http://schemas.microsoft.com/office/drawing/2014/main" val="3623698934"/>
-                  </a:ext>
-                </a:extLst>
-              </a:tr>
-              <a:tr h="313758">
-                <a:tc>
-                  <a:txBody>
-                    <a:bodyPr/>
-                    <a:lstStyle/>
-                    <a:p>
-                      <a:pPr algn="l" fontAlgn="t"/>
-                      <a:r>
-                        <a:rPr lang="en-US" sz="1200" b="0" i="0" u="none" strike="noStrike">
-                          <a:solidFill>
-                            <a:srgbClr val="000000"/>
-                          </a:solidFill>
-                          <a:effectLst/>
-                          <a:latin typeface="メイリオ" panose="020B0604030504040204" pitchFamily="50" charset="-128"/>
-                          <a:ea typeface="メイリオ" panose="020B0604030504040204" pitchFamily="50" charset="-128"/>
-                        </a:rPr>
-                        <a:t>1:operation1</a:t>
-                      </a:r>
-                    </a:p>
-                  </a:txBody>
-                  <a:tcPr marL="0" marR="0" marT="0" marB="0">
-                    <a:lnL>
-                      <a:noFill/>
-                    </a:lnL>
-                    <a:lnR w="6350" cap="flat" cmpd="sng" algn="ctr">
-                      <a:solidFill>
-                        <a:srgbClr val="7F7F7F"/>
-                      </a:solidFill>
-                      <a:prstDash val="solid"/>
-                      <a:round/>
-                      <a:headEnd type="none" w="med" len="med"/>
-                      <a:tailEnd type="none" w="med" len="med"/>
-                    </a:lnR>
-                    <a:lnT w="6350" cap="flat" cmpd="sng" algn="ctr">
-                      <a:solidFill>
-                        <a:srgbClr val="7F7F7F"/>
-                      </a:solidFill>
-                      <a:prstDash val="solid"/>
-                      <a:round/>
-                      <a:headEnd type="none" w="med" len="med"/>
-                      <a:tailEnd type="none" w="med" len="med"/>
-                    </a:lnT>
-                    <a:lnB w="6350" cap="flat" cmpd="sng" algn="ctr">
-                      <a:solidFill>
-                        <a:srgbClr val="7F7F7F"/>
-                      </a:solidFill>
-                      <a:prstDash val="solid"/>
-                      <a:round/>
-                      <a:headEnd type="none" w="med" len="med"/>
-                      <a:tailEnd type="none" w="med" len="med"/>
-                    </a:lnB>
-                  </a:tcPr>
-                </a:tc>
-                <a:tc>
-                  <a:txBody>
-                    <a:bodyPr/>
-                    <a:lstStyle/>
-                    <a:p>
-                      <a:pPr algn="l" fontAlgn="t"/>
-                      <a:r>
-                        <a:rPr lang="en-US" sz="1200" b="0" i="0" u="none" strike="noStrike">
-                          <a:solidFill>
-                            <a:srgbClr val="000000"/>
-                          </a:solidFill>
-                          <a:effectLst/>
-                          <a:latin typeface="メイリオ" panose="020B0604030504040204" pitchFamily="50" charset="-128"/>
-                          <a:ea typeface="メイリオ" panose="020B0604030504040204" pitchFamily="50" charset="-128"/>
-                        </a:rPr>
-                        <a:t>1:Testserver</a:t>
-                      </a:r>
-                    </a:p>
-                  </a:txBody>
-                  <a:tcPr marL="0" marR="0" marT="0" marB="0">
-                    <a:lnL w="6350" cap="flat" cmpd="sng" algn="ctr">
-                      <a:solidFill>
-                        <a:srgbClr val="7F7F7F"/>
-                      </a:solidFill>
-                      <a:prstDash val="solid"/>
-                      <a:round/>
-                      <a:headEnd type="none" w="med" len="med"/>
-                      <a:tailEnd type="none" w="med" len="med"/>
-                    </a:lnL>
-                    <a:lnR w="6350" cap="flat" cmpd="sng" algn="ctr">
-                      <a:solidFill>
-                        <a:srgbClr val="7F7F7F"/>
-                      </a:solidFill>
-                      <a:prstDash val="solid"/>
-                      <a:round/>
-                      <a:headEnd type="none" w="med" len="med"/>
-                      <a:tailEnd type="none" w="med" len="med"/>
-                    </a:lnR>
-                    <a:lnT w="6350" cap="flat" cmpd="sng" algn="ctr">
-                      <a:solidFill>
-                        <a:srgbClr val="7F7F7F"/>
-                      </a:solidFill>
-                      <a:prstDash val="solid"/>
-                      <a:round/>
-                      <a:headEnd type="none" w="med" len="med"/>
-                      <a:tailEnd type="none" w="med" len="med"/>
-                    </a:lnT>
-                    <a:lnB w="6350" cap="flat" cmpd="sng" algn="ctr">
-                      <a:solidFill>
-                        <a:srgbClr val="7F7F7F"/>
-                      </a:solidFill>
-                      <a:prstDash val="solid"/>
-                      <a:round/>
-                      <a:headEnd type="none" w="med" len="med"/>
-                      <a:tailEnd type="none" w="med" len="med"/>
-                    </a:lnB>
-                  </a:tcPr>
-                </a:tc>
-                <a:tc>
-                  <a:txBody>
-                    <a:bodyPr/>
-                    <a:lstStyle/>
-                    <a:p>
-                      <a:pPr algn="l" fontAlgn="t"/>
-                      <a:r>
-                        <a:rPr lang="en-US" sz="1200" b="0" i="0" u="none" strike="noStrike">
-                          <a:solidFill>
-                            <a:srgbClr val="000000"/>
-                          </a:solidFill>
-                          <a:effectLst/>
-                          <a:latin typeface="メイリオ" panose="020B0604030504040204" pitchFamily="50" charset="-128"/>
-                          <a:ea typeface="メイリオ" panose="020B0604030504040204" pitchFamily="50" charset="-128"/>
-                        </a:rPr>
-                        <a:t>9:remove_file:12:VAR_dir_name_1</a:t>
-                      </a:r>
-                    </a:p>
-                  </a:txBody>
-                  <a:tcPr marL="0" marR="0" marT="0" marB="0">
-                    <a:lnL w="6350" cap="flat" cmpd="sng" algn="ctr">
-                      <a:solidFill>
-                        <a:srgbClr val="7F7F7F"/>
-                      </a:solidFill>
-                      <a:prstDash val="solid"/>
-                      <a:round/>
-                      <a:headEnd type="none" w="med" len="med"/>
-                      <a:tailEnd type="none" w="med" len="med"/>
-                    </a:lnL>
-                    <a:lnR w="6350" cap="flat" cmpd="sng" algn="ctr">
-                      <a:solidFill>
-                        <a:srgbClr val="7F7F7F"/>
-                      </a:solidFill>
-                      <a:prstDash val="solid"/>
-                      <a:round/>
-                      <a:headEnd type="none" w="med" len="med"/>
-                      <a:tailEnd type="none" w="med" len="med"/>
-                    </a:lnR>
-                    <a:lnT w="6350" cap="flat" cmpd="sng" algn="ctr">
-                      <a:solidFill>
-                        <a:srgbClr val="7F7F7F"/>
-                      </a:solidFill>
-                      <a:prstDash val="solid"/>
-                      <a:round/>
-                      <a:headEnd type="none" w="med" len="med"/>
-                      <a:tailEnd type="none" w="med" len="med"/>
-                    </a:lnT>
-                    <a:lnB w="6350" cap="flat" cmpd="sng" algn="ctr">
-                      <a:solidFill>
-                        <a:srgbClr val="7F7F7F"/>
-                      </a:solidFill>
-                      <a:prstDash val="solid"/>
-                      <a:round/>
-                      <a:headEnd type="none" w="med" len="med"/>
-                      <a:tailEnd type="none" w="med" len="med"/>
-                    </a:lnB>
-                  </a:tcPr>
-                </a:tc>
-                <a:tc>
-                  <a:txBody>
-                    <a:bodyPr/>
-                    <a:lstStyle/>
-                    <a:p>
-                      <a:pPr algn="l" fontAlgn="t"/>
-                      <a:r>
-                        <a:rPr lang="en-US" sz="1200" b="0" i="0" u="none" strike="noStrike">
-                          <a:solidFill>
-                            <a:srgbClr val="000000"/>
-                          </a:solidFill>
-                          <a:effectLst/>
-                          <a:latin typeface="メイリオ" panose="020B0604030504040204" pitchFamily="50" charset="-128"/>
-                          <a:ea typeface="メイリオ" panose="020B0604030504040204" pitchFamily="50" charset="-128"/>
-                        </a:rPr>
-                        <a:t>dir1</a:t>
-                      </a:r>
-                    </a:p>
-                  </a:txBody>
-                  <a:tcPr marL="0" marR="0" marT="0" marB="0">
-                    <a:lnL w="6350" cap="flat" cmpd="sng" algn="ctr">
-                      <a:solidFill>
-                        <a:srgbClr val="7F7F7F"/>
-                      </a:solidFill>
-                      <a:prstDash val="solid"/>
-                      <a:round/>
-                      <a:headEnd type="none" w="med" len="med"/>
-                      <a:tailEnd type="none" w="med" len="med"/>
-                    </a:lnL>
-                    <a:lnR w="6350" cap="flat" cmpd="sng" algn="ctr">
-                      <a:solidFill>
-                        <a:srgbClr val="7F7F7F"/>
-                      </a:solidFill>
-                      <a:prstDash val="solid"/>
-                      <a:round/>
-                      <a:headEnd type="none" w="med" len="med"/>
-                      <a:tailEnd type="none" w="med" len="med"/>
-                    </a:lnR>
-                    <a:lnT w="6350" cap="flat" cmpd="sng" algn="ctr">
-                      <a:solidFill>
-                        <a:srgbClr val="7F7F7F"/>
-                      </a:solidFill>
-                      <a:prstDash val="solid"/>
-                      <a:round/>
-                      <a:headEnd type="none" w="med" len="med"/>
-                      <a:tailEnd type="none" w="med" len="med"/>
-                    </a:lnT>
-                    <a:lnB w="6350" cap="flat" cmpd="sng" algn="ctr">
-                      <a:solidFill>
-                        <a:srgbClr val="7F7F7F"/>
-                      </a:solidFill>
-                      <a:prstDash val="solid"/>
-                      <a:round/>
-                      <a:headEnd type="none" w="med" len="med"/>
-                      <a:tailEnd type="none" w="med" len="med"/>
-                    </a:lnB>
-                  </a:tcPr>
-                </a:tc>
-                <a:tc>
-                  <a:txBody>
-                    <a:bodyPr/>
-                    <a:lstStyle/>
-                    <a:p>
-                      <a:pPr algn="l" fontAlgn="t"/>
-                      <a:endParaRPr lang="en-US" altLang="ja-JP" sz="1200" b="0" i="0" u="none" strike="noStrike" dirty="0">
-                        <a:solidFill>
-                          <a:srgbClr val="000000"/>
-                        </a:solidFill>
-                        <a:effectLst/>
-                        <a:latin typeface="メイリオ" panose="020B0604030504040204" pitchFamily="50" charset="-128"/>
-                        <a:ea typeface="メイリオ" panose="020B0604030504040204" pitchFamily="50" charset="-128"/>
-                      </a:endParaRPr>
-                    </a:p>
-                  </a:txBody>
-                  <a:tcPr marL="0" marR="0" marT="0" marB="0">
-                    <a:lnL w="6350" cap="flat" cmpd="sng" algn="ctr">
-                      <a:solidFill>
-                        <a:srgbClr val="7F7F7F"/>
-                      </a:solidFill>
-                      <a:prstDash val="solid"/>
-                      <a:round/>
-                      <a:headEnd type="none" w="med" len="med"/>
-                      <a:tailEnd type="none" w="med" len="med"/>
-                    </a:lnL>
-                    <a:lnR w="6350" cap="flat" cmpd="sng" algn="ctr">
-                      <a:solidFill>
-                        <a:srgbClr val="7F7F7F"/>
-                      </a:solidFill>
-                      <a:prstDash val="solid"/>
-                      <a:round/>
-                      <a:headEnd type="none" w="med" len="med"/>
-                      <a:tailEnd type="none" w="med" len="med"/>
-                    </a:lnR>
-                    <a:lnT w="6350" cap="flat" cmpd="sng" algn="ctr">
-                      <a:solidFill>
-                        <a:srgbClr val="7F7F7F"/>
-                      </a:solidFill>
-                      <a:prstDash val="solid"/>
-                      <a:round/>
-                      <a:headEnd type="none" w="med" len="med"/>
-                      <a:tailEnd type="none" w="med" len="med"/>
-                    </a:lnT>
-                    <a:lnB w="6350" cap="flat" cmpd="sng" algn="ctr">
-                      <a:solidFill>
-                        <a:srgbClr val="7F7F7F"/>
-                      </a:solidFill>
-                      <a:prstDash val="solid"/>
-                      <a:round/>
-                      <a:headEnd type="none" w="med" len="med"/>
-                      <a:tailEnd type="none" w="med" len="med"/>
-                    </a:lnB>
-                  </a:tcPr>
-                </a:tc>
-                <a:extLst>
-                  <a:ext uri="{0D108BD9-81ED-4DB2-BD59-A6C34878D82A}">
-                    <a16:rowId xmlns:a16="http://schemas.microsoft.com/office/drawing/2014/main" val="3802559305"/>
-                  </a:ext>
-                </a:extLst>
-              </a:tr>
-              <a:tr h="313758">
-                <a:tc>
-                  <a:txBody>
-                    <a:bodyPr/>
-                    <a:lstStyle/>
-                    <a:p>
-                      <a:pPr algn="l" fontAlgn="t"/>
-                      <a:r>
-                        <a:rPr lang="en-US" sz="1200" b="0" i="0" u="none" strike="noStrike">
-                          <a:solidFill>
-                            <a:srgbClr val="000000"/>
-                          </a:solidFill>
-                          <a:effectLst/>
-                          <a:latin typeface="メイリオ" panose="020B0604030504040204" pitchFamily="50" charset="-128"/>
-                          <a:ea typeface="メイリオ" panose="020B0604030504040204" pitchFamily="50" charset="-128"/>
-                        </a:rPr>
-                        <a:t>1:operation1</a:t>
-                      </a:r>
-                    </a:p>
-                  </a:txBody>
-                  <a:tcPr marL="0" marR="0" marT="0" marB="0">
-                    <a:lnL>
-                      <a:noFill/>
-                    </a:lnL>
-                    <a:lnR w="6350" cap="flat" cmpd="sng" algn="ctr">
-                      <a:solidFill>
-                        <a:srgbClr val="7F7F7F"/>
-                      </a:solidFill>
-                      <a:prstDash val="solid"/>
-                      <a:round/>
-                      <a:headEnd type="none" w="med" len="med"/>
-                      <a:tailEnd type="none" w="med" len="med"/>
-                    </a:lnR>
-                    <a:lnT w="6350" cap="flat" cmpd="sng" algn="ctr">
-                      <a:solidFill>
-                        <a:srgbClr val="7F7F7F"/>
-                      </a:solidFill>
-                      <a:prstDash val="solid"/>
-                      <a:round/>
-                      <a:headEnd type="none" w="med" len="med"/>
-                      <a:tailEnd type="none" w="med" len="med"/>
-                    </a:lnT>
-                    <a:lnB w="6350" cap="flat" cmpd="sng" algn="ctr">
-                      <a:solidFill>
-                        <a:srgbClr val="7F7F7F"/>
-                      </a:solidFill>
-                      <a:prstDash val="solid"/>
-                      <a:round/>
-                      <a:headEnd type="none" w="med" len="med"/>
-                      <a:tailEnd type="none" w="med" len="med"/>
-                    </a:lnB>
-                  </a:tcPr>
-                </a:tc>
-                <a:tc>
-                  <a:txBody>
-                    <a:bodyPr/>
-                    <a:lstStyle/>
-                    <a:p>
-                      <a:pPr algn="l" fontAlgn="t"/>
-                      <a:r>
-                        <a:rPr lang="en-US" sz="1200" b="0" i="0" u="none" strike="noStrike">
-                          <a:solidFill>
-                            <a:srgbClr val="000000"/>
-                          </a:solidFill>
-                          <a:effectLst/>
-                          <a:latin typeface="メイリオ" panose="020B0604030504040204" pitchFamily="50" charset="-128"/>
-                          <a:ea typeface="メイリオ" panose="020B0604030504040204" pitchFamily="50" charset="-128"/>
-                        </a:rPr>
-                        <a:t>1:Testserver</a:t>
-                      </a:r>
-                    </a:p>
-                  </a:txBody>
-                  <a:tcPr marL="0" marR="0" marT="0" marB="0">
-                    <a:lnL w="6350" cap="flat" cmpd="sng" algn="ctr">
-                      <a:solidFill>
-                        <a:srgbClr val="7F7F7F"/>
-                      </a:solidFill>
-                      <a:prstDash val="solid"/>
-                      <a:round/>
-                      <a:headEnd type="none" w="med" len="med"/>
-                      <a:tailEnd type="none" w="med" len="med"/>
-                    </a:lnL>
-                    <a:lnR w="6350" cap="flat" cmpd="sng" algn="ctr">
-                      <a:solidFill>
-                        <a:srgbClr val="7F7F7F"/>
-                      </a:solidFill>
-                      <a:prstDash val="solid"/>
-                      <a:round/>
-                      <a:headEnd type="none" w="med" len="med"/>
-                      <a:tailEnd type="none" w="med" len="med"/>
-                    </a:lnR>
-                    <a:lnT w="6350" cap="flat" cmpd="sng" algn="ctr">
-                      <a:solidFill>
-                        <a:srgbClr val="7F7F7F"/>
-                      </a:solidFill>
-                      <a:prstDash val="solid"/>
-                      <a:round/>
-                      <a:headEnd type="none" w="med" len="med"/>
-                      <a:tailEnd type="none" w="med" len="med"/>
-                    </a:lnT>
-                    <a:lnB w="6350" cap="flat" cmpd="sng" algn="ctr">
-                      <a:solidFill>
-                        <a:srgbClr val="7F7F7F"/>
-                      </a:solidFill>
-                      <a:prstDash val="solid"/>
-                      <a:round/>
-                      <a:headEnd type="none" w="med" len="med"/>
-                      <a:tailEnd type="none" w="med" len="med"/>
-                    </a:lnB>
-                  </a:tcPr>
-                </a:tc>
-                <a:tc>
-                  <a:txBody>
-                    <a:bodyPr/>
-                    <a:lstStyle/>
-                    <a:p>
-                      <a:pPr algn="l" fontAlgn="t"/>
-                      <a:r>
-                        <a:rPr lang="en-US" sz="1200" b="0" i="0" u="none" strike="noStrike">
-                          <a:solidFill>
-                            <a:srgbClr val="000000"/>
-                          </a:solidFill>
-                          <a:effectLst/>
-                          <a:latin typeface="メイリオ" panose="020B0604030504040204" pitchFamily="50" charset="-128"/>
-                          <a:ea typeface="メイリオ" panose="020B0604030504040204" pitchFamily="50" charset="-128"/>
-                        </a:rPr>
-                        <a:t>9:remove_file:12:VAR_dir_name_1</a:t>
-                      </a:r>
-                    </a:p>
-                  </a:txBody>
-                  <a:tcPr marL="0" marR="0" marT="0" marB="0">
-                    <a:lnL w="6350" cap="flat" cmpd="sng" algn="ctr">
-                      <a:solidFill>
-                        <a:srgbClr val="7F7F7F"/>
-                      </a:solidFill>
-                      <a:prstDash val="solid"/>
-                      <a:round/>
-                      <a:headEnd type="none" w="med" len="med"/>
-                      <a:tailEnd type="none" w="med" len="med"/>
-                    </a:lnL>
-                    <a:lnR w="6350" cap="flat" cmpd="sng" algn="ctr">
-                      <a:solidFill>
-                        <a:srgbClr val="7F7F7F"/>
-                      </a:solidFill>
-                      <a:prstDash val="solid"/>
-                      <a:round/>
-                      <a:headEnd type="none" w="med" len="med"/>
-                      <a:tailEnd type="none" w="med" len="med"/>
-                    </a:lnR>
-                    <a:lnT w="6350" cap="flat" cmpd="sng" algn="ctr">
-                      <a:solidFill>
-                        <a:srgbClr val="7F7F7F"/>
-                      </a:solidFill>
-                      <a:prstDash val="solid"/>
-                      <a:round/>
-                      <a:headEnd type="none" w="med" len="med"/>
-                      <a:tailEnd type="none" w="med" len="med"/>
-                    </a:lnT>
-                    <a:lnB w="6350" cap="flat" cmpd="sng" algn="ctr">
-                      <a:solidFill>
-                        <a:srgbClr val="7F7F7F"/>
-                      </a:solidFill>
-                      <a:prstDash val="solid"/>
-                      <a:round/>
-                      <a:headEnd type="none" w="med" len="med"/>
-                      <a:tailEnd type="none" w="med" len="med"/>
-                    </a:lnB>
-                  </a:tcPr>
-                </a:tc>
-                <a:tc>
-                  <a:txBody>
-                    <a:bodyPr/>
-                    <a:lstStyle/>
-                    <a:p>
-                      <a:pPr algn="l" fontAlgn="t"/>
-                      <a:r>
-                        <a:rPr lang="en-US" sz="1200" b="0" i="0" u="none" strike="noStrike">
-                          <a:solidFill>
-                            <a:srgbClr val="000000"/>
-                          </a:solidFill>
-                          <a:effectLst/>
-                          <a:latin typeface="メイリオ" panose="020B0604030504040204" pitchFamily="50" charset="-128"/>
-                          <a:ea typeface="メイリオ" panose="020B0604030504040204" pitchFamily="50" charset="-128"/>
-                        </a:rPr>
-                        <a:t>testfile</a:t>
-                      </a:r>
-                    </a:p>
-                  </a:txBody>
-                  <a:tcPr marL="0" marR="0" marT="0" marB="0">
-                    <a:lnL w="6350" cap="flat" cmpd="sng" algn="ctr">
-                      <a:solidFill>
-                        <a:srgbClr val="7F7F7F"/>
-                      </a:solidFill>
-                      <a:prstDash val="solid"/>
-                      <a:round/>
-                      <a:headEnd type="none" w="med" len="med"/>
-                      <a:tailEnd type="none" w="med" len="med"/>
-                    </a:lnL>
-                    <a:lnR w="6350" cap="flat" cmpd="sng" algn="ctr">
-                      <a:solidFill>
-                        <a:srgbClr val="7F7F7F"/>
-                      </a:solidFill>
-                      <a:prstDash val="solid"/>
-                      <a:round/>
-                      <a:headEnd type="none" w="med" len="med"/>
-                      <a:tailEnd type="none" w="med" len="med"/>
-                    </a:lnR>
-                    <a:lnT w="6350" cap="flat" cmpd="sng" algn="ctr">
-                      <a:solidFill>
-                        <a:srgbClr val="7F7F7F"/>
-                      </a:solidFill>
-                      <a:prstDash val="solid"/>
-                      <a:round/>
-                      <a:headEnd type="none" w="med" len="med"/>
-                      <a:tailEnd type="none" w="med" len="med"/>
-                    </a:lnT>
-                    <a:lnB w="6350" cap="flat" cmpd="sng" algn="ctr">
-                      <a:solidFill>
-                        <a:srgbClr val="7F7F7F"/>
-                      </a:solidFill>
-                      <a:prstDash val="solid"/>
-                      <a:round/>
-                      <a:headEnd type="none" w="med" len="med"/>
-                      <a:tailEnd type="none" w="med" len="med"/>
-                    </a:lnB>
-                  </a:tcPr>
-                </a:tc>
-                <a:tc>
-                  <a:txBody>
-                    <a:bodyPr/>
-                    <a:lstStyle/>
-                    <a:p>
-                      <a:pPr algn="l" fontAlgn="t"/>
-                      <a:endParaRPr lang="en-US" altLang="ja-JP" sz="1200" b="0" i="0" u="none" strike="noStrike" dirty="0">
-                        <a:solidFill>
-                          <a:srgbClr val="000000"/>
-                        </a:solidFill>
-                        <a:effectLst/>
-                        <a:latin typeface="メイリオ" panose="020B0604030504040204" pitchFamily="50" charset="-128"/>
-                        <a:ea typeface="メイリオ" panose="020B0604030504040204" pitchFamily="50" charset="-128"/>
-                      </a:endParaRPr>
-                    </a:p>
-                  </a:txBody>
-                  <a:tcPr marL="0" marR="0" marT="0" marB="0">
-                    <a:lnL w="6350" cap="flat" cmpd="sng" algn="ctr">
-                      <a:solidFill>
-                        <a:srgbClr val="7F7F7F"/>
-                      </a:solidFill>
-                      <a:prstDash val="solid"/>
-                      <a:round/>
-                      <a:headEnd type="none" w="med" len="med"/>
-                      <a:tailEnd type="none" w="med" len="med"/>
-                    </a:lnL>
-                    <a:lnR w="6350" cap="flat" cmpd="sng" algn="ctr">
-                      <a:solidFill>
-                        <a:srgbClr val="7F7F7F"/>
-                      </a:solidFill>
-                      <a:prstDash val="solid"/>
-                      <a:round/>
-                      <a:headEnd type="none" w="med" len="med"/>
-                      <a:tailEnd type="none" w="med" len="med"/>
-                    </a:lnR>
-                    <a:lnT w="6350" cap="flat" cmpd="sng" algn="ctr">
-                      <a:solidFill>
-                        <a:srgbClr val="7F7F7F"/>
-                      </a:solidFill>
-                      <a:prstDash val="solid"/>
-                      <a:round/>
-                      <a:headEnd type="none" w="med" len="med"/>
-                      <a:tailEnd type="none" w="med" len="med"/>
-                    </a:lnT>
-                    <a:lnB w="6350" cap="flat" cmpd="sng" algn="ctr">
-                      <a:solidFill>
-                        <a:srgbClr val="7F7F7F"/>
-                      </a:solidFill>
-                      <a:prstDash val="solid"/>
-                      <a:round/>
-                      <a:headEnd type="none" w="med" len="med"/>
-                      <a:tailEnd type="none" w="med" len="med"/>
-                    </a:lnB>
-                  </a:tcPr>
-                </a:tc>
-                <a:extLst>
-                  <a:ext uri="{0D108BD9-81ED-4DB2-BD59-A6C34878D82A}">
-                    <a16:rowId xmlns:a16="http://schemas.microsoft.com/office/drawing/2014/main" val="3435586688"/>
+                    <a16:rowId xmlns:a16="http://schemas.microsoft.com/office/drawing/2014/main" val="1017723049"/>
                   </a:ext>
                 </a:extLst>
               </a:tr>
@@ -28167,7 +29849,17 @@
             </a:pPr>
             <a:r>
               <a:rPr lang="en-US" altLang="ja-JP" dirty="0" smtClean="0"/>
-              <a:t>Input “Conductor name” in the Conductor menu group&gt;&gt; Conductor Class edit.</a:t>
+              <a:t>Input “Conductor name” in the Conductor menu group.</a:t>
+            </a:r>
+          </a:p>
+          <a:p>
+            <a:pPr marL="630900" lvl="2" indent="-342900">
+              <a:buFont typeface="+mj-ea"/>
+              <a:buAutoNum type="circleNumDbPlain"/>
+            </a:pPr>
+            <a:r>
+              <a:rPr lang="en-US" altLang="ja-JP" dirty="0" smtClean="0"/>
+              <a:t>Input Conductor Class edit</a:t>
             </a:r>
           </a:p>
           <a:p>
@@ -28235,8 +29927,8 @@
         </p:blipFill>
         <p:spPr>
           <a:xfrm>
-            <a:off x="755470" y="2424113"/>
-            <a:ext cx="6768940" cy="4173327"/>
+            <a:off x="558447" y="2619198"/>
+            <a:ext cx="6264870" cy="3862547"/>
           </a:xfrm>
           <a:prstGeom prst="rect">
             <a:avLst/>
@@ -28251,8 +29943,8 @@
         </p:nvSpPr>
         <p:spPr bwMode="auto">
           <a:xfrm>
-            <a:off x="5852061" y="2714776"/>
-            <a:ext cx="1600339" cy="138144"/>
+            <a:off x="5268715" y="2883010"/>
+            <a:ext cx="1554602" cy="121677"/>
           </a:xfrm>
           <a:prstGeom prst="roundRect">
             <a:avLst>
@@ -28295,7 +29987,7 @@
         </p:nvGrpSpPr>
         <p:grpSpPr>
           <a:xfrm>
-            <a:off x="3980501" y="4292522"/>
+            <a:off x="3377698" y="4266960"/>
             <a:ext cx="1756992" cy="1214978"/>
             <a:chOff x="4101807" y="4206986"/>
             <a:chExt cx="1756992" cy="1214978"/>
@@ -28413,7 +30105,7 @@
         </p:nvSpPr>
         <p:spPr bwMode="auto">
           <a:xfrm>
-            <a:off x="5837443" y="4269657"/>
+            <a:off x="5234640" y="4244095"/>
             <a:ext cx="1600339" cy="1122177"/>
           </a:xfrm>
           <a:prstGeom prst="roundRect">
@@ -28457,7 +30149,7 @@
         </p:nvSpPr>
         <p:spPr bwMode="auto">
           <a:xfrm>
-            <a:off x="755470" y="6372203"/>
+            <a:off x="1024701" y="6262914"/>
             <a:ext cx="609188" cy="225237"/>
           </a:xfrm>
           <a:prstGeom prst="roundRect">
@@ -28501,7 +30193,7 @@
         </p:nvSpPr>
         <p:spPr bwMode="auto">
           <a:xfrm>
-            <a:off x="7070395" y="5517290"/>
+            <a:off x="6467592" y="5491728"/>
             <a:ext cx="237985" cy="268430"/>
           </a:xfrm>
           <a:prstGeom prst="wedgeEllipseCallout">
@@ -28554,72 +30246,13 @@
       </p:sp>
       <p:sp>
         <p:nvSpPr>
-          <p:cNvPr id="43" name="円形吹き出し 42"/>
-          <p:cNvSpPr/>
-          <p:nvPr/>
-        </p:nvSpPr>
-        <p:spPr bwMode="auto">
-          <a:xfrm>
-            <a:off x="5773129" y="2051422"/>
-            <a:ext cx="383091" cy="369438"/>
-          </a:xfrm>
-          <a:prstGeom prst="wedgeEllipseCallout">
-            <a:avLst>
-              <a:gd name="adj1" fmla="val 13367"/>
-              <a:gd name="adj2" fmla="val 135642"/>
-            </a:avLst>
-          </a:prstGeom>
-          <a:solidFill>
-            <a:srgbClr val="FF0000"/>
-          </a:solidFill>
-          <a:ln w="28575">
-            <a:noFill/>
-          </a:ln>
-          <a:effectLst/>
-          <a:extLst/>
-        </p:spPr>
-        <p:style>
-          <a:lnRef idx="3">
-            <a:schemeClr val="lt1"/>
-          </a:lnRef>
-          <a:fillRef idx="1">
-            <a:schemeClr val="accent2"/>
-          </a:fillRef>
-          <a:effectRef idx="1">
-            <a:schemeClr val="accent2"/>
-          </a:effectRef>
-          <a:fontRef idx="minor">
-            <a:schemeClr val="lt1"/>
-          </a:fontRef>
-        </p:style>
-        <p:txBody>
-          <a:bodyPr rot="0" spcFirstLastPara="0" vertOverflow="overflow" horzOverflow="overflow" vert="horz" wrap="none" lIns="72000" tIns="72000" rIns="72000" bIns="72000" numCol="1" spcCol="0" rtlCol="0" fromWordArt="0" anchor="ctr" anchorCtr="1" forceAA="0" compatLnSpc="1">
-            <a:prstTxWarp prst="textNoShape">
-              <a:avLst/>
-            </a:prstTxWarp>
-            <a:noAutofit/>
-          </a:bodyPr>
-          <a:lstStyle/>
-          <a:p>
-            <a:pPr algn="ctr"/>
-            <a:r>
-              <a:rPr kumimoji="1" lang="ja-JP" altLang="en-US" sz="1400" b="1" dirty="0" smtClean="0">
-                <a:latin typeface="+mn-ea"/>
-              </a:rPr>
-              <a:t>１</a:t>
-            </a:r>
-          </a:p>
-        </p:txBody>
-      </p:sp>
-      <p:sp>
-        <p:nvSpPr>
           <p:cNvPr id="44" name="円形吹き出し 43"/>
           <p:cNvSpPr/>
           <p:nvPr/>
         </p:nvSpPr>
         <p:spPr bwMode="auto">
           <a:xfrm>
-            <a:off x="1493465" y="6329010"/>
+            <a:off x="1762696" y="6219721"/>
             <a:ext cx="237985" cy="268430"/>
           </a:xfrm>
           <a:prstGeom prst="wedgeEllipseCallout">
@@ -28678,7 +30311,7 @@
         </p:nvSpPr>
         <p:spPr bwMode="auto">
           <a:xfrm>
-            <a:off x="6203961" y="1464860"/>
+            <a:off x="6100884" y="3138225"/>
             <a:ext cx="2862629" cy="992502"/>
           </a:xfrm>
           <a:prstGeom prst="roundRect">
@@ -28799,7 +30432,7 @@
         </p:blipFill>
         <p:spPr>
           <a:xfrm>
-            <a:off x="6285205" y="1806429"/>
+            <a:off x="6182128" y="3479794"/>
             <a:ext cx="2755202" cy="548640"/>
           </a:xfrm>
           <a:prstGeom prst="rect">
@@ -28815,8 +30448,8 @@
         </p:nvSpPr>
         <p:spPr bwMode="auto">
           <a:xfrm>
-            <a:off x="3565018" y="5919258"/>
-            <a:ext cx="4799312" cy="378968"/>
+            <a:off x="2962215" y="5893696"/>
+            <a:ext cx="4778225" cy="538544"/>
           </a:xfrm>
           <a:prstGeom prst="roundRect">
             <a:avLst>
@@ -28909,20 +30542,88 @@
           <a:p>
             <a:pPr algn="ctr"/>
             <a:r>
-              <a:rPr lang="en-US" altLang="ja-JP" sz="1400" dirty="0">
+              <a:rPr lang="en-US" altLang="ja-JP" sz="1200" dirty="0">
+                <a:solidFill>
+                  <a:srgbClr val="FF0000"/>
+                </a:solidFill>
                 <a:latin typeface="+mn-ea"/>
               </a:rPr>
-              <a:t>※ The Conductor to be created is on the next </a:t>
-            </a:r>
-            <a:r>
-              <a:rPr lang="en-US" altLang="ja-JP" sz="1400" dirty="0" smtClean="0">
+              <a:t>※ </a:t>
+            </a:r>
+            <a:r>
+              <a:rPr kumimoji="1" lang="en-US" altLang="ja-JP" sz="1200" dirty="0" smtClean="0">
+                <a:solidFill>
+                  <a:srgbClr val="FF0000"/>
+                </a:solidFill>
                 <a:latin typeface="+mn-ea"/>
               </a:rPr>
-              <a:t>page.</a:t>
-            </a:r>
-            <a:endParaRPr kumimoji="1" lang="ja-JP" altLang="en-US" sz="1400" dirty="0">
+              <a:t>Please see the next section for information regarding registering the conductor used in this guide.</a:t>
+            </a:r>
+            <a:endParaRPr kumimoji="1" lang="ja-JP" altLang="en-US" sz="1200" dirty="0">
+              <a:solidFill>
+                <a:srgbClr val="FF0000"/>
+              </a:solidFill>
               <a:latin typeface="+mn-ea"/>
             </a:endParaRPr>
+          </a:p>
+        </p:txBody>
+      </p:sp>
+      <p:sp>
+        <p:nvSpPr>
+          <p:cNvPr id="43" name="円形吹き出し 42"/>
+          <p:cNvSpPr/>
+          <p:nvPr/>
+        </p:nvSpPr>
+        <p:spPr bwMode="auto">
+          <a:xfrm>
+            <a:off x="5909338" y="3031363"/>
+            <a:ext cx="383091" cy="369438"/>
+          </a:xfrm>
+          <a:prstGeom prst="wedgeEllipseCallout">
+            <a:avLst>
+              <a:gd name="adj1" fmla="val -97298"/>
+              <a:gd name="adj2" fmla="val -37616"/>
+            </a:avLst>
+          </a:prstGeom>
+          <a:solidFill>
+            <a:srgbClr val="FF0000"/>
+          </a:solidFill>
+          <a:ln w="28575">
+            <a:noFill/>
+          </a:ln>
+          <a:effectLst/>
+          <a:extLst/>
+        </p:spPr>
+        <p:style>
+          <a:lnRef idx="3">
+            <a:schemeClr val="lt1"/>
+          </a:lnRef>
+          <a:fillRef idx="1">
+            <a:schemeClr val="accent2"/>
+          </a:fillRef>
+          <a:effectRef idx="1">
+            <a:schemeClr val="accent2"/>
+          </a:effectRef>
+          <a:fontRef idx="minor">
+            <a:schemeClr val="lt1"/>
+          </a:fontRef>
+        </p:style>
+        <p:txBody>
+          <a:bodyPr rot="0" spcFirstLastPara="0" vertOverflow="overflow" horzOverflow="overflow" vert="horz" wrap="none" lIns="72000" tIns="72000" rIns="72000" bIns="72000" numCol="1" spcCol="0" rtlCol="0" fromWordArt="0" anchor="ctr" anchorCtr="1" forceAA="0" compatLnSpc="1">
+            <a:prstTxWarp prst="textNoShape">
+              <a:avLst/>
+            </a:prstTxWarp>
+            <a:noAutofit/>
+          </a:bodyPr>
+          <a:lstStyle/>
+          <a:p>
+            <a:pPr algn="ctr"/>
+            <a:r>
+              <a:rPr kumimoji="1" lang="ja-JP" altLang="en-US" sz="1400" b="1" dirty="0" smtClean="0">
+                <a:latin typeface="+mn-ea"/>
+              </a:rPr>
+              <a:t>１</a:t>
+            </a:r>
           </a:p>
         </p:txBody>
       </p:sp>
@@ -28963,6 +30664,30 @@
           <a:chExt cx="0" cy="0"/>
         </a:xfrm>
       </p:grpSpPr>
+      <p:pic>
+        <p:nvPicPr>
+          <p:cNvPr id="3" name="図 2"/>
+          <p:cNvPicPr>
+            <a:picLocks noChangeAspect="1"/>
+          </p:cNvPicPr>
+          <p:nvPr/>
+        </p:nvPicPr>
+        <p:blipFill>
+          <a:blip r:embed="rId3"/>
+          <a:stretch>
+            <a:fillRect/>
+          </a:stretch>
+        </p:blipFill>
+        <p:spPr>
+          <a:xfrm>
+            <a:off x="179512" y="1510534"/>
+            <a:ext cx="8707122" cy="4805897"/>
+          </a:xfrm>
+          <a:prstGeom prst="rect">
+            <a:avLst/>
+          </a:prstGeom>
+        </p:spPr>
+      </p:pic>
       <p:sp>
         <p:nvSpPr>
           <p:cNvPr id="2" name="タイトル 1"/>
@@ -29033,7 +30758,11 @@
             </a:br>
             <a:r>
               <a:rPr lang="en-US" altLang="ja-JP" sz="1800" dirty="0"/>
-              <a:t>Please create the Conductor as shown </a:t>
+              <a:t>Please create the Conductor as </a:t>
+            </a:r>
+            <a:r>
+              <a:rPr lang="en-US" altLang="ja-JP" sz="1800" dirty="0" smtClean="0"/>
+              <a:t>shown in </a:t>
             </a:r>
             <a:r>
               <a:rPr lang="en-US" altLang="ja-JP" sz="1800" dirty="0" smtClean="0"/>
@@ -29042,30 +30771,6 @@
           </a:p>
         </p:txBody>
       </p:sp>
-      <p:pic>
-        <p:nvPicPr>
-          <p:cNvPr id="4" name="図 3"/>
-          <p:cNvPicPr>
-            <a:picLocks noChangeAspect="1"/>
-          </p:cNvPicPr>
-          <p:nvPr/>
-        </p:nvPicPr>
-        <p:blipFill>
-          <a:blip r:embed="rId3"/>
-          <a:stretch>
-            <a:fillRect/>
-          </a:stretch>
-        </p:blipFill>
-        <p:spPr>
-          <a:xfrm>
-            <a:off x="251400" y="1652856"/>
-            <a:ext cx="8568112" cy="4548862"/>
-          </a:xfrm>
-          <a:prstGeom prst="rect">
-            <a:avLst/>
-          </a:prstGeom>
-        </p:spPr>
-      </p:pic>
       <p:sp>
         <p:nvSpPr>
           <p:cNvPr id="18" name="角丸四角形 17"/>
@@ -29075,7 +30780,7 @@
         <p:spPr bwMode="auto">
           <a:xfrm>
             <a:off x="323410" y="4581160"/>
-            <a:ext cx="5472760" cy="1296180"/>
+            <a:ext cx="5472760" cy="1008140"/>
           </a:xfrm>
           <a:prstGeom prst="roundRect">
             <a:avLst>
@@ -29116,8 +30821,17 @@
               <a:rPr lang="en-US" altLang="ja-JP" sz="1400" dirty="0">
                 <a:latin typeface="+mn-ea"/>
               </a:rPr>
-              <a:t>Conductor_2" in "Conductor name.</a:t>
-            </a:r>
+              <a:t>Conductor_2" in "Conductor </a:t>
+            </a:r>
+            <a:r>
+              <a:rPr lang="en-US" altLang="ja-JP" sz="1400" dirty="0" smtClean="0">
+                <a:latin typeface="+mn-ea"/>
+              </a:rPr>
+              <a:t>name”.</a:t>
+            </a:r>
+            <a:endParaRPr lang="en-US" altLang="ja-JP" sz="1400" dirty="0">
+              <a:latin typeface="+mn-ea"/>
+            </a:endParaRPr>
           </a:p>
           <a:p>
             <a:pPr marL="285750" indent="-285750">
@@ -29167,15 +30881,15 @@
               <a:rPr lang="en-US" altLang="ja-JP" sz="1400" dirty="0" smtClean="0">
                 <a:latin typeface="+mn-ea"/>
               </a:rPr>
-              <a:t>Drag </a:t>
+              <a:t>Connect </a:t>
             </a:r>
             <a:r>
               <a:rPr lang="en-US" altLang="ja-JP" sz="1400" dirty="0">
                 <a:latin typeface="+mn-ea"/>
               </a:rPr>
-              <a:t>and drop "Conductor" from the Function.</a:t>
-            </a:r>
-            <a:endParaRPr lang="en-US" altLang="ja-JP" sz="1400" dirty="0" smtClean="0">
+              <a:t>"IN" and "OUT" as shown in the figure.</a:t>
+            </a:r>
+            <a:endParaRPr kumimoji="1" lang="en-US" altLang="ja-JP" sz="1400" dirty="0" smtClean="0">
               <a:latin typeface="+mn-ea"/>
             </a:endParaRPr>
           </a:p>
@@ -29188,27 +30902,6 @@
               <a:rPr lang="en-US" altLang="ja-JP" sz="1400" dirty="0" smtClean="0">
                 <a:latin typeface="+mn-ea"/>
               </a:rPr>
-              <a:t>Connect </a:t>
-            </a:r>
-            <a:r>
-              <a:rPr lang="en-US" altLang="ja-JP" sz="1400" dirty="0">
-                <a:latin typeface="+mn-ea"/>
-              </a:rPr>
-              <a:t>"IN" and "OUT" as shown in the figure.</a:t>
-            </a:r>
-            <a:endParaRPr kumimoji="1" lang="en-US" altLang="ja-JP" sz="1400" dirty="0" smtClean="0">
-              <a:latin typeface="+mn-ea"/>
-            </a:endParaRPr>
-          </a:p>
-          <a:p>
-            <a:pPr marL="285750" indent="-285750">
-              <a:buFont typeface="Arial" panose="020B0604020202020204" pitchFamily="34" charset="0"/>
-              <a:buChar char="•"/>
-            </a:pPr>
-            <a:r>
-              <a:rPr lang="en-US" altLang="ja-JP" sz="1400" dirty="0" smtClean="0">
-                <a:latin typeface="+mn-ea"/>
-              </a:rPr>
               <a:t>Click </a:t>
             </a:r>
             <a:r>
@@ -29230,6 +30923,853 @@
               <a:t>at the bottom of the screen.</a:t>
             </a:r>
             <a:endParaRPr kumimoji="1" lang="ja-JP" altLang="en-US" sz="1400" dirty="0" smtClean="0">
+              <a:latin typeface="+mn-ea"/>
+            </a:endParaRPr>
+          </a:p>
+        </p:txBody>
+      </p:sp>
+      <p:sp>
+        <p:nvSpPr>
+          <p:cNvPr id="6" name="角丸四角形 48"/>
+          <p:cNvSpPr/>
+          <p:nvPr/>
+        </p:nvSpPr>
+        <p:spPr bwMode="auto">
+          <a:xfrm>
+            <a:off x="2258299" y="3220919"/>
+            <a:ext cx="657471" cy="352102"/>
+          </a:xfrm>
+          <a:prstGeom prst="roundRect">
+            <a:avLst>
+              <a:gd name="adj" fmla="val 0"/>
+            </a:avLst>
+          </a:prstGeom>
+          <a:noFill/>
+          <a:ln w="28575">
+            <a:solidFill>
+              <a:srgbClr val="FF0000"/>
+            </a:solidFill>
+          </a:ln>
+          <a:effectLst/>
+          <a:extLst/>
+        </p:spPr>
+        <p:txBody>
+          <a:bodyPr rot="0" spcFirstLastPara="0" vertOverflow="overflow" horzOverflow="overflow" vert="horz" wrap="none" lIns="72000" tIns="72000" rIns="72000" bIns="72000" numCol="1" spcCol="0" rtlCol="0" fromWordArt="0" anchor="ctr" anchorCtr="0" forceAA="0" compatLnSpc="1">
+            <a:prstTxWarp prst="textNoShape">
+              <a:avLst/>
+            </a:prstTxWarp>
+            <a:noAutofit/>
+          </a:bodyPr>
+          <a:lstStyle/>
+          <a:p>
+            <a:pPr algn="ctr"/>
+            <a:endParaRPr kumimoji="1" lang="ja-JP" altLang="en-US" sz="1400" b="1" dirty="0" smtClean="0">
+              <a:solidFill>
+                <a:srgbClr val="FF0000"/>
+              </a:solidFill>
+              <a:latin typeface="+mn-ea"/>
+            </a:endParaRPr>
+          </a:p>
+        </p:txBody>
+      </p:sp>
+      <p:sp>
+        <p:nvSpPr>
+          <p:cNvPr id="8" name="円形吹き出し 49"/>
+          <p:cNvSpPr/>
+          <p:nvPr/>
+        </p:nvSpPr>
+        <p:spPr bwMode="auto">
+          <a:xfrm>
+            <a:off x="1978438" y="2836110"/>
+            <a:ext cx="189629" cy="202358"/>
+          </a:xfrm>
+          <a:prstGeom prst="wedgeEllipseCallout">
+            <a:avLst>
+              <a:gd name="adj1" fmla="val 81580"/>
+              <a:gd name="adj2" fmla="val 102891"/>
+            </a:avLst>
+          </a:prstGeom>
+          <a:solidFill>
+            <a:srgbClr val="FF0000"/>
+          </a:solidFill>
+          <a:ln w="28575">
+            <a:noFill/>
+          </a:ln>
+          <a:effectLst/>
+          <a:extLst/>
+        </p:spPr>
+        <p:style>
+          <a:lnRef idx="3">
+            <a:schemeClr val="lt1"/>
+          </a:lnRef>
+          <a:fillRef idx="1">
+            <a:schemeClr val="accent2"/>
+          </a:fillRef>
+          <a:effectRef idx="1">
+            <a:schemeClr val="accent2"/>
+          </a:effectRef>
+          <a:fontRef idx="minor">
+            <a:schemeClr val="lt1"/>
+          </a:fontRef>
+        </p:style>
+        <p:txBody>
+          <a:bodyPr rot="0" spcFirstLastPara="0" vertOverflow="overflow" horzOverflow="overflow" vert="horz" wrap="none" lIns="72000" tIns="72000" rIns="72000" bIns="72000" numCol="1" spcCol="0" rtlCol="0" fromWordArt="0" anchor="ctr" anchorCtr="1" forceAA="0" compatLnSpc="1">
+            <a:prstTxWarp prst="textNoShape">
+              <a:avLst/>
+            </a:prstTxWarp>
+            <a:noAutofit/>
+          </a:bodyPr>
+          <a:lstStyle/>
+          <a:p>
+            <a:pPr algn="ctr"/>
+            <a:r>
+              <a:rPr kumimoji="1" lang="en-US" altLang="ja-JP" sz="1400" b="1" dirty="0" smtClean="0">
+                <a:latin typeface="+mn-ea"/>
+              </a:rPr>
+              <a:t>3</a:t>
+            </a:r>
+            <a:endParaRPr kumimoji="1" lang="ja-JP" altLang="en-US" sz="1400" b="1" dirty="0" smtClean="0">
+              <a:latin typeface="+mn-ea"/>
+            </a:endParaRPr>
+          </a:p>
+        </p:txBody>
+      </p:sp>
+      <p:sp>
+        <p:nvSpPr>
+          <p:cNvPr id="9" name="角丸四角形 43"/>
+          <p:cNvSpPr/>
+          <p:nvPr/>
+        </p:nvSpPr>
+        <p:spPr bwMode="auto">
+          <a:xfrm>
+            <a:off x="4034265" y="2276840"/>
+            <a:ext cx="2970056" cy="992502"/>
+          </a:xfrm>
+          <a:prstGeom prst="roundRect">
+            <a:avLst>
+              <a:gd name="adj" fmla="val 4712"/>
+            </a:avLst>
+          </a:prstGeom>
+          <a:solidFill>
+            <a:schemeClr val="bg1"/>
+          </a:solidFill>
+          <a:ln w="28575">
+            <a:solidFill>
+              <a:srgbClr val="FF0000"/>
+            </a:solidFill>
+          </a:ln>
+          <a:effectLst/>
+          <a:extLst/>
+        </p:spPr>
+        <p:txBody>
+          <a:bodyPr rot="0" spcFirstLastPara="0" vertOverflow="overflow" horzOverflow="overflow" vert="horz" wrap="none" lIns="72000" tIns="72000" rIns="72000" bIns="72000" numCol="1" spcCol="0" rtlCol="0" fromWordArt="0" anchor="t" anchorCtr="0" forceAA="0" compatLnSpc="1">
+            <a:prstTxWarp prst="textNoShape">
+              <a:avLst/>
+            </a:prstTxWarp>
+            <a:noAutofit/>
+          </a:bodyPr>
+          <a:lstStyle/>
+          <a:p>
+            <a:pPr algn="ctr"/>
+            <a:r>
+              <a:rPr lang="en-US" altLang="ja-JP" sz="1400" dirty="0" smtClean="0">
+                <a:latin typeface="+mn-ea"/>
+              </a:rPr>
+              <a:t>Input value to item</a:t>
+            </a:r>
+            <a:endParaRPr kumimoji="1" lang="ja-JP" altLang="en-US" sz="1400" dirty="0" smtClean="0">
+              <a:latin typeface="+mn-ea"/>
+            </a:endParaRPr>
+          </a:p>
+        </p:txBody>
+      </p:sp>
+      <p:graphicFrame>
+        <p:nvGraphicFramePr>
+          <p:cNvPr id="10" name="表 44"/>
+          <p:cNvGraphicFramePr>
+            <a:graphicFrameLocks noGrp="1"/>
+          </p:cNvGraphicFramePr>
+          <p:nvPr>
+            <p:extLst>
+              <p:ext uri="{D42A27DB-BD31-4B8C-83A1-F6EECF244321}">
+                <p14:modId xmlns:p14="http://schemas.microsoft.com/office/powerpoint/2010/main" val="3869965563"/>
+              </p:ext>
+            </p:extLst>
+          </p:nvPr>
+        </p:nvGraphicFramePr>
+        <p:xfrm>
+          <a:off x="4141692" y="2599960"/>
+          <a:ext cx="2755202" cy="548640"/>
+        </p:xfrm>
+        <a:graphic>
+          <a:graphicData uri="http://schemas.openxmlformats.org/drawingml/2006/table">
+            <a:tbl>
+              <a:tblPr firstRow="1" bandRow="1">
+                <a:tableStyleId>{5C22544A-7EE6-4342-B048-85BDC9FD1C3A}</a:tableStyleId>
+              </a:tblPr>
+              <a:tblGrid>
+                <a:gridCol w="1427818">
+                  <a:extLst>
+                    <a:ext uri="{9D8B030D-6E8A-4147-A177-3AD203B41FA5}">
+                      <a16:colId xmlns:a16="http://schemas.microsoft.com/office/drawing/2014/main" val="2883640048"/>
+                    </a:ext>
+                  </a:extLst>
+                </a:gridCol>
+                <a:gridCol w="1327384">
+                  <a:extLst>
+                    <a:ext uri="{9D8B030D-6E8A-4147-A177-3AD203B41FA5}">
+                      <a16:colId xmlns:a16="http://schemas.microsoft.com/office/drawing/2014/main" val="1123245703"/>
+                    </a:ext>
+                  </a:extLst>
+                </a:gridCol>
+              </a:tblGrid>
+              <a:tr h="270234">
+                <a:tc>
+                  <a:txBody>
+                    <a:bodyPr/>
+                    <a:lstStyle/>
+                    <a:p>
+                      <a:pPr algn="ctr"/>
+                      <a:r>
+                        <a:rPr kumimoji="1" lang="en-US" altLang="ja-JP" sz="1200" dirty="0" smtClean="0">
+                          <a:solidFill>
+                            <a:schemeClr val="bg1"/>
+                          </a:solidFill>
+                          <a:latin typeface="+mn-lt"/>
+                        </a:rPr>
+                        <a:t>Item</a:t>
+                      </a:r>
+                      <a:endParaRPr kumimoji="1" lang="ja-JP" altLang="en-US" sz="1200" dirty="0">
+                        <a:solidFill>
+                          <a:schemeClr val="bg1"/>
+                        </a:solidFill>
+                        <a:latin typeface="+mn-lt"/>
+                      </a:endParaRPr>
+                    </a:p>
+                  </a:txBody>
+                  <a:tcPr>
+                    <a:lnL w="12700" cap="flat" cmpd="sng" algn="ctr">
+                      <a:solidFill>
+                        <a:schemeClr val="bg1">
+                          <a:lumMod val="85000"/>
+                        </a:schemeClr>
+                      </a:solidFill>
+                      <a:prstDash val="solid"/>
+                      <a:round/>
+                      <a:headEnd type="none" w="med" len="med"/>
+                      <a:tailEnd type="none" w="med" len="med"/>
+                    </a:lnL>
+                    <a:lnR w="12700" cap="flat" cmpd="sng" algn="ctr">
+                      <a:solidFill>
+                        <a:schemeClr val="bg1">
+                          <a:lumMod val="85000"/>
+                        </a:schemeClr>
+                      </a:solidFill>
+                      <a:prstDash val="solid"/>
+                      <a:round/>
+                      <a:headEnd type="none" w="med" len="med"/>
+                      <a:tailEnd type="none" w="med" len="med"/>
+                    </a:lnR>
+                    <a:lnT w="12700" cap="flat" cmpd="sng" algn="ctr">
+                      <a:solidFill>
+                        <a:schemeClr val="bg1">
+                          <a:lumMod val="85000"/>
+                        </a:schemeClr>
+                      </a:solidFill>
+                      <a:prstDash val="solid"/>
+                      <a:round/>
+                      <a:headEnd type="none" w="med" len="med"/>
+                      <a:tailEnd type="none" w="med" len="med"/>
+                    </a:lnT>
+                    <a:lnB w="12700" cap="flat" cmpd="sng" algn="ctr">
+                      <a:solidFill>
+                        <a:schemeClr val="bg1">
+                          <a:lumMod val="85000"/>
+                        </a:schemeClr>
+                      </a:solidFill>
+                      <a:prstDash val="solid"/>
+                      <a:round/>
+                      <a:headEnd type="none" w="med" len="med"/>
+                      <a:tailEnd type="none" w="med" len="med"/>
+                    </a:lnB>
+                    <a:lnTlToBr w="12700" cmpd="sng">
+                      <a:noFill/>
+                      <a:prstDash val="solid"/>
+                    </a:lnTlToBr>
+                    <a:lnBlToTr w="12700" cmpd="sng">
+                      <a:noFill/>
+                      <a:prstDash val="solid"/>
+                    </a:lnBlToTr>
+                    <a:solidFill>
+                      <a:schemeClr val="accent6"/>
+                    </a:solidFill>
+                  </a:tcPr>
+                </a:tc>
+                <a:tc>
+                  <a:txBody>
+                    <a:bodyPr/>
+                    <a:lstStyle/>
+                    <a:p>
+                      <a:pPr algn="ctr"/>
+                      <a:r>
+                        <a:rPr kumimoji="1" lang="en-US" altLang="ja-JP" sz="1200" dirty="0" smtClean="0">
+                          <a:solidFill>
+                            <a:schemeClr val="bg1"/>
+                          </a:solidFill>
+                          <a:latin typeface="+mn-lt"/>
+                        </a:rPr>
+                        <a:t>Value</a:t>
+                      </a:r>
+                      <a:endParaRPr kumimoji="1" lang="ja-JP" altLang="en-US" sz="1200" dirty="0">
+                        <a:solidFill>
+                          <a:schemeClr val="bg1"/>
+                        </a:solidFill>
+                        <a:latin typeface="+mn-lt"/>
+                      </a:endParaRPr>
+                    </a:p>
+                  </a:txBody>
+                  <a:tcPr>
+                    <a:lnL w="12700" cap="flat" cmpd="sng" algn="ctr">
+                      <a:solidFill>
+                        <a:schemeClr val="bg1">
+                          <a:lumMod val="85000"/>
+                        </a:schemeClr>
+                      </a:solidFill>
+                      <a:prstDash val="solid"/>
+                      <a:round/>
+                      <a:headEnd type="none" w="med" len="med"/>
+                      <a:tailEnd type="none" w="med" len="med"/>
+                    </a:lnL>
+                    <a:lnR w="12700" cap="flat" cmpd="sng" algn="ctr">
+                      <a:solidFill>
+                        <a:schemeClr val="bg1">
+                          <a:lumMod val="85000"/>
+                        </a:schemeClr>
+                      </a:solidFill>
+                      <a:prstDash val="solid"/>
+                      <a:round/>
+                      <a:headEnd type="none" w="med" len="med"/>
+                      <a:tailEnd type="none" w="med" len="med"/>
+                    </a:lnR>
+                    <a:lnT w="12700" cap="flat" cmpd="sng" algn="ctr">
+                      <a:solidFill>
+                        <a:schemeClr val="bg1">
+                          <a:lumMod val="85000"/>
+                        </a:schemeClr>
+                      </a:solidFill>
+                      <a:prstDash val="solid"/>
+                      <a:round/>
+                      <a:headEnd type="none" w="med" len="med"/>
+                      <a:tailEnd type="none" w="med" len="med"/>
+                    </a:lnT>
+                    <a:lnB w="12700" cap="flat" cmpd="sng" algn="ctr">
+                      <a:solidFill>
+                        <a:schemeClr val="bg1">
+                          <a:lumMod val="85000"/>
+                        </a:schemeClr>
+                      </a:solidFill>
+                      <a:prstDash val="solid"/>
+                      <a:round/>
+                      <a:headEnd type="none" w="med" len="med"/>
+                      <a:tailEnd type="none" w="med" len="med"/>
+                    </a:lnB>
+                    <a:lnTlToBr w="12700" cmpd="sng">
+                      <a:noFill/>
+                      <a:prstDash val="solid"/>
+                    </a:lnTlToBr>
+                    <a:lnBlToTr w="12700" cmpd="sng">
+                      <a:noFill/>
+                      <a:prstDash val="solid"/>
+                    </a:lnBlToTr>
+                    <a:solidFill>
+                      <a:schemeClr val="accent6"/>
+                    </a:solidFill>
+                  </a:tcPr>
+                </a:tc>
+                <a:extLst>
+                  <a:ext uri="{0D108BD9-81ED-4DB2-BD59-A6C34878D82A}">
+                    <a16:rowId xmlns:a16="http://schemas.microsoft.com/office/drawing/2014/main" val="2458714703"/>
+                  </a:ext>
+                </a:extLst>
+              </a:tr>
+              <a:tr h="270234">
+                <a:tc>
+                  <a:txBody>
+                    <a:bodyPr/>
+                    <a:lstStyle/>
+                    <a:p>
+                      <a:r>
+                        <a:rPr kumimoji="1" lang="en-US" altLang="ja-JP" sz="1200" b="1" baseline="0" dirty="0" smtClean="0">
+                          <a:solidFill>
+                            <a:schemeClr val="tx1"/>
+                          </a:solidFill>
+                          <a:latin typeface="+mn-lt"/>
+                        </a:rPr>
+                        <a:t>Name</a:t>
+                      </a:r>
+                      <a:endParaRPr kumimoji="1" lang="ja-JP" altLang="en-US" sz="1200" b="1" dirty="0">
+                        <a:solidFill>
+                          <a:schemeClr val="tx1"/>
+                        </a:solidFill>
+                        <a:latin typeface="+mn-lt"/>
+                      </a:endParaRPr>
+                    </a:p>
+                  </a:txBody>
+                  <a:tcPr>
+                    <a:lnL w="12700" cap="flat" cmpd="sng" algn="ctr">
+                      <a:solidFill>
+                        <a:schemeClr val="bg1">
+                          <a:lumMod val="85000"/>
+                        </a:schemeClr>
+                      </a:solidFill>
+                      <a:prstDash val="solid"/>
+                      <a:round/>
+                      <a:headEnd type="none" w="med" len="med"/>
+                      <a:tailEnd type="none" w="med" len="med"/>
+                    </a:lnL>
+                    <a:lnR w="12700" cap="flat" cmpd="sng" algn="ctr">
+                      <a:solidFill>
+                        <a:schemeClr val="bg1">
+                          <a:lumMod val="85000"/>
+                        </a:schemeClr>
+                      </a:solidFill>
+                      <a:prstDash val="solid"/>
+                      <a:round/>
+                      <a:headEnd type="none" w="med" len="med"/>
+                      <a:tailEnd type="none" w="med" len="med"/>
+                    </a:lnR>
+                    <a:lnT w="12700" cap="flat" cmpd="sng" algn="ctr">
+                      <a:solidFill>
+                        <a:schemeClr val="bg1">
+                          <a:lumMod val="85000"/>
+                        </a:schemeClr>
+                      </a:solidFill>
+                      <a:prstDash val="solid"/>
+                      <a:round/>
+                      <a:headEnd type="none" w="med" len="med"/>
+                      <a:tailEnd type="none" w="med" len="med"/>
+                    </a:lnT>
+                    <a:lnB w="12700" cap="flat" cmpd="sng" algn="ctr">
+                      <a:solidFill>
+                        <a:schemeClr val="bg1">
+                          <a:lumMod val="85000"/>
+                        </a:schemeClr>
+                      </a:solidFill>
+                      <a:prstDash val="solid"/>
+                      <a:round/>
+                      <a:headEnd type="none" w="med" len="med"/>
+                      <a:tailEnd type="none" w="med" len="med"/>
+                    </a:lnB>
+                    <a:lnTlToBr w="12700" cmpd="sng">
+                      <a:noFill/>
+                      <a:prstDash val="solid"/>
+                    </a:lnTlToBr>
+                    <a:lnBlToTr w="12700" cmpd="sng">
+                      <a:noFill/>
+                      <a:prstDash val="solid"/>
+                    </a:lnBlToTr>
+                    <a:solidFill>
+                      <a:schemeClr val="bg1"/>
+                    </a:solidFill>
+                  </a:tcPr>
+                </a:tc>
+                <a:tc>
+                  <a:txBody>
+                    <a:bodyPr/>
+                    <a:lstStyle/>
+                    <a:p>
+                      <a:r>
+                        <a:rPr kumimoji="1" lang="en-US" altLang="ja-JP" sz="1200" dirty="0" smtClean="0">
+                          <a:solidFill>
+                            <a:schemeClr val="tx1"/>
+                          </a:solidFill>
+                          <a:latin typeface="+mn-lt"/>
+                        </a:rPr>
+                        <a:t>Conductor_2</a:t>
+                      </a:r>
+                      <a:endParaRPr kumimoji="1" lang="ja-JP" altLang="en-US" sz="1200" dirty="0">
+                        <a:solidFill>
+                          <a:schemeClr val="tx1"/>
+                        </a:solidFill>
+                        <a:latin typeface="+mn-lt"/>
+                      </a:endParaRPr>
+                    </a:p>
+                  </a:txBody>
+                  <a:tcPr>
+                    <a:lnL w="12700" cap="flat" cmpd="sng" algn="ctr">
+                      <a:solidFill>
+                        <a:schemeClr val="bg1">
+                          <a:lumMod val="85000"/>
+                        </a:schemeClr>
+                      </a:solidFill>
+                      <a:prstDash val="solid"/>
+                      <a:round/>
+                      <a:headEnd type="none" w="med" len="med"/>
+                      <a:tailEnd type="none" w="med" len="med"/>
+                    </a:lnL>
+                    <a:lnR w="12700" cap="flat" cmpd="sng" algn="ctr">
+                      <a:solidFill>
+                        <a:schemeClr val="bg1">
+                          <a:lumMod val="85000"/>
+                        </a:schemeClr>
+                      </a:solidFill>
+                      <a:prstDash val="solid"/>
+                      <a:round/>
+                      <a:headEnd type="none" w="med" len="med"/>
+                      <a:tailEnd type="none" w="med" len="med"/>
+                    </a:lnR>
+                    <a:lnT w="12700" cap="flat" cmpd="sng" algn="ctr">
+                      <a:solidFill>
+                        <a:schemeClr val="bg1">
+                          <a:lumMod val="85000"/>
+                        </a:schemeClr>
+                      </a:solidFill>
+                      <a:prstDash val="solid"/>
+                      <a:round/>
+                      <a:headEnd type="none" w="med" len="med"/>
+                      <a:tailEnd type="none" w="med" len="med"/>
+                    </a:lnT>
+                    <a:lnB w="12700" cap="flat" cmpd="sng" algn="ctr">
+                      <a:solidFill>
+                        <a:schemeClr val="bg1">
+                          <a:lumMod val="85000"/>
+                        </a:schemeClr>
+                      </a:solidFill>
+                      <a:prstDash val="solid"/>
+                      <a:round/>
+                      <a:headEnd type="none" w="med" len="med"/>
+                      <a:tailEnd type="none" w="med" len="med"/>
+                    </a:lnB>
+                    <a:lnTlToBr w="12700" cmpd="sng">
+                      <a:noFill/>
+                      <a:prstDash val="solid"/>
+                    </a:lnTlToBr>
+                    <a:lnBlToTr w="12700" cmpd="sng">
+                      <a:noFill/>
+                      <a:prstDash val="solid"/>
+                    </a:lnBlToTr>
+                    <a:solidFill>
+                      <a:schemeClr val="bg1"/>
+                    </a:solidFill>
+                  </a:tcPr>
+                </a:tc>
+                <a:extLst>
+                  <a:ext uri="{0D108BD9-81ED-4DB2-BD59-A6C34878D82A}">
+                    <a16:rowId xmlns:a16="http://schemas.microsoft.com/office/drawing/2014/main" val="4029950975"/>
+                  </a:ext>
+                </a:extLst>
+              </a:tr>
+            </a:tbl>
+          </a:graphicData>
+        </a:graphic>
+      </p:graphicFrame>
+      <p:sp>
+        <p:nvSpPr>
+          <p:cNvPr id="11" name="角丸四角形 42"/>
+          <p:cNvSpPr/>
+          <p:nvPr/>
+        </p:nvSpPr>
+        <p:spPr bwMode="auto">
+          <a:xfrm>
+            <a:off x="7236370" y="2057580"/>
+            <a:ext cx="1650264" cy="219260"/>
+          </a:xfrm>
+          <a:prstGeom prst="roundRect">
+            <a:avLst>
+              <a:gd name="adj" fmla="val 5764"/>
+            </a:avLst>
+          </a:prstGeom>
+          <a:noFill/>
+          <a:ln w="28575">
+            <a:solidFill>
+              <a:srgbClr val="FF0000"/>
+            </a:solidFill>
+          </a:ln>
+          <a:effectLst/>
+          <a:extLst/>
+        </p:spPr>
+        <p:txBody>
+          <a:bodyPr rot="0" spcFirstLastPara="0" vertOverflow="overflow" horzOverflow="overflow" vert="horz" wrap="none" lIns="72000" tIns="72000" rIns="72000" bIns="72000" numCol="1" spcCol="0" rtlCol="0" fromWordArt="0" anchor="ctr" anchorCtr="0" forceAA="0" compatLnSpc="1">
+            <a:prstTxWarp prst="textNoShape">
+              <a:avLst/>
+            </a:prstTxWarp>
+            <a:noAutofit/>
+          </a:bodyPr>
+          <a:lstStyle/>
+          <a:p>
+            <a:pPr algn="ctr"/>
+            <a:endParaRPr kumimoji="1" lang="ja-JP" altLang="en-US" sz="1400" b="1" dirty="0" smtClean="0">
+              <a:solidFill>
+                <a:srgbClr val="FF0000"/>
+              </a:solidFill>
+              <a:latin typeface="+mn-ea"/>
+            </a:endParaRPr>
+          </a:p>
+        </p:txBody>
+      </p:sp>
+      <p:sp>
+        <p:nvSpPr>
+          <p:cNvPr id="12" name="円形吹き出し 45"/>
+          <p:cNvSpPr/>
+          <p:nvPr/>
+        </p:nvSpPr>
+        <p:spPr bwMode="auto">
+          <a:xfrm>
+            <a:off x="6873249" y="2141840"/>
+            <a:ext cx="262143" cy="270000"/>
+          </a:xfrm>
+          <a:prstGeom prst="wedgeEllipseCallout">
+            <a:avLst>
+              <a:gd name="adj1" fmla="val 100567"/>
+              <a:gd name="adj2" fmla="val -40812"/>
+            </a:avLst>
+          </a:prstGeom>
+          <a:solidFill>
+            <a:srgbClr val="FF0000"/>
+          </a:solidFill>
+          <a:ln w="28575">
+            <a:noFill/>
+          </a:ln>
+          <a:effectLst/>
+          <a:extLst/>
+        </p:spPr>
+        <p:style>
+          <a:lnRef idx="3">
+            <a:schemeClr val="lt1"/>
+          </a:lnRef>
+          <a:fillRef idx="1">
+            <a:schemeClr val="accent2"/>
+          </a:fillRef>
+          <a:effectRef idx="1">
+            <a:schemeClr val="accent2"/>
+          </a:effectRef>
+          <a:fontRef idx="minor">
+            <a:schemeClr val="lt1"/>
+          </a:fontRef>
+        </p:style>
+        <p:txBody>
+          <a:bodyPr rot="0" spcFirstLastPara="0" vertOverflow="overflow" horzOverflow="overflow" vert="horz" wrap="none" lIns="72000" tIns="72000" rIns="72000" bIns="72000" numCol="1" spcCol="0" rtlCol="0" fromWordArt="0" anchor="ctr" anchorCtr="1" forceAA="0" compatLnSpc="1">
+            <a:prstTxWarp prst="textNoShape">
+              <a:avLst/>
+            </a:prstTxWarp>
+            <a:noAutofit/>
+          </a:bodyPr>
+          <a:lstStyle/>
+          <a:p>
+            <a:pPr algn="ctr"/>
+            <a:r>
+              <a:rPr kumimoji="1" lang="ja-JP" altLang="en-US" sz="1400" b="1" dirty="0" smtClean="0">
+                <a:latin typeface="+mn-ea"/>
+              </a:rPr>
+              <a:t>１</a:t>
+            </a:r>
+          </a:p>
+        </p:txBody>
+      </p:sp>
+      <p:sp>
+        <p:nvSpPr>
+          <p:cNvPr id="13" name="角丸四角形 46"/>
+          <p:cNvSpPr/>
+          <p:nvPr/>
+        </p:nvSpPr>
+        <p:spPr bwMode="auto">
+          <a:xfrm>
+            <a:off x="7308380" y="5467679"/>
+            <a:ext cx="1551701" cy="193631"/>
+          </a:xfrm>
+          <a:prstGeom prst="roundRect">
+            <a:avLst>
+              <a:gd name="adj" fmla="val 5764"/>
+            </a:avLst>
+          </a:prstGeom>
+          <a:noFill/>
+          <a:ln w="28575">
+            <a:solidFill>
+              <a:srgbClr val="FF0000"/>
+            </a:solidFill>
+          </a:ln>
+          <a:effectLst/>
+          <a:extLst/>
+        </p:spPr>
+        <p:txBody>
+          <a:bodyPr rot="0" spcFirstLastPara="0" vertOverflow="overflow" horzOverflow="overflow" vert="horz" wrap="none" lIns="72000" tIns="72000" rIns="72000" bIns="72000" numCol="1" spcCol="0" rtlCol="0" fromWordArt="0" anchor="ctr" anchorCtr="0" forceAA="0" compatLnSpc="1">
+            <a:prstTxWarp prst="textNoShape">
+              <a:avLst/>
+            </a:prstTxWarp>
+            <a:noAutofit/>
+          </a:bodyPr>
+          <a:lstStyle/>
+          <a:p>
+            <a:pPr algn="ctr"/>
+            <a:endParaRPr kumimoji="1" lang="ja-JP" altLang="en-US" sz="1400" b="1" dirty="0" smtClean="0">
+              <a:solidFill>
+                <a:srgbClr val="FF0000"/>
+              </a:solidFill>
+              <a:latin typeface="+mn-ea"/>
+            </a:endParaRPr>
+          </a:p>
+        </p:txBody>
+      </p:sp>
+      <p:sp>
+        <p:nvSpPr>
+          <p:cNvPr id="14" name="円形吹き出し 47"/>
+          <p:cNvSpPr/>
+          <p:nvPr/>
+        </p:nvSpPr>
+        <p:spPr bwMode="auto">
+          <a:xfrm>
+            <a:off x="8165570" y="5070923"/>
+            <a:ext cx="259360" cy="270000"/>
+          </a:xfrm>
+          <a:prstGeom prst="wedgeEllipseCallout">
+            <a:avLst>
+              <a:gd name="adj1" fmla="val 81580"/>
+              <a:gd name="adj2" fmla="val 102891"/>
+            </a:avLst>
+          </a:prstGeom>
+          <a:solidFill>
+            <a:srgbClr val="FF0000"/>
+          </a:solidFill>
+          <a:ln w="28575">
+            <a:noFill/>
+          </a:ln>
+          <a:effectLst/>
+          <a:extLst/>
+        </p:spPr>
+        <p:style>
+          <a:lnRef idx="3">
+            <a:schemeClr val="lt1"/>
+          </a:lnRef>
+          <a:fillRef idx="1">
+            <a:schemeClr val="accent2"/>
+          </a:fillRef>
+          <a:effectRef idx="1">
+            <a:schemeClr val="accent2"/>
+          </a:effectRef>
+          <a:fontRef idx="minor">
+            <a:schemeClr val="lt1"/>
+          </a:fontRef>
+        </p:style>
+        <p:txBody>
+          <a:bodyPr rot="0" spcFirstLastPara="0" vertOverflow="overflow" horzOverflow="overflow" vert="horz" wrap="none" lIns="72000" tIns="72000" rIns="72000" bIns="72000" numCol="1" spcCol="0" rtlCol="0" fromWordArt="0" anchor="ctr" anchorCtr="1" forceAA="0" compatLnSpc="1">
+            <a:prstTxWarp prst="textNoShape">
+              <a:avLst/>
+            </a:prstTxWarp>
+            <a:noAutofit/>
+          </a:bodyPr>
+          <a:lstStyle/>
+          <a:p>
+            <a:pPr algn="ctr"/>
+            <a:r>
+              <a:rPr kumimoji="1" lang="ja-JP" altLang="en-US" sz="1400" b="1" dirty="0" smtClean="0">
+                <a:latin typeface="+mn-ea"/>
+              </a:rPr>
+              <a:t>２</a:t>
+            </a:r>
+          </a:p>
+        </p:txBody>
+      </p:sp>
+      <p:sp>
+        <p:nvSpPr>
+          <p:cNvPr id="15" name="角丸四角形 50"/>
+          <p:cNvSpPr/>
+          <p:nvPr/>
+        </p:nvSpPr>
+        <p:spPr bwMode="auto">
+          <a:xfrm>
+            <a:off x="156289" y="6093370"/>
+            <a:ext cx="784181" cy="223061"/>
+          </a:xfrm>
+          <a:prstGeom prst="roundRect">
+            <a:avLst>
+              <a:gd name="adj" fmla="val 5764"/>
+            </a:avLst>
+          </a:prstGeom>
+          <a:noFill/>
+          <a:ln w="28575">
+            <a:solidFill>
+              <a:srgbClr val="FF0000"/>
+            </a:solidFill>
+          </a:ln>
+          <a:effectLst/>
+          <a:extLst/>
+        </p:spPr>
+        <p:txBody>
+          <a:bodyPr rot="0" spcFirstLastPara="0" vertOverflow="overflow" horzOverflow="overflow" vert="horz" wrap="none" lIns="72000" tIns="72000" rIns="72000" bIns="72000" numCol="1" spcCol="0" rtlCol="0" fromWordArt="0" anchor="ctr" anchorCtr="0" forceAA="0" compatLnSpc="1">
+            <a:prstTxWarp prst="textNoShape">
+              <a:avLst/>
+            </a:prstTxWarp>
+            <a:noAutofit/>
+          </a:bodyPr>
+          <a:lstStyle/>
+          <a:p>
+            <a:pPr algn="ctr"/>
+            <a:endParaRPr kumimoji="1" lang="ja-JP" altLang="en-US" sz="1400" b="1" dirty="0" smtClean="0">
+              <a:solidFill>
+                <a:srgbClr val="FF0000"/>
+              </a:solidFill>
+              <a:latin typeface="+mn-ea"/>
+            </a:endParaRPr>
+          </a:p>
+        </p:txBody>
+      </p:sp>
+      <p:sp>
+        <p:nvSpPr>
+          <p:cNvPr id="16" name="円形吹き出し 51"/>
+          <p:cNvSpPr/>
+          <p:nvPr/>
+        </p:nvSpPr>
+        <p:spPr bwMode="auto">
+          <a:xfrm>
+            <a:off x="1025489" y="5995493"/>
+            <a:ext cx="270000" cy="270000"/>
+          </a:xfrm>
+          <a:prstGeom prst="wedgeEllipseCallout">
+            <a:avLst>
+              <a:gd name="adj1" fmla="val -83050"/>
+              <a:gd name="adj2" fmla="val -5294"/>
+            </a:avLst>
+          </a:prstGeom>
+          <a:solidFill>
+            <a:srgbClr val="FF0000"/>
+          </a:solidFill>
+          <a:ln w="28575">
+            <a:noFill/>
+          </a:ln>
+          <a:effectLst/>
+          <a:extLst/>
+        </p:spPr>
+        <p:style>
+          <a:lnRef idx="3">
+            <a:schemeClr val="lt1"/>
+          </a:lnRef>
+          <a:fillRef idx="1">
+            <a:schemeClr val="accent2"/>
+          </a:fillRef>
+          <a:effectRef idx="1">
+            <a:schemeClr val="accent2"/>
+          </a:effectRef>
+          <a:fontRef idx="minor">
+            <a:schemeClr val="lt1"/>
+          </a:fontRef>
+        </p:style>
+        <p:txBody>
+          <a:bodyPr rot="0" spcFirstLastPara="0" vertOverflow="overflow" horzOverflow="overflow" vert="horz" wrap="none" lIns="72000" tIns="72000" rIns="72000" bIns="72000" numCol="1" spcCol="0" rtlCol="0" fromWordArt="0" anchor="ctr" anchorCtr="1" forceAA="0" compatLnSpc="1">
+            <a:prstTxWarp prst="textNoShape">
+              <a:avLst/>
+            </a:prstTxWarp>
+            <a:noAutofit/>
+          </a:bodyPr>
+          <a:lstStyle/>
+          <a:p>
+            <a:pPr algn="ctr"/>
+            <a:r>
+              <a:rPr kumimoji="1" lang="en-US" altLang="ja-JP" sz="1400" b="1" smtClean="0">
+                <a:latin typeface="+mn-ea"/>
+              </a:rPr>
+              <a:t>4</a:t>
+            </a:r>
+            <a:endParaRPr kumimoji="1" lang="ja-JP" altLang="en-US" sz="1400" b="1" dirty="0" smtClean="0">
               <a:latin typeface="+mn-ea"/>
             </a:endParaRPr>
           </a:p>
@@ -29342,7 +31882,15 @@
             </a:br>
             <a:r>
               <a:rPr lang="en-US" altLang="ja-JP" sz="1800" dirty="0"/>
-              <a:t>The overall view of the created Conductor is as follows</a:t>
+              <a:t>The overall view of </a:t>
+            </a:r>
+            <a:r>
+              <a:rPr lang="en-US" altLang="ja-JP" sz="1800" dirty="0" smtClean="0"/>
+              <a:t>“Conductor_1” </a:t>
+            </a:r>
+            <a:r>
+              <a:rPr lang="en-US" altLang="ja-JP" sz="1800" dirty="0"/>
+              <a:t>is as follows</a:t>
             </a:r>
             <a:r>
               <a:rPr lang="en-US" altLang="ja-JP" sz="1800" dirty="0" smtClean="0"/>
@@ -29490,6 +32038,775 @@
             <a:endParaRPr kumimoji="1" lang="en-US" altLang="ja-JP" sz="1400" dirty="0" smtClean="0">
               <a:latin typeface="+mn-ea"/>
             </a:endParaRPr>
+          </a:p>
+        </p:txBody>
+      </p:sp>
+      <p:sp>
+        <p:nvSpPr>
+          <p:cNvPr id="8" name="フリーフォーム 34"/>
+          <p:cNvSpPr/>
+          <p:nvPr/>
+        </p:nvSpPr>
+        <p:spPr bwMode="auto">
+          <a:xfrm>
+            <a:off x="1547580" y="2666590"/>
+            <a:ext cx="3816530" cy="1549054"/>
+          </a:xfrm>
+          <a:custGeom>
+            <a:avLst/>
+            <a:gdLst>
+              <a:gd name="connsiteX0" fmla="*/ 26991 w 3600500"/>
+              <a:gd name="connsiteY0" fmla="*/ 0 h 1451360"/>
+              <a:gd name="connsiteX1" fmla="*/ 3573509 w 3600500"/>
+              <a:gd name="connsiteY1" fmla="*/ 0 h 1451360"/>
+              <a:gd name="connsiteX2" fmla="*/ 3600500 w 3600500"/>
+              <a:gd name="connsiteY2" fmla="*/ 26991 h 1451360"/>
+              <a:gd name="connsiteX3" fmla="*/ 3600500 w 3600500"/>
+              <a:gd name="connsiteY3" fmla="*/ 441273 h 1451360"/>
+              <a:gd name="connsiteX4" fmla="*/ 3573509 w 3600500"/>
+              <a:gd name="connsiteY4" fmla="*/ 468264 h 1451360"/>
+              <a:gd name="connsiteX5" fmla="*/ 2880400 w 3600500"/>
+              <a:gd name="connsiteY5" fmla="*/ 468264 h 1451360"/>
+              <a:gd name="connsiteX6" fmla="*/ 2880400 w 3600500"/>
+              <a:gd name="connsiteY6" fmla="*/ 1376488 h 1451360"/>
+              <a:gd name="connsiteX7" fmla="*/ 2805528 w 3600500"/>
+              <a:gd name="connsiteY7" fmla="*/ 1451360 h 1451360"/>
+              <a:gd name="connsiteX8" fmla="*/ 74872 w 3600500"/>
+              <a:gd name="connsiteY8" fmla="*/ 1451360 h 1451360"/>
+              <a:gd name="connsiteX9" fmla="*/ 0 w 3600500"/>
+              <a:gd name="connsiteY9" fmla="*/ 1376488 h 1451360"/>
+              <a:gd name="connsiteX10" fmla="*/ 0 w 3600500"/>
+              <a:gd name="connsiteY10" fmla="*/ 441273 h 1451360"/>
+              <a:gd name="connsiteX11" fmla="*/ 0 w 3600500"/>
+              <a:gd name="connsiteY11" fmla="*/ 227272 h 1451360"/>
+              <a:gd name="connsiteX12" fmla="*/ 0 w 3600500"/>
+              <a:gd name="connsiteY12" fmla="*/ 26991 h 1451360"/>
+              <a:gd name="connsiteX13" fmla="*/ 26991 w 3600500"/>
+              <a:gd name="connsiteY13" fmla="*/ 0 h 1451360"/>
+            </a:gdLst>
+            <a:ahLst/>
+            <a:cxnLst>
+              <a:cxn ang="0">
+                <a:pos x="connsiteX0" y="connsiteY0"/>
+              </a:cxn>
+              <a:cxn ang="0">
+                <a:pos x="connsiteX1" y="connsiteY1"/>
+              </a:cxn>
+              <a:cxn ang="0">
+                <a:pos x="connsiteX2" y="connsiteY2"/>
+              </a:cxn>
+              <a:cxn ang="0">
+                <a:pos x="connsiteX3" y="connsiteY3"/>
+              </a:cxn>
+              <a:cxn ang="0">
+                <a:pos x="connsiteX4" y="connsiteY4"/>
+              </a:cxn>
+              <a:cxn ang="0">
+                <a:pos x="connsiteX5" y="connsiteY5"/>
+              </a:cxn>
+              <a:cxn ang="0">
+                <a:pos x="connsiteX6" y="connsiteY6"/>
+              </a:cxn>
+              <a:cxn ang="0">
+                <a:pos x="connsiteX7" y="connsiteY7"/>
+              </a:cxn>
+              <a:cxn ang="0">
+                <a:pos x="connsiteX8" y="connsiteY8"/>
+              </a:cxn>
+              <a:cxn ang="0">
+                <a:pos x="connsiteX9" y="connsiteY9"/>
+              </a:cxn>
+              <a:cxn ang="0">
+                <a:pos x="connsiteX10" y="connsiteY10"/>
+              </a:cxn>
+              <a:cxn ang="0">
+                <a:pos x="connsiteX11" y="connsiteY11"/>
+              </a:cxn>
+              <a:cxn ang="0">
+                <a:pos x="connsiteX12" y="connsiteY12"/>
+              </a:cxn>
+              <a:cxn ang="0">
+                <a:pos x="connsiteX13" y="connsiteY13"/>
+              </a:cxn>
+            </a:cxnLst>
+            <a:rect l="l" t="t" r="r" b="b"/>
+            <a:pathLst>
+              <a:path w="3600500" h="1451360">
+                <a:moveTo>
+                  <a:pt x="26991" y="0"/>
+                </a:moveTo>
+                <a:lnTo>
+                  <a:pt x="3573509" y="0"/>
+                </a:lnTo>
+                <a:cubicBezTo>
+                  <a:pt x="3588416" y="0"/>
+                  <a:pt x="3600500" y="12084"/>
+                  <a:pt x="3600500" y="26991"/>
+                </a:cubicBezTo>
+                <a:lnTo>
+                  <a:pt x="3600500" y="441273"/>
+                </a:lnTo>
+                <a:cubicBezTo>
+                  <a:pt x="3600500" y="456180"/>
+                  <a:pt x="3588416" y="468264"/>
+                  <a:pt x="3573509" y="468264"/>
+                </a:cubicBezTo>
+                <a:lnTo>
+                  <a:pt x="2880400" y="468264"/>
+                </a:lnTo>
+                <a:lnTo>
+                  <a:pt x="2880400" y="1376488"/>
+                </a:lnTo>
+                <a:cubicBezTo>
+                  <a:pt x="2880400" y="1417839"/>
+                  <a:pt x="2846879" y="1451360"/>
+                  <a:pt x="2805528" y="1451360"/>
+                </a:cubicBezTo>
+                <a:lnTo>
+                  <a:pt x="74872" y="1451360"/>
+                </a:lnTo>
+                <a:cubicBezTo>
+                  <a:pt x="33521" y="1451360"/>
+                  <a:pt x="0" y="1417839"/>
+                  <a:pt x="0" y="1376488"/>
+                </a:cubicBezTo>
+                <a:lnTo>
+                  <a:pt x="0" y="441273"/>
+                </a:lnTo>
+                <a:lnTo>
+                  <a:pt x="0" y="227272"/>
+                </a:lnTo>
+                <a:lnTo>
+                  <a:pt x="0" y="26991"/>
+                </a:lnTo>
+                <a:cubicBezTo>
+                  <a:pt x="0" y="12084"/>
+                  <a:pt x="12084" y="0"/>
+                  <a:pt x="26991" y="0"/>
+                </a:cubicBezTo>
+                <a:close/>
+              </a:path>
+            </a:pathLst>
+          </a:custGeom>
+          <a:noFill/>
+          <a:ln w="28575">
+            <a:solidFill>
+              <a:srgbClr val="FF0000"/>
+            </a:solidFill>
+          </a:ln>
+          <a:effectLst/>
+          <a:extLst/>
+        </p:spPr>
+        <p:txBody>
+          <a:bodyPr rot="0" spcFirstLastPara="0" vertOverflow="overflow" horzOverflow="overflow" vert="horz" wrap="square" lIns="72000" tIns="72000" rIns="72000" bIns="72000" numCol="1" spcCol="0" rtlCol="0" fromWordArt="0" anchor="ctr" anchorCtr="0" forceAA="0" compatLnSpc="1">
+            <a:prstTxWarp prst="textNoShape">
+              <a:avLst/>
+            </a:prstTxWarp>
+            <a:noAutofit/>
+          </a:bodyPr>
+          <a:lstStyle/>
+          <a:p>
+            <a:pPr algn="ctr"/>
+            <a:endParaRPr kumimoji="1" lang="ja-JP" altLang="en-US" sz="1400" b="1" dirty="0" smtClean="0">
+              <a:solidFill>
+                <a:srgbClr val="FF0000"/>
+              </a:solidFill>
+              <a:latin typeface="+mn-ea"/>
+            </a:endParaRPr>
+          </a:p>
+        </p:txBody>
+      </p:sp>
+      <p:sp>
+        <p:nvSpPr>
+          <p:cNvPr id="9" name="円形吹き出し 35"/>
+          <p:cNvSpPr/>
+          <p:nvPr/>
+        </p:nvSpPr>
+        <p:spPr bwMode="auto">
+          <a:xfrm>
+            <a:off x="1187530" y="2309469"/>
+            <a:ext cx="286200" cy="288174"/>
+          </a:xfrm>
+          <a:prstGeom prst="wedgeEllipseCallout">
+            <a:avLst>
+              <a:gd name="adj1" fmla="val 74512"/>
+              <a:gd name="adj2" fmla="val 80715"/>
+            </a:avLst>
+          </a:prstGeom>
+          <a:solidFill>
+            <a:srgbClr val="FF0000"/>
+          </a:solidFill>
+          <a:ln w="28575">
+            <a:noFill/>
+          </a:ln>
+          <a:effectLst/>
+          <a:extLst/>
+        </p:spPr>
+        <p:style>
+          <a:lnRef idx="3">
+            <a:schemeClr val="lt1"/>
+          </a:lnRef>
+          <a:fillRef idx="1">
+            <a:schemeClr val="accent2"/>
+          </a:fillRef>
+          <a:effectRef idx="1">
+            <a:schemeClr val="accent2"/>
+          </a:effectRef>
+          <a:fontRef idx="minor">
+            <a:schemeClr val="lt1"/>
+          </a:fontRef>
+        </p:style>
+        <p:txBody>
+          <a:bodyPr rot="0" spcFirstLastPara="0" vertOverflow="overflow" horzOverflow="overflow" vert="horz" wrap="none" lIns="72000" tIns="72000" rIns="72000" bIns="72000" numCol="1" spcCol="0" rtlCol="0" fromWordArt="0" anchor="ctr" anchorCtr="1" forceAA="0" compatLnSpc="1">
+            <a:prstTxWarp prst="textNoShape">
+              <a:avLst/>
+            </a:prstTxWarp>
+            <a:noAutofit/>
+          </a:bodyPr>
+          <a:lstStyle/>
+          <a:p>
+            <a:pPr algn="ctr"/>
+            <a:r>
+              <a:rPr kumimoji="1" lang="en-US" altLang="ja-JP" sz="1400" b="1" smtClean="0">
+                <a:latin typeface="+mn-ea"/>
+              </a:rPr>
+              <a:t>2</a:t>
+            </a:r>
+            <a:endParaRPr kumimoji="1" lang="ja-JP" altLang="en-US" sz="1400" b="1" dirty="0" smtClean="0">
+              <a:latin typeface="+mn-ea"/>
+            </a:endParaRPr>
+          </a:p>
+        </p:txBody>
+      </p:sp>
+      <p:sp>
+        <p:nvSpPr>
+          <p:cNvPr id="10" name="角丸四角形 29"/>
+          <p:cNvSpPr/>
+          <p:nvPr/>
+        </p:nvSpPr>
+        <p:spPr bwMode="auto">
+          <a:xfrm>
+            <a:off x="6876320" y="2335180"/>
+            <a:ext cx="1943192" cy="213563"/>
+          </a:xfrm>
+          <a:prstGeom prst="roundRect">
+            <a:avLst>
+              <a:gd name="adj" fmla="val 5764"/>
+            </a:avLst>
+          </a:prstGeom>
+          <a:noFill/>
+          <a:ln w="28575">
+            <a:solidFill>
+              <a:srgbClr val="FF0000"/>
+            </a:solidFill>
+          </a:ln>
+          <a:effectLst/>
+          <a:extLst/>
+        </p:spPr>
+        <p:txBody>
+          <a:bodyPr rot="0" spcFirstLastPara="0" vertOverflow="overflow" horzOverflow="overflow" vert="horz" wrap="none" lIns="72000" tIns="72000" rIns="72000" bIns="72000" numCol="1" spcCol="0" rtlCol="0" fromWordArt="0" anchor="ctr" anchorCtr="0" forceAA="0" compatLnSpc="1">
+            <a:prstTxWarp prst="textNoShape">
+              <a:avLst/>
+            </a:prstTxWarp>
+            <a:noAutofit/>
+          </a:bodyPr>
+          <a:lstStyle/>
+          <a:p>
+            <a:pPr algn="ctr"/>
+            <a:endParaRPr kumimoji="1" lang="ja-JP" altLang="en-US" sz="1400" b="1" dirty="0" smtClean="0">
+              <a:solidFill>
+                <a:srgbClr val="FF0000"/>
+              </a:solidFill>
+              <a:latin typeface="+mn-ea"/>
+            </a:endParaRPr>
+          </a:p>
+        </p:txBody>
+      </p:sp>
+      <p:sp>
+        <p:nvSpPr>
+          <p:cNvPr id="11" name="角丸四角形 30"/>
+          <p:cNvSpPr/>
+          <p:nvPr/>
+        </p:nvSpPr>
+        <p:spPr bwMode="auto">
+          <a:xfrm>
+            <a:off x="3347830" y="2009749"/>
+            <a:ext cx="2970056" cy="992502"/>
+          </a:xfrm>
+          <a:prstGeom prst="roundRect">
+            <a:avLst>
+              <a:gd name="adj" fmla="val 4712"/>
+            </a:avLst>
+          </a:prstGeom>
+          <a:solidFill>
+            <a:schemeClr val="bg1"/>
+          </a:solidFill>
+          <a:ln w="28575">
+            <a:solidFill>
+              <a:srgbClr val="FF0000"/>
+            </a:solidFill>
+          </a:ln>
+          <a:effectLst/>
+          <a:extLst/>
+        </p:spPr>
+        <p:txBody>
+          <a:bodyPr rot="0" spcFirstLastPara="0" vertOverflow="overflow" horzOverflow="overflow" vert="horz" wrap="none" lIns="72000" tIns="72000" rIns="72000" bIns="72000" numCol="1" spcCol="0" rtlCol="0" fromWordArt="0" anchor="t" anchorCtr="0" forceAA="0" compatLnSpc="1">
+            <a:prstTxWarp prst="textNoShape">
+              <a:avLst/>
+            </a:prstTxWarp>
+            <a:noAutofit/>
+          </a:bodyPr>
+          <a:lstStyle/>
+          <a:p>
+            <a:pPr algn="ctr"/>
+            <a:r>
+              <a:rPr lang="en-US" altLang="ja-JP" sz="1400" dirty="0" smtClean="0">
+                <a:latin typeface="+mn-ea"/>
+              </a:rPr>
+              <a:t>Input value to item</a:t>
+            </a:r>
+            <a:endParaRPr kumimoji="1" lang="ja-JP" altLang="en-US" sz="1400" dirty="0" smtClean="0">
+              <a:latin typeface="+mn-ea"/>
+            </a:endParaRPr>
+          </a:p>
+        </p:txBody>
+      </p:sp>
+      <p:graphicFrame>
+        <p:nvGraphicFramePr>
+          <p:cNvPr id="12" name="表 31"/>
+          <p:cNvGraphicFramePr>
+            <a:graphicFrameLocks noGrp="1"/>
+          </p:cNvGraphicFramePr>
+          <p:nvPr>
+            <p:extLst>
+              <p:ext uri="{D42A27DB-BD31-4B8C-83A1-F6EECF244321}">
+                <p14:modId xmlns:p14="http://schemas.microsoft.com/office/powerpoint/2010/main" val="1917520295"/>
+              </p:ext>
+            </p:extLst>
+          </p:nvPr>
+        </p:nvGraphicFramePr>
+        <p:xfrm>
+          <a:off x="3455257" y="2351318"/>
+          <a:ext cx="2755202" cy="548640"/>
+        </p:xfrm>
+        <a:graphic>
+          <a:graphicData uri="http://schemas.openxmlformats.org/drawingml/2006/table">
+            <a:tbl>
+              <a:tblPr firstRow="1" bandRow="1">
+                <a:tableStyleId>{5C22544A-7EE6-4342-B048-85BDC9FD1C3A}</a:tableStyleId>
+              </a:tblPr>
+              <a:tblGrid>
+                <a:gridCol w="1427818">
+                  <a:extLst>
+                    <a:ext uri="{9D8B030D-6E8A-4147-A177-3AD203B41FA5}">
+                      <a16:colId xmlns:a16="http://schemas.microsoft.com/office/drawing/2014/main" val="2883640048"/>
+                    </a:ext>
+                  </a:extLst>
+                </a:gridCol>
+                <a:gridCol w="1327384">
+                  <a:extLst>
+                    <a:ext uri="{9D8B030D-6E8A-4147-A177-3AD203B41FA5}">
+                      <a16:colId xmlns:a16="http://schemas.microsoft.com/office/drawing/2014/main" val="1123245703"/>
+                    </a:ext>
+                  </a:extLst>
+                </a:gridCol>
+              </a:tblGrid>
+              <a:tr h="270234">
+                <a:tc>
+                  <a:txBody>
+                    <a:bodyPr/>
+                    <a:lstStyle/>
+                    <a:p>
+                      <a:pPr algn="ctr"/>
+                      <a:r>
+                        <a:rPr kumimoji="1" lang="en-US" altLang="ja-JP" sz="1200" dirty="0" smtClean="0">
+                          <a:solidFill>
+                            <a:schemeClr val="bg1"/>
+                          </a:solidFill>
+                          <a:latin typeface="+mn-lt"/>
+                        </a:rPr>
+                        <a:t>Item</a:t>
+                      </a:r>
+                      <a:endParaRPr kumimoji="1" lang="ja-JP" altLang="en-US" sz="1200" dirty="0">
+                        <a:solidFill>
+                          <a:schemeClr val="bg1"/>
+                        </a:solidFill>
+                        <a:latin typeface="+mn-lt"/>
+                      </a:endParaRPr>
+                    </a:p>
+                  </a:txBody>
+                  <a:tcPr>
+                    <a:lnL w="12700" cap="flat" cmpd="sng" algn="ctr">
+                      <a:solidFill>
+                        <a:schemeClr val="bg1">
+                          <a:lumMod val="85000"/>
+                        </a:schemeClr>
+                      </a:solidFill>
+                      <a:prstDash val="solid"/>
+                      <a:round/>
+                      <a:headEnd type="none" w="med" len="med"/>
+                      <a:tailEnd type="none" w="med" len="med"/>
+                    </a:lnL>
+                    <a:lnR w="12700" cap="flat" cmpd="sng" algn="ctr">
+                      <a:solidFill>
+                        <a:schemeClr val="bg1">
+                          <a:lumMod val="85000"/>
+                        </a:schemeClr>
+                      </a:solidFill>
+                      <a:prstDash val="solid"/>
+                      <a:round/>
+                      <a:headEnd type="none" w="med" len="med"/>
+                      <a:tailEnd type="none" w="med" len="med"/>
+                    </a:lnR>
+                    <a:lnT w="12700" cap="flat" cmpd="sng" algn="ctr">
+                      <a:solidFill>
+                        <a:schemeClr val="bg1">
+                          <a:lumMod val="85000"/>
+                        </a:schemeClr>
+                      </a:solidFill>
+                      <a:prstDash val="solid"/>
+                      <a:round/>
+                      <a:headEnd type="none" w="med" len="med"/>
+                      <a:tailEnd type="none" w="med" len="med"/>
+                    </a:lnT>
+                    <a:lnB w="12700" cap="flat" cmpd="sng" algn="ctr">
+                      <a:solidFill>
+                        <a:schemeClr val="bg1">
+                          <a:lumMod val="85000"/>
+                        </a:schemeClr>
+                      </a:solidFill>
+                      <a:prstDash val="solid"/>
+                      <a:round/>
+                      <a:headEnd type="none" w="med" len="med"/>
+                      <a:tailEnd type="none" w="med" len="med"/>
+                    </a:lnB>
+                    <a:lnTlToBr w="12700" cmpd="sng">
+                      <a:noFill/>
+                      <a:prstDash val="solid"/>
+                    </a:lnTlToBr>
+                    <a:lnBlToTr w="12700" cmpd="sng">
+                      <a:noFill/>
+                      <a:prstDash val="solid"/>
+                    </a:lnBlToTr>
+                    <a:solidFill>
+                      <a:schemeClr val="accent6"/>
+                    </a:solidFill>
+                  </a:tcPr>
+                </a:tc>
+                <a:tc>
+                  <a:txBody>
+                    <a:bodyPr/>
+                    <a:lstStyle/>
+                    <a:p>
+                      <a:pPr algn="ctr"/>
+                      <a:r>
+                        <a:rPr kumimoji="1" lang="en-US" altLang="ja-JP" sz="1200" dirty="0" smtClean="0">
+                          <a:solidFill>
+                            <a:schemeClr val="bg1"/>
+                          </a:solidFill>
+                          <a:latin typeface="+mn-lt"/>
+                        </a:rPr>
+                        <a:t>Value</a:t>
+                      </a:r>
+                      <a:endParaRPr kumimoji="1" lang="ja-JP" altLang="en-US" sz="1200" dirty="0">
+                        <a:solidFill>
+                          <a:schemeClr val="bg1"/>
+                        </a:solidFill>
+                        <a:latin typeface="+mn-lt"/>
+                      </a:endParaRPr>
+                    </a:p>
+                  </a:txBody>
+                  <a:tcPr>
+                    <a:lnL w="12700" cap="flat" cmpd="sng" algn="ctr">
+                      <a:solidFill>
+                        <a:schemeClr val="bg1">
+                          <a:lumMod val="85000"/>
+                        </a:schemeClr>
+                      </a:solidFill>
+                      <a:prstDash val="solid"/>
+                      <a:round/>
+                      <a:headEnd type="none" w="med" len="med"/>
+                      <a:tailEnd type="none" w="med" len="med"/>
+                    </a:lnL>
+                    <a:lnR w="12700" cap="flat" cmpd="sng" algn="ctr">
+                      <a:solidFill>
+                        <a:schemeClr val="bg1">
+                          <a:lumMod val="85000"/>
+                        </a:schemeClr>
+                      </a:solidFill>
+                      <a:prstDash val="solid"/>
+                      <a:round/>
+                      <a:headEnd type="none" w="med" len="med"/>
+                      <a:tailEnd type="none" w="med" len="med"/>
+                    </a:lnR>
+                    <a:lnT w="12700" cap="flat" cmpd="sng" algn="ctr">
+                      <a:solidFill>
+                        <a:schemeClr val="bg1">
+                          <a:lumMod val="85000"/>
+                        </a:schemeClr>
+                      </a:solidFill>
+                      <a:prstDash val="solid"/>
+                      <a:round/>
+                      <a:headEnd type="none" w="med" len="med"/>
+                      <a:tailEnd type="none" w="med" len="med"/>
+                    </a:lnT>
+                    <a:lnB w="12700" cap="flat" cmpd="sng" algn="ctr">
+                      <a:solidFill>
+                        <a:schemeClr val="bg1">
+                          <a:lumMod val="85000"/>
+                        </a:schemeClr>
+                      </a:solidFill>
+                      <a:prstDash val="solid"/>
+                      <a:round/>
+                      <a:headEnd type="none" w="med" len="med"/>
+                      <a:tailEnd type="none" w="med" len="med"/>
+                    </a:lnB>
+                    <a:lnTlToBr w="12700" cmpd="sng">
+                      <a:noFill/>
+                      <a:prstDash val="solid"/>
+                    </a:lnTlToBr>
+                    <a:lnBlToTr w="12700" cmpd="sng">
+                      <a:noFill/>
+                      <a:prstDash val="solid"/>
+                    </a:lnBlToTr>
+                    <a:solidFill>
+                      <a:schemeClr val="accent6"/>
+                    </a:solidFill>
+                  </a:tcPr>
+                </a:tc>
+                <a:extLst>
+                  <a:ext uri="{0D108BD9-81ED-4DB2-BD59-A6C34878D82A}">
+                    <a16:rowId xmlns:a16="http://schemas.microsoft.com/office/drawing/2014/main" val="2458714703"/>
+                  </a:ext>
+                </a:extLst>
+              </a:tr>
+              <a:tr h="270234">
+                <a:tc>
+                  <a:txBody>
+                    <a:bodyPr/>
+                    <a:lstStyle/>
+                    <a:p>
+                      <a:r>
+                        <a:rPr kumimoji="1" lang="en-US" altLang="ja-JP" sz="1200" b="1" baseline="0" dirty="0" smtClean="0">
+                          <a:solidFill>
+                            <a:schemeClr val="tx1"/>
+                          </a:solidFill>
+                          <a:latin typeface="+mn-lt"/>
+                        </a:rPr>
+                        <a:t>Name</a:t>
+                      </a:r>
+                      <a:endParaRPr kumimoji="1" lang="ja-JP" altLang="en-US" sz="1200" b="1" dirty="0">
+                        <a:solidFill>
+                          <a:schemeClr val="tx1"/>
+                        </a:solidFill>
+                        <a:latin typeface="+mn-lt"/>
+                      </a:endParaRPr>
+                    </a:p>
+                  </a:txBody>
+                  <a:tcPr>
+                    <a:lnL w="12700" cap="flat" cmpd="sng" algn="ctr">
+                      <a:solidFill>
+                        <a:schemeClr val="bg1">
+                          <a:lumMod val="85000"/>
+                        </a:schemeClr>
+                      </a:solidFill>
+                      <a:prstDash val="solid"/>
+                      <a:round/>
+                      <a:headEnd type="none" w="med" len="med"/>
+                      <a:tailEnd type="none" w="med" len="med"/>
+                    </a:lnL>
+                    <a:lnR w="12700" cap="flat" cmpd="sng" algn="ctr">
+                      <a:solidFill>
+                        <a:schemeClr val="bg1">
+                          <a:lumMod val="85000"/>
+                        </a:schemeClr>
+                      </a:solidFill>
+                      <a:prstDash val="solid"/>
+                      <a:round/>
+                      <a:headEnd type="none" w="med" len="med"/>
+                      <a:tailEnd type="none" w="med" len="med"/>
+                    </a:lnR>
+                    <a:lnT w="12700" cap="flat" cmpd="sng" algn="ctr">
+                      <a:solidFill>
+                        <a:schemeClr val="bg1">
+                          <a:lumMod val="85000"/>
+                        </a:schemeClr>
+                      </a:solidFill>
+                      <a:prstDash val="solid"/>
+                      <a:round/>
+                      <a:headEnd type="none" w="med" len="med"/>
+                      <a:tailEnd type="none" w="med" len="med"/>
+                    </a:lnT>
+                    <a:lnB w="12700" cap="flat" cmpd="sng" algn="ctr">
+                      <a:solidFill>
+                        <a:schemeClr val="bg1">
+                          <a:lumMod val="85000"/>
+                        </a:schemeClr>
+                      </a:solidFill>
+                      <a:prstDash val="solid"/>
+                      <a:round/>
+                      <a:headEnd type="none" w="med" len="med"/>
+                      <a:tailEnd type="none" w="med" len="med"/>
+                    </a:lnB>
+                    <a:lnTlToBr w="12700" cmpd="sng">
+                      <a:noFill/>
+                      <a:prstDash val="solid"/>
+                    </a:lnTlToBr>
+                    <a:lnBlToTr w="12700" cmpd="sng">
+                      <a:noFill/>
+                      <a:prstDash val="solid"/>
+                    </a:lnBlToTr>
+                    <a:solidFill>
+                      <a:schemeClr val="bg1"/>
+                    </a:solidFill>
+                  </a:tcPr>
+                </a:tc>
+                <a:tc>
+                  <a:txBody>
+                    <a:bodyPr/>
+                    <a:lstStyle/>
+                    <a:p>
+                      <a:r>
+                        <a:rPr kumimoji="1" lang="en-US" altLang="ja-JP" sz="1200" dirty="0" smtClean="0">
+                          <a:solidFill>
+                            <a:schemeClr val="tx1"/>
+                          </a:solidFill>
+                          <a:latin typeface="+mn-lt"/>
+                        </a:rPr>
+                        <a:t>Conductor_1</a:t>
+                      </a:r>
+                      <a:endParaRPr kumimoji="1" lang="ja-JP" altLang="en-US" sz="1200" dirty="0">
+                        <a:solidFill>
+                          <a:schemeClr val="tx1"/>
+                        </a:solidFill>
+                        <a:latin typeface="+mn-lt"/>
+                      </a:endParaRPr>
+                    </a:p>
+                  </a:txBody>
+                  <a:tcPr>
+                    <a:lnL w="12700" cap="flat" cmpd="sng" algn="ctr">
+                      <a:solidFill>
+                        <a:schemeClr val="bg1">
+                          <a:lumMod val="85000"/>
+                        </a:schemeClr>
+                      </a:solidFill>
+                      <a:prstDash val="solid"/>
+                      <a:round/>
+                      <a:headEnd type="none" w="med" len="med"/>
+                      <a:tailEnd type="none" w="med" len="med"/>
+                    </a:lnL>
+                    <a:lnR w="12700" cap="flat" cmpd="sng" algn="ctr">
+                      <a:solidFill>
+                        <a:schemeClr val="bg1">
+                          <a:lumMod val="85000"/>
+                        </a:schemeClr>
+                      </a:solidFill>
+                      <a:prstDash val="solid"/>
+                      <a:round/>
+                      <a:headEnd type="none" w="med" len="med"/>
+                      <a:tailEnd type="none" w="med" len="med"/>
+                    </a:lnR>
+                    <a:lnT w="12700" cap="flat" cmpd="sng" algn="ctr">
+                      <a:solidFill>
+                        <a:schemeClr val="bg1">
+                          <a:lumMod val="85000"/>
+                        </a:schemeClr>
+                      </a:solidFill>
+                      <a:prstDash val="solid"/>
+                      <a:round/>
+                      <a:headEnd type="none" w="med" len="med"/>
+                      <a:tailEnd type="none" w="med" len="med"/>
+                    </a:lnT>
+                    <a:lnB w="12700" cap="flat" cmpd="sng" algn="ctr">
+                      <a:solidFill>
+                        <a:schemeClr val="bg1">
+                          <a:lumMod val="85000"/>
+                        </a:schemeClr>
+                      </a:solidFill>
+                      <a:prstDash val="solid"/>
+                      <a:round/>
+                      <a:headEnd type="none" w="med" len="med"/>
+                      <a:tailEnd type="none" w="med" len="med"/>
+                    </a:lnB>
+                    <a:lnTlToBr w="12700" cmpd="sng">
+                      <a:noFill/>
+                      <a:prstDash val="solid"/>
+                    </a:lnTlToBr>
+                    <a:lnBlToTr w="12700" cmpd="sng">
+                      <a:noFill/>
+                      <a:prstDash val="solid"/>
+                    </a:lnBlToTr>
+                    <a:solidFill>
+                      <a:schemeClr val="bg1"/>
+                    </a:solidFill>
+                  </a:tcPr>
+                </a:tc>
+                <a:extLst>
+                  <a:ext uri="{0D108BD9-81ED-4DB2-BD59-A6C34878D82A}">
+                    <a16:rowId xmlns:a16="http://schemas.microsoft.com/office/drawing/2014/main" val="4029950975"/>
+                  </a:ext>
+                </a:extLst>
+              </a:tr>
+            </a:tbl>
+          </a:graphicData>
+        </a:graphic>
+      </p:graphicFrame>
+      <p:sp>
+        <p:nvSpPr>
+          <p:cNvPr id="13" name="円形吹き出し 32"/>
+          <p:cNvSpPr/>
+          <p:nvPr/>
+        </p:nvSpPr>
+        <p:spPr bwMode="auto">
+          <a:xfrm>
+            <a:off x="6182039" y="1860566"/>
+            <a:ext cx="270000" cy="270000"/>
+          </a:xfrm>
+          <a:prstGeom prst="wedgeEllipseCallout">
+            <a:avLst>
+              <a:gd name="adj1" fmla="val 196366"/>
+              <a:gd name="adj2" fmla="val 171856"/>
+            </a:avLst>
+          </a:prstGeom>
+          <a:solidFill>
+            <a:srgbClr val="FF0000"/>
+          </a:solidFill>
+          <a:ln w="28575">
+            <a:noFill/>
+          </a:ln>
+          <a:effectLst/>
+          <a:extLst/>
+        </p:spPr>
+        <p:style>
+          <a:lnRef idx="3">
+            <a:schemeClr val="lt1"/>
+          </a:lnRef>
+          <a:fillRef idx="1">
+            <a:schemeClr val="accent2"/>
+          </a:fillRef>
+          <a:effectRef idx="1">
+            <a:schemeClr val="accent2"/>
+          </a:effectRef>
+          <a:fontRef idx="minor">
+            <a:schemeClr val="lt1"/>
+          </a:fontRef>
+        </p:style>
+        <p:txBody>
+          <a:bodyPr rot="0" spcFirstLastPara="0" vertOverflow="overflow" horzOverflow="overflow" vert="horz" wrap="none" lIns="72000" tIns="72000" rIns="72000" bIns="72000" numCol="1" spcCol="0" rtlCol="0" fromWordArt="0" anchor="ctr" anchorCtr="1" forceAA="0" compatLnSpc="1">
+            <a:prstTxWarp prst="textNoShape">
+              <a:avLst/>
+            </a:prstTxWarp>
+            <a:noAutofit/>
+          </a:bodyPr>
+          <a:lstStyle/>
+          <a:p>
+            <a:pPr algn="ctr"/>
+            <a:r>
+              <a:rPr kumimoji="1" lang="ja-JP" altLang="en-US" sz="1400" b="1" dirty="0" smtClean="0">
+                <a:latin typeface="+mn-ea"/>
+              </a:rPr>
+              <a:t>１</a:t>
+            </a:r>
           </a:p>
         </p:txBody>
       </p:sp>
@@ -30318,16 +33635,12 @@
               <a:buChar char="l"/>
             </a:pPr>
             <a:r>
-              <a:rPr lang="en-US" altLang="ja-JP" dirty="0"/>
+              <a:rPr lang="en-US" altLang="ja-JP" b="1" dirty="0"/>
               <a:t>Register </a:t>
             </a:r>
             <a:r>
-              <a:rPr lang="en-US" altLang="ja-JP" dirty="0" smtClean="0"/>
+              <a:rPr lang="en-US" altLang="ja-JP" b="1" dirty="0" smtClean="0"/>
               <a:t>Conductor</a:t>
-            </a:r>
-            <a:r>
-              <a:rPr lang="en-US" altLang="ja-JP" b="1" dirty="0" smtClean="0"/>
-              <a:t/>
             </a:r>
             <a:br>
               <a:rPr lang="en-US" altLang="ja-JP" b="1" dirty="0" smtClean="0"/>
@@ -31016,7 +34329,7 @@
         <p:spPr bwMode="auto">
           <a:xfrm>
             <a:off x="860634" y="4952086"/>
-            <a:ext cx="7095836" cy="714750"/>
+            <a:ext cx="6674919" cy="545529"/>
           </a:xfrm>
           <a:prstGeom prst="roundRect">
             <a:avLst>
@@ -31053,13 +34366,19 @@
               <a:rPr lang="en-US" altLang="ja-JP" sz="1400" dirty="0">
                 <a:latin typeface="+mn-ea"/>
               </a:rPr>
-              <a:t> Conductor end </a:t>
+              <a:t> </a:t>
             </a:r>
             <a:r>
               <a:rPr lang="en-US" altLang="ja-JP" sz="1400" dirty="0" smtClean="0">
                 <a:latin typeface="+mn-ea"/>
               </a:rPr>
-              <a:t>is a function is deployed at the end of a process..</a:t>
+              <a:t>The “Conductor end” node is placed at the end of the process string.</a:t>
+            </a:r>
+            <a:r>
+              <a:rPr lang="en-US" altLang="ja-JP" sz="1400" dirty="0" smtClean="0">
+                <a:latin typeface="+mn-ea"/>
+              </a:rPr>
+              <a:t/>
             </a:r>
             <a:br>
               <a:rPr lang="en-US" altLang="ja-JP" sz="1400" dirty="0" smtClean="0">
@@ -31652,8 +34971,8 @@
         </p:nvSpPr>
         <p:spPr bwMode="auto">
           <a:xfrm>
-            <a:off x="3275820" y="5238205"/>
-            <a:ext cx="5687693" cy="816838"/>
+            <a:off x="3275821" y="5238204"/>
+            <a:ext cx="5400750" cy="645979"/>
           </a:xfrm>
           <a:prstGeom prst="roundRect">
             <a:avLst>
@@ -31685,50 +35004,49 @@
               <a:buChar char="•"/>
             </a:pPr>
             <a:r>
-              <a:rPr lang="en-US" altLang="ja-JP" sz="1400" dirty="0" smtClean="0"/>
+              <a:rPr lang="en-US" altLang="ja-JP" sz="1200" dirty="0" smtClean="0"/>
               <a:t>Parallel </a:t>
             </a:r>
             <a:r>
-              <a:rPr lang="en-US" altLang="ja-JP" sz="1400" dirty="0"/>
-              <a:t>branch and Parallel merge are executed immediately</a:t>
-            </a:r>
-            <a:r>
-              <a:rPr lang="en-US" altLang="ja-JP" dirty="0"/>
-              <a:t>.</a:t>
-            </a:r>
-            <a:r>
-              <a:rPr lang="en-US" altLang="ja-JP" sz="1400" dirty="0"/>
-              <a:t> </a:t>
-            </a:r>
-            <a:r>
-              <a:rPr lang="en-US" altLang="ja-JP" sz="1400" dirty="0" smtClean="0">
+              <a:rPr lang="en-US" altLang="ja-JP" sz="1200" dirty="0"/>
+              <a:t>branch and Parallel merge are executed </a:t>
+            </a:r>
+            <a:r>
+              <a:rPr lang="en-US" altLang="ja-JP" sz="1200" dirty="0" smtClean="0"/>
+              <a:t>immediately</a:t>
+            </a:r>
+            <a:br>
+              <a:rPr lang="en-US" altLang="ja-JP" sz="1200" dirty="0" smtClean="0"/>
+            </a:br>
+            <a:r>
+              <a:rPr lang="en-US" altLang="ja-JP" sz="1200" dirty="0"/>
+              <a:t>a</a:t>
+            </a:r>
+            <a:r>
+              <a:rPr lang="en-US" altLang="ja-JP" sz="1200" dirty="0" smtClean="0"/>
+              <a:t>nd allows for </a:t>
+            </a:r>
+            <a:r>
+              <a:rPr lang="en-US" altLang="ja-JP" sz="1200" dirty="0" smtClean="0">
                 <a:latin typeface="+mn-ea"/>
               </a:rPr>
-              <a:t/>
-            </a:r>
-            <a:br>
-              <a:rPr lang="en-US" altLang="ja-JP" sz="1400" dirty="0" smtClean="0">
+              <a:t>Movements </a:t>
+            </a:r>
+            <a:r>
+              <a:rPr lang="en-US" altLang="ja-JP" sz="1200" dirty="0">
                 <a:latin typeface="+mn-ea"/>
               </a:rPr>
-            </a:br>
-            <a:r>
-              <a:rPr lang="en-US" altLang="ja-JP" sz="1400" dirty="0" smtClean="0">
+              <a:t>and </a:t>
+            </a:r>
+            <a:r>
+              <a:rPr lang="en-US" altLang="ja-JP" sz="1200" dirty="0" smtClean="0">
                 <a:latin typeface="+mn-ea"/>
               </a:rPr>
-              <a:t>Movement </a:t>
-            </a:r>
-            <a:r>
-              <a:rPr lang="en-US" altLang="ja-JP" sz="1400" dirty="0">
-                <a:latin typeface="+mn-ea"/>
-              </a:rPr>
-              <a:t>and Function can be executed </a:t>
-            </a:r>
-            <a:r>
-              <a:rPr lang="en-US" altLang="ja-JP" sz="1400" dirty="0" smtClean="0">
-                <a:latin typeface="+mn-ea"/>
-              </a:rPr>
-              <a:t>in parallel.</a:t>
-            </a:r>
+              <a:t>Functions to be executed in parallel.</a:t>
+            </a:r>
+            <a:endParaRPr lang="en-US" altLang="ja-JP" sz="1200" dirty="0" smtClean="0">
+              <a:latin typeface="+mn-ea"/>
+            </a:endParaRPr>
           </a:p>
           <a:p>
             <a:pPr marL="285750" indent="-285750">
@@ -31736,18 +35054,12 @@
               <a:buChar char="•"/>
             </a:pPr>
             <a:r>
-              <a:rPr lang="en-US" altLang="ja-JP" sz="1400" dirty="0" smtClean="0">
+              <a:rPr lang="en-US" altLang="ja-JP" sz="1200" dirty="0" smtClean="0">
                 <a:latin typeface="+mn-ea"/>
               </a:rPr>
-              <a:t>The </a:t>
-            </a:r>
-            <a:r>
-              <a:rPr lang="en-US" altLang="ja-JP" sz="1400" dirty="0">
-                <a:latin typeface="+mn-ea"/>
-              </a:rPr>
-              <a:t>number of parallel processes can be specified.</a:t>
-            </a:r>
-            <a:endParaRPr lang="en-US" altLang="ja-JP" sz="1400" dirty="0" smtClean="0">
+              <a:t>Users can specify the number of paralleled executed processes.</a:t>
+            </a:r>
+            <a:endParaRPr lang="en-US" altLang="ja-JP" sz="1200" dirty="0" smtClean="0">
               <a:latin typeface="+mn-ea"/>
             </a:endParaRPr>
           </a:p>
@@ -31761,7 +35073,7 @@
         </p:nvSpPr>
         <p:spPr bwMode="auto">
           <a:xfrm>
-            <a:off x="6654590" y="3859283"/>
+            <a:off x="6654913" y="4246585"/>
             <a:ext cx="1080150" cy="250803"/>
           </a:xfrm>
           <a:prstGeom prst="roundRect">
@@ -31849,8 +35161,8 @@
         </p:nvCxnSpPr>
         <p:spPr bwMode="auto">
           <a:xfrm flipH="1" flipV="1">
-            <a:off x="2699740" y="3912858"/>
-            <a:ext cx="3954850" cy="156028"/>
+            <a:off x="5580018" y="3738225"/>
+            <a:ext cx="1074895" cy="847797"/>
           </a:xfrm>
           <a:prstGeom prst="straightConnector1">
             <a:avLst/>
@@ -32109,6 +35421,92 @@
           </a:p>
         </p:txBody>
       </p:sp>
+      <p:sp>
+        <p:nvSpPr>
+          <p:cNvPr id="18" name="角丸四角形 17"/>
+          <p:cNvSpPr/>
+          <p:nvPr/>
+        </p:nvSpPr>
+        <p:spPr bwMode="auto">
+          <a:xfrm>
+            <a:off x="6654913" y="4487259"/>
+            <a:ext cx="1080150" cy="250803"/>
+          </a:xfrm>
+          <a:prstGeom prst="roundRect">
+            <a:avLst>
+              <a:gd name="adj" fmla="val 5764"/>
+            </a:avLst>
+          </a:prstGeom>
+          <a:noFill/>
+          <a:ln w="28575">
+            <a:solidFill>
+              <a:srgbClr val="FF0000"/>
+            </a:solidFill>
+          </a:ln>
+          <a:effectLst/>
+          <a:extLst/>
+        </p:spPr>
+        <p:txBody>
+          <a:bodyPr rot="0" spcFirstLastPara="0" vertOverflow="overflow" horzOverflow="overflow" vert="horz" wrap="none" lIns="72000" tIns="72000" rIns="72000" bIns="72000" numCol="1" spcCol="0" rtlCol="0" fromWordArt="0" anchor="ctr" anchorCtr="0" forceAA="0" compatLnSpc="1">
+            <a:prstTxWarp prst="textNoShape">
+              <a:avLst/>
+            </a:prstTxWarp>
+            <a:noAutofit/>
+          </a:bodyPr>
+          <a:lstStyle/>
+          <a:p>
+            <a:pPr algn="ctr"/>
+            <a:endParaRPr kumimoji="1" lang="ja-JP" altLang="en-US" sz="1400" b="1" dirty="0" smtClean="0">
+              <a:solidFill>
+                <a:srgbClr val="FF0000"/>
+              </a:solidFill>
+              <a:latin typeface="+mn-ea"/>
+            </a:endParaRPr>
+          </a:p>
+        </p:txBody>
+      </p:sp>
+      <p:cxnSp>
+        <p:nvCxnSpPr>
+          <p:cNvPr id="19" name="直線矢印コネクタ 18"/>
+          <p:cNvCxnSpPr/>
+          <p:nvPr/>
+        </p:nvCxnSpPr>
+        <p:spPr bwMode="auto">
+          <a:xfrm flipH="1" flipV="1">
+            <a:off x="3275820" y="3719457"/>
+            <a:ext cx="3373839" cy="652530"/>
+          </a:xfrm>
+          <a:prstGeom prst="straightConnector1">
+            <a:avLst/>
+          </a:prstGeom>
+          <a:solidFill>
+            <a:schemeClr val="bg1"/>
+          </a:solidFill>
+          <a:ln w="38100" cap="flat" cmpd="sng" algn="ctr">
+            <a:solidFill>
+              <a:srgbClr val="FF0000"/>
+            </a:solidFill>
+            <a:prstDash val="solid"/>
+            <a:round/>
+            <a:headEnd type="none" w="med" len="med"/>
+            <a:tailEnd type="triangle"/>
+          </a:ln>
+          <a:effectLst/>
+          <a:extLst>
+            <a:ext uri="{AF507438-7753-43E0-B8FC-AC1667EBCBE1}">
+              <a14:hiddenEffects xmlns:a14="http://schemas.microsoft.com/office/drawing/2010/main">
+                <a:effectLst>
+                  <a:outerShdw dist="35921" dir="2700000" algn="ctr" rotWithShape="0">
+                    <a:schemeClr val="tx1">
+                      <a:alpha val="50000"/>
+                    </a:schemeClr>
+                  </a:outerShdw>
+                </a:effectLst>
+              </a14:hiddenEffects>
+            </a:ext>
+          </a:extLst>
+        </p:spPr>
+      </p:cxnSp>
     </p:spTree>
     <p:extLst>
       <p:ext uri="{BB962C8B-B14F-4D97-AF65-F5344CB8AC3E}">
@@ -32824,12 +36222,12 @@
           <a:p>
             <a:pPr algn="ctr"/>
             <a:r>
-              <a:rPr lang="en-US" altLang="ja-JP" sz="1200">
+              <a:rPr lang="en-US" altLang="ja-JP" sz="1200" dirty="0" smtClean="0">
                 <a:latin typeface="+mn-ea"/>
               </a:rPr>
-              <a:t>Select the value for below</a:t>
-            </a:r>
-            <a:endParaRPr kumimoji="1" lang="ja-JP" altLang="en-US" sz="1200">
+              <a:t>Select the following value</a:t>
+            </a:r>
+            <a:endParaRPr kumimoji="1" lang="ja-JP" altLang="en-US" sz="1200" dirty="0">
               <a:latin typeface="+mn-ea"/>
             </a:endParaRPr>
           </a:p>
@@ -33234,7 +36632,7 @@
         <p:spPr bwMode="auto">
           <a:xfrm>
             <a:off x="2411090" y="4139879"/>
-            <a:ext cx="2520960" cy="1189784"/>
+            <a:ext cx="2520960" cy="1072122"/>
           </a:xfrm>
           <a:prstGeom prst="roundRect">
             <a:avLst>
@@ -33327,18 +36725,18 @@
           <a:p>
             <a:pPr algn="ctr"/>
             <a:r>
-              <a:rPr lang="en-US" altLang="ja-JP" sz="1200">
+              <a:rPr lang="en-US" altLang="ja-JP" sz="1200" dirty="0" smtClean="0">
                 <a:latin typeface="+mn-ea"/>
               </a:rPr>
-              <a:t>Select the value for below</a:t>
-            </a:r>
-            <a:endParaRPr lang="ja-JP" altLang="en-US" sz="1200">
+              <a:t>Select the following value</a:t>
+            </a:r>
+            <a:endParaRPr lang="ja-JP" altLang="en-US" sz="1200" dirty="0">
               <a:latin typeface="+mn-ea"/>
             </a:endParaRPr>
           </a:p>
           <a:p>
             <a:pPr algn="ctr"/>
-            <a:endParaRPr kumimoji="1" lang="ja-JP" altLang="en-US" sz="1200">
+            <a:endParaRPr kumimoji="1" lang="ja-JP" altLang="en-US" sz="1200" dirty="0">
               <a:latin typeface="+mn-ea"/>
             </a:endParaRPr>
           </a:p>
@@ -33530,7 +36928,7 @@
         <p:spPr bwMode="auto">
           <a:xfrm>
             <a:off x="2331323" y="5512400"/>
-            <a:ext cx="2754691" cy="1026658"/>
+            <a:ext cx="2754691" cy="930339"/>
           </a:xfrm>
           <a:prstGeom prst="roundRect">
             <a:avLst>
@@ -33623,12 +37021,12 @@
           <a:p>
             <a:pPr algn="ctr"/>
             <a:r>
-              <a:rPr lang="en-US" altLang="ja-JP" sz="1200">
+              <a:rPr lang="en-US" altLang="ja-JP" sz="1200" dirty="0" smtClean="0">
                 <a:latin typeface="+mn-ea"/>
               </a:rPr>
-              <a:t>Select the value for below</a:t>
-            </a:r>
-            <a:endParaRPr kumimoji="1" lang="ja-JP" altLang="en-US" sz="1200">
+              <a:t>Select the following value</a:t>
+            </a:r>
+            <a:endParaRPr kumimoji="1" lang="ja-JP" altLang="en-US" sz="1200" dirty="0">
               <a:latin typeface="+mn-ea"/>
             </a:endParaRPr>
           </a:p>
@@ -35013,7 +38411,7 @@
         </p:spPr>
         <p:txBody>
           <a:bodyPr>
-            <a:normAutofit fontScale="92500" lnSpcReduction="10000"/>
+            <a:normAutofit/>
           </a:bodyPr>
           <a:lstStyle/>
           <a:p>
@@ -35023,7 +38421,11 @@
             </a:pPr>
             <a:r>
               <a:rPr lang="en-US" altLang="ja-JP" dirty="0" smtClean="0"/>
-              <a:t>The Scenario used in this document is as following.</a:t>
+              <a:t>The Scenario used in this document is as </a:t>
+            </a:r>
+            <a:r>
+              <a:rPr lang="en-US" altLang="ja-JP" dirty="0" smtClean="0"/>
+              <a:t>following.</a:t>
             </a:r>
           </a:p>
           <a:p>
@@ -35032,20 +38434,8 @@
               <a:buChar char="l"/>
             </a:pPr>
             <a:r>
-              <a:rPr lang="en-US" altLang="ja-JP" dirty="0" err="1"/>
-              <a:t>Ansible</a:t>
-            </a:r>
-            <a:r>
-              <a:rPr lang="en-US" altLang="ja-JP" dirty="0"/>
-              <a:t> driver is required to proceed with the scenario, so in this scenario, we will explain using </a:t>
-            </a:r>
-            <a:r>
-              <a:rPr lang="en-US" altLang="ja-JP" dirty="0" err="1"/>
-              <a:t>Ansible</a:t>
-            </a:r>
-            <a:r>
-              <a:rPr lang="en-US" altLang="ja-JP" dirty="0"/>
-              <a:t>-Legacy.</a:t>
+              <a:rPr lang="en-US" altLang="ja-JP" dirty="0" smtClean="0"/>
+              <a:t>In this scenario, we will use Ansible-Legacy for the Ansible driver.</a:t>
             </a:r>
             <a:endParaRPr kumimoji="1" lang="ja-JP" altLang="en-US" dirty="0"/>
           </a:p>
@@ -36354,7 +39744,7 @@
                   </a:schemeClr>
                 </a:solidFill>
               </a:rPr>
-              <a:t>Features of Conductor function</a:t>
+              <a:t>Conductor function features</a:t>
             </a:r>
             <a:endParaRPr lang="en-US" altLang="ja-JP" b="1" kern="0" dirty="0">
               <a:solidFill>
@@ -37658,8 +41048,8 @@
         </p:nvSpPr>
         <p:spPr>
           <a:xfrm>
-            <a:off x="395420" y="2311212"/>
-            <a:ext cx="6408890" cy="4032632"/>
+            <a:off x="395420" y="2420788"/>
+            <a:ext cx="6408890" cy="3888308"/>
           </a:xfrm>
           <a:prstGeom prst="rect">
             <a:avLst/>
@@ -37677,12 +41067,13 @@
           </a:bodyPr>
           <a:lstStyle/>
           <a:p>
-            <a:endParaRPr lang="en-US" altLang="ja-JP" sz="1400" dirty="0"/>
-          </a:p>
-          <a:p>
+            <a:r>
+              <a:rPr lang="en-US" altLang="ja-JP" sz="1400" dirty="0" smtClean="0"/>
+              <a:t>- </a:t>
+            </a:r>
             <a:r>
               <a:rPr lang="en-US" altLang="ja-JP" sz="1400" dirty="0"/>
-              <a:t>- name: create directory</a:t>
+              <a:t>name: create directory</a:t>
             </a:r>
           </a:p>
           <a:p>
@@ -37694,86 +41085,44 @@
           <a:p>
             <a:r>
               <a:rPr lang="en-US" altLang="ja-JP" sz="1400" dirty="0"/>
-              <a:t>    path: /</a:t>
+              <a:t>    path=/</a:t>
             </a:r>
             <a:r>
               <a:rPr lang="en-US" altLang="ja-JP" sz="1400" dirty="0" err="1"/>
               <a:t>tmp</a:t>
             </a:r>
             <a:r>
+              <a:rPr lang="en-US" altLang="ja-JP" sz="1400" dirty="0" smtClean="0"/>
+              <a:t>/{{ VAR_dir_name_1 }}</a:t>
+            </a:r>
+            <a:endParaRPr lang="en-US" altLang="ja-JP" sz="1400" dirty="0"/>
+          </a:p>
+          <a:p>
+            <a:r>
               <a:rPr lang="en-US" altLang="ja-JP" sz="1400" dirty="0"/>
-              <a:t>/{{ </a:t>
-            </a:r>
-            <a:r>
-              <a:rPr lang="en-US" altLang="ja-JP" sz="1400" dirty="0" err="1"/>
-              <a:t>item.dir</a:t>
-            </a:r>
+              <a:t>    state=directory</a:t>
+            </a:r>
+          </a:p>
+          <a:p>
             <a:r>
               <a:rPr lang="en-US" altLang="ja-JP" sz="1400" dirty="0"/>
-              <a:t> }}</a:t>
+              <a:t>    mode=0755</a:t>
             </a:r>
           </a:p>
           <a:p>
             <a:r>
               <a:rPr lang="en-US" altLang="ja-JP" sz="1400" dirty="0"/>
-              <a:t>    state: directory</a:t>
-            </a:r>
-          </a:p>
-          <a:p>
+              <a:t>    </a:t>
+            </a:r>
+          </a:p>
+          <a:p>
+            <a:r>
+              <a:rPr lang="en-US" altLang="ja-JP" sz="1400" dirty="0" smtClean="0"/>
+              <a:t>- </a:t>
+            </a:r>
             <a:r>
               <a:rPr lang="en-US" altLang="ja-JP" sz="1400" dirty="0"/>
-              <a:t>    mode: 0755</a:t>
-            </a:r>
-          </a:p>
-          <a:p>
-            <a:r>
-              <a:rPr lang="en-US" altLang="ja-JP" sz="1400" dirty="0"/>
-              <a:t>  </a:t>
-            </a:r>
-            <a:r>
-              <a:rPr lang="en-US" altLang="ja-JP" sz="1400" dirty="0" err="1"/>
-              <a:t>with_items</a:t>
-            </a:r>
-            <a:r>
-              <a:rPr lang="en-US" altLang="ja-JP" sz="1400" dirty="0"/>
-              <a:t>:</a:t>
-            </a:r>
-          </a:p>
-          <a:p>
-            <a:r>
-              <a:rPr lang="en-US" altLang="ja-JP" sz="1400" dirty="0"/>
-              <a:t>    - { </a:t>
-            </a:r>
-            <a:r>
-              <a:rPr lang="en-US" altLang="ja-JP" sz="1400" dirty="0" err="1"/>
-              <a:t>dir</a:t>
-            </a:r>
-            <a:r>
-              <a:rPr lang="en-US" altLang="ja-JP" sz="1400" dirty="0"/>
-              <a:t>: "{{ VAR_dir_name_1 }}" }</a:t>
-            </a:r>
-          </a:p>
-          <a:p>
-            <a:r>
-              <a:rPr lang="en-US" altLang="ja-JP" sz="1400" dirty="0"/>
-              <a:t>    - { </a:t>
-            </a:r>
-            <a:r>
-              <a:rPr lang="en-US" altLang="ja-JP" sz="1400" dirty="0" err="1"/>
-              <a:t>dir</a:t>
-            </a:r>
-            <a:r>
-              <a:rPr lang="en-US" altLang="ja-JP" sz="1400" dirty="0"/>
-              <a:t>: "{{ VAR_dir_name_2 }}" }</a:t>
-            </a:r>
-          </a:p>
-          <a:p>
-            <a:endParaRPr lang="en-US" altLang="ja-JP" sz="1400" dirty="0"/>
-          </a:p>
-          <a:p>
-            <a:r>
-              <a:rPr lang="en-US" altLang="ja-JP" sz="1400" dirty="0"/>
-              <a:t>- name: remove directory </a:t>
+              <a:t>name: remove directory </a:t>
             </a:r>
           </a:p>
           <a:p>
@@ -37792,14 +41141,27 @@
               <a:t>tmp</a:t>
             </a:r>
             <a:r>
+              <a:rPr lang="en-US" altLang="ja-JP" sz="1400" dirty="0" smtClean="0"/>
+              <a:t>/{{</a:t>
+            </a:r>
+            <a:r>
               <a:rPr lang="en-US" altLang="ja-JP" sz="1400" dirty="0"/>
-              <a:t>/{{ VAR_dir_name_1 }}</a:t>
-            </a:r>
+              <a:t>VAR_dir_name_1 </a:t>
+            </a:r>
+            <a:r>
+              <a:rPr lang="en-US" altLang="ja-JP" sz="1400" dirty="0" smtClean="0"/>
+              <a:t>}}</a:t>
+            </a:r>
+            <a:endParaRPr lang="en-US" altLang="ja-JP" sz="1400" dirty="0"/>
           </a:p>
           <a:p>
             <a:r>
               <a:rPr lang="en-US" altLang="ja-JP" sz="1400" dirty="0"/>
-              <a:t>    state=absent</a:t>
+              <a:t>    </a:t>
+            </a:r>
+            <a:r>
+              <a:rPr lang="en-US" altLang="ja-JP" sz="1400" dirty="0" smtClean="0"/>
+              <a:t>state=absent</a:t>
             </a:r>
           </a:p>
           <a:p>
@@ -37827,8 +41189,16 @@
               <a:t>tmp</a:t>
             </a:r>
             <a:r>
+              <a:rPr lang="en-US" altLang="ja-JP" sz="1400" dirty="0" smtClean="0"/>
+              <a:t>/{{</a:t>
+            </a:r>
+            <a:r>
               <a:rPr lang="en-US" altLang="ja-JP" sz="1400" dirty="0"/>
-              <a:t>/{{ VAR_dir_name_1 }}/{{ </a:t>
+              <a:t>VAR_dir_name_1 </a:t>
+            </a:r>
+            <a:r>
+              <a:rPr lang="en-US" altLang="ja-JP" sz="1400" dirty="0" smtClean="0"/>
+              <a:t>}}/{{</a:t>
             </a:r>
             <a:r>
               <a:rPr lang="en-US" altLang="ja-JP" sz="1400" dirty="0" err="1"/>
@@ -37836,20 +41206,30 @@
             </a:r>
             <a:r>
               <a:rPr lang="en-US" altLang="ja-JP" sz="1400" dirty="0"/>
-              <a:t> }}</a:t>
+              <a:t> </a:t>
+            </a:r>
+            <a:r>
+              <a:rPr lang="en-US" altLang="ja-JP" sz="1400" dirty="0" smtClean="0"/>
+              <a:t>}}</a:t>
             </a:r>
           </a:p>
           <a:p>
             <a:r>
               <a:rPr lang="en-US" altLang="ja-JP" sz="1400" dirty="0"/>
-              <a:t>    state=touch</a:t>
-            </a:r>
+              <a:t> </a:t>
+            </a:r>
+            <a:r>
+              <a:rPr lang="en-US" altLang="ja-JP" sz="1400" dirty="0" smtClean="0"/>
+              <a:t>   state=touch</a:t>
+            </a:r>
+            <a:endParaRPr lang="en-US" altLang="ja-JP" sz="1400" dirty="0"/>
           </a:p>
           <a:p>
             <a:r>
               <a:rPr lang="en-US" altLang="ja-JP" sz="1400" dirty="0"/>
               <a:t>    mode=0755</a:t>
             </a:r>
+            <a:endParaRPr lang="en-US" altLang="ja-JP" sz="1400" dirty="0" smtClean="0"/>
           </a:p>
           <a:p>
             <a:endParaRPr lang="en-US" altLang="ja-JP" sz="1400" dirty="0">

--- a/asset/Learn/ITA-Conductor_practice_en.pptx
+++ b/asset/Learn/ITA-Conductor_practice_en.pptx
@@ -330,7 +330,7 @@
               <a:rPr kumimoji="1" lang="ja-JP" altLang="en-US" smtClean="0">
                 <a:ea typeface="メイリオ" panose="020B0604030504040204" pitchFamily="50" charset="-128"/>
               </a:rPr>
-              <a:t>2022/2/2</a:t>
+              <a:t>2022/6/22</a:t>
             </a:fld>
             <a:endParaRPr kumimoji="1" lang="ja-JP" altLang="en-US" dirty="0">
               <a:ea typeface="メイリオ" panose="020B0604030504040204" pitchFamily="50" charset="-128"/>
@@ -476,7 +476,7 @@
             <a:fld id="{4B26993D-C081-44EB-B0F5-A9F467792B62}" type="datetimeFigureOut">
               <a:rPr lang="ja-JP" altLang="en-US" smtClean="0"/>
               <a:pPr/>
-              <a:t>2022/2/2</a:t>
+              <a:t>2022/6/22</a:t>
             </a:fld>
             <a:endParaRPr lang="ja-JP" altLang="en-US" dirty="0"/>
           </a:p>
@@ -4377,7 +4377,7 @@
           <a:p>
             <a:fld id="{56F9016B-CCA6-43BE-8BEE-59565A35F4F7}" type="datetimeFigureOut">
               <a:rPr kumimoji="1" lang="ja-JP" altLang="en-US" smtClean="0"/>
-              <a:t>2022/2/2</a:t>
+              <a:t>2022/6/22</a:t>
             </a:fld>
             <a:endParaRPr kumimoji="1" lang="ja-JP" altLang="en-US"/>
           </a:p>
@@ -4579,7 +4579,7 @@
           <a:p>
             <a:fld id="{56F9016B-CCA6-43BE-8BEE-59565A35F4F7}" type="datetimeFigureOut">
               <a:rPr kumimoji="1" lang="ja-JP" altLang="en-US" smtClean="0"/>
-              <a:t>2022/2/2</a:t>
+              <a:t>2022/6/22</a:t>
             </a:fld>
             <a:endParaRPr kumimoji="1" lang="ja-JP" altLang="en-US"/>
           </a:p>
@@ -4825,7 +4825,7 @@
           <a:p>
             <a:fld id="{56F9016B-CCA6-43BE-8BEE-59565A35F4F7}" type="datetimeFigureOut">
               <a:rPr kumimoji="1" lang="ja-JP" altLang="en-US" smtClean="0"/>
-              <a:t>2022/2/2</a:t>
+              <a:t>2022/6/22</a:t>
             </a:fld>
             <a:endParaRPr kumimoji="1" lang="ja-JP" altLang="en-US"/>
           </a:p>
@@ -5121,7 +5121,7 @@
           <a:p>
             <a:fld id="{56F9016B-CCA6-43BE-8BEE-59565A35F4F7}" type="datetimeFigureOut">
               <a:rPr kumimoji="1" lang="ja-JP" altLang="en-US" smtClean="0"/>
-              <a:t>2022/2/2</a:t>
+              <a:t>2022/6/22</a:t>
             </a:fld>
             <a:endParaRPr kumimoji="1" lang="ja-JP" altLang="en-US"/>
           </a:p>
@@ -5552,7 +5552,7 @@
           <a:p>
             <a:fld id="{56F9016B-CCA6-43BE-8BEE-59565A35F4F7}" type="datetimeFigureOut">
               <a:rPr kumimoji="1" lang="ja-JP" altLang="en-US" smtClean="0"/>
-              <a:t>2022/2/2</a:t>
+              <a:t>2022/6/22</a:t>
             </a:fld>
             <a:endParaRPr kumimoji="1" lang="ja-JP" altLang="en-US"/>
           </a:p>
@@ -5670,7 +5670,7 @@
           <a:p>
             <a:fld id="{56F9016B-CCA6-43BE-8BEE-59565A35F4F7}" type="datetimeFigureOut">
               <a:rPr kumimoji="1" lang="ja-JP" altLang="en-US" smtClean="0"/>
-              <a:t>2022/2/2</a:t>
+              <a:t>2022/6/22</a:t>
             </a:fld>
             <a:endParaRPr kumimoji="1" lang="ja-JP" altLang="en-US"/>
           </a:p>
@@ -5765,7 +5765,7 @@
           <a:p>
             <a:fld id="{56F9016B-CCA6-43BE-8BEE-59565A35F4F7}" type="datetimeFigureOut">
               <a:rPr kumimoji="1" lang="ja-JP" altLang="en-US" smtClean="0"/>
-              <a:t>2022/2/2</a:t>
+              <a:t>2022/6/22</a:t>
             </a:fld>
             <a:endParaRPr kumimoji="1" lang="ja-JP" altLang="en-US"/>
           </a:p>
@@ -6074,7 +6074,7 @@
           <a:p>
             <a:fld id="{56F9016B-CCA6-43BE-8BEE-59565A35F4F7}" type="datetimeFigureOut">
               <a:rPr kumimoji="1" lang="ja-JP" altLang="en-US" smtClean="0"/>
-              <a:t>2022/2/2</a:t>
+              <a:t>2022/6/22</a:t>
             </a:fld>
             <a:endParaRPr kumimoji="1" lang="ja-JP" altLang="en-US"/>
           </a:p>
@@ -6327,7 +6327,7 @@
           <a:p>
             <a:fld id="{56F9016B-CCA6-43BE-8BEE-59565A35F4F7}" type="datetimeFigureOut">
               <a:rPr kumimoji="1" lang="ja-JP" altLang="en-US" smtClean="0"/>
-              <a:t>2022/2/2</a:t>
+              <a:t>2022/6/22</a:t>
             </a:fld>
             <a:endParaRPr kumimoji="1" lang="ja-JP" altLang="en-US"/>
           </a:p>
@@ -6604,7 +6604,7 @@
           <a:p>
             <a:fld id="{56F9016B-CCA6-43BE-8BEE-59565A35F4F7}" type="datetimeFigureOut">
               <a:rPr kumimoji="1" lang="ja-JP" altLang="en-US" smtClean="0"/>
-              <a:t>2022/2/2</a:t>
+              <a:t>2022/6/22</a:t>
             </a:fld>
             <a:endParaRPr kumimoji="1" lang="ja-JP" altLang="en-US"/>
           </a:p>
@@ -6816,7 +6816,7 @@
           <a:p>
             <a:fld id="{56F9016B-CCA6-43BE-8BEE-59565A35F4F7}" type="datetimeFigureOut">
               <a:rPr kumimoji="1" lang="ja-JP" altLang="en-US" smtClean="0"/>
-              <a:t>2022/2/2</a:t>
+              <a:t>2022/6/22</a:t>
             </a:fld>
             <a:endParaRPr kumimoji="1" lang="ja-JP" altLang="en-US"/>
           </a:p>
@@ -9875,7 +9875,7 @@
           <a:p>
             <a:fld id="{56F9016B-CCA6-43BE-8BEE-59565A35F4F7}" type="datetimeFigureOut">
               <a:rPr kumimoji="1" lang="ja-JP" altLang="en-US" smtClean="0"/>
-              <a:t>2022/2/2</a:t>
+              <a:t>2022/6/22</a:t>
             </a:fld>
             <a:endParaRPr kumimoji="1" lang="ja-JP" altLang="en-US"/>
           </a:p>
@@ -10309,8 +10309,13 @@
           <a:p>
             <a:r>
               <a:rPr lang="en-US" altLang="ja-JP" dirty="0" smtClean="0"/>
-              <a:t>Exastro IT Automation Version 1.9</a:t>
-            </a:r>
+              <a:t>Exastro IT Automation Version </a:t>
+            </a:r>
+            <a:r>
+              <a:rPr lang="en-US" altLang="ja-JP" dirty="0" smtClean="0"/>
+              <a:t>1.10</a:t>
+            </a:r>
+            <a:endParaRPr lang="en-US" altLang="ja-JP" dirty="0" smtClean="0"/>
           </a:p>
           <a:p>
             <a:r>
@@ -11024,7 +11029,6 @@
               <a:rPr lang="en-US" altLang="ja-JP" dirty="0" smtClean="0"/>
               <a:t>Click the “Register” button.</a:t>
             </a:r>
-            <a:endParaRPr lang="en-US" altLang="ja-JP" dirty="0" smtClean="0"/>
           </a:p>
           <a:p>
             <a:pPr marL="0" indent="0">
@@ -30762,11 +30766,7 @@
             </a:r>
             <a:r>
               <a:rPr lang="en-US" altLang="ja-JP" sz="1800" dirty="0" smtClean="0"/>
-              <a:t>shown in </a:t>
-            </a:r>
-            <a:r>
-              <a:rPr lang="en-US" altLang="ja-JP" sz="1800" dirty="0" smtClean="0"/>
-              <a:t>the figure below.</a:t>
+              <a:t>shown in the figure below.</a:t>
             </a:r>
           </a:p>
         </p:txBody>
@@ -33058,7 +33058,13 @@
               <a:rPr lang="en-US" altLang="ja-JP" sz="1400" dirty="0" smtClean="0">
                 <a:latin typeface="+mn-ea"/>
               </a:rPr>
-              <a:t>Conductor Branches the next process according to the</a:t>
+              <a:t>Conditional </a:t>
+            </a:r>
+            <a:r>
+              <a:rPr lang="en-US" altLang="ja-JP" sz="1400" dirty="0" smtClean="0">
+                <a:latin typeface="+mn-ea"/>
+              </a:rPr>
+              <a:t>Branches the next process according to the</a:t>
             </a:r>
           </a:p>
           <a:p>
@@ -33324,10 +33330,10 @@
               <a:t>drop a </a:t>
             </a:r>
             <a:r>
-              <a:rPr lang="en-US" altLang="ja-JP" sz="1400" dirty="0">
+              <a:rPr lang="en-US" altLang="ja-JP" sz="1400" dirty="0" smtClean="0">
                 <a:latin typeface="+mn-ea"/>
               </a:rPr>
-              <a:t>Conductor </a:t>
+              <a:t>Conditional </a:t>
             </a:r>
             <a:endParaRPr lang="en-US" altLang="ja-JP" sz="1400" dirty="0" smtClean="0">
               <a:latin typeface="+mn-ea"/>
@@ -34374,12 +34380,6 @@
               </a:rPr>
               <a:t>The “Conductor end” node is placed at the end of the process string.</a:t>
             </a:r>
-            <a:r>
-              <a:rPr lang="en-US" altLang="ja-JP" sz="1400" dirty="0" smtClean="0">
-                <a:latin typeface="+mn-ea"/>
-              </a:rPr>
-              <a:t/>
-            </a:r>
             <a:br>
               <a:rPr lang="en-US" altLang="ja-JP" sz="1400" dirty="0" smtClean="0">
                 <a:latin typeface="+mn-ea"/>
@@ -35044,9 +35044,6 @@
               </a:rPr>
               <a:t>Functions to be executed in parallel.</a:t>
             </a:r>
-            <a:endParaRPr lang="en-US" altLang="ja-JP" sz="1200" dirty="0" smtClean="0">
-              <a:latin typeface="+mn-ea"/>
-            </a:endParaRPr>
           </a:p>
           <a:p>
             <a:pPr marL="285750" indent="-285750">
@@ -35059,9 +35056,6 @@
               </a:rPr>
               <a:t>Users can specify the number of paralleled executed processes.</a:t>
             </a:r>
-            <a:endParaRPr lang="en-US" altLang="ja-JP" sz="1200" dirty="0" smtClean="0">
-              <a:latin typeface="+mn-ea"/>
-            </a:endParaRPr>
           </a:p>
         </p:txBody>
       </p:sp>
@@ -37474,14 +37468,14 @@
           <p:nvPr/>
         </p:nvSpPr>
         <p:spPr>
-          <a:xfrm rot="3036422">
-            <a:off x="2382254" y="1753855"/>
-            <a:ext cx="2435222" cy="2565970"/>
+          <a:xfrm rot="8848510" flipH="1">
+            <a:off x="2427880" y="2207611"/>
+            <a:ext cx="2048822" cy="3095044"/>
           </a:xfrm>
           <a:prstGeom prst="swooshArrow">
             <a:avLst>
               <a:gd name="adj1" fmla="val 6903"/>
-              <a:gd name="adj2" fmla="val 25000"/>
+              <a:gd name="adj2" fmla="val 26451"/>
             </a:avLst>
           </a:prstGeom>
           <a:solidFill>
@@ -37544,7 +37538,7 @@
         </p:blipFill>
         <p:spPr>
           <a:xfrm>
-            <a:off x="5220090" y="3163596"/>
+            <a:off x="5220090" y="3212970"/>
             <a:ext cx="3816530" cy="3289591"/>
           </a:xfrm>
           <a:prstGeom prst="rect">
@@ -37552,6 +37546,111 @@
           </a:prstGeom>
         </p:spPr>
       </p:pic>
+      <p:sp>
+        <p:nvSpPr>
+          <p:cNvPr id="9" name="図形 8"/>
+          <p:cNvSpPr/>
+          <p:nvPr/>
+        </p:nvSpPr>
+        <p:spPr>
+          <a:xfrm rot="4331938">
+            <a:off x="6310936" y="2792372"/>
+            <a:ext cx="761340" cy="889786"/>
+          </a:xfrm>
+          <a:prstGeom prst="swooshArrow">
+            <a:avLst>
+              <a:gd name="adj1" fmla="val 6903"/>
+              <a:gd name="adj2" fmla="val 26451"/>
+            </a:avLst>
+          </a:prstGeom>
+          <a:solidFill>
+            <a:srgbClr val="FF0000"/>
+          </a:solidFill>
+          <a:ln w="28575">
+            <a:noFill/>
+          </a:ln>
+        </p:spPr>
+        <p:style>
+          <a:lnRef idx="0">
+            <a:schemeClr val="accent1">
+              <a:hueOff val="0"/>
+              <a:satOff val="0"/>
+              <a:lumOff val="0"/>
+              <a:alphaOff val="0"/>
+            </a:schemeClr>
+          </a:lnRef>
+          <a:fillRef idx="1">
+            <a:schemeClr val="accent1">
+              <a:tint val="40000"/>
+              <a:hueOff val="0"/>
+              <a:satOff val="0"/>
+              <a:lumOff val="0"/>
+              <a:alphaOff val="0"/>
+            </a:schemeClr>
+          </a:fillRef>
+          <a:effectRef idx="0">
+            <a:schemeClr val="accent1">
+              <a:tint val="40000"/>
+              <a:hueOff val="0"/>
+              <a:satOff val="0"/>
+              <a:lumOff val="0"/>
+              <a:alphaOff val="0"/>
+            </a:schemeClr>
+          </a:effectRef>
+          <a:fontRef idx="minor">
+            <a:schemeClr val="dk1">
+              <a:hueOff val="0"/>
+              <a:satOff val="0"/>
+              <a:lumOff val="0"/>
+              <a:alphaOff val="0"/>
+            </a:schemeClr>
+          </a:fontRef>
+        </p:style>
+      </p:sp>
+      <p:sp>
+        <p:nvSpPr>
+          <p:cNvPr id="10" name="角丸四角形 9"/>
+          <p:cNvSpPr/>
+          <p:nvPr/>
+        </p:nvSpPr>
+        <p:spPr bwMode="auto">
+          <a:xfrm>
+            <a:off x="5178626" y="2874209"/>
+            <a:ext cx="1008140" cy="288040"/>
+          </a:xfrm>
+          <a:prstGeom prst="roundRect">
+            <a:avLst>
+              <a:gd name="adj" fmla="val 5764"/>
+            </a:avLst>
+          </a:prstGeom>
+          <a:noFill/>
+          <a:ln w="28575">
+            <a:solidFill>
+              <a:srgbClr val="FF0000"/>
+            </a:solidFill>
+          </a:ln>
+          <a:effectLst/>
+          <a:extLst/>
+        </p:spPr>
+        <p:txBody>
+          <a:bodyPr rot="0" spcFirstLastPara="0" vertOverflow="overflow" horzOverflow="overflow" vert="horz" wrap="none" lIns="72000" tIns="72000" rIns="72000" bIns="72000" numCol="1" spcCol="0" rtlCol="0" fromWordArt="0" anchor="ctr" anchorCtr="0" forceAA="0" compatLnSpc="1">
+            <a:prstTxWarp prst="textNoShape">
+              <a:avLst/>
+            </a:prstTxWarp>
+            <a:noAutofit/>
+          </a:bodyPr>
+          <a:lstStyle/>
+          <a:p>
+            <a:pPr algn="ctr"/>
+            <a:endParaRPr kumimoji="1" lang="ja-JP" altLang="en-US" sz="1400" b="1" dirty="0" smtClean="0">
+              <a:solidFill>
+                <a:srgbClr val="FF0000"/>
+              </a:solidFill>
+              <a:latin typeface="+mn-ea"/>
+            </a:endParaRPr>
+          </a:p>
+        </p:txBody>
+      </p:sp>
     </p:spTree>
     <p:extLst>
       <p:ext uri="{BB962C8B-B14F-4D97-AF65-F5344CB8AC3E}">
@@ -38421,11 +38520,7 @@
             </a:pPr>
             <a:r>
               <a:rPr lang="en-US" altLang="ja-JP" dirty="0" smtClean="0"/>
-              <a:t>The Scenario used in this document is as </a:t>
-            </a:r>
-            <a:r>
-              <a:rPr lang="en-US" altLang="ja-JP" dirty="0" smtClean="0"/>
-              <a:t>following.</a:t>
+              <a:t>The Scenario used in this document is as following.</a:t>
             </a:r>
           </a:p>
           <a:p>
@@ -41048,8 +41143,8 @@
         </p:nvSpPr>
         <p:spPr>
           <a:xfrm>
-            <a:off x="395420" y="2420788"/>
-            <a:ext cx="6408890" cy="3888308"/>
+            <a:off x="395420" y="2276840"/>
+            <a:ext cx="6408890" cy="4141676"/>
           </a:xfrm>
           <a:prstGeom prst="rect">
             <a:avLst/>
@@ -41068,12 +41163,8 @@
           <a:lstStyle/>
           <a:p>
             <a:r>
-              <a:rPr lang="en-US" altLang="ja-JP" sz="1400" dirty="0" smtClean="0"/>
-              <a:t>- </a:t>
-            </a:r>
-            <a:r>
               <a:rPr lang="en-US" altLang="ja-JP" sz="1400" dirty="0"/>
-              <a:t>name: create directory</a:t>
+              <a:t>- name: create directory</a:t>
             </a:r>
           </a:p>
           <a:p>
@@ -41085,28 +41176,155 @@
           <a:p>
             <a:r>
               <a:rPr lang="en-US" altLang="ja-JP" sz="1400" dirty="0"/>
-              <a:t>    path=/</a:t>
+              <a:t>    path: /</a:t>
             </a:r>
             <a:r>
               <a:rPr lang="en-US" altLang="ja-JP" sz="1400" dirty="0" err="1"/>
               <a:t>tmp</a:t>
             </a:r>
             <a:r>
-              <a:rPr lang="en-US" altLang="ja-JP" sz="1400" dirty="0" smtClean="0"/>
+              <a:rPr lang="en-US" altLang="ja-JP" sz="1400" dirty="0"/>
+              <a:t>/{{ </a:t>
+            </a:r>
+            <a:r>
+              <a:rPr lang="en-US" altLang="ja-JP" sz="1400" dirty="0" err="1"/>
+              <a:t>item.dir</a:t>
+            </a:r>
+            <a:r>
+              <a:rPr lang="en-US" altLang="ja-JP" sz="1400" dirty="0"/>
+              <a:t> }}</a:t>
+            </a:r>
+          </a:p>
+          <a:p>
+            <a:r>
+              <a:rPr lang="en-US" altLang="ja-JP" sz="1400" dirty="0"/>
+              <a:t>    state: directory</a:t>
+            </a:r>
+          </a:p>
+          <a:p>
+            <a:r>
+              <a:rPr lang="en-US" altLang="ja-JP" sz="1400" dirty="0"/>
+              <a:t>    mode: 0755</a:t>
+            </a:r>
+          </a:p>
+          <a:p>
+            <a:r>
+              <a:rPr lang="en-US" altLang="ja-JP" sz="1400" dirty="0"/>
+              <a:t>  </a:t>
+            </a:r>
+            <a:r>
+              <a:rPr lang="en-US" altLang="ja-JP" sz="1400" dirty="0" err="1"/>
+              <a:t>with_items</a:t>
+            </a:r>
+            <a:r>
+              <a:rPr lang="en-US" altLang="ja-JP" sz="1400" dirty="0"/>
+              <a:t>:</a:t>
+            </a:r>
+          </a:p>
+          <a:p>
+            <a:r>
+              <a:rPr lang="en-US" altLang="ja-JP" sz="1400" dirty="0"/>
+              <a:t>    - { </a:t>
+            </a:r>
+            <a:r>
+              <a:rPr lang="en-US" altLang="ja-JP" sz="1400" dirty="0" err="1"/>
+              <a:t>dir</a:t>
+            </a:r>
+            <a:r>
+              <a:rPr lang="en-US" altLang="ja-JP" sz="1400" dirty="0"/>
+              <a:t>: "{{ VAR_dir_name_1 }}" }</a:t>
+            </a:r>
+          </a:p>
+          <a:p>
+            <a:r>
+              <a:rPr lang="en-US" altLang="ja-JP" sz="1400" dirty="0"/>
+              <a:t>    - { </a:t>
+            </a:r>
+            <a:r>
+              <a:rPr lang="en-US" altLang="ja-JP" sz="1400" dirty="0" err="1"/>
+              <a:t>dir</a:t>
+            </a:r>
+            <a:r>
+              <a:rPr lang="en-US" altLang="ja-JP" sz="1400" dirty="0"/>
+              <a:t>: "{{ VAR_dir_name_2 }}" }</a:t>
+            </a:r>
+          </a:p>
+          <a:p>
+            <a:endParaRPr lang="en-US" altLang="ja-JP" sz="1400" dirty="0"/>
+          </a:p>
+          <a:p>
+            <a:r>
+              <a:rPr lang="en-US" altLang="ja-JP" sz="1400" dirty="0"/>
+              <a:t>- name: remove directory </a:t>
+            </a:r>
+          </a:p>
+          <a:p>
+            <a:r>
+              <a:rPr lang="en-US" altLang="ja-JP" sz="1400" dirty="0"/>
+              <a:t>  file:</a:t>
+            </a:r>
+          </a:p>
+          <a:p>
+            <a:r>
+              <a:rPr lang="en-US" altLang="ja-JP" sz="1400" dirty="0"/>
+              <a:t>    path=/</a:t>
+            </a:r>
+            <a:r>
+              <a:rPr lang="en-US" altLang="ja-JP" sz="1400" dirty="0" err="1"/>
+              <a:t>tmp</a:t>
+            </a:r>
+            <a:r>
+              <a:rPr lang="en-US" altLang="ja-JP" sz="1400" dirty="0"/>
               <a:t>/{{ VAR_dir_name_1 }}</a:t>
             </a:r>
+          </a:p>
+          <a:p>
+            <a:r>
+              <a:rPr lang="en-US" altLang="ja-JP" sz="1400" dirty="0"/>
+              <a:t>    state=absent</a:t>
+            </a:r>
+          </a:p>
+          <a:p>
             <a:endParaRPr lang="en-US" altLang="ja-JP" sz="1400" dirty="0"/>
           </a:p>
           <a:p>
             <a:r>
               <a:rPr lang="en-US" altLang="ja-JP" sz="1400" dirty="0"/>
-              <a:t>    state=directory</a:t>
+              <a:t>- name: create file</a:t>
             </a:r>
           </a:p>
           <a:p>
             <a:r>
               <a:rPr lang="en-US" altLang="ja-JP" sz="1400" dirty="0"/>
-              <a:t>    mode=0755</a:t>
+              <a:t>  file:</a:t>
+            </a:r>
+          </a:p>
+          <a:p>
+            <a:r>
+              <a:rPr lang="en-US" altLang="ja-JP" sz="1400" dirty="0"/>
+              <a:t>    path=/</a:t>
+            </a:r>
+            <a:r>
+              <a:rPr lang="en-US" altLang="ja-JP" sz="1400" dirty="0" err="1"/>
+              <a:t>tmp</a:t>
+            </a:r>
+            <a:r>
+              <a:rPr lang="en-US" altLang="ja-JP" sz="1400" dirty="0"/>
+              <a:t>/{{ VAR_dir_name_1 }}/{{ </a:t>
+            </a:r>
+            <a:r>
+              <a:rPr lang="en-US" altLang="ja-JP" sz="1400" dirty="0" err="1"/>
+              <a:t>VAR_file_name</a:t>
+            </a:r>
+            <a:r>
+              <a:rPr lang="en-US" altLang="ja-JP" sz="1400" dirty="0"/>
+              <a:t> }}</a:t>
+            </a:r>
+          </a:p>
+          <a:p>
+            <a:r>
+              <a:rPr lang="en-US" altLang="ja-JP" sz="1400" dirty="0"/>
+              <a:t>    state=touch</a:t>
             </a:r>
           </a:p>
           <a:p>
@@ -41114,129 +41332,11 @@
               <a:rPr lang="en-US" altLang="ja-JP" sz="1400" dirty="0"/>
               <a:t>    </a:t>
             </a:r>
-          </a:p>
-          <a:p>
             <a:r>
               <a:rPr lang="en-US" altLang="ja-JP" sz="1400" dirty="0" smtClean="0"/>
-              <a:t>- </a:t>
-            </a:r>
-            <a:r>
-              <a:rPr lang="en-US" altLang="ja-JP" sz="1400" dirty="0"/>
-              <a:t>name: remove directory </a:t>
-            </a:r>
-          </a:p>
-          <a:p>
-            <a:r>
-              <a:rPr lang="en-US" altLang="ja-JP" sz="1400" dirty="0"/>
-              <a:t>  file:</a:t>
-            </a:r>
-          </a:p>
-          <a:p>
-            <a:r>
-              <a:rPr lang="en-US" altLang="ja-JP" sz="1400" dirty="0"/>
-              <a:t>    path=/</a:t>
-            </a:r>
-            <a:r>
-              <a:rPr lang="en-US" altLang="ja-JP" sz="1400" dirty="0" err="1"/>
-              <a:t>tmp</a:t>
-            </a:r>
-            <a:r>
-              <a:rPr lang="en-US" altLang="ja-JP" sz="1400" dirty="0" smtClean="0"/>
-              <a:t>/{{</a:t>
-            </a:r>
-            <a:r>
-              <a:rPr lang="en-US" altLang="ja-JP" sz="1400" dirty="0"/>
-              <a:t>VAR_dir_name_1 </a:t>
-            </a:r>
-            <a:r>
-              <a:rPr lang="en-US" altLang="ja-JP" sz="1400" dirty="0" smtClean="0"/>
-              <a:t>}}</a:t>
+              <a:t>mode=0755</a:t>
             </a:r>
             <a:endParaRPr lang="en-US" altLang="ja-JP" sz="1400" dirty="0"/>
-          </a:p>
-          <a:p>
-            <a:r>
-              <a:rPr lang="en-US" altLang="ja-JP" sz="1400" dirty="0"/>
-              <a:t>    </a:t>
-            </a:r>
-            <a:r>
-              <a:rPr lang="en-US" altLang="ja-JP" sz="1400" dirty="0" smtClean="0"/>
-              <a:t>state=absent</a:t>
-            </a:r>
-          </a:p>
-          <a:p>
-            <a:endParaRPr lang="en-US" altLang="ja-JP" sz="1400" dirty="0"/>
-          </a:p>
-          <a:p>
-            <a:r>
-              <a:rPr lang="en-US" altLang="ja-JP" sz="1400" dirty="0"/>
-              <a:t>- name: create file</a:t>
-            </a:r>
-          </a:p>
-          <a:p>
-            <a:r>
-              <a:rPr lang="en-US" altLang="ja-JP" sz="1400" dirty="0"/>
-              <a:t>  file:</a:t>
-            </a:r>
-          </a:p>
-          <a:p>
-            <a:r>
-              <a:rPr lang="en-US" altLang="ja-JP" sz="1400" dirty="0"/>
-              <a:t>    path=/</a:t>
-            </a:r>
-            <a:r>
-              <a:rPr lang="en-US" altLang="ja-JP" sz="1400" dirty="0" err="1"/>
-              <a:t>tmp</a:t>
-            </a:r>
-            <a:r>
-              <a:rPr lang="en-US" altLang="ja-JP" sz="1400" dirty="0" smtClean="0"/>
-              <a:t>/{{</a:t>
-            </a:r>
-            <a:r>
-              <a:rPr lang="en-US" altLang="ja-JP" sz="1400" dirty="0"/>
-              <a:t>VAR_dir_name_1 </a:t>
-            </a:r>
-            <a:r>
-              <a:rPr lang="en-US" altLang="ja-JP" sz="1400" dirty="0" smtClean="0"/>
-              <a:t>}}/{{</a:t>
-            </a:r>
-            <a:r>
-              <a:rPr lang="en-US" altLang="ja-JP" sz="1400" dirty="0" err="1"/>
-              <a:t>VAR_file_name</a:t>
-            </a:r>
-            <a:r>
-              <a:rPr lang="en-US" altLang="ja-JP" sz="1400" dirty="0"/>
-              <a:t> </a:t>
-            </a:r>
-            <a:r>
-              <a:rPr lang="en-US" altLang="ja-JP" sz="1400" dirty="0" smtClean="0"/>
-              <a:t>}}</a:t>
-            </a:r>
-          </a:p>
-          <a:p>
-            <a:r>
-              <a:rPr lang="en-US" altLang="ja-JP" sz="1400" dirty="0"/>
-              <a:t> </a:t>
-            </a:r>
-            <a:r>
-              <a:rPr lang="en-US" altLang="ja-JP" sz="1400" dirty="0" smtClean="0"/>
-              <a:t>   state=touch</a:t>
-            </a:r>
-            <a:endParaRPr lang="en-US" altLang="ja-JP" sz="1400" dirty="0"/>
-          </a:p>
-          <a:p>
-            <a:r>
-              <a:rPr lang="en-US" altLang="ja-JP" sz="1400" dirty="0"/>
-              <a:t>    mode=0755</a:t>
-            </a:r>
-            <a:endParaRPr lang="en-US" altLang="ja-JP" sz="1400" dirty="0" smtClean="0"/>
-          </a:p>
-          <a:p>
-            <a:endParaRPr lang="en-US" altLang="ja-JP" sz="1400" dirty="0">
-              <a:solidFill>
-                <a:srgbClr val="FF0000"/>
-              </a:solidFill>
-            </a:endParaRPr>
           </a:p>
         </p:txBody>
       </p:sp>
